--- a/public/js/tasks/blind_dating/media/Blind_dating_game_instructions.pptx
+++ b/public/js/tasks/blind_dating/media/Blind_dating_game_instructions.pptx
@@ -5,7 +5,7 @@
     <p:sldMasterId id="2147483660" r:id="rId1"/>
   </p:sldMasterIdLst>
   <p:notesMasterIdLst>
-    <p:notesMasterId r:id="rId20"/>
+    <p:notesMasterId r:id="rId24"/>
   </p:notesMasterIdLst>
   <p:sldIdLst>
     <p:sldId id="498" r:id="rId2"/>
@@ -15,17 +15,21 @@
     <p:sldId id="523" r:id="rId6"/>
     <p:sldId id="510" r:id="rId7"/>
     <p:sldId id="514" r:id="rId8"/>
-    <p:sldId id="515" r:id="rId9"/>
-    <p:sldId id="524" r:id="rId10"/>
-    <p:sldId id="511" r:id="rId11"/>
-    <p:sldId id="512" r:id="rId12"/>
-    <p:sldId id="517" r:id="rId13"/>
-    <p:sldId id="519" r:id="rId14"/>
-    <p:sldId id="513" r:id="rId15"/>
-    <p:sldId id="525" r:id="rId16"/>
-    <p:sldId id="520" r:id="rId17"/>
-    <p:sldId id="518" r:id="rId18"/>
-    <p:sldId id="526" r:id="rId19"/>
+    <p:sldId id="527" r:id="rId9"/>
+    <p:sldId id="515" r:id="rId10"/>
+    <p:sldId id="524" r:id="rId11"/>
+    <p:sldId id="511" r:id="rId12"/>
+    <p:sldId id="528" r:id="rId13"/>
+    <p:sldId id="512" r:id="rId14"/>
+    <p:sldId id="517" r:id="rId15"/>
+    <p:sldId id="529" r:id="rId16"/>
+    <p:sldId id="519" r:id="rId17"/>
+    <p:sldId id="513" r:id="rId18"/>
+    <p:sldId id="525" r:id="rId19"/>
+    <p:sldId id="520" r:id="rId20"/>
+    <p:sldId id="518" r:id="rId21"/>
+    <p:sldId id="526" r:id="rId22"/>
+    <p:sldId id="530" r:id="rId23"/>
   </p:sldIdLst>
   <p:sldSz cx="12192000" cy="6858000"/>
   <p:notesSz cx="6858000" cy="9144000"/>
@@ -225,7 +229,7 @@
           <a:p>
             <a:fld id="{5ACDFB13-8C7E-2148-B293-047F9641DD71}" type="datetimeFigureOut">
               <a:rPr lang="en-US" smtClean="0"/>
-              <a:t>7/8/22</a:t>
+              <a:t>7/11/22</a:t>
             </a:fld>
             <a:endParaRPr lang="en-US" dirty="0"/>
           </a:p>
@@ -657,18 +661,78 @@
           <a:bodyPr/>
           <a:lstStyle/>
           <a:p>
+            <a:pPr marL="0" marR="0" lvl="0" indent="0" algn="r" defTabSz="457200" rtl="0" eaLnBrk="1" fontAlgn="auto" latinLnBrk="0" hangingPunct="1">
+              <a:lnSpc>
+                <a:spcPct val="100000"/>
+              </a:lnSpc>
+              <a:spcBef>
+                <a:spcPts val="0"/>
+              </a:spcBef>
+              <a:spcAft>
+                <a:spcPts val="0"/>
+              </a:spcAft>
+              <a:buClrTx/>
+              <a:buSzTx/>
+              <a:buFontTx/>
+              <a:buNone/>
+              <a:tabLst/>
+              <a:defRPr/>
+            </a:pPr>
             <a:fld id="{BCAE12D7-AE97-9243-8341-9A20FCA5A307}" type="slidenum">
-              <a:rPr lang="en-US" smtClean="0"/>
+              <a:rPr kumimoji="0" lang="en-US" sz="1200" b="0" i="0" u="none" strike="noStrike" kern="1200" cap="none" spc="0" normalizeH="0" baseline="0" noProof="0" smtClean="0">
+                <a:ln>
+                  <a:noFill/>
+                </a:ln>
+                <a:solidFill>
+                  <a:prstClr val="black"/>
+                </a:solidFill>
+                <a:effectLst/>
+                <a:uLnTx/>
+                <a:uFillTx/>
+                <a:latin typeface="Calibri"/>
+                <a:ea typeface="+mn-ea"/>
+                <a:cs typeface="+mn-cs"/>
+              </a:rPr>
+              <a:pPr marL="0" marR="0" lvl="0" indent="0" algn="r" defTabSz="457200" rtl="0" eaLnBrk="1" fontAlgn="auto" latinLnBrk="0" hangingPunct="1">
+                <a:lnSpc>
+                  <a:spcPct val="100000"/>
+                </a:lnSpc>
+                <a:spcBef>
+                  <a:spcPts val="0"/>
+                </a:spcBef>
+                <a:spcAft>
+                  <a:spcPts val="0"/>
+                </a:spcAft>
+                <a:buClrTx/>
+                <a:buSzTx/>
+                <a:buFontTx/>
+                <a:buNone/>
+                <a:tabLst/>
+                <a:defRPr/>
+              </a:pPr>
               <a:t>10</a:t>
             </a:fld>
-            <a:endParaRPr lang="en-US"/>
+            <a:endParaRPr kumimoji="0" lang="en-US" sz="1200" b="0" i="0" u="none" strike="noStrike" kern="1200" cap="none" spc="0" normalizeH="0" baseline="0" noProof="0">
+              <a:ln>
+                <a:noFill/>
+              </a:ln>
+              <a:solidFill>
+                <a:prstClr val="black"/>
+              </a:solidFill>
+              <a:effectLst/>
+              <a:uLnTx/>
+              <a:uFillTx/>
+              <a:latin typeface="Calibri"/>
+              <a:ea typeface="+mn-ea"/>
+              <a:cs typeface="+mn-cs"/>
+            </a:endParaRPr>
           </a:p>
         </p:txBody>
       </p:sp>
     </p:spTree>
     <p:extLst>
       <p:ext uri="{BB962C8B-B14F-4D97-AF65-F5344CB8AC3E}">
-        <p14:creationId xmlns:p14="http://schemas.microsoft.com/office/powerpoint/2010/main" val="3558319824"/>
+        <p14:creationId xmlns:p14="http://schemas.microsoft.com/office/powerpoint/2010/main" val="2317324210"/>
       </p:ext>
     </p:extLst>
   </p:cSld>
@@ -757,7 +821,7 @@
     </p:spTree>
     <p:extLst>
       <p:ext uri="{BB962C8B-B14F-4D97-AF65-F5344CB8AC3E}">
-        <p14:creationId xmlns:p14="http://schemas.microsoft.com/office/powerpoint/2010/main" val="12532772"/>
+        <p14:creationId xmlns:p14="http://schemas.microsoft.com/office/powerpoint/2010/main" val="3558319824"/>
       </p:ext>
     </p:extLst>
   </p:cSld>
@@ -846,7 +910,7 @@
     </p:spTree>
     <p:extLst>
       <p:ext uri="{BB962C8B-B14F-4D97-AF65-F5344CB8AC3E}">
-        <p14:creationId xmlns:p14="http://schemas.microsoft.com/office/powerpoint/2010/main" val="3265004476"/>
+        <p14:creationId xmlns:p14="http://schemas.microsoft.com/office/powerpoint/2010/main" val="1306816572"/>
       </p:ext>
     </p:extLst>
   </p:cSld>
@@ -935,7 +999,7 @@
     </p:spTree>
     <p:extLst>
       <p:ext uri="{BB962C8B-B14F-4D97-AF65-F5344CB8AC3E}">
-        <p14:creationId xmlns:p14="http://schemas.microsoft.com/office/powerpoint/2010/main" val="2060704824"/>
+        <p14:creationId xmlns:p14="http://schemas.microsoft.com/office/powerpoint/2010/main" val="12532772"/>
       </p:ext>
     </p:extLst>
   </p:cSld>
@@ -1024,7 +1088,7 @@
     </p:spTree>
     <p:extLst>
       <p:ext uri="{BB962C8B-B14F-4D97-AF65-F5344CB8AC3E}">
-        <p14:creationId xmlns:p14="http://schemas.microsoft.com/office/powerpoint/2010/main" val="1425229177"/>
+        <p14:creationId xmlns:p14="http://schemas.microsoft.com/office/powerpoint/2010/main" val="3265004476"/>
       </p:ext>
     </p:extLst>
   </p:cSld>
@@ -1102,78 +1166,18 @@
           <a:bodyPr/>
           <a:lstStyle/>
           <a:p>
-            <a:pPr marL="0" marR="0" lvl="0" indent="0" algn="r" defTabSz="457200" rtl="0" eaLnBrk="1" fontAlgn="auto" latinLnBrk="0" hangingPunct="1">
-              <a:lnSpc>
-                <a:spcPct val="100000"/>
-              </a:lnSpc>
-              <a:spcBef>
-                <a:spcPts val="0"/>
-              </a:spcBef>
-              <a:spcAft>
-                <a:spcPts val="0"/>
-              </a:spcAft>
-              <a:buClrTx/>
-              <a:buSzTx/>
-              <a:buFontTx/>
-              <a:buNone/>
-              <a:tabLst/>
-              <a:defRPr/>
-            </a:pPr>
             <a:fld id="{BCAE12D7-AE97-9243-8341-9A20FCA5A307}" type="slidenum">
-              <a:rPr kumimoji="0" lang="en-US" sz="1200" b="0" i="0" u="none" strike="noStrike" kern="1200" cap="none" spc="0" normalizeH="0" baseline="0" noProof="0" smtClean="0">
-                <a:ln>
-                  <a:noFill/>
-                </a:ln>
-                <a:solidFill>
-                  <a:prstClr val="black"/>
-                </a:solidFill>
-                <a:effectLst/>
-                <a:uLnTx/>
-                <a:uFillTx/>
-                <a:latin typeface="Calibri"/>
-                <a:ea typeface="+mn-ea"/>
-                <a:cs typeface="+mn-cs"/>
-              </a:rPr>
-              <a:pPr marL="0" marR="0" lvl="0" indent="0" algn="r" defTabSz="457200" rtl="0" eaLnBrk="1" fontAlgn="auto" latinLnBrk="0" hangingPunct="1">
-                <a:lnSpc>
-                  <a:spcPct val="100000"/>
-                </a:lnSpc>
-                <a:spcBef>
-                  <a:spcPts val="0"/>
-                </a:spcBef>
-                <a:spcAft>
-                  <a:spcPts val="0"/>
-                </a:spcAft>
-                <a:buClrTx/>
-                <a:buSzTx/>
-                <a:buFontTx/>
-                <a:buNone/>
-                <a:tabLst/>
-                <a:defRPr/>
-              </a:pPr>
+              <a:rPr lang="en-US" smtClean="0"/>
               <a:t>15</a:t>
             </a:fld>
-            <a:endParaRPr kumimoji="0" lang="en-US" sz="1200" b="0" i="0" u="none" strike="noStrike" kern="1200" cap="none" spc="0" normalizeH="0" baseline="0" noProof="0">
-              <a:ln>
-                <a:noFill/>
-              </a:ln>
-              <a:solidFill>
-                <a:prstClr val="black"/>
-              </a:solidFill>
-              <a:effectLst/>
-              <a:uLnTx/>
-              <a:uFillTx/>
-              <a:latin typeface="Calibri"/>
-              <a:ea typeface="+mn-ea"/>
-              <a:cs typeface="+mn-cs"/>
-            </a:endParaRPr>
+            <a:endParaRPr lang="en-US"/>
           </a:p>
         </p:txBody>
       </p:sp>
     </p:spTree>
     <p:extLst>
       <p:ext uri="{BB962C8B-B14F-4D97-AF65-F5344CB8AC3E}">
-        <p14:creationId xmlns:p14="http://schemas.microsoft.com/office/powerpoint/2010/main" val="1874699041"/>
+        <p14:creationId xmlns:p14="http://schemas.microsoft.com/office/powerpoint/2010/main" val="2321477997"/>
       </p:ext>
     </p:extLst>
   </p:cSld>
@@ -1262,7 +1266,7 @@
     </p:spTree>
     <p:extLst>
       <p:ext uri="{BB962C8B-B14F-4D97-AF65-F5344CB8AC3E}">
-        <p14:creationId xmlns:p14="http://schemas.microsoft.com/office/powerpoint/2010/main" val="698415896"/>
+        <p14:creationId xmlns:p14="http://schemas.microsoft.com/office/powerpoint/2010/main" val="2060704824"/>
       </p:ext>
     </p:extLst>
   </p:cSld>
@@ -1351,7 +1355,7 @@
     </p:spTree>
     <p:extLst>
       <p:ext uri="{BB962C8B-B14F-4D97-AF65-F5344CB8AC3E}">
-        <p14:creationId xmlns:p14="http://schemas.microsoft.com/office/powerpoint/2010/main" val="240509388"/>
+        <p14:creationId xmlns:p14="http://schemas.microsoft.com/office/powerpoint/2010/main" val="1425229177"/>
       </p:ext>
     </p:extLst>
   </p:cSld>
@@ -1500,7 +1504,96 @@
     </p:spTree>
     <p:extLst>
       <p:ext uri="{BB962C8B-B14F-4D97-AF65-F5344CB8AC3E}">
-        <p14:creationId xmlns:p14="http://schemas.microsoft.com/office/powerpoint/2010/main" val="1319536521"/>
+        <p14:creationId xmlns:p14="http://schemas.microsoft.com/office/powerpoint/2010/main" val="1874699041"/>
+      </p:ext>
+    </p:extLst>
+  </p:cSld>
+  <p:clrMapOvr>
+    <a:masterClrMapping/>
+  </p:clrMapOvr>
+</p:notes>
+</file>
+
+<file path=ppt/notesSlides/notesSlide19.xml><?xml version="1.0" encoding="utf-8"?>
+<p:notes xmlns:a="http://schemas.openxmlformats.org/drawingml/2006/main" xmlns:r="http://schemas.openxmlformats.org/officeDocument/2006/relationships" xmlns:p="http://schemas.openxmlformats.org/presentationml/2006/main">
+  <p:cSld>
+    <p:spTree>
+      <p:nvGrpSpPr>
+        <p:cNvPr id="1" name=""/>
+        <p:cNvGrpSpPr/>
+        <p:nvPr/>
+      </p:nvGrpSpPr>
+      <p:grpSpPr>
+        <a:xfrm>
+          <a:off x="0" y="0"/>
+          <a:ext cx="0" cy="0"/>
+          <a:chOff x="0" y="0"/>
+          <a:chExt cx="0" cy="0"/>
+        </a:xfrm>
+      </p:grpSpPr>
+      <p:sp>
+        <p:nvSpPr>
+          <p:cNvPr id="2" name="Slide Image Placeholder 1"/>
+          <p:cNvSpPr>
+            <a:spLocks noGrp="1" noRot="1" noChangeAspect="1"/>
+          </p:cNvSpPr>
+          <p:nvPr>
+            <p:ph type="sldImg"/>
+          </p:nvPr>
+        </p:nvSpPr>
+        <p:spPr>
+          <a:xfrm>
+            <a:off x="381000" y="685800"/>
+            <a:ext cx="6096000" cy="3429000"/>
+          </a:xfrm>
+        </p:spPr>
+      </p:sp>
+      <p:sp>
+        <p:nvSpPr>
+          <p:cNvPr id="3" name="Notes Placeholder 2"/>
+          <p:cNvSpPr>
+            <a:spLocks noGrp="1"/>
+          </p:cNvSpPr>
+          <p:nvPr>
+            <p:ph type="body" idx="1"/>
+          </p:nvPr>
+        </p:nvSpPr>
+        <p:spPr/>
+        <p:txBody>
+          <a:bodyPr/>
+          <a:lstStyle/>
+          <a:p>
+            <a:endParaRPr lang="en-US" dirty="0"/>
+          </a:p>
+        </p:txBody>
+      </p:sp>
+      <p:sp>
+        <p:nvSpPr>
+          <p:cNvPr id="4" name="Slide Number Placeholder 3"/>
+          <p:cNvSpPr>
+            <a:spLocks noGrp="1"/>
+          </p:cNvSpPr>
+          <p:nvPr>
+            <p:ph type="sldNum" sz="quarter" idx="10"/>
+          </p:nvPr>
+        </p:nvSpPr>
+        <p:spPr/>
+        <p:txBody>
+          <a:bodyPr/>
+          <a:lstStyle/>
+          <a:p>
+            <a:fld id="{BCAE12D7-AE97-9243-8341-9A20FCA5A307}" type="slidenum">
+              <a:rPr lang="en-US" smtClean="0"/>
+              <a:t>19</a:t>
+            </a:fld>
+            <a:endParaRPr lang="en-US"/>
+          </a:p>
+        </p:txBody>
+      </p:sp>
+    </p:spTree>
+    <p:extLst>
+      <p:ext uri="{BB962C8B-B14F-4D97-AF65-F5344CB8AC3E}">
+        <p14:creationId xmlns:p14="http://schemas.microsoft.com/office/powerpoint/2010/main" val="698415896"/>
       </p:ext>
     </p:extLst>
   </p:cSld>
@@ -1594,6 +1687,393 @@
     <p:extLst>
       <p:ext uri="{BB962C8B-B14F-4D97-AF65-F5344CB8AC3E}">
         <p14:creationId xmlns:p14="http://schemas.microsoft.com/office/powerpoint/2010/main" val="2506512240"/>
+      </p:ext>
+    </p:extLst>
+  </p:cSld>
+  <p:clrMapOvr>
+    <a:masterClrMapping/>
+  </p:clrMapOvr>
+</p:notes>
+</file>
+
+<file path=ppt/notesSlides/notesSlide20.xml><?xml version="1.0" encoding="utf-8"?>
+<p:notes xmlns:a="http://schemas.openxmlformats.org/drawingml/2006/main" xmlns:r="http://schemas.openxmlformats.org/officeDocument/2006/relationships" xmlns:p="http://schemas.openxmlformats.org/presentationml/2006/main">
+  <p:cSld>
+    <p:spTree>
+      <p:nvGrpSpPr>
+        <p:cNvPr id="1" name=""/>
+        <p:cNvGrpSpPr/>
+        <p:nvPr/>
+      </p:nvGrpSpPr>
+      <p:grpSpPr>
+        <a:xfrm>
+          <a:off x="0" y="0"/>
+          <a:ext cx="0" cy="0"/>
+          <a:chOff x="0" y="0"/>
+          <a:chExt cx="0" cy="0"/>
+        </a:xfrm>
+      </p:grpSpPr>
+      <p:sp>
+        <p:nvSpPr>
+          <p:cNvPr id="2" name="Slide Image Placeholder 1"/>
+          <p:cNvSpPr>
+            <a:spLocks noGrp="1" noRot="1" noChangeAspect="1"/>
+          </p:cNvSpPr>
+          <p:nvPr>
+            <p:ph type="sldImg"/>
+          </p:nvPr>
+        </p:nvSpPr>
+        <p:spPr>
+          <a:xfrm>
+            <a:off x="381000" y="685800"/>
+            <a:ext cx="6096000" cy="3429000"/>
+          </a:xfrm>
+        </p:spPr>
+      </p:sp>
+      <p:sp>
+        <p:nvSpPr>
+          <p:cNvPr id="3" name="Notes Placeholder 2"/>
+          <p:cNvSpPr>
+            <a:spLocks noGrp="1"/>
+          </p:cNvSpPr>
+          <p:nvPr>
+            <p:ph type="body" idx="1"/>
+          </p:nvPr>
+        </p:nvSpPr>
+        <p:spPr/>
+        <p:txBody>
+          <a:bodyPr/>
+          <a:lstStyle/>
+          <a:p>
+            <a:endParaRPr lang="en-US" dirty="0"/>
+          </a:p>
+        </p:txBody>
+      </p:sp>
+      <p:sp>
+        <p:nvSpPr>
+          <p:cNvPr id="4" name="Slide Number Placeholder 3"/>
+          <p:cNvSpPr>
+            <a:spLocks noGrp="1"/>
+          </p:cNvSpPr>
+          <p:nvPr>
+            <p:ph type="sldNum" sz="quarter" idx="10"/>
+          </p:nvPr>
+        </p:nvSpPr>
+        <p:spPr/>
+        <p:txBody>
+          <a:bodyPr/>
+          <a:lstStyle/>
+          <a:p>
+            <a:fld id="{BCAE12D7-AE97-9243-8341-9A20FCA5A307}" type="slidenum">
+              <a:rPr lang="en-US" smtClean="0"/>
+              <a:t>20</a:t>
+            </a:fld>
+            <a:endParaRPr lang="en-US"/>
+          </a:p>
+        </p:txBody>
+      </p:sp>
+    </p:spTree>
+    <p:extLst>
+      <p:ext uri="{BB962C8B-B14F-4D97-AF65-F5344CB8AC3E}">
+        <p14:creationId xmlns:p14="http://schemas.microsoft.com/office/powerpoint/2010/main" val="240509388"/>
+      </p:ext>
+    </p:extLst>
+  </p:cSld>
+  <p:clrMapOvr>
+    <a:masterClrMapping/>
+  </p:clrMapOvr>
+</p:notes>
+</file>
+
+<file path=ppt/notesSlides/notesSlide21.xml><?xml version="1.0" encoding="utf-8"?>
+<p:notes xmlns:a="http://schemas.openxmlformats.org/drawingml/2006/main" xmlns:r="http://schemas.openxmlformats.org/officeDocument/2006/relationships" xmlns:p="http://schemas.openxmlformats.org/presentationml/2006/main">
+  <p:cSld>
+    <p:spTree>
+      <p:nvGrpSpPr>
+        <p:cNvPr id="1" name=""/>
+        <p:cNvGrpSpPr/>
+        <p:nvPr/>
+      </p:nvGrpSpPr>
+      <p:grpSpPr>
+        <a:xfrm>
+          <a:off x="0" y="0"/>
+          <a:ext cx="0" cy="0"/>
+          <a:chOff x="0" y="0"/>
+          <a:chExt cx="0" cy="0"/>
+        </a:xfrm>
+      </p:grpSpPr>
+      <p:sp>
+        <p:nvSpPr>
+          <p:cNvPr id="2" name="Slide Image Placeholder 1"/>
+          <p:cNvSpPr>
+            <a:spLocks noGrp="1" noRot="1" noChangeAspect="1"/>
+          </p:cNvSpPr>
+          <p:nvPr>
+            <p:ph type="sldImg"/>
+          </p:nvPr>
+        </p:nvSpPr>
+        <p:spPr>
+          <a:xfrm>
+            <a:off x="381000" y="685800"/>
+            <a:ext cx="6096000" cy="3429000"/>
+          </a:xfrm>
+        </p:spPr>
+      </p:sp>
+      <p:sp>
+        <p:nvSpPr>
+          <p:cNvPr id="3" name="Notes Placeholder 2"/>
+          <p:cNvSpPr>
+            <a:spLocks noGrp="1"/>
+          </p:cNvSpPr>
+          <p:nvPr>
+            <p:ph type="body" idx="1"/>
+          </p:nvPr>
+        </p:nvSpPr>
+        <p:spPr/>
+        <p:txBody>
+          <a:bodyPr/>
+          <a:lstStyle/>
+          <a:p>
+            <a:endParaRPr lang="en-US" dirty="0"/>
+          </a:p>
+        </p:txBody>
+      </p:sp>
+      <p:sp>
+        <p:nvSpPr>
+          <p:cNvPr id="4" name="Slide Number Placeholder 3"/>
+          <p:cNvSpPr>
+            <a:spLocks noGrp="1"/>
+          </p:cNvSpPr>
+          <p:nvPr>
+            <p:ph type="sldNum" sz="quarter" idx="10"/>
+          </p:nvPr>
+        </p:nvSpPr>
+        <p:spPr/>
+        <p:txBody>
+          <a:bodyPr/>
+          <a:lstStyle/>
+          <a:p>
+            <a:pPr marL="0" marR="0" lvl="0" indent="0" algn="r" defTabSz="457200" rtl="0" eaLnBrk="1" fontAlgn="auto" latinLnBrk="0" hangingPunct="1">
+              <a:lnSpc>
+                <a:spcPct val="100000"/>
+              </a:lnSpc>
+              <a:spcBef>
+                <a:spcPts val="0"/>
+              </a:spcBef>
+              <a:spcAft>
+                <a:spcPts val="0"/>
+              </a:spcAft>
+              <a:buClrTx/>
+              <a:buSzTx/>
+              <a:buFontTx/>
+              <a:buNone/>
+              <a:tabLst/>
+              <a:defRPr/>
+            </a:pPr>
+            <a:fld id="{BCAE12D7-AE97-9243-8341-9A20FCA5A307}" type="slidenum">
+              <a:rPr kumimoji="0" lang="en-US" sz="1200" b="0" i="0" u="none" strike="noStrike" kern="1200" cap="none" spc="0" normalizeH="0" baseline="0" noProof="0" smtClean="0">
+                <a:ln>
+                  <a:noFill/>
+                </a:ln>
+                <a:solidFill>
+                  <a:prstClr val="black"/>
+                </a:solidFill>
+                <a:effectLst/>
+                <a:uLnTx/>
+                <a:uFillTx/>
+                <a:latin typeface="Calibri"/>
+                <a:ea typeface="+mn-ea"/>
+                <a:cs typeface="+mn-cs"/>
+              </a:rPr>
+              <a:pPr marL="0" marR="0" lvl="0" indent="0" algn="r" defTabSz="457200" rtl="0" eaLnBrk="1" fontAlgn="auto" latinLnBrk="0" hangingPunct="1">
+                <a:lnSpc>
+                  <a:spcPct val="100000"/>
+                </a:lnSpc>
+                <a:spcBef>
+                  <a:spcPts val="0"/>
+                </a:spcBef>
+                <a:spcAft>
+                  <a:spcPts val="0"/>
+                </a:spcAft>
+                <a:buClrTx/>
+                <a:buSzTx/>
+                <a:buFontTx/>
+                <a:buNone/>
+                <a:tabLst/>
+                <a:defRPr/>
+              </a:pPr>
+              <a:t>21</a:t>
+            </a:fld>
+            <a:endParaRPr kumimoji="0" lang="en-US" sz="1200" b="0" i="0" u="none" strike="noStrike" kern="1200" cap="none" spc="0" normalizeH="0" baseline="0" noProof="0">
+              <a:ln>
+                <a:noFill/>
+              </a:ln>
+              <a:solidFill>
+                <a:prstClr val="black"/>
+              </a:solidFill>
+              <a:effectLst/>
+              <a:uLnTx/>
+              <a:uFillTx/>
+              <a:latin typeface="Calibri"/>
+              <a:ea typeface="+mn-ea"/>
+              <a:cs typeface="+mn-cs"/>
+            </a:endParaRPr>
+          </a:p>
+        </p:txBody>
+      </p:sp>
+    </p:spTree>
+    <p:extLst>
+      <p:ext uri="{BB962C8B-B14F-4D97-AF65-F5344CB8AC3E}">
+        <p14:creationId xmlns:p14="http://schemas.microsoft.com/office/powerpoint/2010/main" val="1319536521"/>
+      </p:ext>
+    </p:extLst>
+  </p:cSld>
+  <p:clrMapOvr>
+    <a:masterClrMapping/>
+  </p:clrMapOvr>
+</p:notes>
+</file>
+
+<file path=ppt/notesSlides/notesSlide22.xml><?xml version="1.0" encoding="utf-8"?>
+<p:notes xmlns:a="http://schemas.openxmlformats.org/drawingml/2006/main" xmlns:r="http://schemas.openxmlformats.org/officeDocument/2006/relationships" xmlns:p="http://schemas.openxmlformats.org/presentationml/2006/main">
+  <p:cSld>
+    <p:spTree>
+      <p:nvGrpSpPr>
+        <p:cNvPr id="1" name=""/>
+        <p:cNvGrpSpPr/>
+        <p:nvPr/>
+      </p:nvGrpSpPr>
+      <p:grpSpPr>
+        <a:xfrm>
+          <a:off x="0" y="0"/>
+          <a:ext cx="0" cy="0"/>
+          <a:chOff x="0" y="0"/>
+          <a:chExt cx="0" cy="0"/>
+        </a:xfrm>
+      </p:grpSpPr>
+      <p:sp>
+        <p:nvSpPr>
+          <p:cNvPr id="2" name="Slide Image Placeholder 1"/>
+          <p:cNvSpPr>
+            <a:spLocks noGrp="1" noRot="1" noChangeAspect="1"/>
+          </p:cNvSpPr>
+          <p:nvPr>
+            <p:ph type="sldImg"/>
+          </p:nvPr>
+        </p:nvSpPr>
+        <p:spPr>
+          <a:xfrm>
+            <a:off x="381000" y="685800"/>
+            <a:ext cx="6096000" cy="3429000"/>
+          </a:xfrm>
+        </p:spPr>
+      </p:sp>
+      <p:sp>
+        <p:nvSpPr>
+          <p:cNvPr id="3" name="Notes Placeholder 2"/>
+          <p:cNvSpPr>
+            <a:spLocks noGrp="1"/>
+          </p:cNvSpPr>
+          <p:nvPr>
+            <p:ph type="body" idx="1"/>
+          </p:nvPr>
+        </p:nvSpPr>
+        <p:spPr/>
+        <p:txBody>
+          <a:bodyPr/>
+          <a:lstStyle/>
+          <a:p>
+            <a:endParaRPr lang="en-US" dirty="0"/>
+          </a:p>
+        </p:txBody>
+      </p:sp>
+      <p:sp>
+        <p:nvSpPr>
+          <p:cNvPr id="4" name="Slide Number Placeholder 3"/>
+          <p:cNvSpPr>
+            <a:spLocks noGrp="1"/>
+          </p:cNvSpPr>
+          <p:nvPr>
+            <p:ph type="sldNum" sz="quarter" idx="10"/>
+          </p:nvPr>
+        </p:nvSpPr>
+        <p:spPr/>
+        <p:txBody>
+          <a:bodyPr/>
+          <a:lstStyle/>
+          <a:p>
+            <a:pPr marL="0" marR="0" lvl="0" indent="0" algn="r" defTabSz="457200" rtl="0" eaLnBrk="1" fontAlgn="auto" latinLnBrk="0" hangingPunct="1">
+              <a:lnSpc>
+                <a:spcPct val="100000"/>
+              </a:lnSpc>
+              <a:spcBef>
+                <a:spcPts val="0"/>
+              </a:spcBef>
+              <a:spcAft>
+                <a:spcPts val="0"/>
+              </a:spcAft>
+              <a:buClrTx/>
+              <a:buSzTx/>
+              <a:buFontTx/>
+              <a:buNone/>
+              <a:tabLst/>
+              <a:defRPr/>
+            </a:pPr>
+            <a:fld id="{BCAE12D7-AE97-9243-8341-9A20FCA5A307}" type="slidenum">
+              <a:rPr kumimoji="0" lang="en-US" sz="1200" b="0" i="0" u="none" strike="noStrike" kern="1200" cap="none" spc="0" normalizeH="0" baseline="0" noProof="0" smtClean="0">
+                <a:ln>
+                  <a:noFill/>
+                </a:ln>
+                <a:solidFill>
+                  <a:prstClr val="black"/>
+                </a:solidFill>
+                <a:effectLst/>
+                <a:uLnTx/>
+                <a:uFillTx/>
+                <a:latin typeface="Calibri"/>
+                <a:ea typeface="+mn-ea"/>
+                <a:cs typeface="+mn-cs"/>
+              </a:rPr>
+              <a:pPr marL="0" marR="0" lvl="0" indent="0" algn="r" defTabSz="457200" rtl="0" eaLnBrk="1" fontAlgn="auto" latinLnBrk="0" hangingPunct="1">
+                <a:lnSpc>
+                  <a:spcPct val="100000"/>
+                </a:lnSpc>
+                <a:spcBef>
+                  <a:spcPts val="0"/>
+                </a:spcBef>
+                <a:spcAft>
+                  <a:spcPts val="0"/>
+                </a:spcAft>
+                <a:buClrTx/>
+                <a:buSzTx/>
+                <a:buFontTx/>
+                <a:buNone/>
+                <a:tabLst/>
+                <a:defRPr/>
+              </a:pPr>
+              <a:t>22</a:t>
+            </a:fld>
+            <a:endParaRPr kumimoji="0" lang="en-US" sz="1200" b="0" i="0" u="none" strike="noStrike" kern="1200" cap="none" spc="0" normalizeH="0" baseline="0" noProof="0">
+              <a:ln>
+                <a:noFill/>
+              </a:ln>
+              <a:solidFill>
+                <a:prstClr val="black"/>
+              </a:solidFill>
+              <a:effectLst/>
+              <a:uLnTx/>
+              <a:uFillTx/>
+              <a:latin typeface="Calibri"/>
+              <a:ea typeface="+mn-ea"/>
+              <a:cs typeface="+mn-cs"/>
+            </a:endParaRPr>
+          </a:p>
+        </p:txBody>
+      </p:sp>
+    </p:spTree>
+    <p:extLst>
+      <p:ext uri="{BB962C8B-B14F-4D97-AF65-F5344CB8AC3E}">
+        <p14:creationId xmlns:p14="http://schemas.microsoft.com/office/powerpoint/2010/main" val="869921859"/>
       </p:ext>
     </p:extLst>
   </p:cSld>
@@ -2319,7 +2799,7 @@
     </p:spTree>
     <p:extLst>
       <p:ext uri="{BB962C8B-B14F-4D97-AF65-F5344CB8AC3E}">
-        <p14:creationId xmlns:p14="http://schemas.microsoft.com/office/powerpoint/2010/main" val="3845382509"/>
+        <p14:creationId xmlns:p14="http://schemas.microsoft.com/office/powerpoint/2010/main" val="1693372750"/>
       </p:ext>
     </p:extLst>
   </p:cSld>
@@ -2397,78 +2877,18 @@
           <a:bodyPr/>
           <a:lstStyle/>
           <a:p>
-            <a:pPr marL="0" marR="0" lvl="0" indent="0" algn="r" defTabSz="457200" rtl="0" eaLnBrk="1" fontAlgn="auto" latinLnBrk="0" hangingPunct="1">
-              <a:lnSpc>
-                <a:spcPct val="100000"/>
-              </a:lnSpc>
-              <a:spcBef>
-                <a:spcPts val="0"/>
-              </a:spcBef>
-              <a:spcAft>
-                <a:spcPts val="0"/>
-              </a:spcAft>
-              <a:buClrTx/>
-              <a:buSzTx/>
-              <a:buFontTx/>
-              <a:buNone/>
-              <a:tabLst/>
-              <a:defRPr/>
-            </a:pPr>
             <a:fld id="{BCAE12D7-AE97-9243-8341-9A20FCA5A307}" type="slidenum">
-              <a:rPr kumimoji="0" lang="en-US" sz="1200" b="0" i="0" u="none" strike="noStrike" kern="1200" cap="none" spc="0" normalizeH="0" baseline="0" noProof="0" smtClean="0">
-                <a:ln>
-                  <a:noFill/>
-                </a:ln>
-                <a:solidFill>
-                  <a:prstClr val="black"/>
-                </a:solidFill>
-                <a:effectLst/>
-                <a:uLnTx/>
-                <a:uFillTx/>
-                <a:latin typeface="Calibri"/>
-                <a:ea typeface="+mn-ea"/>
-                <a:cs typeface="+mn-cs"/>
-              </a:rPr>
-              <a:pPr marL="0" marR="0" lvl="0" indent="0" algn="r" defTabSz="457200" rtl="0" eaLnBrk="1" fontAlgn="auto" latinLnBrk="0" hangingPunct="1">
-                <a:lnSpc>
-                  <a:spcPct val="100000"/>
-                </a:lnSpc>
-                <a:spcBef>
-                  <a:spcPts val="0"/>
-                </a:spcBef>
-                <a:spcAft>
-                  <a:spcPts val="0"/>
-                </a:spcAft>
-                <a:buClrTx/>
-                <a:buSzTx/>
-                <a:buFontTx/>
-                <a:buNone/>
-                <a:tabLst/>
-                <a:defRPr/>
-              </a:pPr>
+              <a:rPr lang="en-US" smtClean="0"/>
               <a:t>9</a:t>
             </a:fld>
-            <a:endParaRPr kumimoji="0" lang="en-US" sz="1200" b="0" i="0" u="none" strike="noStrike" kern="1200" cap="none" spc="0" normalizeH="0" baseline="0" noProof="0">
-              <a:ln>
-                <a:noFill/>
-              </a:ln>
-              <a:solidFill>
-                <a:prstClr val="black"/>
-              </a:solidFill>
-              <a:effectLst/>
-              <a:uLnTx/>
-              <a:uFillTx/>
-              <a:latin typeface="Calibri"/>
-              <a:ea typeface="+mn-ea"/>
-              <a:cs typeface="+mn-cs"/>
-            </a:endParaRPr>
+            <a:endParaRPr lang="en-US"/>
           </a:p>
         </p:txBody>
       </p:sp>
     </p:spTree>
     <p:extLst>
       <p:ext uri="{BB962C8B-B14F-4D97-AF65-F5344CB8AC3E}">
-        <p14:creationId xmlns:p14="http://schemas.microsoft.com/office/powerpoint/2010/main" val="2317324210"/>
+        <p14:creationId xmlns:p14="http://schemas.microsoft.com/office/powerpoint/2010/main" val="3845382509"/>
       </p:ext>
     </p:extLst>
   </p:cSld>
@@ -2657,7 +3077,7 @@
           <a:p>
             <a:fld id="{E69A4D3A-6EF8-7448-AC6F-AD52FEDAA6A8}" type="datetimeFigureOut">
               <a:rPr lang="en-US" smtClean="0"/>
-              <a:t>7/8/22</a:t>
+              <a:t>7/11/22</a:t>
             </a:fld>
             <a:endParaRPr lang="en-US" dirty="0"/>
           </a:p>
@@ -2825,7 +3245,7 @@
           <a:p>
             <a:fld id="{E69A4D3A-6EF8-7448-AC6F-AD52FEDAA6A8}" type="datetimeFigureOut">
               <a:rPr lang="en-US" smtClean="0"/>
-              <a:t>7/8/22</a:t>
+              <a:t>7/11/22</a:t>
             </a:fld>
             <a:endParaRPr lang="en-US" dirty="0"/>
           </a:p>
@@ -3003,7 +3423,7 @@
           <a:p>
             <a:fld id="{E69A4D3A-6EF8-7448-AC6F-AD52FEDAA6A8}" type="datetimeFigureOut">
               <a:rPr lang="en-US" smtClean="0"/>
-              <a:t>7/8/22</a:t>
+              <a:t>7/11/22</a:t>
             </a:fld>
             <a:endParaRPr lang="en-US" dirty="0"/>
           </a:p>
@@ -3171,7 +3591,7 @@
           <a:p>
             <a:fld id="{E69A4D3A-6EF8-7448-AC6F-AD52FEDAA6A8}" type="datetimeFigureOut">
               <a:rPr lang="en-US" smtClean="0"/>
-              <a:t>7/8/22</a:t>
+              <a:t>7/11/22</a:t>
             </a:fld>
             <a:endParaRPr lang="en-US" dirty="0"/>
           </a:p>
@@ -3416,7 +3836,7 @@
           <a:p>
             <a:fld id="{E69A4D3A-6EF8-7448-AC6F-AD52FEDAA6A8}" type="datetimeFigureOut">
               <a:rPr lang="en-US" smtClean="0"/>
-              <a:t>7/8/22</a:t>
+              <a:t>7/11/22</a:t>
             </a:fld>
             <a:endParaRPr lang="en-US" dirty="0"/>
           </a:p>
@@ -3701,7 +4121,7 @@
           <a:p>
             <a:fld id="{E69A4D3A-6EF8-7448-AC6F-AD52FEDAA6A8}" type="datetimeFigureOut">
               <a:rPr lang="en-US" smtClean="0"/>
-              <a:t>7/8/22</a:t>
+              <a:t>7/11/22</a:t>
             </a:fld>
             <a:endParaRPr lang="en-US" dirty="0"/>
           </a:p>
@@ -4120,7 +4540,7 @@
           <a:p>
             <a:fld id="{E69A4D3A-6EF8-7448-AC6F-AD52FEDAA6A8}" type="datetimeFigureOut">
               <a:rPr lang="en-US" smtClean="0"/>
-              <a:t>7/8/22</a:t>
+              <a:t>7/11/22</a:t>
             </a:fld>
             <a:endParaRPr lang="en-US" dirty="0"/>
           </a:p>
@@ -4237,7 +4657,7 @@
           <a:p>
             <a:fld id="{E69A4D3A-6EF8-7448-AC6F-AD52FEDAA6A8}" type="datetimeFigureOut">
               <a:rPr lang="en-US" smtClean="0"/>
-              <a:t>7/8/22</a:t>
+              <a:t>7/11/22</a:t>
             </a:fld>
             <a:endParaRPr lang="en-US" dirty="0"/>
           </a:p>
@@ -4332,7 +4752,7 @@
           <a:p>
             <a:fld id="{E69A4D3A-6EF8-7448-AC6F-AD52FEDAA6A8}" type="datetimeFigureOut">
               <a:rPr lang="en-US" smtClean="0"/>
-              <a:t>7/8/22</a:t>
+              <a:t>7/11/22</a:t>
             </a:fld>
             <a:endParaRPr lang="en-US" dirty="0"/>
           </a:p>
@@ -4607,7 +5027,7 @@
           <a:p>
             <a:fld id="{E69A4D3A-6EF8-7448-AC6F-AD52FEDAA6A8}" type="datetimeFigureOut">
               <a:rPr lang="en-US" smtClean="0"/>
-              <a:t>7/8/22</a:t>
+              <a:t>7/11/22</a:t>
             </a:fld>
             <a:endParaRPr lang="en-US" dirty="0"/>
           </a:p>
@@ -4862,7 +5282,7 @@
           <a:p>
             <a:fld id="{E69A4D3A-6EF8-7448-AC6F-AD52FEDAA6A8}" type="datetimeFigureOut">
               <a:rPr lang="en-US" smtClean="0"/>
-              <a:t>7/8/22</a:t>
+              <a:t>7/11/22</a:t>
             </a:fld>
             <a:endParaRPr lang="en-US" dirty="0"/>
           </a:p>
@@ -5076,7 +5496,7 @@
           <a:p>
             <a:fld id="{E69A4D3A-6EF8-7448-AC6F-AD52FEDAA6A8}" type="datetimeFigureOut">
               <a:rPr lang="en-US" smtClean="0"/>
-              <a:t>7/8/22</a:t>
+              <a:t>7/11/22</a:t>
             </a:fld>
             <a:endParaRPr lang="en-US" dirty="0"/>
           </a:p>
@@ -5855,8 +6275,8 @@
         </p:nvSpPr>
         <p:spPr>
           <a:xfrm>
-            <a:off x="840890" y="768380"/>
-            <a:ext cx="10510220" cy="2953765"/>
+            <a:off x="840890" y="416914"/>
+            <a:ext cx="10510220" cy="1463040"/>
           </a:xfrm>
         </p:spPr>
         <p:txBody>
@@ -5870,24 +6290,939 @@
             </a:pPr>
             <a:r>
               <a:rPr lang="en-US" dirty="0"/>
+              <a:t>And in this 4-person event, we are introducing you to the second person, who shows a 60% match to your preferences.</a:t>
+            </a:r>
+          </a:p>
+        </p:txBody>
+      </p:sp>
+      <p:sp>
+        <p:nvSpPr>
+          <p:cNvPr id="8" name="Rectangle 7">
+            <a:extLst>
+              <a:ext uri="{FF2B5EF4-FFF2-40B4-BE49-F238E27FC236}">
+                <a16:creationId xmlns:a16="http://schemas.microsoft.com/office/drawing/2014/main" id="{3464CC27-B5BB-FE42-851A-061B1EF6CA81}"/>
+              </a:ext>
+            </a:extLst>
+          </p:cNvPr>
+          <p:cNvSpPr/>
+          <p:nvPr/>
+        </p:nvSpPr>
+        <p:spPr>
+          <a:xfrm>
+            <a:off x="3992880" y="5256766"/>
+            <a:ext cx="4206240" cy="973959"/>
+          </a:xfrm>
+          <a:prstGeom prst="rect">
+            <a:avLst/>
+          </a:prstGeom>
+          <a:solidFill>
+            <a:schemeClr val="bg1"/>
+          </a:solidFill>
+          <a:ln>
+            <a:noFill/>
+          </a:ln>
+        </p:spPr>
+        <p:style>
+          <a:lnRef idx="2">
+            <a:schemeClr val="accent1">
+              <a:shade val="50000"/>
+            </a:schemeClr>
+          </a:lnRef>
+          <a:fillRef idx="1">
+            <a:schemeClr val="accent1"/>
+          </a:fillRef>
+          <a:effectRef idx="0">
+            <a:schemeClr val="accent1"/>
+          </a:effectRef>
+          <a:fontRef idx="minor">
+            <a:schemeClr val="lt1"/>
+          </a:fontRef>
+        </p:style>
+        <p:txBody>
+          <a:bodyPr rtlCol="0" anchor="ctr"/>
+          <a:lstStyle/>
+          <a:p>
+            <a:pPr marL="0" marR="0" lvl="0" indent="0" algn="ctr" defTabSz="457200" rtl="0" eaLnBrk="1" fontAlgn="auto" latinLnBrk="0" hangingPunct="1">
+              <a:lnSpc>
+                <a:spcPct val="100000"/>
+              </a:lnSpc>
+              <a:spcBef>
+                <a:spcPts val="0"/>
+              </a:spcBef>
+              <a:spcAft>
+                <a:spcPts val="0"/>
+              </a:spcAft>
+              <a:buClrTx/>
+              <a:buSzTx/>
+              <a:buFontTx/>
+              <a:buNone/>
+              <a:tabLst/>
+              <a:defRPr/>
+            </a:pPr>
+            <a:endParaRPr kumimoji="0" lang="en-US" sz="1800" b="0" i="0" u="none" strike="noStrike" kern="1200" cap="none" spc="0" normalizeH="0" baseline="0" noProof="0">
+              <a:ln>
+                <a:noFill/>
+              </a:ln>
+              <a:solidFill>
+                <a:prstClr val="white"/>
+              </a:solidFill>
+              <a:effectLst/>
+              <a:uLnTx/>
+              <a:uFillTx/>
+              <a:latin typeface="Calibri"/>
+              <a:ea typeface="+mn-ea"/>
+              <a:cs typeface="+mn-cs"/>
+            </a:endParaRPr>
+          </a:p>
+        </p:txBody>
+      </p:sp>
+      <p:sp>
+        <p:nvSpPr>
+          <p:cNvPr id="16" name="Rectangle 15">
+            <a:extLst>
+              <a:ext uri="{FF2B5EF4-FFF2-40B4-BE49-F238E27FC236}">
+                <a16:creationId xmlns:a16="http://schemas.microsoft.com/office/drawing/2014/main" id="{3BA95B9C-908A-3942-9905-DA59738A2007}"/>
+              </a:ext>
+            </a:extLst>
+          </p:cNvPr>
+          <p:cNvSpPr/>
+          <p:nvPr/>
+        </p:nvSpPr>
+        <p:spPr>
+          <a:xfrm>
+            <a:off x="7672815" y="3649269"/>
+            <a:ext cx="351046" cy="276498"/>
+          </a:xfrm>
+          <a:prstGeom prst="rect">
+            <a:avLst/>
+          </a:prstGeom>
+          <a:solidFill>
+            <a:schemeClr val="bg1"/>
+          </a:solidFill>
+          <a:ln>
+            <a:noFill/>
+          </a:ln>
+        </p:spPr>
+        <p:style>
+          <a:lnRef idx="2">
+            <a:schemeClr val="accent1">
+              <a:shade val="50000"/>
+            </a:schemeClr>
+          </a:lnRef>
+          <a:fillRef idx="1">
+            <a:schemeClr val="accent1"/>
+          </a:fillRef>
+          <a:effectRef idx="0">
+            <a:schemeClr val="accent1"/>
+          </a:effectRef>
+          <a:fontRef idx="minor">
+            <a:schemeClr val="lt1"/>
+          </a:fontRef>
+        </p:style>
+        <p:txBody>
+          <a:bodyPr rtlCol="0" anchor="ctr"/>
+          <a:lstStyle/>
+          <a:p>
+            <a:pPr marL="0" marR="0" lvl="0" indent="0" algn="ctr" defTabSz="457200" rtl="0" eaLnBrk="1" fontAlgn="auto" latinLnBrk="0" hangingPunct="1">
+              <a:lnSpc>
+                <a:spcPct val="100000"/>
+              </a:lnSpc>
+              <a:spcBef>
+                <a:spcPts val="0"/>
+              </a:spcBef>
+              <a:spcAft>
+                <a:spcPts val="0"/>
+              </a:spcAft>
+              <a:buClrTx/>
+              <a:buSzTx/>
+              <a:buFontTx/>
+              <a:buNone/>
+              <a:tabLst/>
+              <a:defRPr/>
+            </a:pPr>
+            <a:endParaRPr kumimoji="0" lang="en-US" sz="1800" b="0" i="0" u="none" strike="noStrike" kern="1200" cap="none" spc="0" normalizeH="0" baseline="0" noProof="0">
+              <a:ln>
+                <a:noFill/>
+              </a:ln>
+              <a:solidFill>
+                <a:prstClr val="white"/>
+              </a:solidFill>
+              <a:effectLst/>
+              <a:uLnTx/>
+              <a:uFillTx/>
+              <a:latin typeface="Calibri"/>
+              <a:ea typeface="+mn-ea"/>
+              <a:cs typeface="+mn-cs"/>
+            </a:endParaRPr>
+          </a:p>
+        </p:txBody>
+      </p:sp>
+      <p:sp>
+        <p:nvSpPr>
+          <p:cNvPr id="14" name="Title 3">
+            <a:extLst>
+              <a:ext uri="{FF2B5EF4-FFF2-40B4-BE49-F238E27FC236}">
+                <a16:creationId xmlns:a16="http://schemas.microsoft.com/office/drawing/2014/main" id="{0BF8385D-3B26-574F-8736-8D247F8BE654}"/>
+              </a:ext>
+            </a:extLst>
+          </p:cNvPr>
+          <p:cNvSpPr txBox="1">
+            <a:spLocks/>
+          </p:cNvSpPr>
+          <p:nvPr/>
+        </p:nvSpPr>
+        <p:spPr>
+          <a:xfrm>
+            <a:off x="3040034" y="6157852"/>
+            <a:ext cx="6111932" cy="656705"/>
+          </a:xfrm>
+          <a:prstGeom prst="rect">
+            <a:avLst/>
+          </a:prstGeom>
+        </p:spPr>
+        <p:txBody>
+          <a:bodyPr vert="horz" lIns="91440" tIns="45720" rIns="91440" bIns="45720" rtlCol="0" anchor="ctr">
+            <a:normAutofit fontScale="92500"/>
+          </a:bodyPr>
+          <a:lstStyle>
+            <a:lvl1pPr algn="ctr" defTabSz="914400" rtl="0" eaLnBrk="1" latinLnBrk="0" hangingPunct="1">
+              <a:spcBef>
+                <a:spcPct val="0"/>
+              </a:spcBef>
+              <a:buNone/>
+              <a:defRPr sz="4400" kern="1200">
+                <a:solidFill>
+                  <a:schemeClr val="tx1"/>
+                </a:solidFill>
+                <a:latin typeface="+mj-lt"/>
+                <a:ea typeface="+mj-ea"/>
+                <a:cs typeface="+mj-cs"/>
+              </a:defRPr>
+            </a:lvl1pPr>
+          </a:lstStyle>
+          <a:p>
+            <a:r>
+              <a:rPr lang="en-US" sz="3000" dirty="0">
+                <a:solidFill>
+                  <a:srgbClr val="FF0000"/>
+                </a:solidFill>
+              </a:rPr>
+              <a:t>PRESS THE RIGHT BUTTON TO CONTINUE</a:t>
+            </a:r>
+          </a:p>
+        </p:txBody>
+      </p:sp>
+      <p:grpSp>
+        <p:nvGrpSpPr>
+          <p:cNvPr id="17" name="Group 16">
+            <a:extLst>
+              <a:ext uri="{FF2B5EF4-FFF2-40B4-BE49-F238E27FC236}">
+                <a16:creationId xmlns:a16="http://schemas.microsoft.com/office/drawing/2014/main" id="{759FD06F-161C-544E-8FE7-748B0DCD9A95}"/>
+              </a:ext>
+            </a:extLst>
+          </p:cNvPr>
+          <p:cNvGrpSpPr/>
+          <p:nvPr/>
+        </p:nvGrpSpPr>
+        <p:grpSpPr>
+          <a:xfrm>
+            <a:off x="9151966" y="6157852"/>
+            <a:ext cx="726263" cy="506769"/>
+            <a:chOff x="9551255" y="6174821"/>
+            <a:chExt cx="726263" cy="506769"/>
+          </a:xfrm>
+        </p:grpSpPr>
+        <p:sp>
+          <p:nvSpPr>
+            <p:cNvPr id="18" name="Subtitle 8">
+              <a:extLst>
+                <a:ext uri="{FF2B5EF4-FFF2-40B4-BE49-F238E27FC236}">
+                  <a16:creationId xmlns:a16="http://schemas.microsoft.com/office/drawing/2014/main" id="{F101C0E1-8EF6-A443-8FC3-E485230215F0}"/>
+                </a:ext>
+              </a:extLst>
+            </p:cNvPr>
+            <p:cNvSpPr txBox="1">
+              <a:spLocks/>
+            </p:cNvSpPr>
+            <p:nvPr/>
+          </p:nvSpPr>
+          <p:spPr>
+            <a:xfrm>
+              <a:off x="9551255" y="6174821"/>
+              <a:ext cx="640200" cy="289763"/>
+            </a:xfrm>
+            <a:prstGeom prst="rect">
+              <a:avLst/>
+            </a:prstGeom>
+          </p:spPr>
+          <p:txBody>
+            <a:bodyPr vert="horz" lIns="91440" tIns="45720" rIns="91440" bIns="45720" rtlCol="0">
+              <a:normAutofit fontScale="85000" lnSpcReduction="10000"/>
+            </a:bodyPr>
+            <a:lstStyle>
+              <a:lvl1pPr marL="0" indent="0" algn="ctr" defTabSz="914400" rtl="0" eaLnBrk="1" latinLnBrk="0" hangingPunct="1">
+                <a:spcBef>
+                  <a:spcPct val="20000"/>
+                </a:spcBef>
+                <a:buFont typeface="Arial" pitchFamily="34" charset="0"/>
+                <a:buNone/>
+                <a:defRPr sz="3200" kern="1200">
+                  <a:solidFill>
+                    <a:schemeClr val="tx1">
+                      <a:tint val="75000"/>
+                    </a:schemeClr>
+                  </a:solidFill>
+                  <a:latin typeface="+mn-lt"/>
+                  <a:ea typeface="+mn-ea"/>
+                  <a:cs typeface="+mn-cs"/>
+                </a:defRPr>
+              </a:lvl1pPr>
+              <a:lvl2pPr marL="457200" indent="0" algn="ctr" defTabSz="914400" rtl="0" eaLnBrk="1" latinLnBrk="0" hangingPunct="1">
+                <a:spcBef>
+                  <a:spcPct val="20000"/>
+                </a:spcBef>
+                <a:buFont typeface="Arial" pitchFamily="34" charset="0"/>
+                <a:buNone/>
+                <a:defRPr sz="2800" kern="1200">
+                  <a:solidFill>
+                    <a:schemeClr val="tx1">
+                      <a:tint val="75000"/>
+                    </a:schemeClr>
+                  </a:solidFill>
+                  <a:latin typeface="+mn-lt"/>
+                  <a:ea typeface="+mn-ea"/>
+                  <a:cs typeface="+mn-cs"/>
+                </a:defRPr>
+              </a:lvl2pPr>
+              <a:lvl3pPr marL="914400" indent="0" algn="ctr" defTabSz="914400" rtl="0" eaLnBrk="1" latinLnBrk="0" hangingPunct="1">
+                <a:spcBef>
+                  <a:spcPct val="20000"/>
+                </a:spcBef>
+                <a:buFont typeface="Arial" pitchFamily="34" charset="0"/>
+                <a:buNone/>
+                <a:defRPr sz="2400" kern="1200">
+                  <a:solidFill>
+                    <a:schemeClr val="tx1">
+                      <a:tint val="75000"/>
+                    </a:schemeClr>
+                  </a:solidFill>
+                  <a:latin typeface="+mn-lt"/>
+                  <a:ea typeface="+mn-ea"/>
+                  <a:cs typeface="+mn-cs"/>
+                </a:defRPr>
+              </a:lvl3pPr>
+              <a:lvl4pPr marL="1371600" indent="0" algn="ctr" defTabSz="914400" rtl="0" eaLnBrk="1" latinLnBrk="0" hangingPunct="1">
+                <a:spcBef>
+                  <a:spcPct val="20000"/>
+                </a:spcBef>
+                <a:buFont typeface="Arial" pitchFamily="34" charset="0"/>
+                <a:buNone/>
+                <a:defRPr sz="2000" kern="1200">
+                  <a:solidFill>
+                    <a:schemeClr val="tx1">
+                      <a:tint val="75000"/>
+                    </a:schemeClr>
+                  </a:solidFill>
+                  <a:latin typeface="+mn-lt"/>
+                  <a:ea typeface="+mn-ea"/>
+                  <a:cs typeface="+mn-cs"/>
+                </a:defRPr>
+              </a:lvl4pPr>
+              <a:lvl5pPr marL="1828800" indent="0" algn="ctr" defTabSz="914400" rtl="0" eaLnBrk="1" latinLnBrk="0" hangingPunct="1">
+                <a:spcBef>
+                  <a:spcPct val="20000"/>
+                </a:spcBef>
+                <a:buFont typeface="Arial" pitchFamily="34" charset="0"/>
+                <a:buNone/>
+                <a:defRPr sz="2000" kern="1200">
+                  <a:solidFill>
+                    <a:schemeClr val="tx1">
+                      <a:tint val="75000"/>
+                    </a:schemeClr>
+                  </a:solidFill>
+                  <a:latin typeface="+mn-lt"/>
+                  <a:ea typeface="+mn-ea"/>
+                  <a:cs typeface="+mn-cs"/>
+                </a:defRPr>
+              </a:lvl5pPr>
+              <a:lvl6pPr marL="2286000" indent="0" algn="ctr" defTabSz="914400" rtl="0" eaLnBrk="1" latinLnBrk="0" hangingPunct="1">
+                <a:spcBef>
+                  <a:spcPct val="20000"/>
+                </a:spcBef>
+                <a:buFont typeface="Arial" pitchFamily="34" charset="0"/>
+                <a:buNone/>
+                <a:defRPr sz="2000" kern="1200">
+                  <a:solidFill>
+                    <a:schemeClr val="tx1">
+                      <a:tint val="75000"/>
+                    </a:schemeClr>
+                  </a:solidFill>
+                  <a:latin typeface="+mn-lt"/>
+                  <a:ea typeface="+mn-ea"/>
+                  <a:cs typeface="+mn-cs"/>
+                </a:defRPr>
+              </a:lvl6pPr>
+              <a:lvl7pPr marL="2743200" indent="0" algn="ctr" defTabSz="914400" rtl="0" eaLnBrk="1" latinLnBrk="0" hangingPunct="1">
+                <a:spcBef>
+                  <a:spcPct val="20000"/>
+                </a:spcBef>
+                <a:buFont typeface="Arial" pitchFamily="34" charset="0"/>
+                <a:buNone/>
+                <a:defRPr sz="2000" kern="1200">
+                  <a:solidFill>
+                    <a:schemeClr val="tx1">
+                      <a:tint val="75000"/>
+                    </a:schemeClr>
+                  </a:solidFill>
+                  <a:latin typeface="+mn-lt"/>
+                  <a:ea typeface="+mn-ea"/>
+                  <a:cs typeface="+mn-cs"/>
+                </a:defRPr>
+              </a:lvl7pPr>
+              <a:lvl8pPr marL="3200400" indent="0" algn="ctr" defTabSz="914400" rtl="0" eaLnBrk="1" latinLnBrk="0" hangingPunct="1">
+                <a:spcBef>
+                  <a:spcPct val="20000"/>
+                </a:spcBef>
+                <a:buFont typeface="Arial" pitchFamily="34" charset="0"/>
+                <a:buNone/>
+                <a:defRPr sz="2000" kern="1200">
+                  <a:solidFill>
+                    <a:schemeClr val="tx1">
+                      <a:tint val="75000"/>
+                    </a:schemeClr>
+                  </a:solidFill>
+                  <a:latin typeface="+mn-lt"/>
+                  <a:ea typeface="+mn-ea"/>
+                  <a:cs typeface="+mn-cs"/>
+                </a:defRPr>
+              </a:lvl8pPr>
+              <a:lvl9pPr marL="3657600" indent="0" algn="ctr" defTabSz="914400" rtl="0" eaLnBrk="1" latinLnBrk="0" hangingPunct="1">
+                <a:spcBef>
+                  <a:spcPct val="20000"/>
+                </a:spcBef>
+                <a:buFont typeface="Arial" pitchFamily="34" charset="0"/>
+                <a:buNone/>
+                <a:defRPr sz="2000" kern="1200">
+                  <a:solidFill>
+                    <a:schemeClr val="tx1">
+                      <a:tint val="75000"/>
+                    </a:schemeClr>
+                  </a:solidFill>
+                  <a:latin typeface="+mn-lt"/>
+                  <a:ea typeface="+mn-ea"/>
+                  <a:cs typeface="+mn-cs"/>
+                </a:defRPr>
+              </a:lvl9pPr>
+            </a:lstStyle>
+            <a:p>
+              <a:r>
+                <a:rPr lang="en-US" sz="1600" dirty="0">
+                  <a:solidFill>
+                    <a:schemeClr val="tx1"/>
+                  </a:solidFill>
+                </a:rPr>
+                <a:t>RIGHT</a:t>
+              </a:r>
+            </a:p>
+          </p:txBody>
+        </p:sp>
+        <p:sp>
+          <p:nvSpPr>
+            <p:cNvPr id="19" name="Right Arrow 18">
+              <a:extLst>
+                <a:ext uri="{FF2B5EF4-FFF2-40B4-BE49-F238E27FC236}">
+                  <a16:creationId xmlns:a16="http://schemas.microsoft.com/office/drawing/2014/main" id="{D5E9CE23-4F3C-CA4A-AB76-9DA0A86D6FF7}"/>
+                </a:ext>
+              </a:extLst>
+            </p:cNvPr>
+            <p:cNvSpPr/>
+            <p:nvPr/>
+          </p:nvSpPr>
+          <p:spPr>
+            <a:xfrm>
+              <a:off x="9637318" y="6391827"/>
+              <a:ext cx="640200" cy="289763"/>
+            </a:xfrm>
+            <a:prstGeom prst="rightArrow">
+              <a:avLst/>
+            </a:prstGeom>
+            <a:solidFill>
+              <a:schemeClr val="tx1"/>
+            </a:solidFill>
+            <a:ln>
+              <a:noFill/>
+            </a:ln>
+          </p:spPr>
+          <p:style>
+            <a:lnRef idx="1">
+              <a:schemeClr val="accent1"/>
+            </a:lnRef>
+            <a:fillRef idx="3">
+              <a:schemeClr val="accent1"/>
+            </a:fillRef>
+            <a:effectRef idx="2">
+              <a:schemeClr val="accent1"/>
+            </a:effectRef>
+            <a:fontRef idx="minor">
+              <a:schemeClr val="lt1"/>
+            </a:fontRef>
+          </p:style>
+          <p:txBody>
+            <a:bodyPr rtlCol="0" anchor="ctr"/>
+            <a:lstStyle/>
+            <a:p>
+              <a:pPr algn="ctr"/>
+              <a:endParaRPr lang="en-US"/>
+            </a:p>
+          </p:txBody>
+        </p:sp>
+      </p:grpSp>
+      <p:grpSp>
+        <p:nvGrpSpPr>
+          <p:cNvPr id="20" name="Group 19">
+            <a:extLst>
+              <a:ext uri="{FF2B5EF4-FFF2-40B4-BE49-F238E27FC236}">
+                <a16:creationId xmlns:a16="http://schemas.microsoft.com/office/drawing/2014/main" id="{E89A4351-064B-A84C-BDBC-22284ECE7B4E}"/>
+              </a:ext>
+            </a:extLst>
+          </p:cNvPr>
+          <p:cNvGrpSpPr/>
+          <p:nvPr/>
+        </p:nvGrpSpPr>
+        <p:grpSpPr>
+          <a:xfrm>
+            <a:off x="2313771" y="6175196"/>
+            <a:ext cx="726263" cy="506769"/>
+            <a:chOff x="2141031" y="6174821"/>
+            <a:chExt cx="726263" cy="506769"/>
+          </a:xfrm>
+        </p:grpSpPr>
+        <p:sp>
+          <p:nvSpPr>
+            <p:cNvPr id="21" name="Subtitle 8">
+              <a:extLst>
+                <a:ext uri="{FF2B5EF4-FFF2-40B4-BE49-F238E27FC236}">
+                  <a16:creationId xmlns:a16="http://schemas.microsoft.com/office/drawing/2014/main" id="{D20FAF22-31AB-7241-8192-F6A441733642}"/>
+                </a:ext>
+              </a:extLst>
+            </p:cNvPr>
+            <p:cNvSpPr txBox="1">
+              <a:spLocks/>
+            </p:cNvSpPr>
+            <p:nvPr/>
+          </p:nvSpPr>
+          <p:spPr>
+            <a:xfrm>
+              <a:off x="2227094" y="6174821"/>
+              <a:ext cx="640200" cy="317983"/>
+            </a:xfrm>
+            <a:prstGeom prst="rect">
+              <a:avLst/>
+            </a:prstGeom>
+          </p:spPr>
+          <p:txBody>
+            <a:bodyPr vert="horz" lIns="91440" tIns="45720" rIns="91440" bIns="45720" rtlCol="0">
+              <a:normAutofit lnSpcReduction="10000"/>
+            </a:bodyPr>
+            <a:lstStyle>
+              <a:lvl1pPr marL="0" indent="0" algn="ctr" defTabSz="914400" rtl="0" eaLnBrk="1" latinLnBrk="0" hangingPunct="1">
+                <a:spcBef>
+                  <a:spcPct val="20000"/>
+                </a:spcBef>
+                <a:buFont typeface="Arial" pitchFamily="34" charset="0"/>
+                <a:buNone/>
+                <a:defRPr sz="3200" kern="1200">
+                  <a:solidFill>
+                    <a:schemeClr val="tx1">
+                      <a:tint val="75000"/>
+                    </a:schemeClr>
+                  </a:solidFill>
+                  <a:latin typeface="+mn-lt"/>
+                  <a:ea typeface="+mn-ea"/>
+                  <a:cs typeface="+mn-cs"/>
+                </a:defRPr>
+              </a:lvl1pPr>
+              <a:lvl2pPr marL="457200" indent="0" algn="ctr" defTabSz="914400" rtl="0" eaLnBrk="1" latinLnBrk="0" hangingPunct="1">
+                <a:spcBef>
+                  <a:spcPct val="20000"/>
+                </a:spcBef>
+                <a:buFont typeface="Arial" pitchFamily="34" charset="0"/>
+                <a:buNone/>
+                <a:defRPr sz="2800" kern="1200">
+                  <a:solidFill>
+                    <a:schemeClr val="tx1">
+                      <a:tint val="75000"/>
+                    </a:schemeClr>
+                  </a:solidFill>
+                  <a:latin typeface="+mn-lt"/>
+                  <a:ea typeface="+mn-ea"/>
+                  <a:cs typeface="+mn-cs"/>
+                </a:defRPr>
+              </a:lvl2pPr>
+              <a:lvl3pPr marL="914400" indent="0" algn="ctr" defTabSz="914400" rtl="0" eaLnBrk="1" latinLnBrk="0" hangingPunct="1">
+                <a:spcBef>
+                  <a:spcPct val="20000"/>
+                </a:spcBef>
+                <a:buFont typeface="Arial" pitchFamily="34" charset="0"/>
+                <a:buNone/>
+                <a:defRPr sz="2400" kern="1200">
+                  <a:solidFill>
+                    <a:schemeClr val="tx1">
+                      <a:tint val="75000"/>
+                    </a:schemeClr>
+                  </a:solidFill>
+                  <a:latin typeface="+mn-lt"/>
+                  <a:ea typeface="+mn-ea"/>
+                  <a:cs typeface="+mn-cs"/>
+                </a:defRPr>
+              </a:lvl3pPr>
+              <a:lvl4pPr marL="1371600" indent="0" algn="ctr" defTabSz="914400" rtl="0" eaLnBrk="1" latinLnBrk="0" hangingPunct="1">
+                <a:spcBef>
+                  <a:spcPct val="20000"/>
+                </a:spcBef>
+                <a:buFont typeface="Arial" pitchFamily="34" charset="0"/>
+                <a:buNone/>
+                <a:defRPr sz="2000" kern="1200">
+                  <a:solidFill>
+                    <a:schemeClr val="tx1">
+                      <a:tint val="75000"/>
+                    </a:schemeClr>
+                  </a:solidFill>
+                  <a:latin typeface="+mn-lt"/>
+                  <a:ea typeface="+mn-ea"/>
+                  <a:cs typeface="+mn-cs"/>
+                </a:defRPr>
+              </a:lvl4pPr>
+              <a:lvl5pPr marL="1828800" indent="0" algn="ctr" defTabSz="914400" rtl="0" eaLnBrk="1" latinLnBrk="0" hangingPunct="1">
+                <a:spcBef>
+                  <a:spcPct val="20000"/>
+                </a:spcBef>
+                <a:buFont typeface="Arial" pitchFamily="34" charset="0"/>
+                <a:buNone/>
+                <a:defRPr sz="2000" kern="1200">
+                  <a:solidFill>
+                    <a:schemeClr val="tx1">
+                      <a:tint val="75000"/>
+                    </a:schemeClr>
+                  </a:solidFill>
+                  <a:latin typeface="+mn-lt"/>
+                  <a:ea typeface="+mn-ea"/>
+                  <a:cs typeface="+mn-cs"/>
+                </a:defRPr>
+              </a:lvl5pPr>
+              <a:lvl6pPr marL="2286000" indent="0" algn="ctr" defTabSz="914400" rtl="0" eaLnBrk="1" latinLnBrk="0" hangingPunct="1">
+                <a:spcBef>
+                  <a:spcPct val="20000"/>
+                </a:spcBef>
+                <a:buFont typeface="Arial" pitchFamily="34" charset="0"/>
+                <a:buNone/>
+                <a:defRPr sz="2000" kern="1200">
+                  <a:solidFill>
+                    <a:schemeClr val="tx1">
+                      <a:tint val="75000"/>
+                    </a:schemeClr>
+                  </a:solidFill>
+                  <a:latin typeface="+mn-lt"/>
+                  <a:ea typeface="+mn-ea"/>
+                  <a:cs typeface="+mn-cs"/>
+                </a:defRPr>
+              </a:lvl6pPr>
+              <a:lvl7pPr marL="2743200" indent="0" algn="ctr" defTabSz="914400" rtl="0" eaLnBrk="1" latinLnBrk="0" hangingPunct="1">
+                <a:spcBef>
+                  <a:spcPct val="20000"/>
+                </a:spcBef>
+                <a:buFont typeface="Arial" pitchFamily="34" charset="0"/>
+                <a:buNone/>
+                <a:defRPr sz="2000" kern="1200">
+                  <a:solidFill>
+                    <a:schemeClr val="tx1">
+                      <a:tint val="75000"/>
+                    </a:schemeClr>
+                  </a:solidFill>
+                  <a:latin typeface="+mn-lt"/>
+                  <a:ea typeface="+mn-ea"/>
+                  <a:cs typeface="+mn-cs"/>
+                </a:defRPr>
+              </a:lvl7pPr>
+              <a:lvl8pPr marL="3200400" indent="0" algn="ctr" defTabSz="914400" rtl="0" eaLnBrk="1" latinLnBrk="0" hangingPunct="1">
+                <a:spcBef>
+                  <a:spcPct val="20000"/>
+                </a:spcBef>
+                <a:buFont typeface="Arial" pitchFamily="34" charset="0"/>
+                <a:buNone/>
+                <a:defRPr sz="2000" kern="1200">
+                  <a:solidFill>
+                    <a:schemeClr val="tx1">
+                      <a:tint val="75000"/>
+                    </a:schemeClr>
+                  </a:solidFill>
+                  <a:latin typeface="+mn-lt"/>
+                  <a:ea typeface="+mn-ea"/>
+                  <a:cs typeface="+mn-cs"/>
+                </a:defRPr>
+              </a:lvl8pPr>
+              <a:lvl9pPr marL="3657600" indent="0" algn="ctr" defTabSz="914400" rtl="0" eaLnBrk="1" latinLnBrk="0" hangingPunct="1">
+                <a:spcBef>
+                  <a:spcPct val="20000"/>
+                </a:spcBef>
+                <a:buFont typeface="Arial" pitchFamily="34" charset="0"/>
+                <a:buNone/>
+                <a:defRPr sz="2000" kern="1200">
+                  <a:solidFill>
+                    <a:schemeClr val="tx1">
+                      <a:tint val="75000"/>
+                    </a:schemeClr>
+                  </a:solidFill>
+                  <a:latin typeface="+mn-lt"/>
+                  <a:ea typeface="+mn-ea"/>
+                  <a:cs typeface="+mn-cs"/>
+                </a:defRPr>
+              </a:lvl9pPr>
+            </a:lstStyle>
+            <a:p>
+              <a:r>
+                <a:rPr lang="en-US" sz="1600" dirty="0">
+                  <a:solidFill>
+                    <a:schemeClr val="tx1"/>
+                  </a:solidFill>
+                </a:rPr>
+                <a:t>LEFT</a:t>
+              </a:r>
+            </a:p>
+          </p:txBody>
+        </p:sp>
+        <p:sp>
+          <p:nvSpPr>
+            <p:cNvPr id="22" name="Right Arrow 21">
+              <a:extLst>
+                <a:ext uri="{FF2B5EF4-FFF2-40B4-BE49-F238E27FC236}">
+                  <a16:creationId xmlns:a16="http://schemas.microsoft.com/office/drawing/2014/main" id="{C3C06C22-1D32-FD4E-8F19-FEC1A796D352}"/>
+                </a:ext>
+              </a:extLst>
+            </p:cNvPr>
+            <p:cNvSpPr/>
+            <p:nvPr/>
+          </p:nvSpPr>
+          <p:spPr>
+            <a:xfrm rot="10800000">
+              <a:off x="2141031" y="6391827"/>
+              <a:ext cx="640200" cy="289763"/>
+            </a:xfrm>
+            <a:prstGeom prst="rightArrow">
+              <a:avLst/>
+            </a:prstGeom>
+            <a:solidFill>
+              <a:schemeClr val="tx1"/>
+            </a:solidFill>
+            <a:ln>
+              <a:noFill/>
+            </a:ln>
+          </p:spPr>
+          <p:style>
+            <a:lnRef idx="1">
+              <a:schemeClr val="accent1"/>
+            </a:lnRef>
+            <a:fillRef idx="3">
+              <a:schemeClr val="accent1"/>
+            </a:fillRef>
+            <a:effectRef idx="2">
+              <a:schemeClr val="accent1"/>
+            </a:effectRef>
+            <a:fontRef idx="minor">
+              <a:schemeClr val="lt1"/>
+            </a:fontRef>
+          </p:style>
+          <p:txBody>
+            <a:bodyPr rtlCol="0" anchor="ctr"/>
+            <a:lstStyle/>
+            <a:p>
+              <a:pPr algn="ctr"/>
+              <a:endParaRPr lang="en-US"/>
+            </a:p>
+          </p:txBody>
+        </p:sp>
+      </p:grpSp>
+      <p:pic>
+        <p:nvPicPr>
+          <p:cNvPr id="23" name="Picture 22" descr="Graphical user interface, application&#10;&#10;Description automatically generated">
+            <a:extLst>
+              <a:ext uri="{FF2B5EF4-FFF2-40B4-BE49-F238E27FC236}">
+                <a16:creationId xmlns:a16="http://schemas.microsoft.com/office/drawing/2014/main" id="{E989441B-4597-AD47-A0CB-AAAF1D1BC639}"/>
+              </a:ext>
+            </a:extLst>
+          </p:cNvPr>
+          <p:cNvPicPr>
+            <a:picLocks noChangeAspect="1"/>
+          </p:cNvPicPr>
+          <p:nvPr/>
+        </p:nvPicPr>
+        <p:blipFill rotWithShape="1">
+          <a:blip r:embed="rId3"/>
+          <a:srcRect l="15336" t="5490" r="20662" b="55830"/>
+          <a:stretch/>
+        </p:blipFill>
+        <p:spPr>
+          <a:xfrm>
+            <a:off x="3546437" y="2346659"/>
+            <a:ext cx="5099126" cy="1836678"/>
+          </a:xfrm>
+          <a:prstGeom prst="rect">
+            <a:avLst/>
+          </a:prstGeom>
+        </p:spPr>
+      </p:pic>
+      <p:pic>
+        <p:nvPicPr>
+          <p:cNvPr id="25" name="Picture 24" descr="Graphical user interface, application&#10;&#10;Description automatically generated">
+            <a:extLst>
+              <a:ext uri="{FF2B5EF4-FFF2-40B4-BE49-F238E27FC236}">
+                <a16:creationId xmlns:a16="http://schemas.microsoft.com/office/drawing/2014/main" id="{FB99C43F-7B7B-C143-BF28-74F44730085C}"/>
+              </a:ext>
+            </a:extLst>
+          </p:cNvPr>
+          <p:cNvPicPr>
+            <a:picLocks noChangeAspect="1"/>
+          </p:cNvPicPr>
+          <p:nvPr/>
+        </p:nvPicPr>
+        <p:blipFill rotWithShape="1">
+          <a:blip r:embed="rId4"/>
+          <a:srcRect l="13023" t="23939" r="50351" b="71747"/>
+          <a:stretch/>
+        </p:blipFill>
+        <p:spPr>
+          <a:xfrm>
+            <a:off x="4153677" y="2411110"/>
+            <a:ext cx="4272870" cy="375035"/>
+          </a:xfrm>
+          <a:prstGeom prst="rect">
+            <a:avLst/>
+          </a:prstGeom>
+        </p:spPr>
+      </p:pic>
+      <p:sp>
+        <p:nvSpPr>
+          <p:cNvPr id="26" name="TextBox 25">
+            <a:extLst>
+              <a:ext uri="{FF2B5EF4-FFF2-40B4-BE49-F238E27FC236}">
+                <a16:creationId xmlns:a16="http://schemas.microsoft.com/office/drawing/2014/main" id="{FA200C3F-2AE7-764F-B8F2-F454C36B0574}"/>
+              </a:ext>
+            </a:extLst>
+          </p:cNvPr>
+          <p:cNvSpPr txBox="1"/>
+          <p:nvPr/>
+        </p:nvSpPr>
+        <p:spPr>
+          <a:xfrm>
+            <a:off x="3463325" y="4033858"/>
+            <a:ext cx="5265347" cy="923330"/>
+          </a:xfrm>
+          <a:prstGeom prst="rect">
+            <a:avLst/>
+          </a:prstGeom>
+          <a:solidFill>
+            <a:schemeClr val="bg1"/>
+          </a:solidFill>
+        </p:spPr>
+        <p:txBody>
+          <a:bodyPr wrap="square" rtlCol="0">
+            <a:spAutoFit/>
+          </a:bodyPr>
+          <a:lstStyle/>
+          <a:p>
+            <a:pPr algn="ctr"/>
+            <a:r>
+              <a:rPr lang="en-US" sz="5400" dirty="0"/>
+              <a:t>60% Match</a:t>
+            </a:r>
+          </a:p>
+        </p:txBody>
+      </p:sp>
+    </p:spTree>
+    <p:extLst>
+      <p:ext uri="{BB962C8B-B14F-4D97-AF65-F5344CB8AC3E}">
+        <p14:creationId xmlns:p14="http://schemas.microsoft.com/office/powerpoint/2010/main" val="2831678723"/>
+      </p:ext>
+    </p:extLst>
+  </p:cSld>
+  <p:clrMapOvr>
+    <a:masterClrMapping/>
+  </p:clrMapOvr>
+</p:sld>
+</file>
+
+<file path=ppt/slides/slide11.xml><?xml version="1.0" encoding="utf-8"?>
+<p:sld xmlns:a="http://schemas.openxmlformats.org/drawingml/2006/main" xmlns:r="http://schemas.openxmlformats.org/officeDocument/2006/relationships" xmlns:p="http://schemas.openxmlformats.org/presentationml/2006/main">
+  <p:cSld>
+    <p:bg>
+      <p:bgPr>
+        <a:solidFill>
+          <a:schemeClr val="bg1"/>
+        </a:solidFill>
+        <a:effectLst/>
+      </p:bgPr>
+    </p:bg>
+    <p:spTree>
+      <p:nvGrpSpPr>
+        <p:cNvPr id="1" name=""/>
+        <p:cNvGrpSpPr/>
+        <p:nvPr/>
+      </p:nvGrpSpPr>
+      <p:grpSpPr>
+        <a:xfrm>
+          <a:off x="0" y="0"/>
+          <a:ext cx="0" cy="0"/>
+          <a:chOff x="0" y="0"/>
+          <a:chExt cx="0" cy="0"/>
+        </a:xfrm>
+      </p:grpSpPr>
+      <p:sp>
+        <p:nvSpPr>
+          <p:cNvPr id="15" name="Content Placeholder 2">
+            <a:extLst>
+              <a:ext uri="{FF2B5EF4-FFF2-40B4-BE49-F238E27FC236}">
+                <a16:creationId xmlns:a16="http://schemas.microsoft.com/office/drawing/2014/main" id="{BB089F57-6179-B14E-8148-2009637B51FB}"/>
+              </a:ext>
+            </a:extLst>
+          </p:cNvPr>
+          <p:cNvSpPr>
+            <a:spLocks noGrp="1"/>
+          </p:cNvSpPr>
+          <p:nvPr>
+            <p:ph idx="1"/>
+          </p:nvPr>
+        </p:nvSpPr>
+        <p:spPr>
+          <a:xfrm>
+            <a:off x="840890" y="450398"/>
+            <a:ext cx="10510220" cy="1856486"/>
+          </a:xfrm>
+        </p:spPr>
+        <p:txBody>
+          <a:bodyPr>
+            <a:noAutofit/>
+          </a:bodyPr>
+          <a:lstStyle/>
+          <a:p>
+            <a:pPr marL="0" indent="0">
+              <a:buNone/>
+            </a:pPr>
+            <a:r>
+              <a:rPr lang="en-US" dirty="0"/>
               <a:t>Once you see the “select” or “wait” options, you will have </a:t>
             </a:r>
+          </a:p>
+          <a:p>
+            <a:pPr marL="0" indent="0">
+              <a:buNone/>
+            </a:pPr>
             <a:r>
-              <a:rPr lang="en-US" b="1" dirty="0"/>
+              <a:rPr lang="en-US" b="1" u="sng" dirty="0"/>
               <a:t>5 seconds </a:t>
             </a:r>
             <a:r>
               <a:rPr lang="en-US" dirty="0"/>
               <a:t>to decide to select this person for a date or to wait and see if a better match comes along. </a:t>
-            </a:r>
-          </a:p>
-          <a:p>
-            <a:pPr marL="0" indent="0">
-              <a:buNone/>
-            </a:pPr>
-            <a:r>
-              <a:rPr lang="en-US" dirty="0"/>
-              <a:t>If you don’t make a choice within 5 seconds, you will be disqualified and leave the event alone.</a:t>
             </a:r>
           </a:p>
         </p:txBody>
@@ -6477,6 +7812,212 @@
           </p:txBody>
         </p:sp>
       </p:grpSp>
+      <p:sp>
+        <p:nvSpPr>
+          <p:cNvPr id="17" name="Rectangle 16">
+            <a:extLst>
+              <a:ext uri="{FF2B5EF4-FFF2-40B4-BE49-F238E27FC236}">
+                <a16:creationId xmlns:a16="http://schemas.microsoft.com/office/drawing/2014/main" id="{57501EB4-F477-034C-836C-A75A6B6D33F0}"/>
+              </a:ext>
+            </a:extLst>
+          </p:cNvPr>
+          <p:cNvSpPr/>
+          <p:nvPr/>
+        </p:nvSpPr>
+        <p:spPr>
+          <a:xfrm>
+            <a:off x="7672815" y="3649269"/>
+            <a:ext cx="351046" cy="276498"/>
+          </a:xfrm>
+          <a:prstGeom prst="rect">
+            <a:avLst/>
+          </a:prstGeom>
+          <a:solidFill>
+            <a:schemeClr val="bg1"/>
+          </a:solidFill>
+          <a:ln>
+            <a:noFill/>
+          </a:ln>
+        </p:spPr>
+        <p:style>
+          <a:lnRef idx="2">
+            <a:schemeClr val="accent1">
+              <a:shade val="50000"/>
+            </a:schemeClr>
+          </a:lnRef>
+          <a:fillRef idx="1">
+            <a:schemeClr val="accent1"/>
+          </a:fillRef>
+          <a:effectRef idx="0">
+            <a:schemeClr val="accent1"/>
+          </a:effectRef>
+          <a:fontRef idx="minor">
+            <a:schemeClr val="lt1"/>
+          </a:fontRef>
+        </p:style>
+        <p:txBody>
+          <a:bodyPr rtlCol="0" anchor="ctr"/>
+          <a:lstStyle/>
+          <a:p>
+            <a:pPr marL="0" marR="0" lvl="0" indent="0" algn="ctr" defTabSz="457200" rtl="0" eaLnBrk="1" fontAlgn="auto" latinLnBrk="0" hangingPunct="1">
+              <a:lnSpc>
+                <a:spcPct val="100000"/>
+              </a:lnSpc>
+              <a:spcBef>
+                <a:spcPts val="0"/>
+              </a:spcBef>
+              <a:spcAft>
+                <a:spcPts val="0"/>
+              </a:spcAft>
+              <a:buClrTx/>
+              <a:buSzTx/>
+              <a:buFontTx/>
+              <a:buNone/>
+              <a:tabLst/>
+              <a:defRPr/>
+            </a:pPr>
+            <a:endParaRPr kumimoji="0" lang="en-US" sz="1800" b="0" i="0" u="none" strike="noStrike" kern="1200" cap="none" spc="0" normalizeH="0" baseline="0" noProof="0">
+              <a:ln>
+                <a:noFill/>
+              </a:ln>
+              <a:solidFill>
+                <a:prstClr val="white"/>
+              </a:solidFill>
+              <a:effectLst/>
+              <a:uLnTx/>
+              <a:uFillTx/>
+              <a:latin typeface="Calibri"/>
+              <a:ea typeface="+mn-ea"/>
+              <a:cs typeface="+mn-cs"/>
+            </a:endParaRPr>
+          </a:p>
+        </p:txBody>
+      </p:sp>
+      <p:pic>
+        <p:nvPicPr>
+          <p:cNvPr id="18" name="Picture 17" descr="Graphical user interface, application&#10;&#10;Description automatically generated">
+            <a:extLst>
+              <a:ext uri="{FF2B5EF4-FFF2-40B4-BE49-F238E27FC236}">
+                <a16:creationId xmlns:a16="http://schemas.microsoft.com/office/drawing/2014/main" id="{AD300D3A-7D09-A646-8981-0B63BD2540E7}"/>
+              </a:ext>
+            </a:extLst>
+          </p:cNvPr>
+          <p:cNvPicPr>
+            <a:picLocks noChangeAspect="1"/>
+          </p:cNvPicPr>
+          <p:nvPr/>
+        </p:nvPicPr>
+        <p:blipFill rotWithShape="1">
+          <a:blip r:embed="rId3"/>
+          <a:srcRect l="15336" t="5490" r="20662" b="55830"/>
+          <a:stretch/>
+        </p:blipFill>
+        <p:spPr>
+          <a:xfrm>
+            <a:off x="3546437" y="2346659"/>
+            <a:ext cx="5099126" cy="1836678"/>
+          </a:xfrm>
+          <a:prstGeom prst="rect">
+            <a:avLst/>
+          </a:prstGeom>
+        </p:spPr>
+      </p:pic>
+      <p:pic>
+        <p:nvPicPr>
+          <p:cNvPr id="19" name="Picture 18" descr="Graphical user interface, application&#10;&#10;Description automatically generated">
+            <a:extLst>
+              <a:ext uri="{FF2B5EF4-FFF2-40B4-BE49-F238E27FC236}">
+                <a16:creationId xmlns:a16="http://schemas.microsoft.com/office/drawing/2014/main" id="{59248360-8B4C-844D-8A4F-32F066EA041A}"/>
+              </a:ext>
+            </a:extLst>
+          </p:cNvPr>
+          <p:cNvPicPr>
+            <a:picLocks noChangeAspect="1"/>
+          </p:cNvPicPr>
+          <p:nvPr/>
+        </p:nvPicPr>
+        <p:blipFill rotWithShape="1">
+          <a:blip r:embed="rId4"/>
+          <a:srcRect l="13023" t="23939" r="50351" b="71747"/>
+          <a:stretch/>
+        </p:blipFill>
+        <p:spPr>
+          <a:xfrm>
+            <a:off x="4153677" y="2411110"/>
+            <a:ext cx="4272870" cy="375035"/>
+          </a:xfrm>
+          <a:prstGeom prst="rect">
+            <a:avLst/>
+          </a:prstGeom>
+        </p:spPr>
+      </p:pic>
+      <p:sp>
+        <p:nvSpPr>
+          <p:cNvPr id="20" name="TextBox 19">
+            <a:extLst>
+              <a:ext uri="{FF2B5EF4-FFF2-40B4-BE49-F238E27FC236}">
+                <a16:creationId xmlns:a16="http://schemas.microsoft.com/office/drawing/2014/main" id="{1EAE3752-D1C2-F94D-9AB7-1E5BB9747367}"/>
+              </a:ext>
+            </a:extLst>
+          </p:cNvPr>
+          <p:cNvSpPr txBox="1"/>
+          <p:nvPr/>
+        </p:nvSpPr>
+        <p:spPr>
+          <a:xfrm>
+            <a:off x="3463325" y="4033858"/>
+            <a:ext cx="5265347" cy="923330"/>
+          </a:xfrm>
+          <a:prstGeom prst="rect">
+            <a:avLst/>
+          </a:prstGeom>
+          <a:solidFill>
+            <a:schemeClr val="bg1"/>
+          </a:solidFill>
+        </p:spPr>
+        <p:txBody>
+          <a:bodyPr wrap="square" rtlCol="0">
+            <a:spAutoFit/>
+          </a:bodyPr>
+          <a:lstStyle/>
+          <a:p>
+            <a:pPr algn="ctr"/>
+            <a:r>
+              <a:rPr lang="en-US" sz="5400" dirty="0"/>
+              <a:t>60% Match</a:t>
+            </a:r>
+          </a:p>
+        </p:txBody>
+      </p:sp>
+      <p:pic>
+        <p:nvPicPr>
+          <p:cNvPr id="3" name="Picture 2" descr="Graphical user interface, application&#10;&#10;Description automatically generated">
+            <a:extLst>
+              <a:ext uri="{FF2B5EF4-FFF2-40B4-BE49-F238E27FC236}">
+                <a16:creationId xmlns:a16="http://schemas.microsoft.com/office/drawing/2014/main" id="{0237FEF2-0505-6641-B00D-4F49E9F13AB2}"/>
+              </a:ext>
+            </a:extLst>
+          </p:cNvPr>
+          <p:cNvPicPr>
+            <a:picLocks noChangeAspect="1"/>
+          </p:cNvPicPr>
+          <p:nvPr/>
+        </p:nvPicPr>
+        <p:blipFill rotWithShape="1">
+          <a:blip r:embed="rId5"/>
+          <a:srcRect l="31447" t="62714" r="31720" b="28941"/>
+          <a:stretch/>
+        </p:blipFill>
+        <p:spPr>
+          <a:xfrm>
+            <a:off x="3672166" y="4929568"/>
+            <a:ext cx="4847666" cy="818695"/>
+          </a:xfrm>
+          <a:prstGeom prst="rect">
+            <a:avLst/>
+          </a:prstGeom>
+        </p:spPr>
+      </p:pic>
     </p:spTree>
     <p:extLst>
       <p:ext uri="{BB962C8B-B14F-4D97-AF65-F5344CB8AC3E}">
@@ -6490,7 +8031,7 @@
 </p:sld>
 </file>
 
-<file path=ppt/slides/slide11.xml><?xml version="1.0" encoding="utf-8"?>
+<file path=ppt/slides/slide12.xml><?xml version="1.0" encoding="utf-8"?>
 <p:sld xmlns:a="http://schemas.openxmlformats.org/drawingml/2006/main" xmlns:r="http://schemas.openxmlformats.org/officeDocument/2006/relationships" xmlns:p="http://schemas.openxmlformats.org/presentationml/2006/main">
   <p:cSld>
     <p:bg>
@@ -6533,8 +8074,8 @@
         </p:nvSpPr>
         <p:spPr>
           <a:xfrm>
-            <a:off x="840890" y="768381"/>
-            <a:ext cx="10510220" cy="1463040"/>
+            <a:off x="840890" y="475236"/>
+            <a:ext cx="10510220" cy="1450384"/>
           </a:xfrm>
         </p:spPr>
         <p:txBody>
@@ -6543,21 +8084,715 @@
           </a:bodyPr>
           <a:lstStyle/>
           <a:p>
+            <a:pPr marL="0" indent="0">
+              <a:buNone/>
+            </a:pPr>
+            <a:r>
+              <a:rPr lang="en-US" dirty="0"/>
+              <a:t>If you don’t make a choice within 5 seconds, you will be disqualified and leave the event alone.</a:t>
+            </a:r>
+          </a:p>
+        </p:txBody>
+      </p:sp>
+      <p:sp>
+        <p:nvSpPr>
+          <p:cNvPr id="6" name="Title 3">
+            <a:extLst>
+              <a:ext uri="{FF2B5EF4-FFF2-40B4-BE49-F238E27FC236}">
+                <a16:creationId xmlns:a16="http://schemas.microsoft.com/office/drawing/2014/main" id="{19F550AA-1287-904C-918A-E3658793AC09}"/>
+              </a:ext>
+            </a:extLst>
+          </p:cNvPr>
+          <p:cNvSpPr txBox="1">
+            <a:spLocks/>
+          </p:cNvSpPr>
+          <p:nvPr/>
+        </p:nvSpPr>
+        <p:spPr>
+          <a:xfrm>
+            <a:off x="3040034" y="6157852"/>
+            <a:ext cx="6111932" cy="656705"/>
+          </a:xfrm>
+          <a:prstGeom prst="rect">
+            <a:avLst/>
+          </a:prstGeom>
+        </p:spPr>
+        <p:txBody>
+          <a:bodyPr vert="horz" lIns="91440" tIns="45720" rIns="91440" bIns="45720" rtlCol="0" anchor="ctr">
+            <a:normAutofit fontScale="92500"/>
+          </a:bodyPr>
+          <a:lstStyle>
+            <a:lvl1pPr algn="ctr" defTabSz="914400" rtl="0" eaLnBrk="1" latinLnBrk="0" hangingPunct="1">
+              <a:spcBef>
+                <a:spcPct val="0"/>
+              </a:spcBef>
+              <a:buNone/>
+              <a:defRPr sz="4400" kern="1200">
+                <a:solidFill>
+                  <a:schemeClr val="tx1"/>
+                </a:solidFill>
+                <a:latin typeface="+mj-lt"/>
+                <a:ea typeface="+mj-ea"/>
+                <a:cs typeface="+mj-cs"/>
+              </a:defRPr>
+            </a:lvl1pPr>
+          </a:lstStyle>
+          <a:p>
+            <a:r>
+              <a:rPr lang="en-US" sz="3000" dirty="0">
+                <a:solidFill>
+                  <a:srgbClr val="FF0000"/>
+                </a:solidFill>
+              </a:rPr>
+              <a:t>PRESS THE RIGHT BUTTON TO CONTINUE</a:t>
+            </a:r>
+          </a:p>
+        </p:txBody>
+      </p:sp>
+      <p:grpSp>
+        <p:nvGrpSpPr>
+          <p:cNvPr id="7" name="Group 6">
+            <a:extLst>
+              <a:ext uri="{FF2B5EF4-FFF2-40B4-BE49-F238E27FC236}">
+                <a16:creationId xmlns:a16="http://schemas.microsoft.com/office/drawing/2014/main" id="{424FA427-2AE1-F641-B5FF-79089B229258}"/>
+              </a:ext>
+            </a:extLst>
+          </p:cNvPr>
+          <p:cNvGrpSpPr/>
+          <p:nvPr/>
+        </p:nvGrpSpPr>
+        <p:grpSpPr>
+          <a:xfrm>
+            <a:off x="9151966" y="6157852"/>
+            <a:ext cx="726263" cy="506769"/>
+            <a:chOff x="9551255" y="6174821"/>
+            <a:chExt cx="726263" cy="506769"/>
+          </a:xfrm>
+        </p:grpSpPr>
+        <p:sp>
+          <p:nvSpPr>
+            <p:cNvPr id="8" name="Subtitle 8">
+              <a:extLst>
+                <a:ext uri="{FF2B5EF4-FFF2-40B4-BE49-F238E27FC236}">
+                  <a16:creationId xmlns:a16="http://schemas.microsoft.com/office/drawing/2014/main" id="{84707E62-281D-F048-8A55-8D6307A5B843}"/>
+                </a:ext>
+              </a:extLst>
+            </p:cNvPr>
+            <p:cNvSpPr txBox="1">
+              <a:spLocks/>
+            </p:cNvSpPr>
+            <p:nvPr/>
+          </p:nvSpPr>
+          <p:spPr>
+            <a:xfrm>
+              <a:off x="9551255" y="6174821"/>
+              <a:ext cx="640200" cy="289763"/>
+            </a:xfrm>
+            <a:prstGeom prst="rect">
+              <a:avLst/>
+            </a:prstGeom>
+          </p:spPr>
+          <p:txBody>
+            <a:bodyPr vert="horz" lIns="91440" tIns="45720" rIns="91440" bIns="45720" rtlCol="0">
+              <a:normAutofit fontScale="85000" lnSpcReduction="10000"/>
+            </a:bodyPr>
+            <a:lstStyle>
+              <a:lvl1pPr marL="0" indent="0" algn="ctr" defTabSz="914400" rtl="0" eaLnBrk="1" latinLnBrk="0" hangingPunct="1">
+                <a:spcBef>
+                  <a:spcPct val="20000"/>
+                </a:spcBef>
+                <a:buFont typeface="Arial" pitchFamily="34" charset="0"/>
+                <a:buNone/>
+                <a:defRPr sz="3200" kern="1200">
+                  <a:solidFill>
+                    <a:schemeClr val="tx1">
+                      <a:tint val="75000"/>
+                    </a:schemeClr>
+                  </a:solidFill>
+                  <a:latin typeface="+mn-lt"/>
+                  <a:ea typeface="+mn-ea"/>
+                  <a:cs typeface="+mn-cs"/>
+                </a:defRPr>
+              </a:lvl1pPr>
+              <a:lvl2pPr marL="457200" indent="0" algn="ctr" defTabSz="914400" rtl="0" eaLnBrk="1" latinLnBrk="0" hangingPunct="1">
+                <a:spcBef>
+                  <a:spcPct val="20000"/>
+                </a:spcBef>
+                <a:buFont typeface="Arial" pitchFamily="34" charset="0"/>
+                <a:buNone/>
+                <a:defRPr sz="2800" kern="1200">
+                  <a:solidFill>
+                    <a:schemeClr val="tx1">
+                      <a:tint val="75000"/>
+                    </a:schemeClr>
+                  </a:solidFill>
+                  <a:latin typeface="+mn-lt"/>
+                  <a:ea typeface="+mn-ea"/>
+                  <a:cs typeface="+mn-cs"/>
+                </a:defRPr>
+              </a:lvl2pPr>
+              <a:lvl3pPr marL="914400" indent="0" algn="ctr" defTabSz="914400" rtl="0" eaLnBrk="1" latinLnBrk="0" hangingPunct="1">
+                <a:spcBef>
+                  <a:spcPct val="20000"/>
+                </a:spcBef>
+                <a:buFont typeface="Arial" pitchFamily="34" charset="0"/>
+                <a:buNone/>
+                <a:defRPr sz="2400" kern="1200">
+                  <a:solidFill>
+                    <a:schemeClr val="tx1">
+                      <a:tint val="75000"/>
+                    </a:schemeClr>
+                  </a:solidFill>
+                  <a:latin typeface="+mn-lt"/>
+                  <a:ea typeface="+mn-ea"/>
+                  <a:cs typeface="+mn-cs"/>
+                </a:defRPr>
+              </a:lvl3pPr>
+              <a:lvl4pPr marL="1371600" indent="0" algn="ctr" defTabSz="914400" rtl="0" eaLnBrk="1" latinLnBrk="0" hangingPunct="1">
+                <a:spcBef>
+                  <a:spcPct val="20000"/>
+                </a:spcBef>
+                <a:buFont typeface="Arial" pitchFamily="34" charset="0"/>
+                <a:buNone/>
+                <a:defRPr sz="2000" kern="1200">
+                  <a:solidFill>
+                    <a:schemeClr val="tx1">
+                      <a:tint val="75000"/>
+                    </a:schemeClr>
+                  </a:solidFill>
+                  <a:latin typeface="+mn-lt"/>
+                  <a:ea typeface="+mn-ea"/>
+                  <a:cs typeface="+mn-cs"/>
+                </a:defRPr>
+              </a:lvl4pPr>
+              <a:lvl5pPr marL="1828800" indent="0" algn="ctr" defTabSz="914400" rtl="0" eaLnBrk="1" latinLnBrk="0" hangingPunct="1">
+                <a:spcBef>
+                  <a:spcPct val="20000"/>
+                </a:spcBef>
+                <a:buFont typeface="Arial" pitchFamily="34" charset="0"/>
+                <a:buNone/>
+                <a:defRPr sz="2000" kern="1200">
+                  <a:solidFill>
+                    <a:schemeClr val="tx1">
+                      <a:tint val="75000"/>
+                    </a:schemeClr>
+                  </a:solidFill>
+                  <a:latin typeface="+mn-lt"/>
+                  <a:ea typeface="+mn-ea"/>
+                  <a:cs typeface="+mn-cs"/>
+                </a:defRPr>
+              </a:lvl5pPr>
+              <a:lvl6pPr marL="2286000" indent="0" algn="ctr" defTabSz="914400" rtl="0" eaLnBrk="1" latinLnBrk="0" hangingPunct="1">
+                <a:spcBef>
+                  <a:spcPct val="20000"/>
+                </a:spcBef>
+                <a:buFont typeface="Arial" pitchFamily="34" charset="0"/>
+                <a:buNone/>
+                <a:defRPr sz="2000" kern="1200">
+                  <a:solidFill>
+                    <a:schemeClr val="tx1">
+                      <a:tint val="75000"/>
+                    </a:schemeClr>
+                  </a:solidFill>
+                  <a:latin typeface="+mn-lt"/>
+                  <a:ea typeface="+mn-ea"/>
+                  <a:cs typeface="+mn-cs"/>
+                </a:defRPr>
+              </a:lvl6pPr>
+              <a:lvl7pPr marL="2743200" indent="0" algn="ctr" defTabSz="914400" rtl="0" eaLnBrk="1" latinLnBrk="0" hangingPunct="1">
+                <a:spcBef>
+                  <a:spcPct val="20000"/>
+                </a:spcBef>
+                <a:buFont typeface="Arial" pitchFamily="34" charset="0"/>
+                <a:buNone/>
+                <a:defRPr sz="2000" kern="1200">
+                  <a:solidFill>
+                    <a:schemeClr val="tx1">
+                      <a:tint val="75000"/>
+                    </a:schemeClr>
+                  </a:solidFill>
+                  <a:latin typeface="+mn-lt"/>
+                  <a:ea typeface="+mn-ea"/>
+                  <a:cs typeface="+mn-cs"/>
+                </a:defRPr>
+              </a:lvl7pPr>
+              <a:lvl8pPr marL="3200400" indent="0" algn="ctr" defTabSz="914400" rtl="0" eaLnBrk="1" latinLnBrk="0" hangingPunct="1">
+                <a:spcBef>
+                  <a:spcPct val="20000"/>
+                </a:spcBef>
+                <a:buFont typeface="Arial" pitchFamily="34" charset="0"/>
+                <a:buNone/>
+                <a:defRPr sz="2000" kern="1200">
+                  <a:solidFill>
+                    <a:schemeClr val="tx1">
+                      <a:tint val="75000"/>
+                    </a:schemeClr>
+                  </a:solidFill>
+                  <a:latin typeface="+mn-lt"/>
+                  <a:ea typeface="+mn-ea"/>
+                  <a:cs typeface="+mn-cs"/>
+                </a:defRPr>
+              </a:lvl8pPr>
+              <a:lvl9pPr marL="3657600" indent="0" algn="ctr" defTabSz="914400" rtl="0" eaLnBrk="1" latinLnBrk="0" hangingPunct="1">
+                <a:spcBef>
+                  <a:spcPct val="20000"/>
+                </a:spcBef>
+                <a:buFont typeface="Arial" pitchFamily="34" charset="0"/>
+                <a:buNone/>
+                <a:defRPr sz="2000" kern="1200">
+                  <a:solidFill>
+                    <a:schemeClr val="tx1">
+                      <a:tint val="75000"/>
+                    </a:schemeClr>
+                  </a:solidFill>
+                  <a:latin typeface="+mn-lt"/>
+                  <a:ea typeface="+mn-ea"/>
+                  <a:cs typeface="+mn-cs"/>
+                </a:defRPr>
+              </a:lvl9pPr>
+            </a:lstStyle>
+            <a:p>
+              <a:r>
+                <a:rPr lang="en-US" sz="1600" dirty="0">
+                  <a:solidFill>
+                    <a:schemeClr val="tx1"/>
+                  </a:solidFill>
+                </a:rPr>
+                <a:t>RIGHT</a:t>
+              </a:r>
+            </a:p>
+          </p:txBody>
+        </p:sp>
+        <p:sp>
+          <p:nvSpPr>
+            <p:cNvPr id="9" name="Right Arrow 8">
+              <a:extLst>
+                <a:ext uri="{FF2B5EF4-FFF2-40B4-BE49-F238E27FC236}">
+                  <a16:creationId xmlns:a16="http://schemas.microsoft.com/office/drawing/2014/main" id="{16547AB6-7234-244A-BA26-6C531C8A7CE9}"/>
+                </a:ext>
+              </a:extLst>
+            </p:cNvPr>
+            <p:cNvSpPr/>
+            <p:nvPr/>
+          </p:nvSpPr>
+          <p:spPr>
+            <a:xfrm>
+              <a:off x="9637318" y="6391827"/>
+              <a:ext cx="640200" cy="289763"/>
+            </a:xfrm>
+            <a:prstGeom prst="rightArrow">
+              <a:avLst/>
+            </a:prstGeom>
+            <a:solidFill>
+              <a:schemeClr val="tx1"/>
+            </a:solidFill>
+            <a:ln>
+              <a:noFill/>
+            </a:ln>
+          </p:spPr>
+          <p:style>
+            <a:lnRef idx="1">
+              <a:schemeClr val="accent1"/>
+            </a:lnRef>
+            <a:fillRef idx="3">
+              <a:schemeClr val="accent1"/>
+            </a:fillRef>
+            <a:effectRef idx="2">
+              <a:schemeClr val="accent1"/>
+            </a:effectRef>
+            <a:fontRef idx="minor">
+              <a:schemeClr val="lt1"/>
+            </a:fontRef>
+          </p:style>
+          <p:txBody>
+            <a:bodyPr rtlCol="0" anchor="ctr"/>
+            <a:lstStyle/>
+            <a:p>
+              <a:pPr algn="ctr"/>
+              <a:endParaRPr lang="en-US"/>
+            </a:p>
+          </p:txBody>
+        </p:sp>
+      </p:grpSp>
+      <p:grpSp>
+        <p:nvGrpSpPr>
+          <p:cNvPr id="10" name="Group 9">
+            <a:extLst>
+              <a:ext uri="{FF2B5EF4-FFF2-40B4-BE49-F238E27FC236}">
+                <a16:creationId xmlns:a16="http://schemas.microsoft.com/office/drawing/2014/main" id="{065D5DC8-EED4-5D41-9AFF-E1B337E44591}"/>
+              </a:ext>
+            </a:extLst>
+          </p:cNvPr>
+          <p:cNvGrpSpPr/>
+          <p:nvPr/>
+        </p:nvGrpSpPr>
+        <p:grpSpPr>
+          <a:xfrm>
+            <a:off x="2313771" y="6175196"/>
+            <a:ext cx="726263" cy="506769"/>
+            <a:chOff x="2141031" y="6174821"/>
+            <a:chExt cx="726263" cy="506769"/>
+          </a:xfrm>
+        </p:grpSpPr>
+        <p:sp>
+          <p:nvSpPr>
+            <p:cNvPr id="11" name="Subtitle 8">
+              <a:extLst>
+                <a:ext uri="{FF2B5EF4-FFF2-40B4-BE49-F238E27FC236}">
+                  <a16:creationId xmlns:a16="http://schemas.microsoft.com/office/drawing/2014/main" id="{BCD2355C-C5BA-B34D-8354-87020B70871F}"/>
+                </a:ext>
+              </a:extLst>
+            </p:cNvPr>
+            <p:cNvSpPr txBox="1">
+              <a:spLocks/>
+            </p:cNvSpPr>
+            <p:nvPr/>
+          </p:nvSpPr>
+          <p:spPr>
+            <a:xfrm>
+              <a:off x="2227094" y="6174821"/>
+              <a:ext cx="640200" cy="317983"/>
+            </a:xfrm>
+            <a:prstGeom prst="rect">
+              <a:avLst/>
+            </a:prstGeom>
+          </p:spPr>
+          <p:txBody>
+            <a:bodyPr vert="horz" lIns="91440" tIns="45720" rIns="91440" bIns="45720" rtlCol="0">
+              <a:normAutofit lnSpcReduction="10000"/>
+            </a:bodyPr>
+            <a:lstStyle>
+              <a:lvl1pPr marL="0" indent="0" algn="ctr" defTabSz="914400" rtl="0" eaLnBrk="1" latinLnBrk="0" hangingPunct="1">
+                <a:spcBef>
+                  <a:spcPct val="20000"/>
+                </a:spcBef>
+                <a:buFont typeface="Arial" pitchFamily="34" charset="0"/>
+                <a:buNone/>
+                <a:defRPr sz="3200" kern="1200">
+                  <a:solidFill>
+                    <a:schemeClr val="tx1">
+                      <a:tint val="75000"/>
+                    </a:schemeClr>
+                  </a:solidFill>
+                  <a:latin typeface="+mn-lt"/>
+                  <a:ea typeface="+mn-ea"/>
+                  <a:cs typeface="+mn-cs"/>
+                </a:defRPr>
+              </a:lvl1pPr>
+              <a:lvl2pPr marL="457200" indent="0" algn="ctr" defTabSz="914400" rtl="0" eaLnBrk="1" latinLnBrk="0" hangingPunct="1">
+                <a:spcBef>
+                  <a:spcPct val="20000"/>
+                </a:spcBef>
+                <a:buFont typeface="Arial" pitchFamily="34" charset="0"/>
+                <a:buNone/>
+                <a:defRPr sz="2800" kern="1200">
+                  <a:solidFill>
+                    <a:schemeClr val="tx1">
+                      <a:tint val="75000"/>
+                    </a:schemeClr>
+                  </a:solidFill>
+                  <a:latin typeface="+mn-lt"/>
+                  <a:ea typeface="+mn-ea"/>
+                  <a:cs typeface="+mn-cs"/>
+                </a:defRPr>
+              </a:lvl2pPr>
+              <a:lvl3pPr marL="914400" indent="0" algn="ctr" defTabSz="914400" rtl="0" eaLnBrk="1" latinLnBrk="0" hangingPunct="1">
+                <a:spcBef>
+                  <a:spcPct val="20000"/>
+                </a:spcBef>
+                <a:buFont typeface="Arial" pitchFamily="34" charset="0"/>
+                <a:buNone/>
+                <a:defRPr sz="2400" kern="1200">
+                  <a:solidFill>
+                    <a:schemeClr val="tx1">
+                      <a:tint val="75000"/>
+                    </a:schemeClr>
+                  </a:solidFill>
+                  <a:latin typeface="+mn-lt"/>
+                  <a:ea typeface="+mn-ea"/>
+                  <a:cs typeface="+mn-cs"/>
+                </a:defRPr>
+              </a:lvl3pPr>
+              <a:lvl4pPr marL="1371600" indent="0" algn="ctr" defTabSz="914400" rtl="0" eaLnBrk="1" latinLnBrk="0" hangingPunct="1">
+                <a:spcBef>
+                  <a:spcPct val="20000"/>
+                </a:spcBef>
+                <a:buFont typeface="Arial" pitchFamily="34" charset="0"/>
+                <a:buNone/>
+                <a:defRPr sz="2000" kern="1200">
+                  <a:solidFill>
+                    <a:schemeClr val="tx1">
+                      <a:tint val="75000"/>
+                    </a:schemeClr>
+                  </a:solidFill>
+                  <a:latin typeface="+mn-lt"/>
+                  <a:ea typeface="+mn-ea"/>
+                  <a:cs typeface="+mn-cs"/>
+                </a:defRPr>
+              </a:lvl4pPr>
+              <a:lvl5pPr marL="1828800" indent="0" algn="ctr" defTabSz="914400" rtl="0" eaLnBrk="1" latinLnBrk="0" hangingPunct="1">
+                <a:spcBef>
+                  <a:spcPct val="20000"/>
+                </a:spcBef>
+                <a:buFont typeface="Arial" pitchFamily="34" charset="0"/>
+                <a:buNone/>
+                <a:defRPr sz="2000" kern="1200">
+                  <a:solidFill>
+                    <a:schemeClr val="tx1">
+                      <a:tint val="75000"/>
+                    </a:schemeClr>
+                  </a:solidFill>
+                  <a:latin typeface="+mn-lt"/>
+                  <a:ea typeface="+mn-ea"/>
+                  <a:cs typeface="+mn-cs"/>
+                </a:defRPr>
+              </a:lvl5pPr>
+              <a:lvl6pPr marL="2286000" indent="0" algn="ctr" defTabSz="914400" rtl="0" eaLnBrk="1" latinLnBrk="0" hangingPunct="1">
+                <a:spcBef>
+                  <a:spcPct val="20000"/>
+                </a:spcBef>
+                <a:buFont typeface="Arial" pitchFamily="34" charset="0"/>
+                <a:buNone/>
+                <a:defRPr sz="2000" kern="1200">
+                  <a:solidFill>
+                    <a:schemeClr val="tx1">
+                      <a:tint val="75000"/>
+                    </a:schemeClr>
+                  </a:solidFill>
+                  <a:latin typeface="+mn-lt"/>
+                  <a:ea typeface="+mn-ea"/>
+                  <a:cs typeface="+mn-cs"/>
+                </a:defRPr>
+              </a:lvl6pPr>
+              <a:lvl7pPr marL="2743200" indent="0" algn="ctr" defTabSz="914400" rtl="0" eaLnBrk="1" latinLnBrk="0" hangingPunct="1">
+                <a:spcBef>
+                  <a:spcPct val="20000"/>
+                </a:spcBef>
+                <a:buFont typeface="Arial" pitchFamily="34" charset="0"/>
+                <a:buNone/>
+                <a:defRPr sz="2000" kern="1200">
+                  <a:solidFill>
+                    <a:schemeClr val="tx1">
+                      <a:tint val="75000"/>
+                    </a:schemeClr>
+                  </a:solidFill>
+                  <a:latin typeface="+mn-lt"/>
+                  <a:ea typeface="+mn-ea"/>
+                  <a:cs typeface="+mn-cs"/>
+                </a:defRPr>
+              </a:lvl7pPr>
+              <a:lvl8pPr marL="3200400" indent="0" algn="ctr" defTabSz="914400" rtl="0" eaLnBrk="1" latinLnBrk="0" hangingPunct="1">
+                <a:spcBef>
+                  <a:spcPct val="20000"/>
+                </a:spcBef>
+                <a:buFont typeface="Arial" pitchFamily="34" charset="0"/>
+                <a:buNone/>
+                <a:defRPr sz="2000" kern="1200">
+                  <a:solidFill>
+                    <a:schemeClr val="tx1">
+                      <a:tint val="75000"/>
+                    </a:schemeClr>
+                  </a:solidFill>
+                  <a:latin typeface="+mn-lt"/>
+                  <a:ea typeface="+mn-ea"/>
+                  <a:cs typeface="+mn-cs"/>
+                </a:defRPr>
+              </a:lvl8pPr>
+              <a:lvl9pPr marL="3657600" indent="0" algn="ctr" defTabSz="914400" rtl="0" eaLnBrk="1" latinLnBrk="0" hangingPunct="1">
+                <a:spcBef>
+                  <a:spcPct val="20000"/>
+                </a:spcBef>
+                <a:buFont typeface="Arial" pitchFamily="34" charset="0"/>
+                <a:buNone/>
+                <a:defRPr sz="2000" kern="1200">
+                  <a:solidFill>
+                    <a:schemeClr val="tx1">
+                      <a:tint val="75000"/>
+                    </a:schemeClr>
+                  </a:solidFill>
+                  <a:latin typeface="+mn-lt"/>
+                  <a:ea typeface="+mn-ea"/>
+                  <a:cs typeface="+mn-cs"/>
+                </a:defRPr>
+              </a:lvl9pPr>
+            </a:lstStyle>
+            <a:p>
+              <a:r>
+                <a:rPr lang="en-US" sz="1600" dirty="0">
+                  <a:solidFill>
+                    <a:schemeClr val="tx1"/>
+                  </a:solidFill>
+                </a:rPr>
+                <a:t>LEFT</a:t>
+              </a:r>
+            </a:p>
+          </p:txBody>
+        </p:sp>
+        <p:sp>
+          <p:nvSpPr>
+            <p:cNvPr id="14" name="Right Arrow 13">
+              <a:extLst>
+                <a:ext uri="{FF2B5EF4-FFF2-40B4-BE49-F238E27FC236}">
+                  <a16:creationId xmlns:a16="http://schemas.microsoft.com/office/drawing/2014/main" id="{FDB0125F-F8BC-8B44-8CDC-3C3BA93BCAC9}"/>
+                </a:ext>
+              </a:extLst>
+            </p:cNvPr>
+            <p:cNvSpPr/>
+            <p:nvPr/>
+          </p:nvSpPr>
+          <p:spPr>
+            <a:xfrm rot="10800000">
+              <a:off x="2141031" y="6391827"/>
+              <a:ext cx="640200" cy="289763"/>
+            </a:xfrm>
+            <a:prstGeom prst="rightArrow">
+              <a:avLst/>
+            </a:prstGeom>
+            <a:solidFill>
+              <a:schemeClr val="tx1"/>
+            </a:solidFill>
+            <a:ln>
+              <a:noFill/>
+            </a:ln>
+          </p:spPr>
+          <p:style>
+            <a:lnRef idx="1">
+              <a:schemeClr val="accent1"/>
+            </a:lnRef>
+            <a:fillRef idx="3">
+              <a:schemeClr val="accent1"/>
+            </a:fillRef>
+            <a:effectRef idx="2">
+              <a:schemeClr val="accent1"/>
+            </a:effectRef>
+            <a:fontRef idx="minor">
+              <a:schemeClr val="lt1"/>
+            </a:fontRef>
+          </p:style>
+          <p:txBody>
+            <a:bodyPr rtlCol="0" anchor="ctr"/>
+            <a:lstStyle/>
+            <a:p>
+              <a:pPr algn="ctr"/>
+              <a:endParaRPr lang="en-US"/>
+            </a:p>
+          </p:txBody>
+        </p:sp>
+      </p:grpSp>
+      <p:sp>
+        <p:nvSpPr>
+          <p:cNvPr id="12" name="TextBox 11">
+            <a:extLst>
+              <a:ext uri="{FF2B5EF4-FFF2-40B4-BE49-F238E27FC236}">
+                <a16:creationId xmlns:a16="http://schemas.microsoft.com/office/drawing/2014/main" id="{F53F0997-1C46-3440-B433-57B0292AB8AF}"/>
+              </a:ext>
+            </a:extLst>
+          </p:cNvPr>
+          <p:cNvSpPr txBox="1"/>
+          <p:nvPr/>
+        </p:nvSpPr>
+        <p:spPr>
+          <a:xfrm>
+            <a:off x="3463326" y="3697246"/>
+            <a:ext cx="5265347" cy="923330"/>
+          </a:xfrm>
+          <a:prstGeom prst="rect">
+            <a:avLst/>
+          </a:prstGeom>
+          <a:solidFill>
+            <a:schemeClr val="bg1"/>
+          </a:solidFill>
+        </p:spPr>
+        <p:txBody>
+          <a:bodyPr wrap="square" rtlCol="0">
+            <a:spAutoFit/>
+          </a:bodyPr>
+          <a:lstStyle/>
+          <a:p>
+            <a:pPr algn="ctr"/>
+            <a:r>
+              <a:rPr lang="en-US" sz="5400" b="1" dirty="0">
+                <a:solidFill>
+                  <a:srgbClr val="FF0000"/>
+                </a:solidFill>
+              </a:rPr>
+              <a:t>End Up Alone</a:t>
+            </a:r>
+          </a:p>
+        </p:txBody>
+      </p:sp>
+    </p:spTree>
+    <p:extLst>
+      <p:ext uri="{BB962C8B-B14F-4D97-AF65-F5344CB8AC3E}">
+        <p14:creationId xmlns:p14="http://schemas.microsoft.com/office/powerpoint/2010/main" val="419184334"/>
+      </p:ext>
+    </p:extLst>
+  </p:cSld>
+  <p:clrMapOvr>
+    <a:masterClrMapping/>
+  </p:clrMapOvr>
+</p:sld>
+</file>
+
+<file path=ppt/slides/slide13.xml><?xml version="1.0" encoding="utf-8"?>
+<p:sld xmlns:a="http://schemas.openxmlformats.org/drawingml/2006/main" xmlns:r="http://schemas.openxmlformats.org/officeDocument/2006/relationships" xmlns:p="http://schemas.openxmlformats.org/presentationml/2006/main">
+  <p:cSld>
+    <p:bg>
+      <p:bgPr>
+        <a:solidFill>
+          <a:schemeClr val="bg1"/>
+        </a:solidFill>
+        <a:effectLst/>
+      </p:bgPr>
+    </p:bg>
+    <p:spTree>
+      <p:nvGrpSpPr>
+        <p:cNvPr id="1" name=""/>
+        <p:cNvGrpSpPr/>
+        <p:nvPr/>
+      </p:nvGrpSpPr>
+      <p:grpSpPr>
+        <a:xfrm>
+          <a:off x="0" y="0"/>
+          <a:ext cx="0" cy="0"/>
+          <a:chOff x="0" y="0"/>
+          <a:chExt cx="0" cy="0"/>
+        </a:xfrm>
+      </p:grpSpPr>
+      <p:sp>
+        <p:nvSpPr>
+          <p:cNvPr id="15" name="Content Placeholder 2">
+            <a:extLst>
+              <a:ext uri="{FF2B5EF4-FFF2-40B4-BE49-F238E27FC236}">
+                <a16:creationId xmlns:a16="http://schemas.microsoft.com/office/drawing/2014/main" id="{BB089F57-6179-B14E-8148-2009637B51FB}"/>
+              </a:ext>
+            </a:extLst>
+          </p:cNvPr>
+          <p:cNvSpPr>
+            <a:spLocks noGrp="1"/>
+          </p:cNvSpPr>
+          <p:nvPr>
+            <p:ph idx="1"/>
+          </p:nvPr>
+        </p:nvSpPr>
+        <p:spPr>
+          <a:xfrm>
+            <a:off x="675790" y="1487516"/>
+            <a:ext cx="7490310" cy="571444"/>
+          </a:xfrm>
+        </p:spPr>
+        <p:txBody>
+          <a:bodyPr>
+            <a:noAutofit/>
+          </a:bodyPr>
+          <a:lstStyle/>
+          <a:p>
             <a:pPr marL="0" indent="0" algn="ctr">
               <a:buNone/>
             </a:pPr>
             <a:r>
               <a:rPr lang="en-US" dirty="0"/>
               <a:t>Use the LEFT Button to SELECT the person.</a:t>
-            </a:r>
-          </a:p>
-          <a:p>
-            <a:pPr marL="0" indent="0" algn="ctr">
-              <a:buNone/>
-            </a:pPr>
-            <a:r>
-              <a:rPr lang="en-US" dirty="0"/>
-              <a:t>Use the RIGHT Button to WAIT.</a:t>
             </a:r>
           </a:p>
         </p:txBody>
@@ -7199,6 +9434,159 @@
           </p:txBody>
         </p:sp>
       </p:grpSp>
+      <p:pic>
+        <p:nvPicPr>
+          <p:cNvPr id="3" name="Picture 2" descr="Graphical user interface&#10;&#10;Description automatically generated">
+            <a:extLst>
+              <a:ext uri="{FF2B5EF4-FFF2-40B4-BE49-F238E27FC236}">
+                <a16:creationId xmlns:a16="http://schemas.microsoft.com/office/drawing/2014/main" id="{E7A38183-D78F-7044-B21A-BD06595C8291}"/>
+              </a:ext>
+            </a:extLst>
+          </p:cNvPr>
+          <p:cNvPicPr>
+            <a:picLocks noChangeAspect="1"/>
+          </p:cNvPicPr>
+          <p:nvPr/>
+        </p:nvPicPr>
+        <p:blipFill rotWithShape="1">
+          <a:blip r:embed="rId3"/>
+          <a:srcRect l="32463" t="60333" r="32861" b="30091"/>
+          <a:stretch/>
+        </p:blipFill>
+        <p:spPr>
+          <a:xfrm>
+            <a:off x="3588217" y="3105223"/>
+            <a:ext cx="5015565" cy="1032438"/>
+          </a:xfrm>
+          <a:prstGeom prst="rect">
+            <a:avLst/>
+          </a:prstGeom>
+        </p:spPr>
+      </p:pic>
+      <p:cxnSp>
+        <p:nvCxnSpPr>
+          <p:cNvPr id="5" name="Straight Arrow Connector 4">
+            <a:extLst>
+              <a:ext uri="{FF2B5EF4-FFF2-40B4-BE49-F238E27FC236}">
+                <a16:creationId xmlns:a16="http://schemas.microsoft.com/office/drawing/2014/main" id="{0AAC880B-4FA2-B04A-AF3A-8A558A14AEDF}"/>
+              </a:ext>
+            </a:extLst>
+          </p:cNvPr>
+          <p:cNvCxnSpPr>
+            <a:cxnSpLocks/>
+            <a:stCxn id="15" idx="2"/>
+          </p:cNvCxnSpPr>
+          <p:nvPr/>
+        </p:nvCxnSpPr>
+        <p:spPr>
+          <a:xfrm flipH="1">
+            <a:off x="4069899" y="2058960"/>
+            <a:ext cx="351046" cy="1244570"/>
+          </a:xfrm>
+          <a:prstGeom prst="straightConnector1">
+            <a:avLst/>
+          </a:prstGeom>
+          <a:ln w="47625">
+            <a:solidFill>
+              <a:schemeClr val="tx1"/>
+            </a:solidFill>
+            <a:tailEnd type="triangle"/>
+          </a:ln>
+        </p:spPr>
+        <p:style>
+          <a:lnRef idx="1">
+            <a:schemeClr val="accent1"/>
+          </a:lnRef>
+          <a:fillRef idx="0">
+            <a:schemeClr val="accent1"/>
+          </a:fillRef>
+          <a:effectRef idx="0">
+            <a:schemeClr val="accent1"/>
+          </a:effectRef>
+          <a:fontRef idx="minor">
+            <a:schemeClr val="tx1"/>
+          </a:fontRef>
+        </p:style>
+      </p:cxnSp>
+      <p:sp>
+        <p:nvSpPr>
+          <p:cNvPr id="12" name="Rectangle 11">
+            <a:extLst>
+              <a:ext uri="{FF2B5EF4-FFF2-40B4-BE49-F238E27FC236}">
+                <a16:creationId xmlns:a16="http://schemas.microsoft.com/office/drawing/2014/main" id="{004B53AA-440D-5449-8016-7DDED1E423EF}"/>
+              </a:ext>
+            </a:extLst>
+          </p:cNvPr>
+          <p:cNvSpPr/>
+          <p:nvPr/>
+        </p:nvSpPr>
+        <p:spPr>
+          <a:xfrm>
+            <a:off x="5761102" y="4740531"/>
+            <a:ext cx="5317995" cy="584775"/>
+          </a:xfrm>
+          <a:prstGeom prst="rect">
+            <a:avLst/>
+          </a:prstGeom>
+        </p:spPr>
+        <p:txBody>
+          <a:bodyPr wrap="none">
+            <a:spAutoFit/>
+          </a:bodyPr>
+          <a:lstStyle/>
+          <a:p>
+            <a:pPr algn="ctr"/>
+            <a:r>
+              <a:rPr lang="en-US" sz="3200" dirty="0"/>
+              <a:t>Use the RIGHT Button to WAIT.</a:t>
+            </a:r>
+          </a:p>
+        </p:txBody>
+      </p:sp>
+      <p:cxnSp>
+        <p:nvCxnSpPr>
+          <p:cNvPr id="20" name="Straight Arrow Connector 19">
+            <a:extLst>
+              <a:ext uri="{FF2B5EF4-FFF2-40B4-BE49-F238E27FC236}">
+                <a16:creationId xmlns:a16="http://schemas.microsoft.com/office/drawing/2014/main" id="{723D1ACD-AC00-6B4E-8E6F-1EF9FD9DC14A}"/>
+              </a:ext>
+            </a:extLst>
+          </p:cNvPr>
+          <p:cNvCxnSpPr>
+            <a:stCxn id="12" idx="0"/>
+          </p:cNvCxnSpPr>
+          <p:nvPr/>
+        </p:nvCxnSpPr>
+        <p:spPr>
+          <a:xfrm flipH="1" flipV="1">
+            <a:off x="8166100" y="3953777"/>
+            <a:ext cx="254000" cy="786754"/>
+          </a:xfrm>
+          <a:prstGeom prst="straightConnector1">
+            <a:avLst/>
+          </a:prstGeom>
+          <a:ln w="47625">
+            <a:solidFill>
+              <a:schemeClr val="tx1"/>
+            </a:solidFill>
+            <a:tailEnd type="triangle"/>
+          </a:ln>
+        </p:spPr>
+        <p:style>
+          <a:lnRef idx="1">
+            <a:schemeClr val="accent1"/>
+          </a:lnRef>
+          <a:fillRef idx="0">
+            <a:schemeClr val="accent1"/>
+          </a:fillRef>
+          <a:effectRef idx="0">
+            <a:schemeClr val="accent1"/>
+          </a:effectRef>
+          <a:fontRef idx="minor">
+            <a:schemeClr val="tx1"/>
+          </a:fontRef>
+        </p:style>
+      </p:cxnSp>
     </p:spTree>
     <p:extLst>
       <p:ext uri="{BB962C8B-B14F-4D97-AF65-F5344CB8AC3E}">
@@ -7212,7 +9600,7 @@
 </p:sld>
 </file>
 
-<file path=ppt/slides/slide12.xml><?xml version="1.0" encoding="utf-8"?>
+<file path=ppt/slides/slide14.xml><?xml version="1.0" encoding="utf-8"?>
 <p:sld xmlns:a="http://schemas.openxmlformats.org/drawingml/2006/main" xmlns:r="http://schemas.openxmlformats.org/officeDocument/2006/relationships" xmlns:p="http://schemas.openxmlformats.org/presentationml/2006/main">
   <p:cSld>
     <p:bg>
@@ -7255,8 +9643,8 @@
         </p:nvSpPr>
         <p:spPr>
           <a:xfrm>
-            <a:off x="646151" y="768610"/>
-            <a:ext cx="10899697" cy="1463040"/>
+            <a:off x="1021574" y="720144"/>
+            <a:ext cx="10148849" cy="2211260"/>
           </a:xfrm>
         </p:spPr>
         <p:txBody>
@@ -7270,7 +9658,7 @@
             </a:pPr>
             <a:r>
               <a:rPr lang="en-US" dirty="0"/>
-              <a:t>With each choice to wait, the next silhouette will be highlighted, moving from left to right. This will help you see how many times you have waited and how many people are left to meet.</a:t>
+              <a:t>With each choice to wait, the next silhouette will be highlighted, moving from left to right. </a:t>
             </a:r>
           </a:p>
         </p:txBody>
@@ -7912,6 +10300,64 @@
           </p:txBody>
         </p:sp>
       </p:grpSp>
+      <p:pic>
+        <p:nvPicPr>
+          <p:cNvPr id="12" name="Picture 11" descr="Graphical user interface&#10;&#10;Description automatically generated">
+            <a:extLst>
+              <a:ext uri="{FF2B5EF4-FFF2-40B4-BE49-F238E27FC236}">
+                <a16:creationId xmlns:a16="http://schemas.microsoft.com/office/drawing/2014/main" id="{4903AFA4-0FEF-4946-A7D5-28063984AE92}"/>
+              </a:ext>
+            </a:extLst>
+          </p:cNvPr>
+          <p:cNvPicPr>
+            <a:picLocks noChangeAspect="1"/>
+          </p:cNvPicPr>
+          <p:nvPr/>
+        </p:nvPicPr>
+        <p:blipFill rotWithShape="1">
+          <a:blip r:embed="rId3"/>
+          <a:srcRect l="8889" t="26039" r="8889" b="54353"/>
+          <a:stretch/>
+        </p:blipFill>
+        <p:spPr>
+          <a:xfrm>
+            <a:off x="1617214" y="3148410"/>
+            <a:ext cx="8957567" cy="1592355"/>
+          </a:xfrm>
+          <a:prstGeom prst="rect">
+            <a:avLst/>
+          </a:prstGeom>
+        </p:spPr>
+      </p:pic>
+      <p:pic>
+        <p:nvPicPr>
+          <p:cNvPr id="13" name="Picture 12" descr="Graphical user interface, application&#10;&#10;Description automatically generated">
+            <a:extLst>
+              <a:ext uri="{FF2B5EF4-FFF2-40B4-BE49-F238E27FC236}">
+                <a16:creationId xmlns:a16="http://schemas.microsoft.com/office/drawing/2014/main" id="{51A21A05-12F2-694C-8F93-B94357CCA8F0}"/>
+              </a:ext>
+            </a:extLst>
+          </p:cNvPr>
+          <p:cNvPicPr>
+            <a:picLocks noChangeAspect="1"/>
+          </p:cNvPicPr>
+          <p:nvPr/>
+        </p:nvPicPr>
+        <p:blipFill rotWithShape="1">
+          <a:blip r:embed="rId4"/>
+          <a:srcRect l="13023" t="23939" r="12488" b="72186"/>
+          <a:stretch/>
+        </p:blipFill>
+        <p:spPr>
+          <a:xfrm>
+            <a:off x="2080079" y="2954041"/>
+            <a:ext cx="8104930" cy="314244"/>
+          </a:xfrm>
+          <a:prstGeom prst="rect">
+            <a:avLst/>
+          </a:prstGeom>
+        </p:spPr>
+      </p:pic>
     </p:spTree>
     <p:extLst>
       <p:ext uri="{BB962C8B-B14F-4D97-AF65-F5344CB8AC3E}">
@@ -7925,7 +10371,807 @@
 </p:sld>
 </file>
 
-<file path=ppt/slides/slide13.xml><?xml version="1.0" encoding="utf-8"?>
+<file path=ppt/slides/slide15.xml><?xml version="1.0" encoding="utf-8"?>
+<p:sld xmlns:a="http://schemas.openxmlformats.org/drawingml/2006/main" xmlns:r="http://schemas.openxmlformats.org/officeDocument/2006/relationships" xmlns:p="http://schemas.openxmlformats.org/presentationml/2006/main">
+  <p:cSld>
+    <p:bg>
+      <p:bgPr>
+        <a:solidFill>
+          <a:schemeClr val="bg1"/>
+        </a:solidFill>
+        <a:effectLst/>
+      </p:bgPr>
+    </p:bg>
+    <p:spTree>
+      <p:nvGrpSpPr>
+        <p:cNvPr id="1" name=""/>
+        <p:cNvGrpSpPr/>
+        <p:nvPr/>
+      </p:nvGrpSpPr>
+      <p:grpSpPr>
+        <a:xfrm>
+          <a:off x="0" y="0"/>
+          <a:ext cx="0" cy="0"/>
+          <a:chOff x="0" y="0"/>
+          <a:chExt cx="0" cy="0"/>
+        </a:xfrm>
+      </p:grpSpPr>
+      <p:sp>
+        <p:nvSpPr>
+          <p:cNvPr id="15" name="Content Placeholder 2">
+            <a:extLst>
+              <a:ext uri="{FF2B5EF4-FFF2-40B4-BE49-F238E27FC236}">
+                <a16:creationId xmlns:a16="http://schemas.microsoft.com/office/drawing/2014/main" id="{BB089F57-6179-B14E-8148-2009637B51FB}"/>
+              </a:ext>
+            </a:extLst>
+          </p:cNvPr>
+          <p:cNvSpPr>
+            <a:spLocks noGrp="1"/>
+          </p:cNvSpPr>
+          <p:nvPr>
+            <p:ph idx="1"/>
+          </p:nvPr>
+        </p:nvSpPr>
+        <p:spPr>
+          <a:xfrm>
+            <a:off x="1021574" y="720144"/>
+            <a:ext cx="10148849" cy="2211260"/>
+          </a:xfrm>
+        </p:spPr>
+        <p:txBody>
+          <a:bodyPr>
+            <a:noAutofit/>
+          </a:bodyPr>
+          <a:lstStyle/>
+          <a:p>
+            <a:pPr marL="0" indent="0">
+              <a:buNone/>
+            </a:pPr>
+            <a:r>
+              <a:rPr lang="en-US" dirty="0"/>
+              <a:t>This will help you see how many times you have waited and how many people are left to meet.</a:t>
+            </a:r>
+          </a:p>
+        </p:txBody>
+      </p:sp>
+      <p:sp>
+        <p:nvSpPr>
+          <p:cNvPr id="16" name="Rectangle 15">
+            <a:extLst>
+              <a:ext uri="{FF2B5EF4-FFF2-40B4-BE49-F238E27FC236}">
+                <a16:creationId xmlns:a16="http://schemas.microsoft.com/office/drawing/2014/main" id="{3BA95B9C-908A-3942-9905-DA59738A2007}"/>
+              </a:ext>
+            </a:extLst>
+          </p:cNvPr>
+          <p:cNvSpPr/>
+          <p:nvPr/>
+        </p:nvSpPr>
+        <p:spPr>
+          <a:xfrm>
+            <a:off x="7672815" y="3346812"/>
+            <a:ext cx="351046" cy="276498"/>
+          </a:xfrm>
+          <a:prstGeom prst="rect">
+            <a:avLst/>
+          </a:prstGeom>
+          <a:solidFill>
+            <a:schemeClr val="bg1"/>
+          </a:solidFill>
+          <a:ln>
+            <a:noFill/>
+          </a:ln>
+        </p:spPr>
+        <p:style>
+          <a:lnRef idx="2">
+            <a:schemeClr val="accent1">
+              <a:shade val="50000"/>
+            </a:schemeClr>
+          </a:lnRef>
+          <a:fillRef idx="1">
+            <a:schemeClr val="accent1"/>
+          </a:fillRef>
+          <a:effectRef idx="0">
+            <a:schemeClr val="accent1"/>
+          </a:effectRef>
+          <a:fontRef idx="minor">
+            <a:schemeClr val="lt1"/>
+          </a:fontRef>
+        </p:style>
+        <p:txBody>
+          <a:bodyPr rtlCol="0" anchor="ctr"/>
+          <a:lstStyle/>
+          <a:p>
+            <a:pPr algn="ctr"/>
+            <a:endParaRPr lang="en-US"/>
+          </a:p>
+        </p:txBody>
+      </p:sp>
+      <p:sp>
+        <p:nvSpPr>
+          <p:cNvPr id="7" name="Title 3">
+            <a:extLst>
+              <a:ext uri="{FF2B5EF4-FFF2-40B4-BE49-F238E27FC236}">
+                <a16:creationId xmlns:a16="http://schemas.microsoft.com/office/drawing/2014/main" id="{A396EEC4-85C4-604D-92AC-1CC5A9AEB514}"/>
+              </a:ext>
+            </a:extLst>
+          </p:cNvPr>
+          <p:cNvSpPr txBox="1">
+            <a:spLocks/>
+          </p:cNvSpPr>
+          <p:nvPr/>
+        </p:nvSpPr>
+        <p:spPr>
+          <a:xfrm>
+            <a:off x="3040034" y="6157852"/>
+            <a:ext cx="6111932" cy="656705"/>
+          </a:xfrm>
+          <a:prstGeom prst="rect">
+            <a:avLst/>
+          </a:prstGeom>
+        </p:spPr>
+        <p:txBody>
+          <a:bodyPr vert="horz" lIns="91440" tIns="45720" rIns="91440" bIns="45720" rtlCol="0" anchor="ctr">
+            <a:normAutofit fontScale="92500"/>
+          </a:bodyPr>
+          <a:lstStyle>
+            <a:lvl1pPr algn="ctr" defTabSz="914400" rtl="0" eaLnBrk="1" latinLnBrk="0" hangingPunct="1">
+              <a:spcBef>
+                <a:spcPct val="0"/>
+              </a:spcBef>
+              <a:buNone/>
+              <a:defRPr sz="4400" kern="1200">
+                <a:solidFill>
+                  <a:schemeClr val="tx1"/>
+                </a:solidFill>
+                <a:latin typeface="+mj-lt"/>
+                <a:ea typeface="+mj-ea"/>
+                <a:cs typeface="+mj-cs"/>
+              </a:defRPr>
+            </a:lvl1pPr>
+          </a:lstStyle>
+          <a:p>
+            <a:r>
+              <a:rPr lang="en-US" sz="3000" dirty="0">
+                <a:solidFill>
+                  <a:srgbClr val="FF0000"/>
+                </a:solidFill>
+              </a:rPr>
+              <a:t>PRESS THE RIGHT BUTTON TO CONTINUE</a:t>
+            </a:r>
+          </a:p>
+        </p:txBody>
+      </p:sp>
+      <p:grpSp>
+        <p:nvGrpSpPr>
+          <p:cNvPr id="8" name="Group 7">
+            <a:extLst>
+              <a:ext uri="{FF2B5EF4-FFF2-40B4-BE49-F238E27FC236}">
+                <a16:creationId xmlns:a16="http://schemas.microsoft.com/office/drawing/2014/main" id="{8031880E-56B5-964A-ACCF-CCE3C6F3D6DB}"/>
+              </a:ext>
+            </a:extLst>
+          </p:cNvPr>
+          <p:cNvGrpSpPr/>
+          <p:nvPr/>
+        </p:nvGrpSpPr>
+        <p:grpSpPr>
+          <a:xfrm>
+            <a:off x="9151966" y="6157852"/>
+            <a:ext cx="726263" cy="506769"/>
+            <a:chOff x="9551255" y="6174821"/>
+            <a:chExt cx="726263" cy="506769"/>
+          </a:xfrm>
+        </p:grpSpPr>
+        <p:sp>
+          <p:nvSpPr>
+            <p:cNvPr id="9" name="Subtitle 8">
+              <a:extLst>
+                <a:ext uri="{FF2B5EF4-FFF2-40B4-BE49-F238E27FC236}">
+                  <a16:creationId xmlns:a16="http://schemas.microsoft.com/office/drawing/2014/main" id="{E21EBA54-1D99-DE44-AB21-E44DEA0A4581}"/>
+                </a:ext>
+              </a:extLst>
+            </p:cNvPr>
+            <p:cNvSpPr txBox="1">
+              <a:spLocks/>
+            </p:cNvSpPr>
+            <p:nvPr/>
+          </p:nvSpPr>
+          <p:spPr>
+            <a:xfrm>
+              <a:off x="9551255" y="6174821"/>
+              <a:ext cx="640200" cy="289763"/>
+            </a:xfrm>
+            <a:prstGeom prst="rect">
+              <a:avLst/>
+            </a:prstGeom>
+          </p:spPr>
+          <p:txBody>
+            <a:bodyPr vert="horz" lIns="91440" tIns="45720" rIns="91440" bIns="45720" rtlCol="0">
+              <a:normAutofit fontScale="85000" lnSpcReduction="10000"/>
+            </a:bodyPr>
+            <a:lstStyle>
+              <a:lvl1pPr marL="0" indent="0" algn="ctr" defTabSz="914400" rtl="0" eaLnBrk="1" latinLnBrk="0" hangingPunct="1">
+                <a:spcBef>
+                  <a:spcPct val="20000"/>
+                </a:spcBef>
+                <a:buFont typeface="Arial" pitchFamily="34" charset="0"/>
+                <a:buNone/>
+                <a:defRPr sz="3200" kern="1200">
+                  <a:solidFill>
+                    <a:schemeClr val="tx1">
+                      <a:tint val="75000"/>
+                    </a:schemeClr>
+                  </a:solidFill>
+                  <a:latin typeface="+mn-lt"/>
+                  <a:ea typeface="+mn-ea"/>
+                  <a:cs typeface="+mn-cs"/>
+                </a:defRPr>
+              </a:lvl1pPr>
+              <a:lvl2pPr marL="457200" indent="0" algn="ctr" defTabSz="914400" rtl="0" eaLnBrk="1" latinLnBrk="0" hangingPunct="1">
+                <a:spcBef>
+                  <a:spcPct val="20000"/>
+                </a:spcBef>
+                <a:buFont typeface="Arial" pitchFamily="34" charset="0"/>
+                <a:buNone/>
+                <a:defRPr sz="2800" kern="1200">
+                  <a:solidFill>
+                    <a:schemeClr val="tx1">
+                      <a:tint val="75000"/>
+                    </a:schemeClr>
+                  </a:solidFill>
+                  <a:latin typeface="+mn-lt"/>
+                  <a:ea typeface="+mn-ea"/>
+                  <a:cs typeface="+mn-cs"/>
+                </a:defRPr>
+              </a:lvl2pPr>
+              <a:lvl3pPr marL="914400" indent="0" algn="ctr" defTabSz="914400" rtl="0" eaLnBrk="1" latinLnBrk="0" hangingPunct="1">
+                <a:spcBef>
+                  <a:spcPct val="20000"/>
+                </a:spcBef>
+                <a:buFont typeface="Arial" pitchFamily="34" charset="0"/>
+                <a:buNone/>
+                <a:defRPr sz="2400" kern="1200">
+                  <a:solidFill>
+                    <a:schemeClr val="tx1">
+                      <a:tint val="75000"/>
+                    </a:schemeClr>
+                  </a:solidFill>
+                  <a:latin typeface="+mn-lt"/>
+                  <a:ea typeface="+mn-ea"/>
+                  <a:cs typeface="+mn-cs"/>
+                </a:defRPr>
+              </a:lvl3pPr>
+              <a:lvl4pPr marL="1371600" indent="0" algn="ctr" defTabSz="914400" rtl="0" eaLnBrk="1" latinLnBrk="0" hangingPunct="1">
+                <a:spcBef>
+                  <a:spcPct val="20000"/>
+                </a:spcBef>
+                <a:buFont typeface="Arial" pitchFamily="34" charset="0"/>
+                <a:buNone/>
+                <a:defRPr sz="2000" kern="1200">
+                  <a:solidFill>
+                    <a:schemeClr val="tx1">
+                      <a:tint val="75000"/>
+                    </a:schemeClr>
+                  </a:solidFill>
+                  <a:latin typeface="+mn-lt"/>
+                  <a:ea typeface="+mn-ea"/>
+                  <a:cs typeface="+mn-cs"/>
+                </a:defRPr>
+              </a:lvl4pPr>
+              <a:lvl5pPr marL="1828800" indent="0" algn="ctr" defTabSz="914400" rtl="0" eaLnBrk="1" latinLnBrk="0" hangingPunct="1">
+                <a:spcBef>
+                  <a:spcPct val="20000"/>
+                </a:spcBef>
+                <a:buFont typeface="Arial" pitchFamily="34" charset="0"/>
+                <a:buNone/>
+                <a:defRPr sz="2000" kern="1200">
+                  <a:solidFill>
+                    <a:schemeClr val="tx1">
+                      <a:tint val="75000"/>
+                    </a:schemeClr>
+                  </a:solidFill>
+                  <a:latin typeface="+mn-lt"/>
+                  <a:ea typeface="+mn-ea"/>
+                  <a:cs typeface="+mn-cs"/>
+                </a:defRPr>
+              </a:lvl5pPr>
+              <a:lvl6pPr marL="2286000" indent="0" algn="ctr" defTabSz="914400" rtl="0" eaLnBrk="1" latinLnBrk="0" hangingPunct="1">
+                <a:spcBef>
+                  <a:spcPct val="20000"/>
+                </a:spcBef>
+                <a:buFont typeface="Arial" pitchFamily="34" charset="0"/>
+                <a:buNone/>
+                <a:defRPr sz="2000" kern="1200">
+                  <a:solidFill>
+                    <a:schemeClr val="tx1">
+                      <a:tint val="75000"/>
+                    </a:schemeClr>
+                  </a:solidFill>
+                  <a:latin typeface="+mn-lt"/>
+                  <a:ea typeface="+mn-ea"/>
+                  <a:cs typeface="+mn-cs"/>
+                </a:defRPr>
+              </a:lvl6pPr>
+              <a:lvl7pPr marL="2743200" indent="0" algn="ctr" defTabSz="914400" rtl="0" eaLnBrk="1" latinLnBrk="0" hangingPunct="1">
+                <a:spcBef>
+                  <a:spcPct val="20000"/>
+                </a:spcBef>
+                <a:buFont typeface="Arial" pitchFamily="34" charset="0"/>
+                <a:buNone/>
+                <a:defRPr sz="2000" kern="1200">
+                  <a:solidFill>
+                    <a:schemeClr val="tx1">
+                      <a:tint val="75000"/>
+                    </a:schemeClr>
+                  </a:solidFill>
+                  <a:latin typeface="+mn-lt"/>
+                  <a:ea typeface="+mn-ea"/>
+                  <a:cs typeface="+mn-cs"/>
+                </a:defRPr>
+              </a:lvl7pPr>
+              <a:lvl8pPr marL="3200400" indent="0" algn="ctr" defTabSz="914400" rtl="0" eaLnBrk="1" latinLnBrk="0" hangingPunct="1">
+                <a:spcBef>
+                  <a:spcPct val="20000"/>
+                </a:spcBef>
+                <a:buFont typeface="Arial" pitchFamily="34" charset="0"/>
+                <a:buNone/>
+                <a:defRPr sz="2000" kern="1200">
+                  <a:solidFill>
+                    <a:schemeClr val="tx1">
+                      <a:tint val="75000"/>
+                    </a:schemeClr>
+                  </a:solidFill>
+                  <a:latin typeface="+mn-lt"/>
+                  <a:ea typeface="+mn-ea"/>
+                  <a:cs typeface="+mn-cs"/>
+                </a:defRPr>
+              </a:lvl8pPr>
+              <a:lvl9pPr marL="3657600" indent="0" algn="ctr" defTabSz="914400" rtl="0" eaLnBrk="1" latinLnBrk="0" hangingPunct="1">
+                <a:spcBef>
+                  <a:spcPct val="20000"/>
+                </a:spcBef>
+                <a:buFont typeface="Arial" pitchFamily="34" charset="0"/>
+                <a:buNone/>
+                <a:defRPr sz="2000" kern="1200">
+                  <a:solidFill>
+                    <a:schemeClr val="tx1">
+                      <a:tint val="75000"/>
+                    </a:schemeClr>
+                  </a:solidFill>
+                  <a:latin typeface="+mn-lt"/>
+                  <a:ea typeface="+mn-ea"/>
+                  <a:cs typeface="+mn-cs"/>
+                </a:defRPr>
+              </a:lvl9pPr>
+            </a:lstStyle>
+            <a:p>
+              <a:r>
+                <a:rPr lang="en-US" sz="1600" dirty="0">
+                  <a:solidFill>
+                    <a:schemeClr val="tx1"/>
+                  </a:solidFill>
+                </a:rPr>
+                <a:t>RIGHT</a:t>
+              </a:r>
+            </a:p>
+          </p:txBody>
+        </p:sp>
+        <p:sp>
+          <p:nvSpPr>
+            <p:cNvPr id="10" name="Right Arrow 9">
+              <a:extLst>
+                <a:ext uri="{FF2B5EF4-FFF2-40B4-BE49-F238E27FC236}">
+                  <a16:creationId xmlns:a16="http://schemas.microsoft.com/office/drawing/2014/main" id="{5EB4FBD2-8FD4-9D47-98A2-E44ABFD1F577}"/>
+                </a:ext>
+              </a:extLst>
+            </p:cNvPr>
+            <p:cNvSpPr/>
+            <p:nvPr/>
+          </p:nvSpPr>
+          <p:spPr>
+            <a:xfrm>
+              <a:off x="9637318" y="6391827"/>
+              <a:ext cx="640200" cy="289763"/>
+            </a:xfrm>
+            <a:prstGeom prst="rightArrow">
+              <a:avLst/>
+            </a:prstGeom>
+            <a:solidFill>
+              <a:schemeClr val="tx1"/>
+            </a:solidFill>
+            <a:ln>
+              <a:noFill/>
+            </a:ln>
+          </p:spPr>
+          <p:style>
+            <a:lnRef idx="1">
+              <a:schemeClr val="accent1"/>
+            </a:lnRef>
+            <a:fillRef idx="3">
+              <a:schemeClr val="accent1"/>
+            </a:fillRef>
+            <a:effectRef idx="2">
+              <a:schemeClr val="accent1"/>
+            </a:effectRef>
+            <a:fontRef idx="minor">
+              <a:schemeClr val="lt1"/>
+            </a:fontRef>
+          </p:style>
+          <p:txBody>
+            <a:bodyPr rtlCol="0" anchor="ctr"/>
+            <a:lstStyle/>
+            <a:p>
+              <a:pPr algn="ctr"/>
+              <a:endParaRPr lang="en-US"/>
+            </a:p>
+          </p:txBody>
+        </p:sp>
+      </p:grpSp>
+      <p:grpSp>
+        <p:nvGrpSpPr>
+          <p:cNvPr id="11" name="Group 10">
+            <a:extLst>
+              <a:ext uri="{FF2B5EF4-FFF2-40B4-BE49-F238E27FC236}">
+                <a16:creationId xmlns:a16="http://schemas.microsoft.com/office/drawing/2014/main" id="{BA1F6F1C-3CC7-8D4B-83D4-C4F1A54C8E59}"/>
+              </a:ext>
+            </a:extLst>
+          </p:cNvPr>
+          <p:cNvGrpSpPr/>
+          <p:nvPr/>
+        </p:nvGrpSpPr>
+        <p:grpSpPr>
+          <a:xfrm>
+            <a:off x="2313771" y="6175196"/>
+            <a:ext cx="726263" cy="506769"/>
+            <a:chOff x="2141031" y="6174821"/>
+            <a:chExt cx="726263" cy="506769"/>
+          </a:xfrm>
+        </p:grpSpPr>
+        <p:sp>
+          <p:nvSpPr>
+            <p:cNvPr id="14" name="Subtitle 8">
+              <a:extLst>
+                <a:ext uri="{FF2B5EF4-FFF2-40B4-BE49-F238E27FC236}">
+                  <a16:creationId xmlns:a16="http://schemas.microsoft.com/office/drawing/2014/main" id="{B5CF1C0D-6539-B94C-A2C8-552462988768}"/>
+                </a:ext>
+              </a:extLst>
+            </p:cNvPr>
+            <p:cNvSpPr txBox="1">
+              <a:spLocks/>
+            </p:cNvSpPr>
+            <p:nvPr/>
+          </p:nvSpPr>
+          <p:spPr>
+            <a:xfrm>
+              <a:off x="2227094" y="6174821"/>
+              <a:ext cx="640200" cy="317983"/>
+            </a:xfrm>
+            <a:prstGeom prst="rect">
+              <a:avLst/>
+            </a:prstGeom>
+          </p:spPr>
+          <p:txBody>
+            <a:bodyPr vert="horz" lIns="91440" tIns="45720" rIns="91440" bIns="45720" rtlCol="0">
+              <a:normAutofit lnSpcReduction="10000"/>
+            </a:bodyPr>
+            <a:lstStyle>
+              <a:lvl1pPr marL="0" indent="0" algn="ctr" defTabSz="914400" rtl="0" eaLnBrk="1" latinLnBrk="0" hangingPunct="1">
+                <a:spcBef>
+                  <a:spcPct val="20000"/>
+                </a:spcBef>
+                <a:buFont typeface="Arial" pitchFamily="34" charset="0"/>
+                <a:buNone/>
+                <a:defRPr sz="3200" kern="1200">
+                  <a:solidFill>
+                    <a:schemeClr val="tx1">
+                      <a:tint val="75000"/>
+                    </a:schemeClr>
+                  </a:solidFill>
+                  <a:latin typeface="+mn-lt"/>
+                  <a:ea typeface="+mn-ea"/>
+                  <a:cs typeface="+mn-cs"/>
+                </a:defRPr>
+              </a:lvl1pPr>
+              <a:lvl2pPr marL="457200" indent="0" algn="ctr" defTabSz="914400" rtl="0" eaLnBrk="1" latinLnBrk="0" hangingPunct="1">
+                <a:spcBef>
+                  <a:spcPct val="20000"/>
+                </a:spcBef>
+                <a:buFont typeface="Arial" pitchFamily="34" charset="0"/>
+                <a:buNone/>
+                <a:defRPr sz="2800" kern="1200">
+                  <a:solidFill>
+                    <a:schemeClr val="tx1">
+                      <a:tint val="75000"/>
+                    </a:schemeClr>
+                  </a:solidFill>
+                  <a:latin typeface="+mn-lt"/>
+                  <a:ea typeface="+mn-ea"/>
+                  <a:cs typeface="+mn-cs"/>
+                </a:defRPr>
+              </a:lvl2pPr>
+              <a:lvl3pPr marL="914400" indent="0" algn="ctr" defTabSz="914400" rtl="0" eaLnBrk="1" latinLnBrk="0" hangingPunct="1">
+                <a:spcBef>
+                  <a:spcPct val="20000"/>
+                </a:spcBef>
+                <a:buFont typeface="Arial" pitchFamily="34" charset="0"/>
+                <a:buNone/>
+                <a:defRPr sz="2400" kern="1200">
+                  <a:solidFill>
+                    <a:schemeClr val="tx1">
+                      <a:tint val="75000"/>
+                    </a:schemeClr>
+                  </a:solidFill>
+                  <a:latin typeface="+mn-lt"/>
+                  <a:ea typeface="+mn-ea"/>
+                  <a:cs typeface="+mn-cs"/>
+                </a:defRPr>
+              </a:lvl3pPr>
+              <a:lvl4pPr marL="1371600" indent="0" algn="ctr" defTabSz="914400" rtl="0" eaLnBrk="1" latinLnBrk="0" hangingPunct="1">
+                <a:spcBef>
+                  <a:spcPct val="20000"/>
+                </a:spcBef>
+                <a:buFont typeface="Arial" pitchFamily="34" charset="0"/>
+                <a:buNone/>
+                <a:defRPr sz="2000" kern="1200">
+                  <a:solidFill>
+                    <a:schemeClr val="tx1">
+                      <a:tint val="75000"/>
+                    </a:schemeClr>
+                  </a:solidFill>
+                  <a:latin typeface="+mn-lt"/>
+                  <a:ea typeface="+mn-ea"/>
+                  <a:cs typeface="+mn-cs"/>
+                </a:defRPr>
+              </a:lvl4pPr>
+              <a:lvl5pPr marL="1828800" indent="0" algn="ctr" defTabSz="914400" rtl="0" eaLnBrk="1" latinLnBrk="0" hangingPunct="1">
+                <a:spcBef>
+                  <a:spcPct val="20000"/>
+                </a:spcBef>
+                <a:buFont typeface="Arial" pitchFamily="34" charset="0"/>
+                <a:buNone/>
+                <a:defRPr sz="2000" kern="1200">
+                  <a:solidFill>
+                    <a:schemeClr val="tx1">
+                      <a:tint val="75000"/>
+                    </a:schemeClr>
+                  </a:solidFill>
+                  <a:latin typeface="+mn-lt"/>
+                  <a:ea typeface="+mn-ea"/>
+                  <a:cs typeface="+mn-cs"/>
+                </a:defRPr>
+              </a:lvl5pPr>
+              <a:lvl6pPr marL="2286000" indent="0" algn="ctr" defTabSz="914400" rtl="0" eaLnBrk="1" latinLnBrk="0" hangingPunct="1">
+                <a:spcBef>
+                  <a:spcPct val="20000"/>
+                </a:spcBef>
+                <a:buFont typeface="Arial" pitchFamily="34" charset="0"/>
+                <a:buNone/>
+                <a:defRPr sz="2000" kern="1200">
+                  <a:solidFill>
+                    <a:schemeClr val="tx1">
+                      <a:tint val="75000"/>
+                    </a:schemeClr>
+                  </a:solidFill>
+                  <a:latin typeface="+mn-lt"/>
+                  <a:ea typeface="+mn-ea"/>
+                  <a:cs typeface="+mn-cs"/>
+                </a:defRPr>
+              </a:lvl6pPr>
+              <a:lvl7pPr marL="2743200" indent="0" algn="ctr" defTabSz="914400" rtl="0" eaLnBrk="1" latinLnBrk="0" hangingPunct="1">
+                <a:spcBef>
+                  <a:spcPct val="20000"/>
+                </a:spcBef>
+                <a:buFont typeface="Arial" pitchFamily="34" charset="0"/>
+                <a:buNone/>
+                <a:defRPr sz="2000" kern="1200">
+                  <a:solidFill>
+                    <a:schemeClr val="tx1">
+                      <a:tint val="75000"/>
+                    </a:schemeClr>
+                  </a:solidFill>
+                  <a:latin typeface="+mn-lt"/>
+                  <a:ea typeface="+mn-ea"/>
+                  <a:cs typeface="+mn-cs"/>
+                </a:defRPr>
+              </a:lvl7pPr>
+              <a:lvl8pPr marL="3200400" indent="0" algn="ctr" defTabSz="914400" rtl="0" eaLnBrk="1" latinLnBrk="0" hangingPunct="1">
+                <a:spcBef>
+                  <a:spcPct val="20000"/>
+                </a:spcBef>
+                <a:buFont typeface="Arial" pitchFamily="34" charset="0"/>
+                <a:buNone/>
+                <a:defRPr sz="2000" kern="1200">
+                  <a:solidFill>
+                    <a:schemeClr val="tx1">
+                      <a:tint val="75000"/>
+                    </a:schemeClr>
+                  </a:solidFill>
+                  <a:latin typeface="+mn-lt"/>
+                  <a:ea typeface="+mn-ea"/>
+                  <a:cs typeface="+mn-cs"/>
+                </a:defRPr>
+              </a:lvl8pPr>
+              <a:lvl9pPr marL="3657600" indent="0" algn="ctr" defTabSz="914400" rtl="0" eaLnBrk="1" latinLnBrk="0" hangingPunct="1">
+                <a:spcBef>
+                  <a:spcPct val="20000"/>
+                </a:spcBef>
+                <a:buFont typeface="Arial" pitchFamily="34" charset="0"/>
+                <a:buNone/>
+                <a:defRPr sz="2000" kern="1200">
+                  <a:solidFill>
+                    <a:schemeClr val="tx1">
+                      <a:tint val="75000"/>
+                    </a:schemeClr>
+                  </a:solidFill>
+                  <a:latin typeface="+mn-lt"/>
+                  <a:ea typeface="+mn-ea"/>
+                  <a:cs typeface="+mn-cs"/>
+                </a:defRPr>
+              </a:lvl9pPr>
+            </a:lstStyle>
+            <a:p>
+              <a:r>
+                <a:rPr lang="en-US" sz="1600" dirty="0">
+                  <a:solidFill>
+                    <a:schemeClr val="tx1"/>
+                  </a:solidFill>
+                </a:rPr>
+                <a:t>LEFT</a:t>
+              </a:r>
+            </a:p>
+          </p:txBody>
+        </p:sp>
+        <p:sp>
+          <p:nvSpPr>
+            <p:cNvPr id="17" name="Right Arrow 16">
+              <a:extLst>
+                <a:ext uri="{FF2B5EF4-FFF2-40B4-BE49-F238E27FC236}">
+                  <a16:creationId xmlns:a16="http://schemas.microsoft.com/office/drawing/2014/main" id="{8738AE16-1BA7-774B-A953-AED0B5A02A96}"/>
+                </a:ext>
+              </a:extLst>
+            </p:cNvPr>
+            <p:cNvSpPr/>
+            <p:nvPr/>
+          </p:nvSpPr>
+          <p:spPr>
+            <a:xfrm rot="10800000">
+              <a:off x="2141031" y="6391827"/>
+              <a:ext cx="640200" cy="289763"/>
+            </a:xfrm>
+            <a:prstGeom prst="rightArrow">
+              <a:avLst/>
+            </a:prstGeom>
+            <a:solidFill>
+              <a:schemeClr val="tx1"/>
+            </a:solidFill>
+            <a:ln>
+              <a:noFill/>
+            </a:ln>
+          </p:spPr>
+          <p:style>
+            <a:lnRef idx="1">
+              <a:schemeClr val="accent1"/>
+            </a:lnRef>
+            <a:fillRef idx="3">
+              <a:schemeClr val="accent1"/>
+            </a:fillRef>
+            <a:effectRef idx="2">
+              <a:schemeClr val="accent1"/>
+            </a:effectRef>
+            <a:fontRef idx="minor">
+              <a:schemeClr val="lt1"/>
+            </a:fontRef>
+          </p:style>
+          <p:txBody>
+            <a:bodyPr rtlCol="0" anchor="ctr"/>
+            <a:lstStyle/>
+            <a:p>
+              <a:pPr algn="ctr"/>
+              <a:endParaRPr lang="en-US"/>
+            </a:p>
+          </p:txBody>
+        </p:sp>
+      </p:grpSp>
+      <p:pic>
+        <p:nvPicPr>
+          <p:cNvPr id="18" name="Picture 17" descr="Graphical user interface&#10;&#10;Description automatically generated">
+            <a:extLst>
+              <a:ext uri="{FF2B5EF4-FFF2-40B4-BE49-F238E27FC236}">
+                <a16:creationId xmlns:a16="http://schemas.microsoft.com/office/drawing/2014/main" id="{34598B07-6DB7-3C41-94AA-02A3FA513767}"/>
+              </a:ext>
+            </a:extLst>
+          </p:cNvPr>
+          <p:cNvPicPr>
+            <a:picLocks noChangeAspect="1"/>
+          </p:cNvPicPr>
+          <p:nvPr/>
+        </p:nvPicPr>
+        <p:blipFill rotWithShape="1">
+          <a:blip r:embed="rId3"/>
+          <a:srcRect l="8889" t="26039" r="8889" b="54353"/>
+          <a:stretch/>
+        </p:blipFill>
+        <p:spPr>
+          <a:xfrm>
+            <a:off x="1617214" y="3148410"/>
+            <a:ext cx="8957567" cy="1592355"/>
+          </a:xfrm>
+          <a:prstGeom prst="rect">
+            <a:avLst/>
+          </a:prstGeom>
+        </p:spPr>
+      </p:pic>
+      <p:pic>
+        <p:nvPicPr>
+          <p:cNvPr id="3" name="Picture 2" descr="Graphical user interface, website&#10;&#10;Description automatically generated">
+            <a:extLst>
+              <a:ext uri="{FF2B5EF4-FFF2-40B4-BE49-F238E27FC236}">
+                <a16:creationId xmlns:a16="http://schemas.microsoft.com/office/drawing/2014/main" id="{AEE2A1CA-E268-7247-B1A0-73A256FD4CC4}"/>
+              </a:ext>
+            </a:extLst>
+          </p:cNvPr>
+          <p:cNvPicPr>
+            <a:picLocks noChangeAspect="1"/>
+          </p:cNvPicPr>
+          <p:nvPr/>
+        </p:nvPicPr>
+        <p:blipFill rotWithShape="1">
+          <a:blip r:embed="rId4"/>
+          <a:srcRect l="8889" t="27222" r="8889" b="57256"/>
+          <a:stretch/>
+        </p:blipFill>
+        <p:spPr>
+          <a:xfrm>
+            <a:off x="1617214" y="3256860"/>
+            <a:ext cx="8976935" cy="1263274"/>
+          </a:xfrm>
+          <a:prstGeom prst="rect">
+            <a:avLst/>
+          </a:prstGeom>
+        </p:spPr>
+      </p:pic>
+      <p:pic>
+        <p:nvPicPr>
+          <p:cNvPr id="19" name="Picture 18" descr="Graphical user interface, application&#10;&#10;Description automatically generated">
+            <a:extLst>
+              <a:ext uri="{FF2B5EF4-FFF2-40B4-BE49-F238E27FC236}">
+                <a16:creationId xmlns:a16="http://schemas.microsoft.com/office/drawing/2014/main" id="{BFD06DE0-8DE4-4F44-AB49-D2688FF9CF39}"/>
+              </a:ext>
+            </a:extLst>
+          </p:cNvPr>
+          <p:cNvPicPr>
+            <a:picLocks noChangeAspect="1"/>
+          </p:cNvPicPr>
+          <p:nvPr/>
+        </p:nvPicPr>
+        <p:blipFill rotWithShape="1">
+          <a:blip r:embed="rId5"/>
+          <a:srcRect l="13023" t="23939" r="12488" b="72186"/>
+          <a:stretch/>
+        </p:blipFill>
+        <p:spPr>
+          <a:xfrm>
+            <a:off x="2080079" y="2954041"/>
+            <a:ext cx="8104930" cy="314244"/>
+          </a:xfrm>
+          <a:prstGeom prst="rect">
+            <a:avLst/>
+          </a:prstGeom>
+        </p:spPr>
+      </p:pic>
+    </p:spTree>
+    <p:extLst>
+      <p:ext uri="{BB962C8B-B14F-4D97-AF65-F5344CB8AC3E}">
+        <p14:creationId xmlns:p14="http://schemas.microsoft.com/office/powerpoint/2010/main" val="3541267275"/>
+      </p:ext>
+    </p:extLst>
+  </p:cSld>
+  <p:clrMapOvr>
+    <a:masterClrMapping/>
+  </p:clrMapOvr>
+</p:sld>
+</file>
+
+<file path=ppt/slides/slide16.xml><?xml version="1.0" encoding="utf-8"?>
 <p:sld xmlns:a="http://schemas.openxmlformats.org/drawingml/2006/main" xmlns:r="http://schemas.openxmlformats.org/officeDocument/2006/relationships" xmlns:p="http://schemas.openxmlformats.org/presentationml/2006/main">
   <p:cSld>
     <p:bg>
@@ -8625,6 +11871,93 @@
           </p:txBody>
         </p:sp>
       </p:grpSp>
+      <p:pic>
+        <p:nvPicPr>
+          <p:cNvPr id="13" name="Picture 12" descr="Graphical user interface, website&#10;&#10;Description automatically generated">
+            <a:extLst>
+              <a:ext uri="{FF2B5EF4-FFF2-40B4-BE49-F238E27FC236}">
+                <a16:creationId xmlns:a16="http://schemas.microsoft.com/office/drawing/2014/main" id="{3B870575-5C98-DA4B-8010-989119A51F3C}"/>
+              </a:ext>
+            </a:extLst>
+          </p:cNvPr>
+          <p:cNvPicPr>
+            <a:picLocks noChangeAspect="1"/>
+          </p:cNvPicPr>
+          <p:nvPr/>
+        </p:nvPicPr>
+        <p:blipFill rotWithShape="1">
+          <a:blip r:embed="rId3"/>
+          <a:srcRect l="8889" t="27222" r="8889" b="57256"/>
+          <a:stretch/>
+        </p:blipFill>
+        <p:spPr>
+          <a:xfrm>
+            <a:off x="1617214" y="3256860"/>
+            <a:ext cx="8976935" cy="1263274"/>
+          </a:xfrm>
+          <a:prstGeom prst="rect">
+            <a:avLst/>
+          </a:prstGeom>
+        </p:spPr>
+      </p:pic>
+      <p:pic>
+        <p:nvPicPr>
+          <p:cNvPr id="3" name="Picture 2" descr="Graphical user interface&#10;&#10;Description automatically generated">
+            <a:extLst>
+              <a:ext uri="{FF2B5EF4-FFF2-40B4-BE49-F238E27FC236}">
+                <a16:creationId xmlns:a16="http://schemas.microsoft.com/office/drawing/2014/main" id="{6FC5B391-AA68-6A43-8B26-BB752ACC0C31}"/>
+              </a:ext>
+            </a:extLst>
+          </p:cNvPr>
+          <p:cNvPicPr>
+            <a:picLocks noChangeAspect="1"/>
+          </p:cNvPicPr>
+          <p:nvPr/>
+        </p:nvPicPr>
+        <p:blipFill rotWithShape="1">
+          <a:blip r:embed="rId4"/>
+          <a:srcRect l="8889" t="27408" r="8889" b="57384"/>
+          <a:stretch/>
+        </p:blipFill>
+        <p:spPr>
+          <a:xfrm>
+            <a:off x="1597851" y="3213736"/>
+            <a:ext cx="8976935" cy="1237742"/>
+          </a:xfrm>
+          <a:prstGeom prst="rect">
+            <a:avLst/>
+          </a:prstGeom>
+        </p:spPr>
+      </p:pic>
+      <p:pic>
+        <p:nvPicPr>
+          <p:cNvPr id="18" name="Picture 17" descr="Graphical user interface, application&#10;&#10;Description automatically generated">
+            <a:extLst>
+              <a:ext uri="{FF2B5EF4-FFF2-40B4-BE49-F238E27FC236}">
+                <a16:creationId xmlns:a16="http://schemas.microsoft.com/office/drawing/2014/main" id="{41C8F57B-D093-814D-A0E2-4DFDABEE1A7E}"/>
+              </a:ext>
+            </a:extLst>
+          </p:cNvPr>
+          <p:cNvPicPr>
+            <a:picLocks noChangeAspect="1"/>
+          </p:cNvPicPr>
+          <p:nvPr/>
+        </p:nvPicPr>
+        <p:blipFill rotWithShape="1">
+          <a:blip r:embed="rId5"/>
+          <a:srcRect l="13023" t="23939" r="12488" b="72186"/>
+          <a:stretch/>
+        </p:blipFill>
+        <p:spPr>
+          <a:xfrm>
+            <a:off x="2080079" y="2954041"/>
+            <a:ext cx="8104930" cy="314244"/>
+          </a:xfrm>
+          <a:prstGeom prst="rect">
+            <a:avLst/>
+          </a:prstGeom>
+        </p:spPr>
+      </p:pic>
     </p:spTree>
     <p:extLst>
       <p:ext uri="{BB962C8B-B14F-4D97-AF65-F5344CB8AC3E}">
@@ -8638,7 +11971,7 @@
 </p:sld>
 </file>
 
-<file path=ppt/slides/slide14.xml><?xml version="1.0" encoding="utf-8"?>
+<file path=ppt/slides/slide17.xml><?xml version="1.0" encoding="utf-8"?>
 <p:sld xmlns:a="http://schemas.openxmlformats.org/drawingml/2006/main" xmlns:r="http://schemas.openxmlformats.org/officeDocument/2006/relationships" xmlns:p="http://schemas.openxmlformats.org/presentationml/2006/main">
   <p:cSld>
     <p:bg>
@@ -8682,7 +12015,7 @@
         <p:spPr>
           <a:xfrm>
             <a:off x="873162" y="561969"/>
-            <a:ext cx="10445676" cy="3633513"/>
+            <a:ext cx="10445676" cy="5274505"/>
           </a:xfrm>
         </p:spPr>
         <p:txBody>
@@ -8696,8 +12029,29 @@
             </a:pPr>
             <a:r>
               <a:rPr lang="en-US" dirty="0"/>
-              <a:t>Remember, if you choose to wait, you might meet someone who matches your preferences better. You might also meet someone else who matches your preferences the same as before. </a:t>
+              <a:t>Remember, if you choose to wait, you might meet someone who matches your preferences better. </a:t>
             </a:r>
+          </a:p>
+          <a:p>
+            <a:pPr marL="0" indent="0">
+              <a:buNone/>
+            </a:pPr>
+            <a:endParaRPr lang="en-US" dirty="0"/>
+          </a:p>
+          <a:p>
+            <a:pPr marL="0" indent="0">
+              <a:buNone/>
+            </a:pPr>
+            <a:r>
+              <a:rPr lang="en-US" dirty="0"/>
+              <a:t>You might also meet someone else who matches your preferences the same as before. </a:t>
+            </a:r>
+          </a:p>
+          <a:p>
+            <a:pPr marL="0" indent="0">
+              <a:buNone/>
+            </a:pPr>
+            <a:endParaRPr lang="en-US" dirty="0"/>
           </a:p>
           <a:p>
             <a:pPr marL="0" indent="0">
@@ -9308,7 +12662,7 @@
 </p:sld>
 </file>
 
-<file path=ppt/slides/slide15.xml><?xml version="1.0" encoding="utf-8"?>
+<file path=ppt/slides/slide18.xml><?xml version="1.0" encoding="utf-8"?>
 <p:sld xmlns:a="http://schemas.openxmlformats.org/drawingml/2006/main" xmlns:r="http://schemas.openxmlformats.org/officeDocument/2006/relationships" xmlns:p="http://schemas.openxmlformats.org/presentationml/2006/main">
   <p:cSld>
     <p:bg>
@@ -10049,6 +13403,48 @@
           </p:txBody>
         </p:sp>
       </p:grpSp>
+      <p:sp>
+        <p:nvSpPr>
+          <p:cNvPr id="12" name="TextBox 11">
+            <a:extLst>
+              <a:ext uri="{FF2B5EF4-FFF2-40B4-BE49-F238E27FC236}">
+                <a16:creationId xmlns:a16="http://schemas.microsoft.com/office/drawing/2014/main" id="{1EE74026-9295-2045-BD7C-FB34226F3314}"/>
+              </a:ext>
+            </a:extLst>
+          </p:cNvPr>
+          <p:cNvSpPr txBox="1"/>
+          <p:nvPr/>
+        </p:nvSpPr>
+        <p:spPr>
+          <a:xfrm>
+            <a:off x="3463326" y="3505586"/>
+            <a:ext cx="5265347" cy="923330"/>
+          </a:xfrm>
+          <a:prstGeom prst="rect">
+            <a:avLst/>
+          </a:prstGeom>
+          <a:solidFill>
+            <a:schemeClr val="bg1"/>
+          </a:solidFill>
+        </p:spPr>
+        <p:txBody>
+          <a:bodyPr wrap="square" rtlCol="0">
+            <a:spAutoFit/>
+          </a:bodyPr>
+          <a:lstStyle/>
+          <a:p>
+            <a:pPr algn="ctr"/>
+            <a:r>
+              <a:rPr lang="en-US" sz="5400" b="1" dirty="0">
+                <a:solidFill>
+                  <a:srgbClr val="00FF00"/>
+                </a:solidFill>
+              </a:rPr>
+              <a:t>Have A Date</a:t>
+            </a:r>
+          </a:p>
+        </p:txBody>
+      </p:sp>
     </p:spTree>
     <p:extLst>
       <p:ext uri="{BB962C8B-B14F-4D97-AF65-F5344CB8AC3E}">
@@ -10062,7 +13458,7 @@
 </p:sld>
 </file>
 
-<file path=ppt/slides/slide16.xml><?xml version="1.0" encoding="utf-8"?>
+<file path=ppt/slides/slide19.xml><?xml version="1.0" encoding="utf-8"?>
 <p:sld xmlns:a="http://schemas.openxmlformats.org/drawingml/2006/main" xmlns:r="http://schemas.openxmlformats.org/officeDocument/2006/relationships" xmlns:p="http://schemas.openxmlformats.org/presentationml/2006/main">
   <p:cSld>
     <p:bg>
@@ -10203,7 +13599,7 @@
         </p:nvSpPr>
         <p:spPr>
           <a:xfrm>
-            <a:off x="3463327" y="4084948"/>
+            <a:off x="3463326" y="3505586"/>
             <a:ext cx="5265347" cy="923330"/>
           </a:xfrm>
           <a:prstGeom prst="rect">
@@ -10829,7 +14225,726 @@
 </p:sld>
 </file>
 
-<file path=ppt/slides/slide17.xml><?xml version="1.0" encoding="utf-8"?>
+<file path=ppt/slides/slide2.xml><?xml version="1.0" encoding="utf-8"?>
+<p:sld xmlns:a="http://schemas.openxmlformats.org/drawingml/2006/main" xmlns:r="http://schemas.openxmlformats.org/officeDocument/2006/relationships" xmlns:p="http://schemas.openxmlformats.org/presentationml/2006/main">
+  <p:cSld>
+    <p:bg>
+      <p:bgPr>
+        <a:solidFill>
+          <a:schemeClr val="bg1"/>
+        </a:solidFill>
+        <a:effectLst/>
+      </p:bgPr>
+    </p:bg>
+    <p:spTree>
+      <p:nvGrpSpPr>
+        <p:cNvPr id="1" name=""/>
+        <p:cNvGrpSpPr/>
+        <p:nvPr/>
+      </p:nvGrpSpPr>
+      <p:grpSpPr>
+        <a:xfrm>
+          <a:off x="0" y="0"/>
+          <a:ext cx="0" cy="0"/>
+          <a:chOff x="0" y="0"/>
+          <a:chExt cx="0" cy="0"/>
+        </a:xfrm>
+      </p:grpSpPr>
+      <p:sp>
+        <p:nvSpPr>
+          <p:cNvPr id="9" name="Rectangle 8">
+            <a:extLst>
+              <a:ext uri="{FF2B5EF4-FFF2-40B4-BE49-F238E27FC236}">
+                <a16:creationId xmlns:a16="http://schemas.microsoft.com/office/drawing/2014/main" id="{9CF7FDCD-4506-AD49-80FB-0B498E8805E9}"/>
+              </a:ext>
+            </a:extLst>
+          </p:cNvPr>
+          <p:cNvSpPr/>
+          <p:nvPr/>
+        </p:nvSpPr>
+        <p:spPr>
+          <a:xfrm>
+            <a:off x="7672815" y="4296719"/>
+            <a:ext cx="351046" cy="276498"/>
+          </a:xfrm>
+          <a:prstGeom prst="rect">
+            <a:avLst/>
+          </a:prstGeom>
+          <a:solidFill>
+            <a:schemeClr val="bg1"/>
+          </a:solidFill>
+          <a:ln>
+            <a:noFill/>
+          </a:ln>
+        </p:spPr>
+        <p:style>
+          <a:lnRef idx="2">
+            <a:schemeClr val="accent1">
+              <a:shade val="50000"/>
+            </a:schemeClr>
+          </a:lnRef>
+          <a:fillRef idx="1">
+            <a:schemeClr val="accent1"/>
+          </a:fillRef>
+          <a:effectRef idx="0">
+            <a:schemeClr val="accent1"/>
+          </a:effectRef>
+          <a:fontRef idx="minor">
+            <a:schemeClr val="lt1"/>
+          </a:fontRef>
+        </p:style>
+        <p:txBody>
+          <a:bodyPr rtlCol="0" anchor="ctr"/>
+          <a:lstStyle/>
+          <a:p>
+            <a:pPr algn="ctr"/>
+            <a:endParaRPr lang="en-US"/>
+          </a:p>
+        </p:txBody>
+      </p:sp>
+      <p:sp>
+        <p:nvSpPr>
+          <p:cNvPr id="3" name="Content Placeholder 2"/>
+          <p:cNvSpPr>
+            <a:spLocks noGrp="1"/>
+          </p:cNvSpPr>
+          <p:nvPr>
+            <p:ph idx="1"/>
+          </p:nvPr>
+        </p:nvSpPr>
+        <p:spPr>
+          <a:xfrm>
+            <a:off x="840890" y="499924"/>
+            <a:ext cx="10510220" cy="5212387"/>
+          </a:xfrm>
+        </p:spPr>
+        <p:txBody>
+          <a:bodyPr>
+            <a:noAutofit/>
+          </a:bodyPr>
+          <a:lstStyle/>
+          <a:p>
+            <a:pPr marL="0" indent="0" algn="ctr">
+              <a:buNone/>
+            </a:pPr>
+            <a:r>
+              <a:rPr lang="en-US" dirty="0"/>
+              <a:t>Welcome!</a:t>
+            </a:r>
+          </a:p>
+          <a:p>
+            <a:pPr marL="0" indent="0" algn="ctr">
+              <a:buNone/>
+            </a:pPr>
+            <a:endParaRPr lang="en-US" dirty="0"/>
+          </a:p>
+          <a:p>
+            <a:pPr marL="0" indent="0">
+              <a:buNone/>
+            </a:pPr>
+            <a:r>
+              <a:rPr lang="en-US" dirty="0"/>
+              <a:t>In this task, we want you to imagine that you are attending several online speed dating events to try to find a romantic partner. Before attending the first event, we will ask you some questions about what you’re looking for in a partner. </a:t>
+            </a:r>
+          </a:p>
+          <a:p>
+            <a:pPr marL="0" indent="0">
+              <a:buNone/>
+            </a:pPr>
+            <a:r>
+              <a:rPr lang="en-US" dirty="0"/>
+              <a:t>Then, during each event, we will introduce you to some people one by one and let you know how strongly they match with your preferences.</a:t>
+            </a:r>
+          </a:p>
+          <a:p>
+            <a:pPr marL="0" indent="0">
+              <a:buNone/>
+            </a:pPr>
+            <a:endParaRPr lang="en-US" dirty="0"/>
+          </a:p>
+        </p:txBody>
+      </p:sp>
+      <p:sp>
+        <p:nvSpPr>
+          <p:cNvPr id="26" name="Title 3"/>
+          <p:cNvSpPr txBox="1">
+            <a:spLocks/>
+          </p:cNvSpPr>
+          <p:nvPr/>
+        </p:nvSpPr>
+        <p:spPr>
+          <a:xfrm>
+            <a:off x="3040034" y="6157852"/>
+            <a:ext cx="6111932" cy="656705"/>
+          </a:xfrm>
+          <a:prstGeom prst="rect">
+            <a:avLst/>
+          </a:prstGeom>
+        </p:spPr>
+        <p:txBody>
+          <a:bodyPr vert="horz" lIns="91440" tIns="45720" rIns="91440" bIns="45720" rtlCol="0" anchor="ctr">
+            <a:normAutofit fontScale="92500"/>
+          </a:bodyPr>
+          <a:lstStyle>
+            <a:lvl1pPr algn="ctr" defTabSz="914400" rtl="0" eaLnBrk="1" latinLnBrk="0" hangingPunct="1">
+              <a:spcBef>
+                <a:spcPct val="0"/>
+              </a:spcBef>
+              <a:buNone/>
+              <a:defRPr sz="4400" kern="1200">
+                <a:solidFill>
+                  <a:schemeClr val="tx1"/>
+                </a:solidFill>
+                <a:latin typeface="+mj-lt"/>
+                <a:ea typeface="+mj-ea"/>
+                <a:cs typeface="+mj-cs"/>
+              </a:defRPr>
+            </a:lvl1pPr>
+          </a:lstStyle>
+          <a:p>
+            <a:r>
+              <a:rPr lang="en-US" sz="3000" dirty="0">
+                <a:solidFill>
+                  <a:srgbClr val="FF0000"/>
+                </a:solidFill>
+              </a:rPr>
+              <a:t>PRESS THE RIGHT BUTTON TO CONTINUE</a:t>
+            </a:r>
+          </a:p>
+        </p:txBody>
+      </p:sp>
+      <p:grpSp>
+        <p:nvGrpSpPr>
+          <p:cNvPr id="4" name="Group 3">
+            <a:extLst>
+              <a:ext uri="{FF2B5EF4-FFF2-40B4-BE49-F238E27FC236}">
+                <a16:creationId xmlns:a16="http://schemas.microsoft.com/office/drawing/2014/main" id="{2D13AE20-8196-EF4E-8BF1-B6823DD50C5B}"/>
+              </a:ext>
+            </a:extLst>
+          </p:cNvPr>
+          <p:cNvGrpSpPr/>
+          <p:nvPr/>
+        </p:nvGrpSpPr>
+        <p:grpSpPr>
+          <a:xfrm>
+            <a:off x="9151966" y="6157852"/>
+            <a:ext cx="726263" cy="506769"/>
+            <a:chOff x="9551255" y="6174821"/>
+            <a:chExt cx="726263" cy="506769"/>
+          </a:xfrm>
+        </p:grpSpPr>
+        <p:sp>
+          <p:nvSpPr>
+            <p:cNvPr id="12" name="Subtitle 8"/>
+            <p:cNvSpPr txBox="1">
+              <a:spLocks/>
+            </p:cNvSpPr>
+            <p:nvPr/>
+          </p:nvSpPr>
+          <p:spPr>
+            <a:xfrm>
+              <a:off x="9551255" y="6174821"/>
+              <a:ext cx="640200" cy="289763"/>
+            </a:xfrm>
+            <a:prstGeom prst="rect">
+              <a:avLst/>
+            </a:prstGeom>
+          </p:spPr>
+          <p:txBody>
+            <a:bodyPr vert="horz" lIns="91440" tIns="45720" rIns="91440" bIns="45720" rtlCol="0">
+              <a:normAutofit fontScale="85000" lnSpcReduction="10000"/>
+            </a:bodyPr>
+            <a:lstStyle>
+              <a:lvl1pPr marL="0" indent="0" algn="ctr" defTabSz="914400" rtl="0" eaLnBrk="1" latinLnBrk="0" hangingPunct="1">
+                <a:spcBef>
+                  <a:spcPct val="20000"/>
+                </a:spcBef>
+                <a:buFont typeface="Arial" pitchFamily="34" charset="0"/>
+                <a:buNone/>
+                <a:defRPr sz="3200" kern="1200">
+                  <a:solidFill>
+                    <a:schemeClr val="tx1">
+                      <a:tint val="75000"/>
+                    </a:schemeClr>
+                  </a:solidFill>
+                  <a:latin typeface="+mn-lt"/>
+                  <a:ea typeface="+mn-ea"/>
+                  <a:cs typeface="+mn-cs"/>
+                </a:defRPr>
+              </a:lvl1pPr>
+              <a:lvl2pPr marL="457200" indent="0" algn="ctr" defTabSz="914400" rtl="0" eaLnBrk="1" latinLnBrk="0" hangingPunct="1">
+                <a:spcBef>
+                  <a:spcPct val="20000"/>
+                </a:spcBef>
+                <a:buFont typeface="Arial" pitchFamily="34" charset="0"/>
+                <a:buNone/>
+                <a:defRPr sz="2800" kern="1200">
+                  <a:solidFill>
+                    <a:schemeClr val="tx1">
+                      <a:tint val="75000"/>
+                    </a:schemeClr>
+                  </a:solidFill>
+                  <a:latin typeface="+mn-lt"/>
+                  <a:ea typeface="+mn-ea"/>
+                  <a:cs typeface="+mn-cs"/>
+                </a:defRPr>
+              </a:lvl2pPr>
+              <a:lvl3pPr marL="914400" indent="0" algn="ctr" defTabSz="914400" rtl="0" eaLnBrk="1" latinLnBrk="0" hangingPunct="1">
+                <a:spcBef>
+                  <a:spcPct val="20000"/>
+                </a:spcBef>
+                <a:buFont typeface="Arial" pitchFamily="34" charset="0"/>
+                <a:buNone/>
+                <a:defRPr sz="2400" kern="1200">
+                  <a:solidFill>
+                    <a:schemeClr val="tx1">
+                      <a:tint val="75000"/>
+                    </a:schemeClr>
+                  </a:solidFill>
+                  <a:latin typeface="+mn-lt"/>
+                  <a:ea typeface="+mn-ea"/>
+                  <a:cs typeface="+mn-cs"/>
+                </a:defRPr>
+              </a:lvl3pPr>
+              <a:lvl4pPr marL="1371600" indent="0" algn="ctr" defTabSz="914400" rtl="0" eaLnBrk="1" latinLnBrk="0" hangingPunct="1">
+                <a:spcBef>
+                  <a:spcPct val="20000"/>
+                </a:spcBef>
+                <a:buFont typeface="Arial" pitchFamily="34" charset="0"/>
+                <a:buNone/>
+                <a:defRPr sz="2000" kern="1200">
+                  <a:solidFill>
+                    <a:schemeClr val="tx1">
+                      <a:tint val="75000"/>
+                    </a:schemeClr>
+                  </a:solidFill>
+                  <a:latin typeface="+mn-lt"/>
+                  <a:ea typeface="+mn-ea"/>
+                  <a:cs typeface="+mn-cs"/>
+                </a:defRPr>
+              </a:lvl4pPr>
+              <a:lvl5pPr marL="1828800" indent="0" algn="ctr" defTabSz="914400" rtl="0" eaLnBrk="1" latinLnBrk="0" hangingPunct="1">
+                <a:spcBef>
+                  <a:spcPct val="20000"/>
+                </a:spcBef>
+                <a:buFont typeface="Arial" pitchFamily="34" charset="0"/>
+                <a:buNone/>
+                <a:defRPr sz="2000" kern="1200">
+                  <a:solidFill>
+                    <a:schemeClr val="tx1">
+                      <a:tint val="75000"/>
+                    </a:schemeClr>
+                  </a:solidFill>
+                  <a:latin typeface="+mn-lt"/>
+                  <a:ea typeface="+mn-ea"/>
+                  <a:cs typeface="+mn-cs"/>
+                </a:defRPr>
+              </a:lvl5pPr>
+              <a:lvl6pPr marL="2286000" indent="0" algn="ctr" defTabSz="914400" rtl="0" eaLnBrk="1" latinLnBrk="0" hangingPunct="1">
+                <a:spcBef>
+                  <a:spcPct val="20000"/>
+                </a:spcBef>
+                <a:buFont typeface="Arial" pitchFamily="34" charset="0"/>
+                <a:buNone/>
+                <a:defRPr sz="2000" kern="1200">
+                  <a:solidFill>
+                    <a:schemeClr val="tx1">
+                      <a:tint val="75000"/>
+                    </a:schemeClr>
+                  </a:solidFill>
+                  <a:latin typeface="+mn-lt"/>
+                  <a:ea typeface="+mn-ea"/>
+                  <a:cs typeface="+mn-cs"/>
+                </a:defRPr>
+              </a:lvl6pPr>
+              <a:lvl7pPr marL="2743200" indent="0" algn="ctr" defTabSz="914400" rtl="0" eaLnBrk="1" latinLnBrk="0" hangingPunct="1">
+                <a:spcBef>
+                  <a:spcPct val="20000"/>
+                </a:spcBef>
+                <a:buFont typeface="Arial" pitchFamily="34" charset="0"/>
+                <a:buNone/>
+                <a:defRPr sz="2000" kern="1200">
+                  <a:solidFill>
+                    <a:schemeClr val="tx1">
+                      <a:tint val="75000"/>
+                    </a:schemeClr>
+                  </a:solidFill>
+                  <a:latin typeface="+mn-lt"/>
+                  <a:ea typeface="+mn-ea"/>
+                  <a:cs typeface="+mn-cs"/>
+                </a:defRPr>
+              </a:lvl7pPr>
+              <a:lvl8pPr marL="3200400" indent="0" algn="ctr" defTabSz="914400" rtl="0" eaLnBrk="1" latinLnBrk="0" hangingPunct="1">
+                <a:spcBef>
+                  <a:spcPct val="20000"/>
+                </a:spcBef>
+                <a:buFont typeface="Arial" pitchFamily="34" charset="0"/>
+                <a:buNone/>
+                <a:defRPr sz="2000" kern="1200">
+                  <a:solidFill>
+                    <a:schemeClr val="tx1">
+                      <a:tint val="75000"/>
+                    </a:schemeClr>
+                  </a:solidFill>
+                  <a:latin typeface="+mn-lt"/>
+                  <a:ea typeface="+mn-ea"/>
+                  <a:cs typeface="+mn-cs"/>
+                </a:defRPr>
+              </a:lvl8pPr>
+              <a:lvl9pPr marL="3657600" indent="0" algn="ctr" defTabSz="914400" rtl="0" eaLnBrk="1" latinLnBrk="0" hangingPunct="1">
+                <a:spcBef>
+                  <a:spcPct val="20000"/>
+                </a:spcBef>
+                <a:buFont typeface="Arial" pitchFamily="34" charset="0"/>
+                <a:buNone/>
+                <a:defRPr sz="2000" kern="1200">
+                  <a:solidFill>
+                    <a:schemeClr val="tx1">
+                      <a:tint val="75000"/>
+                    </a:schemeClr>
+                  </a:solidFill>
+                  <a:latin typeface="+mn-lt"/>
+                  <a:ea typeface="+mn-ea"/>
+                  <a:cs typeface="+mn-cs"/>
+                </a:defRPr>
+              </a:lvl9pPr>
+            </a:lstStyle>
+            <a:p>
+              <a:r>
+                <a:rPr lang="en-US" sz="1600" dirty="0">
+                  <a:solidFill>
+                    <a:schemeClr val="tx1"/>
+                  </a:solidFill>
+                </a:rPr>
+                <a:t>RIGHT</a:t>
+              </a:r>
+            </a:p>
+          </p:txBody>
+        </p:sp>
+        <p:sp>
+          <p:nvSpPr>
+            <p:cNvPr id="13" name="Right Arrow 12"/>
+            <p:cNvSpPr/>
+            <p:nvPr/>
+          </p:nvSpPr>
+          <p:spPr>
+            <a:xfrm>
+              <a:off x="9637318" y="6391827"/>
+              <a:ext cx="640200" cy="289763"/>
+            </a:xfrm>
+            <a:prstGeom prst="rightArrow">
+              <a:avLst/>
+            </a:prstGeom>
+            <a:solidFill>
+              <a:schemeClr val="tx1"/>
+            </a:solidFill>
+            <a:ln>
+              <a:noFill/>
+            </a:ln>
+          </p:spPr>
+          <p:style>
+            <a:lnRef idx="1">
+              <a:schemeClr val="accent1"/>
+            </a:lnRef>
+            <a:fillRef idx="3">
+              <a:schemeClr val="accent1"/>
+            </a:fillRef>
+            <a:effectRef idx="2">
+              <a:schemeClr val="accent1"/>
+            </a:effectRef>
+            <a:fontRef idx="minor">
+              <a:schemeClr val="lt1"/>
+            </a:fontRef>
+          </p:style>
+          <p:txBody>
+            <a:bodyPr rtlCol="0" anchor="ctr"/>
+            <a:lstStyle/>
+            <a:p>
+              <a:pPr algn="ctr"/>
+              <a:endParaRPr lang="en-US"/>
+            </a:p>
+          </p:txBody>
+        </p:sp>
+      </p:grpSp>
+      <p:grpSp>
+        <p:nvGrpSpPr>
+          <p:cNvPr id="2" name="Group 1">
+            <a:extLst>
+              <a:ext uri="{FF2B5EF4-FFF2-40B4-BE49-F238E27FC236}">
+                <a16:creationId xmlns:a16="http://schemas.microsoft.com/office/drawing/2014/main" id="{AA46F24B-2D49-DD49-9C8F-AF2700199661}"/>
+              </a:ext>
+            </a:extLst>
+          </p:cNvPr>
+          <p:cNvGrpSpPr/>
+          <p:nvPr/>
+        </p:nvGrpSpPr>
+        <p:grpSpPr>
+          <a:xfrm>
+            <a:off x="2313771" y="6175196"/>
+            <a:ext cx="726263" cy="506769"/>
+            <a:chOff x="2141031" y="6174821"/>
+            <a:chExt cx="726263" cy="506769"/>
+          </a:xfrm>
+        </p:grpSpPr>
+        <p:sp>
+          <p:nvSpPr>
+            <p:cNvPr id="7" name="Subtitle 8">
+              <a:extLst>
+                <a:ext uri="{FF2B5EF4-FFF2-40B4-BE49-F238E27FC236}">
+                  <a16:creationId xmlns:a16="http://schemas.microsoft.com/office/drawing/2014/main" id="{DAC72EF1-EE4E-1D4A-A850-38DA96C5BD0D}"/>
+                </a:ext>
+              </a:extLst>
+            </p:cNvPr>
+            <p:cNvSpPr txBox="1">
+              <a:spLocks/>
+            </p:cNvSpPr>
+            <p:nvPr/>
+          </p:nvSpPr>
+          <p:spPr>
+            <a:xfrm>
+              <a:off x="2227094" y="6174821"/>
+              <a:ext cx="640200" cy="317983"/>
+            </a:xfrm>
+            <a:prstGeom prst="rect">
+              <a:avLst/>
+            </a:prstGeom>
+          </p:spPr>
+          <p:txBody>
+            <a:bodyPr vert="horz" lIns="91440" tIns="45720" rIns="91440" bIns="45720" rtlCol="0">
+              <a:normAutofit lnSpcReduction="10000"/>
+            </a:bodyPr>
+            <a:lstStyle>
+              <a:lvl1pPr marL="0" indent="0" algn="ctr" defTabSz="914400" rtl="0" eaLnBrk="1" latinLnBrk="0" hangingPunct="1">
+                <a:spcBef>
+                  <a:spcPct val="20000"/>
+                </a:spcBef>
+                <a:buFont typeface="Arial" pitchFamily="34" charset="0"/>
+                <a:buNone/>
+                <a:defRPr sz="3200" kern="1200">
+                  <a:solidFill>
+                    <a:schemeClr val="tx1">
+                      <a:tint val="75000"/>
+                    </a:schemeClr>
+                  </a:solidFill>
+                  <a:latin typeface="+mn-lt"/>
+                  <a:ea typeface="+mn-ea"/>
+                  <a:cs typeface="+mn-cs"/>
+                </a:defRPr>
+              </a:lvl1pPr>
+              <a:lvl2pPr marL="457200" indent="0" algn="ctr" defTabSz="914400" rtl="0" eaLnBrk="1" latinLnBrk="0" hangingPunct="1">
+                <a:spcBef>
+                  <a:spcPct val="20000"/>
+                </a:spcBef>
+                <a:buFont typeface="Arial" pitchFamily="34" charset="0"/>
+                <a:buNone/>
+                <a:defRPr sz="2800" kern="1200">
+                  <a:solidFill>
+                    <a:schemeClr val="tx1">
+                      <a:tint val="75000"/>
+                    </a:schemeClr>
+                  </a:solidFill>
+                  <a:latin typeface="+mn-lt"/>
+                  <a:ea typeface="+mn-ea"/>
+                  <a:cs typeface="+mn-cs"/>
+                </a:defRPr>
+              </a:lvl2pPr>
+              <a:lvl3pPr marL="914400" indent="0" algn="ctr" defTabSz="914400" rtl="0" eaLnBrk="1" latinLnBrk="0" hangingPunct="1">
+                <a:spcBef>
+                  <a:spcPct val="20000"/>
+                </a:spcBef>
+                <a:buFont typeface="Arial" pitchFamily="34" charset="0"/>
+                <a:buNone/>
+                <a:defRPr sz="2400" kern="1200">
+                  <a:solidFill>
+                    <a:schemeClr val="tx1">
+                      <a:tint val="75000"/>
+                    </a:schemeClr>
+                  </a:solidFill>
+                  <a:latin typeface="+mn-lt"/>
+                  <a:ea typeface="+mn-ea"/>
+                  <a:cs typeface="+mn-cs"/>
+                </a:defRPr>
+              </a:lvl3pPr>
+              <a:lvl4pPr marL="1371600" indent="0" algn="ctr" defTabSz="914400" rtl="0" eaLnBrk="1" latinLnBrk="0" hangingPunct="1">
+                <a:spcBef>
+                  <a:spcPct val="20000"/>
+                </a:spcBef>
+                <a:buFont typeface="Arial" pitchFamily="34" charset="0"/>
+                <a:buNone/>
+                <a:defRPr sz="2000" kern="1200">
+                  <a:solidFill>
+                    <a:schemeClr val="tx1">
+                      <a:tint val="75000"/>
+                    </a:schemeClr>
+                  </a:solidFill>
+                  <a:latin typeface="+mn-lt"/>
+                  <a:ea typeface="+mn-ea"/>
+                  <a:cs typeface="+mn-cs"/>
+                </a:defRPr>
+              </a:lvl4pPr>
+              <a:lvl5pPr marL="1828800" indent="0" algn="ctr" defTabSz="914400" rtl="0" eaLnBrk="1" latinLnBrk="0" hangingPunct="1">
+                <a:spcBef>
+                  <a:spcPct val="20000"/>
+                </a:spcBef>
+                <a:buFont typeface="Arial" pitchFamily="34" charset="0"/>
+                <a:buNone/>
+                <a:defRPr sz="2000" kern="1200">
+                  <a:solidFill>
+                    <a:schemeClr val="tx1">
+                      <a:tint val="75000"/>
+                    </a:schemeClr>
+                  </a:solidFill>
+                  <a:latin typeface="+mn-lt"/>
+                  <a:ea typeface="+mn-ea"/>
+                  <a:cs typeface="+mn-cs"/>
+                </a:defRPr>
+              </a:lvl5pPr>
+              <a:lvl6pPr marL="2286000" indent="0" algn="ctr" defTabSz="914400" rtl="0" eaLnBrk="1" latinLnBrk="0" hangingPunct="1">
+                <a:spcBef>
+                  <a:spcPct val="20000"/>
+                </a:spcBef>
+                <a:buFont typeface="Arial" pitchFamily="34" charset="0"/>
+                <a:buNone/>
+                <a:defRPr sz="2000" kern="1200">
+                  <a:solidFill>
+                    <a:schemeClr val="tx1">
+                      <a:tint val="75000"/>
+                    </a:schemeClr>
+                  </a:solidFill>
+                  <a:latin typeface="+mn-lt"/>
+                  <a:ea typeface="+mn-ea"/>
+                  <a:cs typeface="+mn-cs"/>
+                </a:defRPr>
+              </a:lvl6pPr>
+              <a:lvl7pPr marL="2743200" indent="0" algn="ctr" defTabSz="914400" rtl="0" eaLnBrk="1" latinLnBrk="0" hangingPunct="1">
+                <a:spcBef>
+                  <a:spcPct val="20000"/>
+                </a:spcBef>
+                <a:buFont typeface="Arial" pitchFamily="34" charset="0"/>
+                <a:buNone/>
+                <a:defRPr sz="2000" kern="1200">
+                  <a:solidFill>
+                    <a:schemeClr val="tx1">
+                      <a:tint val="75000"/>
+                    </a:schemeClr>
+                  </a:solidFill>
+                  <a:latin typeface="+mn-lt"/>
+                  <a:ea typeface="+mn-ea"/>
+                  <a:cs typeface="+mn-cs"/>
+                </a:defRPr>
+              </a:lvl7pPr>
+              <a:lvl8pPr marL="3200400" indent="0" algn="ctr" defTabSz="914400" rtl="0" eaLnBrk="1" latinLnBrk="0" hangingPunct="1">
+                <a:spcBef>
+                  <a:spcPct val="20000"/>
+                </a:spcBef>
+                <a:buFont typeface="Arial" pitchFamily="34" charset="0"/>
+                <a:buNone/>
+                <a:defRPr sz="2000" kern="1200">
+                  <a:solidFill>
+                    <a:schemeClr val="tx1">
+                      <a:tint val="75000"/>
+                    </a:schemeClr>
+                  </a:solidFill>
+                  <a:latin typeface="+mn-lt"/>
+                  <a:ea typeface="+mn-ea"/>
+                  <a:cs typeface="+mn-cs"/>
+                </a:defRPr>
+              </a:lvl8pPr>
+              <a:lvl9pPr marL="3657600" indent="0" algn="ctr" defTabSz="914400" rtl="0" eaLnBrk="1" latinLnBrk="0" hangingPunct="1">
+                <a:spcBef>
+                  <a:spcPct val="20000"/>
+                </a:spcBef>
+                <a:buFont typeface="Arial" pitchFamily="34" charset="0"/>
+                <a:buNone/>
+                <a:defRPr sz="2000" kern="1200">
+                  <a:solidFill>
+                    <a:schemeClr val="tx1">
+                      <a:tint val="75000"/>
+                    </a:schemeClr>
+                  </a:solidFill>
+                  <a:latin typeface="+mn-lt"/>
+                  <a:ea typeface="+mn-ea"/>
+                  <a:cs typeface="+mn-cs"/>
+                </a:defRPr>
+              </a:lvl9pPr>
+            </a:lstStyle>
+            <a:p>
+              <a:r>
+                <a:rPr lang="en-US" sz="1600" dirty="0">
+                  <a:solidFill>
+                    <a:schemeClr val="tx1"/>
+                  </a:solidFill>
+                </a:rPr>
+                <a:t>LEFT</a:t>
+              </a:r>
+            </a:p>
+          </p:txBody>
+        </p:sp>
+        <p:sp>
+          <p:nvSpPr>
+            <p:cNvPr id="8" name="Right Arrow 7">
+              <a:extLst>
+                <a:ext uri="{FF2B5EF4-FFF2-40B4-BE49-F238E27FC236}">
+                  <a16:creationId xmlns:a16="http://schemas.microsoft.com/office/drawing/2014/main" id="{893F26E4-C6FE-2849-B181-8F83F8ED0AD3}"/>
+                </a:ext>
+              </a:extLst>
+            </p:cNvPr>
+            <p:cNvSpPr/>
+            <p:nvPr/>
+          </p:nvSpPr>
+          <p:spPr>
+            <a:xfrm rot="10800000">
+              <a:off x="2141031" y="6391827"/>
+              <a:ext cx="640200" cy="289763"/>
+            </a:xfrm>
+            <a:prstGeom prst="rightArrow">
+              <a:avLst/>
+            </a:prstGeom>
+            <a:solidFill>
+              <a:schemeClr val="tx1"/>
+            </a:solidFill>
+            <a:ln>
+              <a:noFill/>
+            </a:ln>
+          </p:spPr>
+          <p:style>
+            <a:lnRef idx="1">
+              <a:schemeClr val="accent1"/>
+            </a:lnRef>
+            <a:fillRef idx="3">
+              <a:schemeClr val="accent1"/>
+            </a:fillRef>
+            <a:effectRef idx="2">
+              <a:schemeClr val="accent1"/>
+            </a:effectRef>
+            <a:fontRef idx="minor">
+              <a:schemeClr val="lt1"/>
+            </a:fontRef>
+          </p:style>
+          <p:txBody>
+            <a:bodyPr rtlCol="0" anchor="ctr"/>
+            <a:lstStyle/>
+            <a:p>
+              <a:pPr algn="ctr"/>
+              <a:endParaRPr lang="en-US"/>
+            </a:p>
+          </p:txBody>
+        </p:sp>
+      </p:grpSp>
+    </p:spTree>
+    <p:extLst>
+      <p:ext uri="{BB962C8B-B14F-4D97-AF65-F5344CB8AC3E}">
+        <p14:creationId xmlns:p14="http://schemas.microsoft.com/office/powerpoint/2010/main" val="609079472"/>
+      </p:ext>
+    </p:extLst>
+  </p:cSld>
+  <p:clrMapOvr>
+    <a:masterClrMapping/>
+  </p:clrMapOvr>
+</p:sld>
+</file>
+
+<file path=ppt/slides/slide20.xml><?xml version="1.0" encoding="utf-8"?>
 <p:sld xmlns:a="http://schemas.openxmlformats.org/drawingml/2006/main" xmlns:r="http://schemas.openxmlformats.org/officeDocument/2006/relationships" xmlns:p="http://schemas.openxmlformats.org/presentationml/2006/main">
   <p:cSld>
     <p:bg>
@@ -10872,8 +14987,8 @@
         </p:nvSpPr>
         <p:spPr>
           <a:xfrm>
-            <a:off x="840890" y="617557"/>
-            <a:ext cx="10510220" cy="4040015"/>
+            <a:off x="1233245" y="593846"/>
+            <a:ext cx="9725510" cy="4040015"/>
           </a:xfrm>
         </p:spPr>
         <p:txBody>
@@ -10887,7 +15002,30 @@
             </a:pPr>
             <a:r>
               <a:rPr lang="en-US" dirty="0"/>
-              <a:t>Remember, not everyone you choose will also be interested in you. So to successfully find a romantic partner, you will want to get as many dates as you can while also considering how well they match with what you’re looking for.</a:t>
+              <a:t>Remember, not everyone you choose will also be interested in you.</a:t>
+            </a:r>
+          </a:p>
+          <a:p>
+            <a:pPr marL="0" indent="0">
+              <a:buNone/>
+            </a:pPr>
+            <a:endParaRPr lang="en-US" dirty="0"/>
+          </a:p>
+          <a:p>
+            <a:pPr marL="0" indent="0">
+              <a:buNone/>
+            </a:pPr>
+            <a:r>
+              <a:rPr lang="en-US" dirty="0"/>
+              <a:t>So to successfully find a romantic partner, you will want to </a:t>
+            </a:r>
+            <a:r>
+              <a:rPr lang="en-US" u="sng" dirty="0"/>
+              <a:t>get as many dates </a:t>
+            </a:r>
+            <a:r>
+              <a:rPr lang="en-US" dirty="0"/>
+              <a:t>as you can while also considering how well they match with what you’re looking for.</a:t>
             </a:r>
           </a:p>
           <a:p>
@@ -11505,7 +15643,7 @@
 </p:sld>
 </file>
 
-<file path=ppt/slides/slide18.xml><?xml version="1.0" encoding="utf-8"?>
+<file path=ppt/slides/slide21.xml><?xml version="1.0" encoding="utf-8"?>
 <p:sld xmlns:a="http://schemas.openxmlformats.org/drawingml/2006/main" xmlns:r="http://schemas.openxmlformats.org/officeDocument/2006/relationships" xmlns:p="http://schemas.openxmlformats.org/presentationml/2006/main">
   <p:cSld>
     <p:bg>
@@ -11584,7 +15722,7 @@
         </p:nvSpPr>
         <p:spPr>
           <a:xfrm>
-            <a:off x="3040034" y="6157852"/>
+            <a:off x="3052734" y="3619500"/>
             <a:ext cx="6111932" cy="656705"/>
           </a:xfrm>
           <a:prstGeom prst="rect">
@@ -11593,7 +15731,7 @@
         </p:spPr>
         <p:txBody>
           <a:bodyPr vert="horz" lIns="91440" tIns="45720" rIns="91440" bIns="45720" rtlCol="0" anchor="ctr">
-            <a:normAutofit fontScale="92500"/>
+            <a:normAutofit/>
           </a:bodyPr>
           <a:lstStyle>
             <a:lvl1pPr algn="ctr" defTabSz="914400" rtl="0" eaLnBrk="1" latinLnBrk="0" hangingPunct="1">
@@ -11618,276 +15756,263 @@
                   <a:srgbClr val="FF0000"/>
                 </a:solidFill>
               </a:rPr>
-              <a:t>PRESS THE RIGHT BUTTON TO CONTINUE</a:t>
+              <a:t>PRESS THE RIGHT BUTTON TO </a:t>
+            </a:r>
+            <a:r>
+              <a:rPr lang="en-US" sz="3000" u="sng" dirty="0">
+                <a:solidFill>
+                  <a:srgbClr val="FF0000"/>
+                </a:solidFill>
+              </a:rPr>
+              <a:t>BEGIN</a:t>
             </a:r>
           </a:p>
         </p:txBody>
       </p:sp>
-      <p:grpSp>
-        <p:nvGrpSpPr>
-          <p:cNvPr id="7" name="Group 6">
+      <p:sp>
+        <p:nvSpPr>
+          <p:cNvPr id="8" name="Subtitle 8">
             <a:extLst>
               <a:ext uri="{FF2B5EF4-FFF2-40B4-BE49-F238E27FC236}">
-                <a16:creationId xmlns:a16="http://schemas.microsoft.com/office/drawing/2014/main" id="{BF30D724-A8CE-3A41-A1A4-6768A35F99B8}"/>
+                <a16:creationId xmlns:a16="http://schemas.microsoft.com/office/drawing/2014/main" id="{A055A16D-A8A0-3F4E-A40E-0DE76845C931}"/>
               </a:ext>
             </a:extLst>
           </p:cNvPr>
-          <p:cNvGrpSpPr/>
+          <p:cNvSpPr txBox="1">
+            <a:spLocks/>
+          </p:cNvSpPr>
           <p:nvPr/>
-        </p:nvGrpSpPr>
-        <p:grpSpPr>
+        </p:nvSpPr>
+        <p:spPr>
           <a:xfrm>
-            <a:off x="9151966" y="6157852"/>
-            <a:ext cx="726263" cy="506769"/>
-            <a:chOff x="9551255" y="6174821"/>
-            <a:chExt cx="726263" cy="506769"/>
+            <a:off x="8981486" y="3479952"/>
+            <a:ext cx="1258017" cy="631765"/>
           </a:xfrm>
-        </p:grpSpPr>
-        <p:sp>
-          <p:nvSpPr>
-            <p:cNvPr id="8" name="Subtitle 8">
-              <a:extLst>
-                <a:ext uri="{FF2B5EF4-FFF2-40B4-BE49-F238E27FC236}">
-                  <a16:creationId xmlns:a16="http://schemas.microsoft.com/office/drawing/2014/main" id="{A055A16D-A8A0-3F4E-A40E-0DE76845C931}"/>
-                </a:ext>
-              </a:extLst>
-            </p:cNvPr>
-            <p:cNvSpPr txBox="1">
-              <a:spLocks/>
-            </p:cNvSpPr>
-            <p:nvPr/>
-          </p:nvSpPr>
-          <p:spPr>
-            <a:xfrm>
-              <a:off x="9551255" y="6174821"/>
-              <a:ext cx="640200" cy="289763"/>
-            </a:xfrm>
-            <a:prstGeom prst="rect">
-              <a:avLst/>
-            </a:prstGeom>
-          </p:spPr>
-          <p:txBody>
-            <a:bodyPr vert="horz" lIns="91440" tIns="45720" rIns="91440" bIns="45720" rtlCol="0">
-              <a:normAutofit fontScale="85000" lnSpcReduction="10000"/>
-            </a:bodyPr>
-            <a:lstStyle>
-              <a:lvl1pPr marL="0" indent="0" algn="ctr" defTabSz="914400" rtl="0" eaLnBrk="1" latinLnBrk="0" hangingPunct="1">
-                <a:spcBef>
-                  <a:spcPct val="20000"/>
-                </a:spcBef>
-                <a:buFont typeface="Arial" pitchFamily="34" charset="0"/>
-                <a:buNone/>
-                <a:defRPr sz="3200" kern="1200">
-                  <a:solidFill>
-                    <a:schemeClr val="tx1">
-                      <a:tint val="75000"/>
-                    </a:schemeClr>
-                  </a:solidFill>
-                  <a:latin typeface="+mn-lt"/>
-                  <a:ea typeface="+mn-ea"/>
-                  <a:cs typeface="+mn-cs"/>
-                </a:defRPr>
-              </a:lvl1pPr>
-              <a:lvl2pPr marL="457200" indent="0" algn="ctr" defTabSz="914400" rtl="0" eaLnBrk="1" latinLnBrk="0" hangingPunct="1">
-                <a:spcBef>
-                  <a:spcPct val="20000"/>
-                </a:spcBef>
-                <a:buFont typeface="Arial" pitchFamily="34" charset="0"/>
-                <a:buNone/>
-                <a:defRPr sz="2800" kern="1200">
-                  <a:solidFill>
-                    <a:schemeClr val="tx1">
-                      <a:tint val="75000"/>
-                    </a:schemeClr>
-                  </a:solidFill>
-                  <a:latin typeface="+mn-lt"/>
-                  <a:ea typeface="+mn-ea"/>
-                  <a:cs typeface="+mn-cs"/>
-                </a:defRPr>
-              </a:lvl2pPr>
-              <a:lvl3pPr marL="914400" indent="0" algn="ctr" defTabSz="914400" rtl="0" eaLnBrk="1" latinLnBrk="0" hangingPunct="1">
-                <a:spcBef>
-                  <a:spcPct val="20000"/>
-                </a:spcBef>
-                <a:buFont typeface="Arial" pitchFamily="34" charset="0"/>
-                <a:buNone/>
-                <a:defRPr sz="2400" kern="1200">
-                  <a:solidFill>
-                    <a:schemeClr val="tx1">
-                      <a:tint val="75000"/>
-                    </a:schemeClr>
-                  </a:solidFill>
-                  <a:latin typeface="+mn-lt"/>
-                  <a:ea typeface="+mn-ea"/>
-                  <a:cs typeface="+mn-cs"/>
-                </a:defRPr>
-              </a:lvl3pPr>
-              <a:lvl4pPr marL="1371600" indent="0" algn="ctr" defTabSz="914400" rtl="0" eaLnBrk="1" latinLnBrk="0" hangingPunct="1">
-                <a:spcBef>
-                  <a:spcPct val="20000"/>
-                </a:spcBef>
-                <a:buFont typeface="Arial" pitchFamily="34" charset="0"/>
-                <a:buNone/>
-                <a:defRPr sz="2000" kern="1200">
-                  <a:solidFill>
-                    <a:schemeClr val="tx1">
-                      <a:tint val="75000"/>
-                    </a:schemeClr>
-                  </a:solidFill>
-                  <a:latin typeface="+mn-lt"/>
-                  <a:ea typeface="+mn-ea"/>
-                  <a:cs typeface="+mn-cs"/>
-                </a:defRPr>
-              </a:lvl4pPr>
-              <a:lvl5pPr marL="1828800" indent="0" algn="ctr" defTabSz="914400" rtl="0" eaLnBrk="1" latinLnBrk="0" hangingPunct="1">
-                <a:spcBef>
-                  <a:spcPct val="20000"/>
-                </a:spcBef>
-                <a:buFont typeface="Arial" pitchFamily="34" charset="0"/>
-                <a:buNone/>
-                <a:defRPr sz="2000" kern="1200">
-                  <a:solidFill>
-                    <a:schemeClr val="tx1">
-                      <a:tint val="75000"/>
-                    </a:schemeClr>
-                  </a:solidFill>
-                  <a:latin typeface="+mn-lt"/>
-                  <a:ea typeface="+mn-ea"/>
-                  <a:cs typeface="+mn-cs"/>
-                </a:defRPr>
-              </a:lvl5pPr>
-              <a:lvl6pPr marL="2286000" indent="0" algn="ctr" defTabSz="914400" rtl="0" eaLnBrk="1" latinLnBrk="0" hangingPunct="1">
-                <a:spcBef>
-                  <a:spcPct val="20000"/>
-                </a:spcBef>
-                <a:buFont typeface="Arial" pitchFamily="34" charset="0"/>
-                <a:buNone/>
-                <a:defRPr sz="2000" kern="1200">
-                  <a:solidFill>
-                    <a:schemeClr val="tx1">
-                      <a:tint val="75000"/>
-                    </a:schemeClr>
-                  </a:solidFill>
-                  <a:latin typeface="+mn-lt"/>
-                  <a:ea typeface="+mn-ea"/>
-                  <a:cs typeface="+mn-cs"/>
-                </a:defRPr>
-              </a:lvl6pPr>
-              <a:lvl7pPr marL="2743200" indent="0" algn="ctr" defTabSz="914400" rtl="0" eaLnBrk="1" latinLnBrk="0" hangingPunct="1">
-                <a:spcBef>
-                  <a:spcPct val="20000"/>
-                </a:spcBef>
-                <a:buFont typeface="Arial" pitchFamily="34" charset="0"/>
-                <a:buNone/>
-                <a:defRPr sz="2000" kern="1200">
-                  <a:solidFill>
-                    <a:schemeClr val="tx1">
-                      <a:tint val="75000"/>
-                    </a:schemeClr>
-                  </a:solidFill>
-                  <a:latin typeface="+mn-lt"/>
-                  <a:ea typeface="+mn-ea"/>
-                  <a:cs typeface="+mn-cs"/>
-                </a:defRPr>
-              </a:lvl7pPr>
-              <a:lvl8pPr marL="3200400" indent="0" algn="ctr" defTabSz="914400" rtl="0" eaLnBrk="1" latinLnBrk="0" hangingPunct="1">
-                <a:spcBef>
-                  <a:spcPct val="20000"/>
-                </a:spcBef>
-                <a:buFont typeface="Arial" pitchFamily="34" charset="0"/>
-                <a:buNone/>
-                <a:defRPr sz="2000" kern="1200">
-                  <a:solidFill>
-                    <a:schemeClr val="tx1">
-                      <a:tint val="75000"/>
-                    </a:schemeClr>
-                  </a:solidFill>
-                  <a:latin typeface="+mn-lt"/>
-                  <a:ea typeface="+mn-ea"/>
-                  <a:cs typeface="+mn-cs"/>
-                </a:defRPr>
-              </a:lvl8pPr>
-              <a:lvl9pPr marL="3657600" indent="0" algn="ctr" defTabSz="914400" rtl="0" eaLnBrk="1" latinLnBrk="0" hangingPunct="1">
-                <a:spcBef>
-                  <a:spcPct val="20000"/>
-                </a:spcBef>
-                <a:buFont typeface="Arial" pitchFamily="34" charset="0"/>
-                <a:buNone/>
-                <a:defRPr sz="2000" kern="1200">
-                  <a:solidFill>
-                    <a:schemeClr val="tx1">
-                      <a:tint val="75000"/>
-                    </a:schemeClr>
-                  </a:solidFill>
-                  <a:latin typeface="+mn-lt"/>
-                  <a:ea typeface="+mn-ea"/>
-                  <a:cs typeface="+mn-cs"/>
-                </a:defRPr>
-              </a:lvl9pPr>
-            </a:lstStyle>
-            <a:p>
-              <a:r>
-                <a:rPr lang="en-US" sz="1600" dirty="0">
-                  <a:solidFill>
-                    <a:schemeClr val="tx1"/>
-                  </a:solidFill>
-                </a:rPr>
-                <a:t>RIGHT</a:t>
-              </a:r>
-            </a:p>
-          </p:txBody>
-        </p:sp>
-        <p:sp>
-          <p:nvSpPr>
-            <p:cNvPr id="9" name="Right Arrow 8">
-              <a:extLst>
-                <a:ext uri="{FF2B5EF4-FFF2-40B4-BE49-F238E27FC236}">
-                  <a16:creationId xmlns:a16="http://schemas.microsoft.com/office/drawing/2014/main" id="{ECC5C2B7-F559-DC43-B8E3-A629B8848CFA}"/>
-                </a:ext>
-              </a:extLst>
-            </p:cNvPr>
-            <p:cNvSpPr/>
-            <p:nvPr/>
-          </p:nvSpPr>
-          <p:spPr>
-            <a:xfrm>
-              <a:off x="9637318" y="6391827"/>
-              <a:ext cx="640200" cy="289763"/>
-            </a:xfrm>
-            <a:prstGeom prst="rightArrow">
-              <a:avLst/>
-            </a:prstGeom>
-            <a:solidFill>
-              <a:schemeClr val="tx1"/>
-            </a:solidFill>
-            <a:ln>
-              <a:noFill/>
-            </a:ln>
-          </p:spPr>
-          <p:style>
-            <a:lnRef idx="1">
-              <a:schemeClr val="accent1"/>
-            </a:lnRef>
-            <a:fillRef idx="3">
-              <a:schemeClr val="accent1"/>
-            </a:fillRef>
-            <a:effectRef idx="2">
-              <a:schemeClr val="accent1"/>
-            </a:effectRef>
-            <a:fontRef idx="minor">
-              <a:schemeClr val="lt1"/>
-            </a:fontRef>
-          </p:style>
-          <p:txBody>
-            <a:bodyPr rtlCol="0" anchor="ctr"/>
-            <a:lstStyle/>
-            <a:p>
-              <a:pPr algn="ctr"/>
-              <a:endParaRPr lang="en-US"/>
-            </a:p>
-          </p:txBody>
-        </p:sp>
-      </p:grpSp>
+          <a:prstGeom prst="rect">
+            <a:avLst/>
+          </a:prstGeom>
+        </p:spPr>
+        <p:txBody>
+          <a:bodyPr vert="horz" lIns="91440" tIns="45720" rIns="91440" bIns="45720" rtlCol="0">
+            <a:normAutofit/>
+          </a:bodyPr>
+          <a:lstStyle>
+            <a:lvl1pPr marL="0" indent="0" algn="ctr" defTabSz="914400" rtl="0" eaLnBrk="1" latinLnBrk="0" hangingPunct="1">
+              <a:spcBef>
+                <a:spcPct val="20000"/>
+              </a:spcBef>
+              <a:buFont typeface="Arial" pitchFamily="34" charset="0"/>
+              <a:buNone/>
+              <a:defRPr sz="3200" kern="1200">
+                <a:solidFill>
+                  <a:schemeClr val="tx1">
+                    <a:tint val="75000"/>
+                  </a:schemeClr>
+                </a:solidFill>
+                <a:latin typeface="+mn-lt"/>
+                <a:ea typeface="+mn-ea"/>
+                <a:cs typeface="+mn-cs"/>
+              </a:defRPr>
+            </a:lvl1pPr>
+            <a:lvl2pPr marL="457200" indent="0" algn="ctr" defTabSz="914400" rtl="0" eaLnBrk="1" latinLnBrk="0" hangingPunct="1">
+              <a:spcBef>
+                <a:spcPct val="20000"/>
+              </a:spcBef>
+              <a:buFont typeface="Arial" pitchFamily="34" charset="0"/>
+              <a:buNone/>
+              <a:defRPr sz="2800" kern="1200">
+                <a:solidFill>
+                  <a:schemeClr val="tx1">
+                    <a:tint val="75000"/>
+                  </a:schemeClr>
+                </a:solidFill>
+                <a:latin typeface="+mn-lt"/>
+                <a:ea typeface="+mn-ea"/>
+                <a:cs typeface="+mn-cs"/>
+              </a:defRPr>
+            </a:lvl2pPr>
+            <a:lvl3pPr marL="914400" indent="0" algn="ctr" defTabSz="914400" rtl="0" eaLnBrk="1" latinLnBrk="0" hangingPunct="1">
+              <a:spcBef>
+                <a:spcPct val="20000"/>
+              </a:spcBef>
+              <a:buFont typeface="Arial" pitchFamily="34" charset="0"/>
+              <a:buNone/>
+              <a:defRPr sz="2400" kern="1200">
+                <a:solidFill>
+                  <a:schemeClr val="tx1">
+                    <a:tint val="75000"/>
+                  </a:schemeClr>
+                </a:solidFill>
+                <a:latin typeface="+mn-lt"/>
+                <a:ea typeface="+mn-ea"/>
+                <a:cs typeface="+mn-cs"/>
+              </a:defRPr>
+            </a:lvl3pPr>
+            <a:lvl4pPr marL="1371600" indent="0" algn="ctr" defTabSz="914400" rtl="0" eaLnBrk="1" latinLnBrk="0" hangingPunct="1">
+              <a:spcBef>
+                <a:spcPct val="20000"/>
+              </a:spcBef>
+              <a:buFont typeface="Arial" pitchFamily="34" charset="0"/>
+              <a:buNone/>
+              <a:defRPr sz="2000" kern="1200">
+                <a:solidFill>
+                  <a:schemeClr val="tx1">
+                    <a:tint val="75000"/>
+                  </a:schemeClr>
+                </a:solidFill>
+                <a:latin typeface="+mn-lt"/>
+                <a:ea typeface="+mn-ea"/>
+                <a:cs typeface="+mn-cs"/>
+              </a:defRPr>
+            </a:lvl4pPr>
+            <a:lvl5pPr marL="1828800" indent="0" algn="ctr" defTabSz="914400" rtl="0" eaLnBrk="1" latinLnBrk="0" hangingPunct="1">
+              <a:spcBef>
+                <a:spcPct val="20000"/>
+              </a:spcBef>
+              <a:buFont typeface="Arial" pitchFamily="34" charset="0"/>
+              <a:buNone/>
+              <a:defRPr sz="2000" kern="1200">
+                <a:solidFill>
+                  <a:schemeClr val="tx1">
+                    <a:tint val="75000"/>
+                  </a:schemeClr>
+                </a:solidFill>
+                <a:latin typeface="+mn-lt"/>
+                <a:ea typeface="+mn-ea"/>
+                <a:cs typeface="+mn-cs"/>
+              </a:defRPr>
+            </a:lvl5pPr>
+            <a:lvl6pPr marL="2286000" indent="0" algn="ctr" defTabSz="914400" rtl="0" eaLnBrk="1" latinLnBrk="0" hangingPunct="1">
+              <a:spcBef>
+                <a:spcPct val="20000"/>
+              </a:spcBef>
+              <a:buFont typeface="Arial" pitchFamily="34" charset="0"/>
+              <a:buNone/>
+              <a:defRPr sz="2000" kern="1200">
+                <a:solidFill>
+                  <a:schemeClr val="tx1">
+                    <a:tint val="75000"/>
+                  </a:schemeClr>
+                </a:solidFill>
+                <a:latin typeface="+mn-lt"/>
+                <a:ea typeface="+mn-ea"/>
+                <a:cs typeface="+mn-cs"/>
+              </a:defRPr>
+            </a:lvl6pPr>
+            <a:lvl7pPr marL="2743200" indent="0" algn="ctr" defTabSz="914400" rtl="0" eaLnBrk="1" latinLnBrk="0" hangingPunct="1">
+              <a:spcBef>
+                <a:spcPct val="20000"/>
+              </a:spcBef>
+              <a:buFont typeface="Arial" pitchFamily="34" charset="0"/>
+              <a:buNone/>
+              <a:defRPr sz="2000" kern="1200">
+                <a:solidFill>
+                  <a:schemeClr val="tx1">
+                    <a:tint val="75000"/>
+                  </a:schemeClr>
+                </a:solidFill>
+                <a:latin typeface="+mn-lt"/>
+                <a:ea typeface="+mn-ea"/>
+                <a:cs typeface="+mn-cs"/>
+              </a:defRPr>
+            </a:lvl7pPr>
+            <a:lvl8pPr marL="3200400" indent="0" algn="ctr" defTabSz="914400" rtl="0" eaLnBrk="1" latinLnBrk="0" hangingPunct="1">
+              <a:spcBef>
+                <a:spcPct val="20000"/>
+              </a:spcBef>
+              <a:buFont typeface="Arial" pitchFamily="34" charset="0"/>
+              <a:buNone/>
+              <a:defRPr sz="2000" kern="1200">
+                <a:solidFill>
+                  <a:schemeClr val="tx1">
+                    <a:tint val="75000"/>
+                  </a:schemeClr>
+                </a:solidFill>
+                <a:latin typeface="+mn-lt"/>
+                <a:ea typeface="+mn-ea"/>
+                <a:cs typeface="+mn-cs"/>
+              </a:defRPr>
+            </a:lvl8pPr>
+            <a:lvl9pPr marL="3657600" indent="0" algn="ctr" defTabSz="914400" rtl="0" eaLnBrk="1" latinLnBrk="0" hangingPunct="1">
+              <a:spcBef>
+                <a:spcPct val="20000"/>
+              </a:spcBef>
+              <a:buFont typeface="Arial" pitchFamily="34" charset="0"/>
+              <a:buNone/>
+              <a:defRPr sz="2000" kern="1200">
+                <a:solidFill>
+                  <a:schemeClr val="tx1">
+                    <a:tint val="75000"/>
+                  </a:schemeClr>
+                </a:solidFill>
+                <a:latin typeface="+mn-lt"/>
+                <a:ea typeface="+mn-ea"/>
+                <a:cs typeface="+mn-cs"/>
+              </a:defRPr>
+            </a:lvl9pPr>
+          </a:lstStyle>
+          <a:p>
+            <a:r>
+              <a:rPr lang="en-US" sz="1600" dirty="0">
+                <a:solidFill>
+                  <a:schemeClr val="tx1"/>
+                </a:solidFill>
+              </a:rPr>
+              <a:t>RIGHT</a:t>
+            </a:r>
+          </a:p>
+        </p:txBody>
+      </p:sp>
+      <p:sp>
+        <p:nvSpPr>
+          <p:cNvPr id="9" name="Right Arrow 8">
+            <a:extLst>
+              <a:ext uri="{FF2B5EF4-FFF2-40B4-BE49-F238E27FC236}">
+                <a16:creationId xmlns:a16="http://schemas.microsoft.com/office/drawing/2014/main" id="{ECC5C2B7-F559-DC43-B8E3-A629B8848CFA}"/>
+              </a:ext>
+            </a:extLst>
+          </p:cNvPr>
+          <p:cNvSpPr/>
+          <p:nvPr/>
+        </p:nvSpPr>
+        <p:spPr>
+          <a:xfrm>
+            <a:off x="9143283" y="3644440"/>
+            <a:ext cx="1258017" cy="631765"/>
+          </a:xfrm>
+          <a:prstGeom prst="rightArrow">
+            <a:avLst/>
+          </a:prstGeom>
+          <a:solidFill>
+            <a:schemeClr val="tx1"/>
+          </a:solidFill>
+          <a:ln>
+            <a:noFill/>
+          </a:ln>
+        </p:spPr>
+        <p:style>
+          <a:lnRef idx="1">
+            <a:schemeClr val="accent1"/>
+          </a:lnRef>
+          <a:fillRef idx="3">
+            <a:schemeClr val="accent1"/>
+          </a:fillRef>
+          <a:effectRef idx="2">
+            <a:schemeClr val="accent1"/>
+          </a:effectRef>
+          <a:fontRef idx="minor">
+            <a:schemeClr val="lt1"/>
+          </a:fontRef>
+        </p:style>
+        <p:txBody>
+          <a:bodyPr rtlCol="0" anchor="ctr"/>
+          <a:lstStyle/>
+          <a:p>
+            <a:pPr algn="ctr"/>
+            <a:endParaRPr lang="en-US"/>
+          </a:p>
+        </p:txBody>
+      </p:sp>
       <p:grpSp>
         <p:nvGrpSpPr>
           <p:cNvPr id="10" name="Group 9">
@@ -11902,7 +16027,7 @@
         </p:nvGrpSpPr>
         <p:grpSpPr>
           <a:xfrm>
-            <a:off x="2313771" y="6175196"/>
+            <a:off x="2326471" y="3636844"/>
             <a:ext cx="726263" cy="506769"/>
             <a:chOff x="2141031" y="6174821"/>
             <a:chExt cx="726263" cy="506769"/>
@@ -12166,7 +16291,7 @@
 </p:sld>
 </file>
 
-<file path=ppt/slides/slide2.xml><?xml version="1.0" encoding="utf-8"?>
+<file path=ppt/slides/slide22.xml><?xml version="1.0" encoding="utf-8"?>
 <p:sld xmlns:a="http://schemas.openxmlformats.org/drawingml/2006/main" xmlns:r="http://schemas.openxmlformats.org/officeDocument/2006/relationships" xmlns:p="http://schemas.openxmlformats.org/presentationml/2006/main">
   <p:cSld>
     <p:bg>
@@ -12193,59 +16318,13 @@
       </p:grpSpPr>
       <p:sp>
         <p:nvSpPr>
-          <p:cNvPr id="9" name="Rectangle 8">
+          <p:cNvPr id="15" name="Content Placeholder 2">
             <a:extLst>
               <a:ext uri="{FF2B5EF4-FFF2-40B4-BE49-F238E27FC236}">
-                <a16:creationId xmlns:a16="http://schemas.microsoft.com/office/drawing/2014/main" id="{9CF7FDCD-4506-AD49-80FB-0B498E8805E9}"/>
+                <a16:creationId xmlns:a16="http://schemas.microsoft.com/office/drawing/2014/main" id="{BB089F57-6179-B14E-8148-2009637B51FB}"/>
               </a:ext>
             </a:extLst>
           </p:cNvPr>
-          <p:cNvSpPr/>
-          <p:nvPr/>
-        </p:nvSpPr>
-        <p:spPr>
-          <a:xfrm>
-            <a:off x="7672815" y="4296719"/>
-            <a:ext cx="351046" cy="276498"/>
-          </a:xfrm>
-          <a:prstGeom prst="rect">
-            <a:avLst/>
-          </a:prstGeom>
-          <a:solidFill>
-            <a:schemeClr val="bg1"/>
-          </a:solidFill>
-          <a:ln>
-            <a:noFill/>
-          </a:ln>
-        </p:spPr>
-        <p:style>
-          <a:lnRef idx="2">
-            <a:schemeClr val="accent1">
-              <a:shade val="50000"/>
-            </a:schemeClr>
-          </a:lnRef>
-          <a:fillRef idx="1">
-            <a:schemeClr val="accent1"/>
-          </a:fillRef>
-          <a:effectRef idx="0">
-            <a:schemeClr val="accent1"/>
-          </a:effectRef>
-          <a:fontRef idx="minor">
-            <a:schemeClr val="lt1"/>
-          </a:fontRef>
-        </p:style>
-        <p:txBody>
-          <a:bodyPr rtlCol="0" anchor="ctr"/>
-          <a:lstStyle/>
-          <a:p>
-            <a:pPr algn="ctr"/>
-            <a:endParaRPr lang="en-US"/>
-          </a:p>
-        </p:txBody>
-      </p:sp>
-      <p:sp>
-        <p:nvSpPr>
-          <p:cNvPr id="3" name="Content Placeholder 2"/>
           <p:cNvSpPr>
             <a:spLocks noGrp="1"/>
           </p:cNvSpPr>
@@ -12255,8 +16334,8 @@
         </p:nvSpPr>
         <p:spPr>
           <a:xfrm>
-            <a:off x="840890" y="682804"/>
-            <a:ext cx="10510220" cy="4406499"/>
+            <a:off x="1264920" y="1065627"/>
+            <a:ext cx="9662159" cy="1804181"/>
           </a:xfrm>
         </p:spPr>
         <p:txBody>
@@ -12270,35 +16349,38 @@
             </a:pPr>
             <a:r>
               <a:rPr lang="en-US" dirty="0"/>
-              <a:t>Welcome!</a:t>
+              <a:t>Great Job!</a:t>
             </a:r>
           </a:p>
           <a:p>
             <a:pPr marL="0" indent="0" algn="ctr">
-              <a:buNone/>
-            </a:pPr>
-            <a:endParaRPr lang="en-US" dirty="0"/>
-          </a:p>
-          <a:p>
-            <a:pPr marL="0" indent="0">
               <a:buNone/>
             </a:pPr>
             <a:r>
               <a:rPr lang="en-US" dirty="0"/>
-              <a:t>In this task, we want you to imagine that you are attending several online speed dating events to try to find a romantic partner. Before attending the first event, we will ask you some questions about what you’re looking for in a partner. Then, during each event, we will introduce you to some people one by one and let you know how strongly they match with your preferences.</a:t>
+              <a:t>Let’s begin the real events!</a:t>
             </a:r>
           </a:p>
           <a:p>
-            <a:pPr marL="0" indent="0">
+            <a:pPr marL="0" indent="0" algn="ctr">
               <a:buNone/>
             </a:pPr>
-            <a:endParaRPr lang="en-US" dirty="0"/>
+            <a:r>
+              <a:rPr lang="en-US" dirty="0"/>
+              <a:t>Good luck dating!</a:t>
+            </a:r>
           </a:p>
         </p:txBody>
       </p:sp>
       <p:sp>
         <p:nvSpPr>
-          <p:cNvPr id="26" name="Title 3"/>
+          <p:cNvPr id="6" name="Title 3">
+            <a:extLst>
+              <a:ext uri="{FF2B5EF4-FFF2-40B4-BE49-F238E27FC236}">
+                <a16:creationId xmlns:a16="http://schemas.microsoft.com/office/drawing/2014/main" id="{BAAE0E0B-4974-DD4C-AAA7-9A9C12314860}"/>
+              </a:ext>
+            </a:extLst>
+          </p:cNvPr>
           <p:cNvSpPr txBox="1">
             <a:spLocks/>
           </p:cNvSpPr>
@@ -12306,7 +16388,7 @@
         </p:nvSpPr>
         <p:spPr>
           <a:xfrm>
-            <a:off x="3040034" y="6157852"/>
+            <a:off x="3031351" y="3644440"/>
             <a:ext cx="6111932" cy="656705"/>
           </a:xfrm>
           <a:prstGeom prst="rect">
@@ -12315,7 +16397,7 @@
         </p:spPr>
         <p:txBody>
           <a:bodyPr vert="horz" lIns="91440" tIns="45720" rIns="91440" bIns="45720" rtlCol="0" anchor="ctr">
-            <a:normAutofit fontScale="92500"/>
+            <a:normAutofit/>
           </a:bodyPr>
           <a:lstStyle>
             <a:lvl1pPr algn="ctr" defTabSz="914400" rtl="0" eaLnBrk="1" latinLnBrk="0" hangingPunct="1">
@@ -12340,533 +16422,267 @@
                   <a:srgbClr val="FF0000"/>
                 </a:solidFill>
               </a:rPr>
-              <a:t>PRESS THE RIGHT BUTTON TO CONTINUE</a:t>
+              <a:t>PRESS THE RIGHT BUTTON TO </a:t>
+            </a:r>
+            <a:r>
+              <a:rPr lang="en-US" sz="3000" u="sng" dirty="0">
+                <a:solidFill>
+                  <a:srgbClr val="FF0000"/>
+                </a:solidFill>
+              </a:rPr>
+              <a:t>BEGIN</a:t>
             </a:r>
           </a:p>
         </p:txBody>
       </p:sp>
-      <p:grpSp>
-        <p:nvGrpSpPr>
-          <p:cNvPr id="4" name="Group 3">
+      <p:sp>
+        <p:nvSpPr>
+          <p:cNvPr id="8" name="Subtitle 8">
             <a:extLst>
               <a:ext uri="{FF2B5EF4-FFF2-40B4-BE49-F238E27FC236}">
-                <a16:creationId xmlns:a16="http://schemas.microsoft.com/office/drawing/2014/main" id="{2D13AE20-8196-EF4E-8BF1-B6823DD50C5B}"/>
+                <a16:creationId xmlns:a16="http://schemas.microsoft.com/office/drawing/2014/main" id="{A055A16D-A8A0-3F4E-A40E-0DE76845C931}"/>
               </a:ext>
             </a:extLst>
           </p:cNvPr>
-          <p:cNvGrpSpPr/>
+          <p:cNvSpPr txBox="1">
+            <a:spLocks/>
+          </p:cNvSpPr>
           <p:nvPr/>
-        </p:nvGrpSpPr>
-        <p:grpSpPr>
+        </p:nvSpPr>
+        <p:spPr>
           <a:xfrm>
-            <a:off x="9151966" y="6157852"/>
-            <a:ext cx="726263" cy="506769"/>
-            <a:chOff x="9551255" y="6174821"/>
-            <a:chExt cx="726263" cy="506769"/>
+            <a:off x="8981486" y="3479952"/>
+            <a:ext cx="1258017" cy="631765"/>
           </a:xfrm>
-        </p:grpSpPr>
-        <p:sp>
-          <p:nvSpPr>
-            <p:cNvPr id="12" name="Subtitle 8"/>
-            <p:cNvSpPr txBox="1">
-              <a:spLocks/>
-            </p:cNvSpPr>
-            <p:nvPr/>
-          </p:nvSpPr>
-          <p:spPr>
-            <a:xfrm>
-              <a:off x="9551255" y="6174821"/>
-              <a:ext cx="640200" cy="289763"/>
-            </a:xfrm>
-            <a:prstGeom prst="rect">
-              <a:avLst/>
-            </a:prstGeom>
-          </p:spPr>
-          <p:txBody>
-            <a:bodyPr vert="horz" lIns="91440" tIns="45720" rIns="91440" bIns="45720" rtlCol="0">
-              <a:normAutofit fontScale="85000" lnSpcReduction="10000"/>
-            </a:bodyPr>
-            <a:lstStyle>
-              <a:lvl1pPr marL="0" indent="0" algn="ctr" defTabSz="914400" rtl="0" eaLnBrk="1" latinLnBrk="0" hangingPunct="1">
-                <a:spcBef>
-                  <a:spcPct val="20000"/>
-                </a:spcBef>
-                <a:buFont typeface="Arial" pitchFamily="34" charset="0"/>
-                <a:buNone/>
-                <a:defRPr sz="3200" kern="1200">
-                  <a:solidFill>
-                    <a:schemeClr val="tx1">
-                      <a:tint val="75000"/>
-                    </a:schemeClr>
-                  </a:solidFill>
-                  <a:latin typeface="+mn-lt"/>
-                  <a:ea typeface="+mn-ea"/>
-                  <a:cs typeface="+mn-cs"/>
-                </a:defRPr>
-              </a:lvl1pPr>
-              <a:lvl2pPr marL="457200" indent="0" algn="ctr" defTabSz="914400" rtl="0" eaLnBrk="1" latinLnBrk="0" hangingPunct="1">
-                <a:spcBef>
-                  <a:spcPct val="20000"/>
-                </a:spcBef>
-                <a:buFont typeface="Arial" pitchFamily="34" charset="0"/>
-                <a:buNone/>
-                <a:defRPr sz="2800" kern="1200">
-                  <a:solidFill>
-                    <a:schemeClr val="tx1">
-                      <a:tint val="75000"/>
-                    </a:schemeClr>
-                  </a:solidFill>
-                  <a:latin typeface="+mn-lt"/>
-                  <a:ea typeface="+mn-ea"/>
-                  <a:cs typeface="+mn-cs"/>
-                </a:defRPr>
-              </a:lvl2pPr>
-              <a:lvl3pPr marL="914400" indent="0" algn="ctr" defTabSz="914400" rtl="0" eaLnBrk="1" latinLnBrk="0" hangingPunct="1">
-                <a:spcBef>
-                  <a:spcPct val="20000"/>
-                </a:spcBef>
-                <a:buFont typeface="Arial" pitchFamily="34" charset="0"/>
-                <a:buNone/>
-                <a:defRPr sz="2400" kern="1200">
-                  <a:solidFill>
-                    <a:schemeClr val="tx1">
-                      <a:tint val="75000"/>
-                    </a:schemeClr>
-                  </a:solidFill>
-                  <a:latin typeface="+mn-lt"/>
-                  <a:ea typeface="+mn-ea"/>
-                  <a:cs typeface="+mn-cs"/>
-                </a:defRPr>
-              </a:lvl3pPr>
-              <a:lvl4pPr marL="1371600" indent="0" algn="ctr" defTabSz="914400" rtl="0" eaLnBrk="1" latinLnBrk="0" hangingPunct="1">
-                <a:spcBef>
-                  <a:spcPct val="20000"/>
-                </a:spcBef>
-                <a:buFont typeface="Arial" pitchFamily="34" charset="0"/>
-                <a:buNone/>
-                <a:defRPr sz="2000" kern="1200">
-                  <a:solidFill>
-                    <a:schemeClr val="tx1">
-                      <a:tint val="75000"/>
-                    </a:schemeClr>
-                  </a:solidFill>
-                  <a:latin typeface="+mn-lt"/>
-                  <a:ea typeface="+mn-ea"/>
-                  <a:cs typeface="+mn-cs"/>
-                </a:defRPr>
-              </a:lvl4pPr>
-              <a:lvl5pPr marL="1828800" indent="0" algn="ctr" defTabSz="914400" rtl="0" eaLnBrk="1" latinLnBrk="0" hangingPunct="1">
-                <a:spcBef>
-                  <a:spcPct val="20000"/>
-                </a:spcBef>
-                <a:buFont typeface="Arial" pitchFamily="34" charset="0"/>
-                <a:buNone/>
-                <a:defRPr sz="2000" kern="1200">
-                  <a:solidFill>
-                    <a:schemeClr val="tx1">
-                      <a:tint val="75000"/>
-                    </a:schemeClr>
-                  </a:solidFill>
-                  <a:latin typeface="+mn-lt"/>
-                  <a:ea typeface="+mn-ea"/>
-                  <a:cs typeface="+mn-cs"/>
-                </a:defRPr>
-              </a:lvl5pPr>
-              <a:lvl6pPr marL="2286000" indent="0" algn="ctr" defTabSz="914400" rtl="0" eaLnBrk="1" latinLnBrk="0" hangingPunct="1">
-                <a:spcBef>
-                  <a:spcPct val="20000"/>
-                </a:spcBef>
-                <a:buFont typeface="Arial" pitchFamily="34" charset="0"/>
-                <a:buNone/>
-                <a:defRPr sz="2000" kern="1200">
-                  <a:solidFill>
-                    <a:schemeClr val="tx1">
-                      <a:tint val="75000"/>
-                    </a:schemeClr>
-                  </a:solidFill>
-                  <a:latin typeface="+mn-lt"/>
-                  <a:ea typeface="+mn-ea"/>
-                  <a:cs typeface="+mn-cs"/>
-                </a:defRPr>
-              </a:lvl6pPr>
-              <a:lvl7pPr marL="2743200" indent="0" algn="ctr" defTabSz="914400" rtl="0" eaLnBrk="1" latinLnBrk="0" hangingPunct="1">
-                <a:spcBef>
-                  <a:spcPct val="20000"/>
-                </a:spcBef>
-                <a:buFont typeface="Arial" pitchFamily="34" charset="0"/>
-                <a:buNone/>
-                <a:defRPr sz="2000" kern="1200">
-                  <a:solidFill>
-                    <a:schemeClr val="tx1">
-                      <a:tint val="75000"/>
-                    </a:schemeClr>
-                  </a:solidFill>
-                  <a:latin typeface="+mn-lt"/>
-                  <a:ea typeface="+mn-ea"/>
-                  <a:cs typeface="+mn-cs"/>
-                </a:defRPr>
-              </a:lvl7pPr>
-              <a:lvl8pPr marL="3200400" indent="0" algn="ctr" defTabSz="914400" rtl="0" eaLnBrk="1" latinLnBrk="0" hangingPunct="1">
-                <a:spcBef>
-                  <a:spcPct val="20000"/>
-                </a:spcBef>
-                <a:buFont typeface="Arial" pitchFamily="34" charset="0"/>
-                <a:buNone/>
-                <a:defRPr sz="2000" kern="1200">
-                  <a:solidFill>
-                    <a:schemeClr val="tx1">
-                      <a:tint val="75000"/>
-                    </a:schemeClr>
-                  </a:solidFill>
-                  <a:latin typeface="+mn-lt"/>
-                  <a:ea typeface="+mn-ea"/>
-                  <a:cs typeface="+mn-cs"/>
-                </a:defRPr>
-              </a:lvl8pPr>
-              <a:lvl9pPr marL="3657600" indent="0" algn="ctr" defTabSz="914400" rtl="0" eaLnBrk="1" latinLnBrk="0" hangingPunct="1">
-                <a:spcBef>
-                  <a:spcPct val="20000"/>
-                </a:spcBef>
-                <a:buFont typeface="Arial" pitchFamily="34" charset="0"/>
-                <a:buNone/>
-                <a:defRPr sz="2000" kern="1200">
-                  <a:solidFill>
-                    <a:schemeClr val="tx1">
-                      <a:tint val="75000"/>
-                    </a:schemeClr>
-                  </a:solidFill>
-                  <a:latin typeface="+mn-lt"/>
-                  <a:ea typeface="+mn-ea"/>
-                  <a:cs typeface="+mn-cs"/>
-                </a:defRPr>
-              </a:lvl9pPr>
-            </a:lstStyle>
-            <a:p>
-              <a:r>
-                <a:rPr lang="en-US" sz="1600" dirty="0">
-                  <a:solidFill>
-                    <a:schemeClr val="tx1"/>
-                  </a:solidFill>
-                </a:rPr>
-                <a:t>RIGHT</a:t>
-              </a:r>
-            </a:p>
-          </p:txBody>
-        </p:sp>
-        <p:sp>
-          <p:nvSpPr>
-            <p:cNvPr id="13" name="Right Arrow 12"/>
-            <p:cNvSpPr/>
-            <p:nvPr/>
-          </p:nvSpPr>
-          <p:spPr>
-            <a:xfrm>
-              <a:off x="9637318" y="6391827"/>
-              <a:ext cx="640200" cy="289763"/>
-            </a:xfrm>
-            <a:prstGeom prst="rightArrow">
-              <a:avLst/>
-            </a:prstGeom>
-            <a:solidFill>
-              <a:schemeClr val="tx1"/>
-            </a:solidFill>
-            <a:ln>
-              <a:noFill/>
-            </a:ln>
-          </p:spPr>
-          <p:style>
-            <a:lnRef idx="1">
-              <a:schemeClr val="accent1"/>
-            </a:lnRef>
-            <a:fillRef idx="3">
-              <a:schemeClr val="accent1"/>
-            </a:fillRef>
-            <a:effectRef idx="2">
-              <a:schemeClr val="accent1"/>
-            </a:effectRef>
-            <a:fontRef idx="minor">
-              <a:schemeClr val="lt1"/>
-            </a:fontRef>
-          </p:style>
-          <p:txBody>
-            <a:bodyPr rtlCol="0" anchor="ctr"/>
-            <a:lstStyle/>
-            <a:p>
-              <a:pPr algn="ctr"/>
-              <a:endParaRPr lang="en-US"/>
-            </a:p>
-          </p:txBody>
-        </p:sp>
-      </p:grpSp>
-      <p:grpSp>
-        <p:nvGrpSpPr>
-          <p:cNvPr id="2" name="Group 1">
+          <a:prstGeom prst="rect">
+            <a:avLst/>
+          </a:prstGeom>
+        </p:spPr>
+        <p:txBody>
+          <a:bodyPr vert="horz" lIns="91440" tIns="45720" rIns="91440" bIns="45720" rtlCol="0">
+            <a:normAutofit/>
+          </a:bodyPr>
+          <a:lstStyle>
+            <a:lvl1pPr marL="0" indent="0" algn="ctr" defTabSz="914400" rtl="0" eaLnBrk="1" latinLnBrk="0" hangingPunct="1">
+              <a:spcBef>
+                <a:spcPct val="20000"/>
+              </a:spcBef>
+              <a:buFont typeface="Arial" pitchFamily="34" charset="0"/>
+              <a:buNone/>
+              <a:defRPr sz="3200" kern="1200">
+                <a:solidFill>
+                  <a:schemeClr val="tx1">
+                    <a:tint val="75000"/>
+                  </a:schemeClr>
+                </a:solidFill>
+                <a:latin typeface="+mn-lt"/>
+                <a:ea typeface="+mn-ea"/>
+                <a:cs typeface="+mn-cs"/>
+              </a:defRPr>
+            </a:lvl1pPr>
+            <a:lvl2pPr marL="457200" indent="0" algn="ctr" defTabSz="914400" rtl="0" eaLnBrk="1" latinLnBrk="0" hangingPunct="1">
+              <a:spcBef>
+                <a:spcPct val="20000"/>
+              </a:spcBef>
+              <a:buFont typeface="Arial" pitchFamily="34" charset="0"/>
+              <a:buNone/>
+              <a:defRPr sz="2800" kern="1200">
+                <a:solidFill>
+                  <a:schemeClr val="tx1">
+                    <a:tint val="75000"/>
+                  </a:schemeClr>
+                </a:solidFill>
+                <a:latin typeface="+mn-lt"/>
+                <a:ea typeface="+mn-ea"/>
+                <a:cs typeface="+mn-cs"/>
+              </a:defRPr>
+            </a:lvl2pPr>
+            <a:lvl3pPr marL="914400" indent="0" algn="ctr" defTabSz="914400" rtl="0" eaLnBrk="1" latinLnBrk="0" hangingPunct="1">
+              <a:spcBef>
+                <a:spcPct val="20000"/>
+              </a:spcBef>
+              <a:buFont typeface="Arial" pitchFamily="34" charset="0"/>
+              <a:buNone/>
+              <a:defRPr sz="2400" kern="1200">
+                <a:solidFill>
+                  <a:schemeClr val="tx1">
+                    <a:tint val="75000"/>
+                  </a:schemeClr>
+                </a:solidFill>
+                <a:latin typeface="+mn-lt"/>
+                <a:ea typeface="+mn-ea"/>
+                <a:cs typeface="+mn-cs"/>
+              </a:defRPr>
+            </a:lvl3pPr>
+            <a:lvl4pPr marL="1371600" indent="0" algn="ctr" defTabSz="914400" rtl="0" eaLnBrk="1" latinLnBrk="0" hangingPunct="1">
+              <a:spcBef>
+                <a:spcPct val="20000"/>
+              </a:spcBef>
+              <a:buFont typeface="Arial" pitchFamily="34" charset="0"/>
+              <a:buNone/>
+              <a:defRPr sz="2000" kern="1200">
+                <a:solidFill>
+                  <a:schemeClr val="tx1">
+                    <a:tint val="75000"/>
+                  </a:schemeClr>
+                </a:solidFill>
+                <a:latin typeface="+mn-lt"/>
+                <a:ea typeface="+mn-ea"/>
+                <a:cs typeface="+mn-cs"/>
+              </a:defRPr>
+            </a:lvl4pPr>
+            <a:lvl5pPr marL="1828800" indent="0" algn="ctr" defTabSz="914400" rtl="0" eaLnBrk="1" latinLnBrk="0" hangingPunct="1">
+              <a:spcBef>
+                <a:spcPct val="20000"/>
+              </a:spcBef>
+              <a:buFont typeface="Arial" pitchFamily="34" charset="0"/>
+              <a:buNone/>
+              <a:defRPr sz="2000" kern="1200">
+                <a:solidFill>
+                  <a:schemeClr val="tx1">
+                    <a:tint val="75000"/>
+                  </a:schemeClr>
+                </a:solidFill>
+                <a:latin typeface="+mn-lt"/>
+                <a:ea typeface="+mn-ea"/>
+                <a:cs typeface="+mn-cs"/>
+              </a:defRPr>
+            </a:lvl5pPr>
+            <a:lvl6pPr marL="2286000" indent="0" algn="ctr" defTabSz="914400" rtl="0" eaLnBrk="1" latinLnBrk="0" hangingPunct="1">
+              <a:spcBef>
+                <a:spcPct val="20000"/>
+              </a:spcBef>
+              <a:buFont typeface="Arial" pitchFamily="34" charset="0"/>
+              <a:buNone/>
+              <a:defRPr sz="2000" kern="1200">
+                <a:solidFill>
+                  <a:schemeClr val="tx1">
+                    <a:tint val="75000"/>
+                  </a:schemeClr>
+                </a:solidFill>
+                <a:latin typeface="+mn-lt"/>
+                <a:ea typeface="+mn-ea"/>
+                <a:cs typeface="+mn-cs"/>
+              </a:defRPr>
+            </a:lvl6pPr>
+            <a:lvl7pPr marL="2743200" indent="0" algn="ctr" defTabSz="914400" rtl="0" eaLnBrk="1" latinLnBrk="0" hangingPunct="1">
+              <a:spcBef>
+                <a:spcPct val="20000"/>
+              </a:spcBef>
+              <a:buFont typeface="Arial" pitchFamily="34" charset="0"/>
+              <a:buNone/>
+              <a:defRPr sz="2000" kern="1200">
+                <a:solidFill>
+                  <a:schemeClr val="tx1">
+                    <a:tint val="75000"/>
+                  </a:schemeClr>
+                </a:solidFill>
+                <a:latin typeface="+mn-lt"/>
+                <a:ea typeface="+mn-ea"/>
+                <a:cs typeface="+mn-cs"/>
+              </a:defRPr>
+            </a:lvl7pPr>
+            <a:lvl8pPr marL="3200400" indent="0" algn="ctr" defTabSz="914400" rtl="0" eaLnBrk="1" latinLnBrk="0" hangingPunct="1">
+              <a:spcBef>
+                <a:spcPct val="20000"/>
+              </a:spcBef>
+              <a:buFont typeface="Arial" pitchFamily="34" charset="0"/>
+              <a:buNone/>
+              <a:defRPr sz="2000" kern="1200">
+                <a:solidFill>
+                  <a:schemeClr val="tx1">
+                    <a:tint val="75000"/>
+                  </a:schemeClr>
+                </a:solidFill>
+                <a:latin typeface="+mn-lt"/>
+                <a:ea typeface="+mn-ea"/>
+                <a:cs typeface="+mn-cs"/>
+              </a:defRPr>
+            </a:lvl8pPr>
+            <a:lvl9pPr marL="3657600" indent="0" algn="ctr" defTabSz="914400" rtl="0" eaLnBrk="1" latinLnBrk="0" hangingPunct="1">
+              <a:spcBef>
+                <a:spcPct val="20000"/>
+              </a:spcBef>
+              <a:buFont typeface="Arial" pitchFamily="34" charset="0"/>
+              <a:buNone/>
+              <a:defRPr sz="2000" kern="1200">
+                <a:solidFill>
+                  <a:schemeClr val="tx1">
+                    <a:tint val="75000"/>
+                  </a:schemeClr>
+                </a:solidFill>
+                <a:latin typeface="+mn-lt"/>
+                <a:ea typeface="+mn-ea"/>
+                <a:cs typeface="+mn-cs"/>
+              </a:defRPr>
+            </a:lvl9pPr>
+          </a:lstStyle>
+          <a:p>
+            <a:r>
+              <a:rPr lang="en-US" sz="1600" dirty="0">
+                <a:solidFill>
+                  <a:schemeClr val="tx1"/>
+                </a:solidFill>
+              </a:rPr>
+              <a:t>RIGHT</a:t>
+            </a:r>
+          </a:p>
+        </p:txBody>
+      </p:sp>
+      <p:sp>
+        <p:nvSpPr>
+          <p:cNvPr id="9" name="Right Arrow 8">
             <a:extLst>
               <a:ext uri="{FF2B5EF4-FFF2-40B4-BE49-F238E27FC236}">
-                <a16:creationId xmlns:a16="http://schemas.microsoft.com/office/drawing/2014/main" id="{AA46F24B-2D49-DD49-9C8F-AF2700199661}"/>
+                <a16:creationId xmlns:a16="http://schemas.microsoft.com/office/drawing/2014/main" id="{ECC5C2B7-F559-DC43-B8E3-A629B8848CFA}"/>
               </a:ext>
             </a:extLst>
           </p:cNvPr>
-          <p:cNvGrpSpPr/>
+          <p:cNvSpPr/>
           <p:nvPr/>
-        </p:nvGrpSpPr>
-        <p:grpSpPr>
+        </p:nvSpPr>
+        <p:spPr>
           <a:xfrm>
-            <a:off x="2313771" y="6175196"/>
-            <a:ext cx="726263" cy="506769"/>
-            <a:chOff x="2141031" y="6174821"/>
-            <a:chExt cx="726263" cy="506769"/>
+            <a:off x="9143283" y="3644440"/>
+            <a:ext cx="1258017" cy="631765"/>
           </a:xfrm>
-        </p:grpSpPr>
-        <p:sp>
-          <p:nvSpPr>
-            <p:cNvPr id="7" name="Subtitle 8">
-              <a:extLst>
-                <a:ext uri="{FF2B5EF4-FFF2-40B4-BE49-F238E27FC236}">
-                  <a16:creationId xmlns:a16="http://schemas.microsoft.com/office/drawing/2014/main" id="{DAC72EF1-EE4E-1D4A-A850-38DA96C5BD0D}"/>
-                </a:ext>
-              </a:extLst>
-            </p:cNvPr>
-            <p:cNvSpPr txBox="1">
-              <a:spLocks/>
-            </p:cNvSpPr>
-            <p:nvPr/>
-          </p:nvSpPr>
-          <p:spPr>
-            <a:xfrm>
-              <a:off x="2227094" y="6174821"/>
-              <a:ext cx="640200" cy="317983"/>
-            </a:xfrm>
-            <a:prstGeom prst="rect">
-              <a:avLst/>
-            </a:prstGeom>
-          </p:spPr>
-          <p:txBody>
-            <a:bodyPr vert="horz" lIns="91440" tIns="45720" rIns="91440" bIns="45720" rtlCol="0">
-              <a:normAutofit lnSpcReduction="10000"/>
-            </a:bodyPr>
-            <a:lstStyle>
-              <a:lvl1pPr marL="0" indent="0" algn="ctr" defTabSz="914400" rtl="0" eaLnBrk="1" latinLnBrk="0" hangingPunct="1">
-                <a:spcBef>
-                  <a:spcPct val="20000"/>
-                </a:spcBef>
-                <a:buFont typeface="Arial" pitchFamily="34" charset="0"/>
-                <a:buNone/>
-                <a:defRPr sz="3200" kern="1200">
-                  <a:solidFill>
-                    <a:schemeClr val="tx1">
-                      <a:tint val="75000"/>
-                    </a:schemeClr>
-                  </a:solidFill>
-                  <a:latin typeface="+mn-lt"/>
-                  <a:ea typeface="+mn-ea"/>
-                  <a:cs typeface="+mn-cs"/>
-                </a:defRPr>
-              </a:lvl1pPr>
-              <a:lvl2pPr marL="457200" indent="0" algn="ctr" defTabSz="914400" rtl="0" eaLnBrk="1" latinLnBrk="0" hangingPunct="1">
-                <a:spcBef>
-                  <a:spcPct val="20000"/>
-                </a:spcBef>
-                <a:buFont typeface="Arial" pitchFamily="34" charset="0"/>
-                <a:buNone/>
-                <a:defRPr sz="2800" kern="1200">
-                  <a:solidFill>
-                    <a:schemeClr val="tx1">
-                      <a:tint val="75000"/>
-                    </a:schemeClr>
-                  </a:solidFill>
-                  <a:latin typeface="+mn-lt"/>
-                  <a:ea typeface="+mn-ea"/>
-                  <a:cs typeface="+mn-cs"/>
-                </a:defRPr>
-              </a:lvl2pPr>
-              <a:lvl3pPr marL="914400" indent="0" algn="ctr" defTabSz="914400" rtl="0" eaLnBrk="1" latinLnBrk="0" hangingPunct="1">
-                <a:spcBef>
-                  <a:spcPct val="20000"/>
-                </a:spcBef>
-                <a:buFont typeface="Arial" pitchFamily="34" charset="0"/>
-                <a:buNone/>
-                <a:defRPr sz="2400" kern="1200">
-                  <a:solidFill>
-                    <a:schemeClr val="tx1">
-                      <a:tint val="75000"/>
-                    </a:schemeClr>
-                  </a:solidFill>
-                  <a:latin typeface="+mn-lt"/>
-                  <a:ea typeface="+mn-ea"/>
-                  <a:cs typeface="+mn-cs"/>
-                </a:defRPr>
-              </a:lvl3pPr>
-              <a:lvl4pPr marL="1371600" indent="0" algn="ctr" defTabSz="914400" rtl="0" eaLnBrk="1" latinLnBrk="0" hangingPunct="1">
-                <a:spcBef>
-                  <a:spcPct val="20000"/>
-                </a:spcBef>
-                <a:buFont typeface="Arial" pitchFamily="34" charset="0"/>
-                <a:buNone/>
-                <a:defRPr sz="2000" kern="1200">
-                  <a:solidFill>
-                    <a:schemeClr val="tx1">
-                      <a:tint val="75000"/>
-                    </a:schemeClr>
-                  </a:solidFill>
-                  <a:latin typeface="+mn-lt"/>
-                  <a:ea typeface="+mn-ea"/>
-                  <a:cs typeface="+mn-cs"/>
-                </a:defRPr>
-              </a:lvl4pPr>
-              <a:lvl5pPr marL="1828800" indent="0" algn="ctr" defTabSz="914400" rtl="0" eaLnBrk="1" latinLnBrk="0" hangingPunct="1">
-                <a:spcBef>
-                  <a:spcPct val="20000"/>
-                </a:spcBef>
-                <a:buFont typeface="Arial" pitchFamily="34" charset="0"/>
-                <a:buNone/>
-                <a:defRPr sz="2000" kern="1200">
-                  <a:solidFill>
-                    <a:schemeClr val="tx1">
-                      <a:tint val="75000"/>
-                    </a:schemeClr>
-                  </a:solidFill>
-                  <a:latin typeface="+mn-lt"/>
-                  <a:ea typeface="+mn-ea"/>
-                  <a:cs typeface="+mn-cs"/>
-                </a:defRPr>
-              </a:lvl5pPr>
-              <a:lvl6pPr marL="2286000" indent="0" algn="ctr" defTabSz="914400" rtl="0" eaLnBrk="1" latinLnBrk="0" hangingPunct="1">
-                <a:spcBef>
-                  <a:spcPct val="20000"/>
-                </a:spcBef>
-                <a:buFont typeface="Arial" pitchFamily="34" charset="0"/>
-                <a:buNone/>
-                <a:defRPr sz="2000" kern="1200">
-                  <a:solidFill>
-                    <a:schemeClr val="tx1">
-                      <a:tint val="75000"/>
-                    </a:schemeClr>
-                  </a:solidFill>
-                  <a:latin typeface="+mn-lt"/>
-                  <a:ea typeface="+mn-ea"/>
-                  <a:cs typeface="+mn-cs"/>
-                </a:defRPr>
-              </a:lvl6pPr>
-              <a:lvl7pPr marL="2743200" indent="0" algn="ctr" defTabSz="914400" rtl="0" eaLnBrk="1" latinLnBrk="0" hangingPunct="1">
-                <a:spcBef>
-                  <a:spcPct val="20000"/>
-                </a:spcBef>
-                <a:buFont typeface="Arial" pitchFamily="34" charset="0"/>
-                <a:buNone/>
-                <a:defRPr sz="2000" kern="1200">
-                  <a:solidFill>
-                    <a:schemeClr val="tx1">
-                      <a:tint val="75000"/>
-                    </a:schemeClr>
-                  </a:solidFill>
-                  <a:latin typeface="+mn-lt"/>
-                  <a:ea typeface="+mn-ea"/>
-                  <a:cs typeface="+mn-cs"/>
-                </a:defRPr>
-              </a:lvl7pPr>
-              <a:lvl8pPr marL="3200400" indent="0" algn="ctr" defTabSz="914400" rtl="0" eaLnBrk="1" latinLnBrk="0" hangingPunct="1">
-                <a:spcBef>
-                  <a:spcPct val="20000"/>
-                </a:spcBef>
-                <a:buFont typeface="Arial" pitchFamily="34" charset="0"/>
-                <a:buNone/>
-                <a:defRPr sz="2000" kern="1200">
-                  <a:solidFill>
-                    <a:schemeClr val="tx1">
-                      <a:tint val="75000"/>
-                    </a:schemeClr>
-                  </a:solidFill>
-                  <a:latin typeface="+mn-lt"/>
-                  <a:ea typeface="+mn-ea"/>
-                  <a:cs typeface="+mn-cs"/>
-                </a:defRPr>
-              </a:lvl8pPr>
-              <a:lvl9pPr marL="3657600" indent="0" algn="ctr" defTabSz="914400" rtl="0" eaLnBrk="1" latinLnBrk="0" hangingPunct="1">
-                <a:spcBef>
-                  <a:spcPct val="20000"/>
-                </a:spcBef>
-                <a:buFont typeface="Arial" pitchFamily="34" charset="0"/>
-                <a:buNone/>
-                <a:defRPr sz="2000" kern="1200">
-                  <a:solidFill>
-                    <a:schemeClr val="tx1">
-                      <a:tint val="75000"/>
-                    </a:schemeClr>
-                  </a:solidFill>
-                  <a:latin typeface="+mn-lt"/>
-                  <a:ea typeface="+mn-ea"/>
-                  <a:cs typeface="+mn-cs"/>
-                </a:defRPr>
-              </a:lvl9pPr>
-            </a:lstStyle>
-            <a:p>
-              <a:r>
-                <a:rPr lang="en-US" sz="1600" dirty="0">
-                  <a:solidFill>
-                    <a:schemeClr val="tx1"/>
-                  </a:solidFill>
-                </a:rPr>
-                <a:t>LEFT</a:t>
-              </a:r>
-            </a:p>
-          </p:txBody>
-        </p:sp>
-        <p:sp>
-          <p:nvSpPr>
-            <p:cNvPr id="8" name="Right Arrow 7">
-              <a:extLst>
-                <a:ext uri="{FF2B5EF4-FFF2-40B4-BE49-F238E27FC236}">
-                  <a16:creationId xmlns:a16="http://schemas.microsoft.com/office/drawing/2014/main" id="{893F26E4-C6FE-2849-B181-8F83F8ED0AD3}"/>
-                </a:ext>
-              </a:extLst>
-            </p:cNvPr>
-            <p:cNvSpPr/>
-            <p:nvPr/>
-          </p:nvSpPr>
-          <p:spPr>
-            <a:xfrm rot="10800000">
-              <a:off x="2141031" y="6391827"/>
-              <a:ext cx="640200" cy="289763"/>
-            </a:xfrm>
-            <a:prstGeom prst="rightArrow">
-              <a:avLst/>
-            </a:prstGeom>
-            <a:solidFill>
-              <a:schemeClr val="tx1"/>
-            </a:solidFill>
-            <a:ln>
-              <a:noFill/>
-            </a:ln>
-          </p:spPr>
-          <p:style>
-            <a:lnRef idx="1">
-              <a:schemeClr val="accent1"/>
-            </a:lnRef>
-            <a:fillRef idx="3">
-              <a:schemeClr val="accent1"/>
-            </a:fillRef>
-            <a:effectRef idx="2">
-              <a:schemeClr val="accent1"/>
-            </a:effectRef>
-            <a:fontRef idx="minor">
-              <a:schemeClr val="lt1"/>
-            </a:fontRef>
-          </p:style>
-          <p:txBody>
-            <a:bodyPr rtlCol="0" anchor="ctr"/>
-            <a:lstStyle/>
-            <a:p>
-              <a:pPr algn="ctr"/>
-              <a:endParaRPr lang="en-US"/>
-            </a:p>
-          </p:txBody>
-        </p:sp>
-      </p:grpSp>
+          <a:prstGeom prst="rightArrow">
+            <a:avLst/>
+          </a:prstGeom>
+          <a:solidFill>
+            <a:schemeClr val="tx1"/>
+          </a:solidFill>
+          <a:ln>
+            <a:noFill/>
+          </a:ln>
+        </p:spPr>
+        <p:style>
+          <a:lnRef idx="1">
+            <a:schemeClr val="accent1"/>
+          </a:lnRef>
+          <a:fillRef idx="3">
+            <a:schemeClr val="accent1"/>
+          </a:fillRef>
+          <a:effectRef idx="2">
+            <a:schemeClr val="accent1"/>
+          </a:effectRef>
+          <a:fontRef idx="minor">
+            <a:schemeClr val="lt1"/>
+          </a:fontRef>
+        </p:style>
+        <p:txBody>
+          <a:bodyPr rtlCol="0" anchor="ctr"/>
+          <a:lstStyle/>
+          <a:p>
+            <a:pPr algn="ctr"/>
+            <a:endParaRPr lang="en-US"/>
+          </a:p>
+        </p:txBody>
+      </p:sp>
     </p:spTree>
     <p:extLst>
       <p:ext uri="{BB962C8B-B14F-4D97-AF65-F5344CB8AC3E}">
-        <p14:creationId xmlns:p14="http://schemas.microsoft.com/office/powerpoint/2010/main" val="609079472"/>
+        <p14:creationId xmlns:p14="http://schemas.microsoft.com/office/powerpoint/2010/main" val="379218166"/>
       </p:ext>
     </p:extLst>
   </p:cSld>
@@ -13752,7 +17568,7 @@
         <p:spPr>
           <a:xfrm>
             <a:off x="840890" y="727842"/>
-            <a:ext cx="10510220" cy="4406499"/>
+            <a:ext cx="10510220" cy="5063068"/>
           </a:xfrm>
         </p:spPr>
         <p:txBody>
@@ -13766,7 +17582,46 @@
             </a:pPr>
             <a:r>
               <a:rPr lang="en-US" dirty="0"/>
-              <a:t>At some of the smaller events, there will be 4 people to meet. At other larger events, there will be 8 people to meet. But remember that you may not get to meet all of them. Once you choose a person to go on a date with, you will not get to meet the others attending that event. Also, if everyone else gets chosen, you will not get to meet the others and you will leave the event alone.</a:t>
+              <a:t>At some of the smaller events, there will be 4 people to meet. At other larger events, there will be 8 people to meet. </a:t>
+            </a:r>
+          </a:p>
+          <a:p>
+            <a:pPr marL="0" indent="0">
+              <a:buNone/>
+            </a:pPr>
+            <a:endParaRPr lang="en-US" dirty="0"/>
+          </a:p>
+          <a:p>
+            <a:pPr marL="0" indent="0">
+              <a:buNone/>
+            </a:pPr>
+            <a:r>
+              <a:rPr lang="en-US" dirty="0"/>
+              <a:t>But remember that you may not get to meet all of them. </a:t>
+            </a:r>
+          </a:p>
+          <a:p>
+            <a:pPr marL="0" indent="0">
+              <a:buNone/>
+            </a:pPr>
+            <a:endParaRPr lang="en-US" dirty="0"/>
+          </a:p>
+          <a:p>
+            <a:pPr marL="0" indent="0">
+              <a:buNone/>
+            </a:pPr>
+            <a:r>
+              <a:rPr lang="en-US" dirty="0"/>
+              <a:t>Once you choose a person to go on a date with, you will not get to meet the others attending that event. </a:t>
+            </a:r>
+          </a:p>
+          <a:p>
+            <a:pPr marL="0" indent="0">
+              <a:buNone/>
+            </a:pPr>
+            <a:r>
+              <a:rPr lang="en-US" dirty="0"/>
+              <a:t>Also, if everyone else gets chosen, you will not get to meet the others and you will leave the event alone.</a:t>
             </a:r>
           </a:p>
           <a:p>
@@ -14499,8 +18354,8 @@
         </p:nvSpPr>
         <p:spPr>
           <a:xfrm>
-            <a:off x="779418" y="336457"/>
-            <a:ext cx="10510220" cy="5268277"/>
+            <a:off x="779418" y="548640"/>
+            <a:ext cx="10510220" cy="5056094"/>
           </a:xfrm>
         </p:spPr>
         <p:txBody>
@@ -14513,36 +18368,54 @@
               <a:buNone/>
             </a:pPr>
             <a:r>
-              <a:rPr lang="en-US" dirty="0"/>
-              <a:t>To be successful at finding a romantic partner, you will want to schedule as many dates as you can. Remember, just because a person matches what you’re looking for, this doesn’t guarantee that you match what they’re looking for. </a:t>
+              <a:rPr lang="en-US" sz="2800" dirty="0"/>
+              <a:t>To be successful at finding a romantic partner, you will want to schedule as many dates as you can. </a:t>
             </a:r>
-          </a:p>
-          <a:p>
-            <a:pPr marL="0" indent="0">
-              <a:buNone/>
-            </a:pPr>
-            <a:endParaRPr lang="en-US" dirty="0"/>
           </a:p>
           <a:p>
             <a:pPr marL="0" indent="0">
               <a:buNone/>
             </a:pPr>
             <a:r>
-              <a:rPr lang="en-US" dirty="0"/>
-              <a:t>On the other hand, while you don’t want to end up alone, you also need to consider how well each person matches your preferences. If you’re too selective, you may not find someone who shows the same interest. But if you’re not selective enough, you might end up unsatisfied.</a:t>
+              <a:rPr lang="en-US" sz="2800" dirty="0"/>
+              <a:t>Remember, just because a person matches what you’re looking for, this doesn’t guarantee that you match what they’re looking for. </a:t>
             </a:r>
           </a:p>
           <a:p>
             <a:pPr marL="0" indent="0">
               <a:buNone/>
             </a:pPr>
-            <a:endParaRPr lang="en-US" dirty="0"/>
+            <a:endParaRPr lang="en-US" sz="2800" dirty="0"/>
           </a:p>
           <a:p>
             <a:pPr marL="0" indent="0">
               <a:buNone/>
             </a:pPr>
-            <a:endParaRPr lang="en-US" dirty="0"/>
+            <a:r>
+              <a:rPr lang="en-US" sz="2800" dirty="0"/>
+              <a:t>On the other hand, while you don’t want to end up alone, you also need to consider how well each person matches your preferences. </a:t>
+            </a:r>
+          </a:p>
+          <a:p>
+            <a:pPr marL="0" indent="0">
+              <a:buNone/>
+            </a:pPr>
+            <a:r>
+              <a:rPr lang="en-US" sz="2800" dirty="0"/>
+              <a:t>If you’re too selective, you may not find someone who shows the same interest. But if you’re not selective enough, you might end up unsatisfied.</a:t>
+            </a:r>
+          </a:p>
+          <a:p>
+            <a:pPr marL="0" indent="0">
+              <a:buNone/>
+            </a:pPr>
+            <a:endParaRPr lang="en-US" sz="2800" dirty="0"/>
+          </a:p>
+          <a:p>
+            <a:pPr marL="0" indent="0">
+              <a:buNone/>
+            </a:pPr>
+            <a:endParaRPr lang="en-US" sz="2800" dirty="0"/>
           </a:p>
         </p:txBody>
       </p:sp>
@@ -15187,8 +19060,8 @@
         </p:nvSpPr>
         <p:spPr>
           <a:xfrm>
-            <a:off x="840890" y="768381"/>
-            <a:ext cx="10510220" cy="1463040"/>
+            <a:off x="840890" y="768380"/>
+            <a:ext cx="10510220" cy="1891703"/>
           </a:xfrm>
         </p:spPr>
         <p:txBody>
@@ -15202,7 +19075,16 @@
             </a:pPr>
             <a:r>
               <a:rPr lang="en-US" dirty="0"/>
-              <a:t>Each speed dating event will display a silhouette for every person that is attending. For example, the event below has 4 others attending.</a:t>
+              <a:t>Each speed dating event will display a silhouette for every person that is attending. </a:t>
+            </a:r>
+          </a:p>
+          <a:p>
+            <a:pPr marL="0" indent="0">
+              <a:buNone/>
+            </a:pPr>
+            <a:r>
+              <a:rPr lang="en-US" dirty="0"/>
+              <a:t>For example, the event below has 4 others attending.</a:t>
             </a:r>
           </a:p>
           <a:p>
@@ -15798,6 +19680,94 @@
           </p:txBody>
         </p:sp>
       </p:grpSp>
+      <p:pic>
+        <p:nvPicPr>
+          <p:cNvPr id="3" name="Picture 2" descr="Graphical user interface, application&#10;&#10;Description automatically generated">
+            <a:extLst>
+              <a:ext uri="{FF2B5EF4-FFF2-40B4-BE49-F238E27FC236}">
+                <a16:creationId xmlns:a16="http://schemas.microsoft.com/office/drawing/2014/main" id="{8E621E4F-6AC9-CC4E-9CD5-AA30289F005B}"/>
+              </a:ext>
+            </a:extLst>
+          </p:cNvPr>
+          <p:cNvPicPr>
+            <a:picLocks noChangeAspect="1"/>
+          </p:cNvPicPr>
+          <p:nvPr/>
+        </p:nvPicPr>
+        <p:blipFill rotWithShape="1">
+          <a:blip r:embed="rId3"/>
+          <a:srcRect l="15336" t="5490" r="20662" b="55830"/>
+          <a:stretch/>
+        </p:blipFill>
+        <p:spPr>
+          <a:xfrm>
+            <a:off x="3546437" y="2981462"/>
+            <a:ext cx="5099126" cy="1836678"/>
+          </a:xfrm>
+          <a:prstGeom prst="rect">
+            <a:avLst/>
+          </a:prstGeom>
+        </p:spPr>
+      </p:pic>
+      <p:pic>
+        <p:nvPicPr>
+          <p:cNvPr id="5" name="Picture 4" descr="Icon&#10;&#10;Description automatically generated">
+            <a:extLst>
+              <a:ext uri="{FF2B5EF4-FFF2-40B4-BE49-F238E27FC236}">
+                <a16:creationId xmlns:a16="http://schemas.microsoft.com/office/drawing/2014/main" id="{01C08781-C553-F74B-8B16-21F9BD0DC057}"/>
+              </a:ext>
+            </a:extLst>
+          </p:cNvPr>
+          <p:cNvPicPr>
+            <a:picLocks noChangeAspect="1"/>
+          </p:cNvPicPr>
+          <p:nvPr/>
+        </p:nvPicPr>
+        <p:blipFill>
+          <a:blip r:embed="rId4"/>
+          <a:stretch>
+            <a:fillRect/>
+          </a:stretch>
+        </p:blipFill>
+        <p:spPr>
+          <a:xfrm>
+            <a:off x="4975157" y="3298341"/>
+            <a:ext cx="1172359" cy="1284013"/>
+          </a:xfrm>
+          <a:prstGeom prst="rect">
+            <a:avLst/>
+          </a:prstGeom>
+        </p:spPr>
+      </p:pic>
+      <p:pic>
+        <p:nvPicPr>
+          <p:cNvPr id="16" name="Picture 15" descr="Graphical user interface, application&#10;&#10;Description automatically generated">
+            <a:extLst>
+              <a:ext uri="{FF2B5EF4-FFF2-40B4-BE49-F238E27FC236}">
+                <a16:creationId xmlns:a16="http://schemas.microsoft.com/office/drawing/2014/main" id="{61611005-750D-6E4C-8D3F-FAB4FB9DFE9F}"/>
+              </a:ext>
+            </a:extLst>
+          </p:cNvPr>
+          <p:cNvPicPr>
+            <a:picLocks noChangeAspect="1"/>
+          </p:cNvPicPr>
+          <p:nvPr/>
+        </p:nvPicPr>
+        <p:blipFill rotWithShape="1">
+          <a:blip r:embed="rId5"/>
+          <a:srcRect l="13023" t="23939" r="50351" b="71747"/>
+          <a:stretch/>
+        </p:blipFill>
+        <p:spPr>
+          <a:xfrm>
+            <a:off x="4125542" y="3053965"/>
+            <a:ext cx="4272870" cy="375035"/>
+          </a:xfrm>
+          <a:prstGeom prst="rect">
+            <a:avLst/>
+          </a:prstGeom>
+        </p:spPr>
+      </p:pic>
     </p:spTree>
     <p:extLst>
       <p:ext uri="{BB962C8B-B14F-4D97-AF65-F5344CB8AC3E}">
@@ -15871,110 +19841,6 @@
               <a:rPr lang="en-US" dirty="0"/>
               <a:t>This event instead has 8 others attending.</a:t>
             </a:r>
-          </a:p>
-        </p:txBody>
-      </p:sp>
-      <p:sp>
-        <p:nvSpPr>
-          <p:cNvPr id="8" name="Rectangle 7">
-            <a:extLst>
-              <a:ext uri="{FF2B5EF4-FFF2-40B4-BE49-F238E27FC236}">
-                <a16:creationId xmlns:a16="http://schemas.microsoft.com/office/drawing/2014/main" id="{3464CC27-B5BB-FE42-851A-061B1EF6CA81}"/>
-              </a:ext>
-            </a:extLst>
-          </p:cNvPr>
-          <p:cNvSpPr/>
-          <p:nvPr/>
-        </p:nvSpPr>
-        <p:spPr>
-          <a:xfrm>
-            <a:off x="3992880" y="4445236"/>
-            <a:ext cx="4206240" cy="973959"/>
-          </a:xfrm>
-          <a:prstGeom prst="rect">
-            <a:avLst/>
-          </a:prstGeom>
-          <a:solidFill>
-            <a:schemeClr val="bg1"/>
-          </a:solidFill>
-          <a:ln>
-            <a:noFill/>
-          </a:ln>
-        </p:spPr>
-        <p:style>
-          <a:lnRef idx="2">
-            <a:schemeClr val="accent1">
-              <a:shade val="50000"/>
-            </a:schemeClr>
-          </a:lnRef>
-          <a:fillRef idx="1">
-            <a:schemeClr val="accent1"/>
-          </a:fillRef>
-          <a:effectRef idx="0">
-            <a:schemeClr val="accent1"/>
-          </a:effectRef>
-          <a:fontRef idx="minor">
-            <a:schemeClr val="lt1"/>
-          </a:fontRef>
-        </p:style>
-        <p:txBody>
-          <a:bodyPr rtlCol="0" anchor="ctr"/>
-          <a:lstStyle/>
-          <a:p>
-            <a:pPr algn="ctr"/>
-            <a:endParaRPr lang="en-US"/>
-          </a:p>
-        </p:txBody>
-      </p:sp>
-      <p:sp>
-        <p:nvSpPr>
-          <p:cNvPr id="16" name="Rectangle 15">
-            <a:extLst>
-              <a:ext uri="{FF2B5EF4-FFF2-40B4-BE49-F238E27FC236}">
-                <a16:creationId xmlns:a16="http://schemas.microsoft.com/office/drawing/2014/main" id="{3BA95B9C-908A-3942-9905-DA59738A2007}"/>
-              </a:ext>
-            </a:extLst>
-          </p:cNvPr>
-          <p:cNvSpPr/>
-          <p:nvPr/>
-        </p:nvSpPr>
-        <p:spPr>
-          <a:xfrm>
-            <a:off x="7672815" y="2443842"/>
-            <a:ext cx="351046" cy="276498"/>
-          </a:xfrm>
-          <a:prstGeom prst="rect">
-            <a:avLst/>
-          </a:prstGeom>
-          <a:solidFill>
-            <a:schemeClr val="bg1"/>
-          </a:solidFill>
-          <a:ln>
-            <a:noFill/>
-          </a:ln>
-        </p:spPr>
-        <p:style>
-          <a:lnRef idx="2">
-            <a:schemeClr val="accent1">
-              <a:shade val="50000"/>
-            </a:schemeClr>
-          </a:lnRef>
-          <a:fillRef idx="1">
-            <a:schemeClr val="accent1"/>
-          </a:fillRef>
-          <a:effectRef idx="0">
-            <a:schemeClr val="accent1"/>
-          </a:effectRef>
-          <a:fontRef idx="minor">
-            <a:schemeClr val="lt1"/>
-          </a:fontRef>
-        </p:style>
-        <p:txBody>
-          <a:bodyPr rtlCol="0" anchor="ctr"/>
-          <a:lstStyle/>
-          <a:p>
-            <a:pPr algn="ctr"/>
-            <a:endParaRPr lang="en-US"/>
           </a:p>
         </p:txBody>
       </p:sp>
@@ -16563,6 +20429,116 @@
           </p:txBody>
         </p:sp>
       </p:grpSp>
+      <p:sp>
+        <p:nvSpPr>
+          <p:cNvPr id="22" name="Rectangle 21">
+            <a:extLst>
+              <a:ext uri="{FF2B5EF4-FFF2-40B4-BE49-F238E27FC236}">
+                <a16:creationId xmlns:a16="http://schemas.microsoft.com/office/drawing/2014/main" id="{A16C7A9F-9658-BC44-AD6C-EA189B9D7E52}"/>
+              </a:ext>
+            </a:extLst>
+          </p:cNvPr>
+          <p:cNvSpPr/>
+          <p:nvPr/>
+        </p:nvSpPr>
+        <p:spPr>
+          <a:xfrm>
+            <a:off x="7672815" y="3522659"/>
+            <a:ext cx="351046" cy="276498"/>
+          </a:xfrm>
+          <a:prstGeom prst="rect">
+            <a:avLst/>
+          </a:prstGeom>
+          <a:solidFill>
+            <a:schemeClr val="bg1"/>
+          </a:solidFill>
+          <a:ln>
+            <a:noFill/>
+          </a:ln>
+        </p:spPr>
+        <p:style>
+          <a:lnRef idx="2">
+            <a:schemeClr val="accent1">
+              <a:shade val="50000"/>
+            </a:schemeClr>
+          </a:lnRef>
+          <a:fillRef idx="1">
+            <a:schemeClr val="accent1"/>
+          </a:fillRef>
+          <a:effectRef idx="0">
+            <a:schemeClr val="accent1"/>
+          </a:effectRef>
+          <a:fontRef idx="minor">
+            <a:schemeClr val="lt1"/>
+          </a:fontRef>
+        </p:style>
+        <p:txBody>
+          <a:bodyPr rtlCol="0" anchor="ctr"/>
+          <a:lstStyle/>
+          <a:p>
+            <a:pPr algn="ctr"/>
+            <a:endParaRPr lang="en-US"/>
+          </a:p>
+        </p:txBody>
+      </p:sp>
+      <p:pic>
+        <p:nvPicPr>
+          <p:cNvPr id="23" name="Picture 22" descr="Graphical user interface&#10;&#10;Description automatically generated">
+            <a:extLst>
+              <a:ext uri="{FF2B5EF4-FFF2-40B4-BE49-F238E27FC236}">
+                <a16:creationId xmlns:a16="http://schemas.microsoft.com/office/drawing/2014/main" id="{BAA688E1-BD8F-CD4D-A3C5-12B3D88BB1D1}"/>
+              </a:ext>
+            </a:extLst>
+          </p:cNvPr>
+          <p:cNvPicPr>
+            <a:picLocks noChangeAspect="1"/>
+          </p:cNvPicPr>
+          <p:nvPr/>
+        </p:nvPicPr>
+        <p:blipFill rotWithShape="1">
+          <a:blip r:embed="rId3"/>
+          <a:srcRect l="8889" t="26039" r="8889" b="54353"/>
+          <a:stretch/>
+        </p:blipFill>
+        <p:spPr>
+          <a:xfrm>
+            <a:off x="1617216" y="2528495"/>
+            <a:ext cx="8957567" cy="1592355"/>
+          </a:xfrm>
+          <a:prstGeom prst="rect">
+            <a:avLst/>
+          </a:prstGeom>
+        </p:spPr>
+      </p:pic>
+      <p:pic>
+        <p:nvPicPr>
+          <p:cNvPr id="25" name="Picture 24" descr="Graphical user interface, application&#10;&#10;Description automatically generated">
+            <a:extLst>
+              <a:ext uri="{FF2B5EF4-FFF2-40B4-BE49-F238E27FC236}">
+                <a16:creationId xmlns:a16="http://schemas.microsoft.com/office/drawing/2014/main" id="{3A291A69-2B76-D448-A449-1B991D606420}"/>
+              </a:ext>
+            </a:extLst>
+          </p:cNvPr>
+          <p:cNvPicPr>
+            <a:picLocks noChangeAspect="1"/>
+          </p:cNvPicPr>
+          <p:nvPr/>
+        </p:nvPicPr>
+        <p:blipFill rotWithShape="1">
+          <a:blip r:embed="rId4"/>
+          <a:srcRect l="13023" t="23939" r="12488" b="72186"/>
+          <a:stretch/>
+        </p:blipFill>
+        <p:spPr>
+          <a:xfrm>
+            <a:off x="2080079" y="2349125"/>
+            <a:ext cx="8104930" cy="314244"/>
+          </a:xfrm>
+          <a:prstGeom prst="rect">
+            <a:avLst/>
+          </a:prstGeom>
+        </p:spPr>
+      </p:pic>
     </p:spTree>
     <p:extLst>
       <p:ext uri="{BB962C8B-B14F-4D97-AF65-F5344CB8AC3E}">
@@ -16620,7 +20596,7 @@
         <p:spPr>
           <a:xfrm>
             <a:off x="840890" y="416914"/>
-            <a:ext cx="10510220" cy="3419546"/>
+            <a:ext cx="10510220" cy="1766888"/>
           </a:xfrm>
         </p:spPr>
         <p:txBody>
@@ -16634,16 +20610,7 @@
             </a:pPr>
             <a:r>
               <a:rPr lang="en-US" dirty="0"/>
-              <a:t>When being introduced to someone, their silhouette will light up and we will tell you how well they match your preferences. People will be introduced from left to right. </a:t>
-            </a:r>
-          </a:p>
-          <a:p>
-            <a:pPr marL="0" indent="0">
-              <a:buNone/>
-            </a:pPr>
-            <a:r>
-              <a:rPr lang="en-US" dirty="0"/>
-              <a:t>For example, in the 8-person event below, we are introducing you to the first person, who shows a 30% match to your preferences.</a:t>
+              <a:t>When being introduced to someone, their silhouette will light up and we will tell you how well they match your preferences. People will be introduced from left to right.</a:t>
             </a:r>
           </a:p>
         </p:txBody>
@@ -16714,7 +20681,7 @@
         </p:nvSpPr>
         <p:spPr>
           <a:xfrm>
-            <a:off x="7672815" y="3255372"/>
+            <a:off x="7672815" y="3522659"/>
             <a:ext cx="351046" cy="276498"/>
           </a:xfrm>
           <a:prstGeom prst="rect">
@@ -16801,96 +20768,6 @@
           <a:p>
             <a:pPr algn="ctr"/>
             <a:endParaRPr lang="en-US"/>
-          </a:p>
-        </p:txBody>
-      </p:sp>
-      <p:sp>
-        <p:nvSpPr>
-          <p:cNvPr id="10" name="Rectangle 9">
-            <a:extLst>
-              <a:ext uri="{FF2B5EF4-FFF2-40B4-BE49-F238E27FC236}">
-                <a16:creationId xmlns:a16="http://schemas.microsoft.com/office/drawing/2014/main" id="{46174B80-EE29-A944-BB67-BD936DA33AE3}"/>
-              </a:ext>
-            </a:extLst>
-          </p:cNvPr>
-          <p:cNvSpPr/>
-          <p:nvPr/>
-        </p:nvSpPr>
-        <p:spPr>
-          <a:xfrm>
-            <a:off x="7037225" y="2995345"/>
-            <a:ext cx="4206240" cy="973959"/>
-          </a:xfrm>
-          <a:prstGeom prst="rect">
-            <a:avLst/>
-          </a:prstGeom>
-          <a:solidFill>
-            <a:schemeClr val="bg1"/>
-          </a:solidFill>
-          <a:ln>
-            <a:noFill/>
-          </a:ln>
-        </p:spPr>
-        <p:style>
-          <a:lnRef idx="2">
-            <a:schemeClr val="accent1">
-              <a:shade val="50000"/>
-            </a:schemeClr>
-          </a:lnRef>
-          <a:fillRef idx="1">
-            <a:schemeClr val="accent1"/>
-          </a:fillRef>
-          <a:effectRef idx="0">
-            <a:schemeClr val="accent1"/>
-          </a:effectRef>
-          <a:fontRef idx="minor">
-            <a:schemeClr val="lt1"/>
-          </a:fontRef>
-        </p:style>
-        <p:txBody>
-          <a:bodyPr rtlCol="0" anchor="ctr"/>
-          <a:lstStyle/>
-          <a:p>
-            <a:pPr algn="ctr"/>
-            <a:endParaRPr lang="en-US"/>
-          </a:p>
-        </p:txBody>
-      </p:sp>
-      <p:sp>
-        <p:nvSpPr>
-          <p:cNvPr id="11" name="TextBox 10">
-            <a:extLst>
-              <a:ext uri="{FF2B5EF4-FFF2-40B4-BE49-F238E27FC236}">
-                <a16:creationId xmlns:a16="http://schemas.microsoft.com/office/drawing/2014/main" id="{2F09FD6F-0172-85EB-9928-AC8D5AEDEB82}"/>
-              </a:ext>
-            </a:extLst>
-          </p:cNvPr>
-          <p:cNvSpPr txBox="1"/>
-          <p:nvPr/>
-        </p:nvSpPr>
-        <p:spPr>
-          <a:xfrm>
-            <a:off x="3463327" y="4084948"/>
-            <a:ext cx="5265347" cy="923330"/>
-          </a:xfrm>
-          <a:prstGeom prst="rect">
-            <a:avLst/>
-          </a:prstGeom>
-          <a:solidFill>
-            <a:schemeClr val="bg1"/>
-          </a:solidFill>
-        </p:spPr>
-        <p:txBody>
-          <a:bodyPr wrap="square" rtlCol="0">
-            <a:spAutoFit/>
-          </a:bodyPr>
-          <a:lstStyle/>
-          <a:p>
-            <a:pPr algn="ctr"/>
-            <a:r>
-              <a:rPr lang="en-US" sz="5400" dirty="0"/>
-              <a:t>30% Match</a:t>
-            </a:r>
           </a:p>
         </p:txBody>
       </p:sp>
@@ -17479,10 +21356,106 @@
           </p:txBody>
         </p:sp>
       </p:grpSp>
+      <p:pic>
+        <p:nvPicPr>
+          <p:cNvPr id="24" name="Picture 23" descr="Graphical user interface&#10;&#10;Description automatically generated">
+            <a:extLst>
+              <a:ext uri="{FF2B5EF4-FFF2-40B4-BE49-F238E27FC236}">
+                <a16:creationId xmlns:a16="http://schemas.microsoft.com/office/drawing/2014/main" id="{01DE0E0F-8E4D-C949-B115-D4F5A4B49972}"/>
+              </a:ext>
+            </a:extLst>
+          </p:cNvPr>
+          <p:cNvPicPr>
+            <a:picLocks noChangeAspect="1"/>
+          </p:cNvPicPr>
+          <p:nvPr/>
+        </p:nvPicPr>
+        <p:blipFill rotWithShape="1">
+          <a:blip r:embed="rId3"/>
+          <a:srcRect l="8889" t="26039" r="8889" b="54353"/>
+          <a:stretch/>
+        </p:blipFill>
+        <p:spPr>
+          <a:xfrm>
+            <a:off x="1617216" y="2528495"/>
+            <a:ext cx="8957567" cy="1592355"/>
+          </a:xfrm>
+          <a:prstGeom prst="rect">
+            <a:avLst/>
+          </a:prstGeom>
+        </p:spPr>
+      </p:pic>
+      <p:sp>
+        <p:nvSpPr>
+          <p:cNvPr id="26" name="TextBox 25">
+            <a:extLst>
+              <a:ext uri="{FF2B5EF4-FFF2-40B4-BE49-F238E27FC236}">
+                <a16:creationId xmlns:a16="http://schemas.microsoft.com/office/drawing/2014/main" id="{EEAFF42B-48CC-5545-929A-5D56CAB31D2D}"/>
+              </a:ext>
+            </a:extLst>
+          </p:cNvPr>
+          <p:cNvSpPr txBox="1"/>
+          <p:nvPr/>
+        </p:nvSpPr>
+        <p:spPr>
+          <a:xfrm>
+            <a:off x="3463325" y="4033858"/>
+            <a:ext cx="5265347" cy="923330"/>
+          </a:xfrm>
+          <a:prstGeom prst="rect">
+            <a:avLst/>
+          </a:prstGeom>
+          <a:solidFill>
+            <a:schemeClr val="bg1"/>
+          </a:solidFill>
+        </p:spPr>
+        <p:txBody>
+          <a:bodyPr wrap="square" rtlCol="0">
+            <a:spAutoFit/>
+          </a:bodyPr>
+          <a:lstStyle/>
+          <a:p>
+            <a:pPr algn="ctr"/>
+            <a:r>
+              <a:rPr lang="en-US" sz="5400" dirty="0"/>
+              <a:t>30% Match</a:t>
+            </a:r>
+          </a:p>
+        </p:txBody>
+      </p:sp>
+      <p:pic>
+        <p:nvPicPr>
+          <p:cNvPr id="27" name="Picture 26" descr="Graphical user interface, application&#10;&#10;Description automatically generated">
+            <a:extLst>
+              <a:ext uri="{FF2B5EF4-FFF2-40B4-BE49-F238E27FC236}">
+                <a16:creationId xmlns:a16="http://schemas.microsoft.com/office/drawing/2014/main" id="{63299BBC-61E1-DF49-9866-60663C5F0D32}"/>
+              </a:ext>
+            </a:extLst>
+          </p:cNvPr>
+          <p:cNvPicPr>
+            <a:picLocks noChangeAspect="1"/>
+          </p:cNvPicPr>
+          <p:nvPr/>
+        </p:nvPicPr>
+        <p:blipFill rotWithShape="1">
+          <a:blip r:embed="rId4"/>
+          <a:srcRect l="13023" t="23939" r="12488" b="72186"/>
+          <a:stretch/>
+        </p:blipFill>
+        <p:spPr>
+          <a:xfrm>
+            <a:off x="2080079" y="2349125"/>
+            <a:ext cx="8104930" cy="314244"/>
+          </a:xfrm>
+          <a:prstGeom prst="rect">
+            <a:avLst/>
+          </a:prstGeom>
+        </p:spPr>
+      </p:pic>
     </p:spTree>
     <p:extLst>
       <p:ext uri="{BB962C8B-B14F-4D97-AF65-F5344CB8AC3E}">
-        <p14:creationId xmlns:p14="http://schemas.microsoft.com/office/powerpoint/2010/main" val="2309859415"/>
+        <p14:creationId xmlns:p14="http://schemas.microsoft.com/office/powerpoint/2010/main" val="145536844"/>
       </p:ext>
     </p:extLst>
   </p:cSld>
@@ -17536,7 +21509,7 @@
         <p:spPr>
           <a:xfrm>
             <a:off x="840890" y="416914"/>
-            <a:ext cx="10510220" cy="1463040"/>
+            <a:ext cx="10510220" cy="3419546"/>
           </a:xfrm>
         </p:spPr>
         <p:txBody>
@@ -17550,7 +21523,7 @@
             </a:pPr>
             <a:r>
               <a:rPr lang="en-US" dirty="0"/>
-              <a:t>And in this 4-person event, we are introducing you to the second person, who shows a 60% match to your preferences.</a:t>
+              <a:t>For example, in the 8-person event below, we are introducing you to the first person, who shows a 30% match to your preferences.</a:t>
             </a:r>
           </a:p>
         </p:txBody>
@@ -17602,118 +21575,8 @@
           <a:bodyPr rtlCol="0" anchor="ctr"/>
           <a:lstStyle/>
           <a:p>
-            <a:pPr marL="0" marR="0" lvl="0" indent="0" algn="ctr" defTabSz="457200" rtl="0" eaLnBrk="1" fontAlgn="auto" latinLnBrk="0" hangingPunct="1">
-              <a:lnSpc>
-                <a:spcPct val="100000"/>
-              </a:lnSpc>
-              <a:spcBef>
-                <a:spcPts val="0"/>
-              </a:spcBef>
-              <a:spcAft>
-                <a:spcPts val="0"/>
-              </a:spcAft>
-              <a:buClrTx/>
-              <a:buSzTx/>
-              <a:buFontTx/>
-              <a:buNone/>
-              <a:tabLst/>
-              <a:defRPr/>
-            </a:pPr>
-            <a:endParaRPr kumimoji="0" lang="en-US" sz="1800" b="0" i="0" u="none" strike="noStrike" kern="1200" cap="none" spc="0" normalizeH="0" baseline="0" noProof="0">
-              <a:ln>
-                <a:noFill/>
-              </a:ln>
-              <a:solidFill>
-                <a:prstClr val="white"/>
-              </a:solidFill>
-              <a:effectLst/>
-              <a:uLnTx/>
-              <a:uFillTx/>
-              <a:latin typeface="Calibri"/>
-              <a:ea typeface="+mn-ea"/>
-              <a:cs typeface="+mn-cs"/>
-            </a:endParaRPr>
-          </a:p>
-        </p:txBody>
-      </p:sp>
-      <p:sp>
-        <p:nvSpPr>
-          <p:cNvPr id="16" name="Rectangle 15">
-            <a:extLst>
-              <a:ext uri="{FF2B5EF4-FFF2-40B4-BE49-F238E27FC236}">
-                <a16:creationId xmlns:a16="http://schemas.microsoft.com/office/drawing/2014/main" id="{3BA95B9C-908A-3942-9905-DA59738A2007}"/>
-              </a:ext>
-            </a:extLst>
-          </p:cNvPr>
-          <p:cNvSpPr/>
-          <p:nvPr/>
-        </p:nvSpPr>
-        <p:spPr>
-          <a:xfrm>
-            <a:off x="7672815" y="3255372"/>
-            <a:ext cx="351046" cy="276498"/>
-          </a:xfrm>
-          <a:prstGeom prst="rect">
-            <a:avLst/>
-          </a:prstGeom>
-          <a:solidFill>
-            <a:schemeClr val="bg1"/>
-          </a:solidFill>
-          <a:ln>
-            <a:noFill/>
-          </a:ln>
-        </p:spPr>
-        <p:style>
-          <a:lnRef idx="2">
-            <a:schemeClr val="accent1">
-              <a:shade val="50000"/>
-            </a:schemeClr>
-          </a:lnRef>
-          <a:fillRef idx="1">
-            <a:schemeClr val="accent1"/>
-          </a:fillRef>
-          <a:effectRef idx="0">
-            <a:schemeClr val="accent1"/>
-          </a:effectRef>
-          <a:fontRef idx="minor">
-            <a:schemeClr val="lt1"/>
-          </a:fontRef>
-        </p:style>
-        <p:txBody>
-          <a:bodyPr rtlCol="0" anchor="ctr"/>
-          <a:lstStyle/>
-          <a:p>
-            <a:pPr marL="0" marR="0" lvl="0" indent="0" algn="ctr" defTabSz="457200" rtl="0" eaLnBrk="1" fontAlgn="auto" latinLnBrk="0" hangingPunct="1">
-              <a:lnSpc>
-                <a:spcPct val="100000"/>
-              </a:lnSpc>
-              <a:spcBef>
-                <a:spcPts val="0"/>
-              </a:spcBef>
-              <a:spcAft>
-                <a:spcPts val="0"/>
-              </a:spcAft>
-              <a:buClrTx/>
-              <a:buSzTx/>
-              <a:buFontTx/>
-              <a:buNone/>
-              <a:tabLst/>
-              <a:defRPr/>
-            </a:pPr>
-            <a:endParaRPr kumimoji="0" lang="en-US" sz="1800" b="0" i="0" u="none" strike="noStrike" kern="1200" cap="none" spc="0" normalizeH="0" baseline="0" noProof="0">
-              <a:ln>
-                <a:noFill/>
-              </a:ln>
-              <a:solidFill>
-                <a:prstClr val="white"/>
-              </a:solidFill>
-              <a:effectLst/>
-              <a:uLnTx/>
-              <a:uFillTx/>
-              <a:latin typeface="Calibri"/>
-              <a:ea typeface="+mn-ea"/>
-              <a:cs typeface="+mn-cs"/>
-            </a:endParaRPr>
+            <a:pPr algn="ctr"/>
+            <a:endParaRPr lang="en-US"/>
           </a:p>
         </p:txBody>
       </p:sp>
@@ -17764,37 +21627,8 @@
           <a:bodyPr rtlCol="0" anchor="ctr"/>
           <a:lstStyle/>
           <a:p>
-            <a:pPr marL="0" marR="0" lvl="0" indent="0" algn="ctr" defTabSz="457200" rtl="0" eaLnBrk="1" fontAlgn="auto" latinLnBrk="0" hangingPunct="1">
-              <a:lnSpc>
-                <a:spcPct val="100000"/>
-              </a:lnSpc>
-              <a:spcBef>
-                <a:spcPts val="0"/>
-              </a:spcBef>
-              <a:spcAft>
-                <a:spcPts val="0"/>
-              </a:spcAft>
-              <a:buClrTx/>
-              <a:buSzTx/>
-              <a:buFontTx/>
-              <a:buNone/>
-              <a:tabLst/>
-              <a:defRPr/>
-            </a:pPr>
-            <a:endParaRPr kumimoji="0" lang="en-US" sz="1800" b="0" i="0" u="none" strike="noStrike" kern="1200" cap="none" spc="0" normalizeH="0" baseline="0" noProof="0">
-              <a:ln>
-                <a:noFill/>
-              </a:ln>
-              <a:solidFill>
-                <a:prstClr val="white"/>
-              </a:solidFill>
-              <a:effectLst/>
-              <a:uLnTx/>
-              <a:uFillTx/>
-              <a:latin typeface="Calibri"/>
-              <a:ea typeface="+mn-ea"/>
-              <a:cs typeface="+mn-cs"/>
-            </a:endParaRPr>
+            <a:pPr algn="ctr"/>
+            <a:endParaRPr lang="en-US"/>
           </a:p>
         </p:txBody>
       </p:sp>
@@ -17845,75 +21679,8 @@
           <a:bodyPr rtlCol="0" anchor="ctr"/>
           <a:lstStyle/>
           <a:p>
-            <a:pPr marL="0" marR="0" lvl="0" indent="0" algn="ctr" defTabSz="457200" rtl="0" eaLnBrk="1" fontAlgn="auto" latinLnBrk="0" hangingPunct="1">
-              <a:lnSpc>
-                <a:spcPct val="100000"/>
-              </a:lnSpc>
-              <a:spcBef>
-                <a:spcPts val="0"/>
-              </a:spcBef>
-              <a:spcAft>
-                <a:spcPts val="0"/>
-              </a:spcAft>
-              <a:buClrTx/>
-              <a:buSzTx/>
-              <a:buFontTx/>
-              <a:buNone/>
-              <a:tabLst/>
-              <a:defRPr/>
-            </a:pPr>
-            <a:endParaRPr kumimoji="0" lang="en-US" sz="1800" b="0" i="0" u="none" strike="noStrike" kern="1200" cap="none" spc="0" normalizeH="0" baseline="0" noProof="0">
-              <a:ln>
-                <a:noFill/>
-              </a:ln>
-              <a:solidFill>
-                <a:prstClr val="white"/>
-              </a:solidFill>
-              <a:effectLst/>
-              <a:uLnTx/>
-              <a:uFillTx/>
-              <a:latin typeface="Calibri"/>
-              <a:ea typeface="+mn-ea"/>
-              <a:cs typeface="+mn-cs"/>
-            </a:endParaRPr>
-          </a:p>
-        </p:txBody>
-      </p:sp>
-      <p:sp>
-        <p:nvSpPr>
-          <p:cNvPr id="11" name="TextBox 10">
-            <a:extLst>
-              <a:ext uri="{FF2B5EF4-FFF2-40B4-BE49-F238E27FC236}">
-                <a16:creationId xmlns:a16="http://schemas.microsoft.com/office/drawing/2014/main" id="{1FC6B2D0-FCDC-4530-CE70-7EEF78B16838}"/>
-              </a:ext>
-            </a:extLst>
-          </p:cNvPr>
-          <p:cNvSpPr txBox="1"/>
-          <p:nvPr/>
-        </p:nvSpPr>
-        <p:spPr>
-          <a:xfrm>
-            <a:off x="3463327" y="4084948"/>
-            <a:ext cx="5265347" cy="923330"/>
-          </a:xfrm>
-          <a:prstGeom prst="rect">
-            <a:avLst/>
-          </a:prstGeom>
-          <a:solidFill>
-            <a:schemeClr val="bg1"/>
-          </a:solidFill>
-        </p:spPr>
-        <p:txBody>
-          <a:bodyPr wrap="square" rtlCol="0">
-            <a:spAutoFit/>
-          </a:bodyPr>
-          <a:lstStyle/>
-          <a:p>
             <a:pPr algn="ctr"/>
-            <a:r>
-              <a:rPr lang="en-US" sz="5400" dirty="0"/>
-              <a:t>60% Match</a:t>
-            </a:r>
+            <a:endParaRPr lang="en-US"/>
           </a:p>
         </p:txBody>
       </p:sp>
@@ -17922,7 +21689,7 @@
           <p:cNvPr id="14" name="Title 3">
             <a:extLst>
               <a:ext uri="{FF2B5EF4-FFF2-40B4-BE49-F238E27FC236}">
-                <a16:creationId xmlns:a16="http://schemas.microsoft.com/office/drawing/2014/main" id="{0BF8385D-3B26-574F-8736-8D247F8BE654}"/>
+                <a16:creationId xmlns:a16="http://schemas.microsoft.com/office/drawing/2014/main" id="{31826D43-B1ED-EA41-A6F3-24F56EAEB42C}"/>
               </a:ext>
             </a:extLst>
           </p:cNvPr>
@@ -17977,7 +21744,7 @@
           <p:cNvPr id="17" name="Group 16">
             <a:extLst>
               <a:ext uri="{FF2B5EF4-FFF2-40B4-BE49-F238E27FC236}">
-                <a16:creationId xmlns:a16="http://schemas.microsoft.com/office/drawing/2014/main" id="{759FD06F-161C-544E-8FE7-748B0DCD9A95}"/>
+                <a16:creationId xmlns:a16="http://schemas.microsoft.com/office/drawing/2014/main" id="{6D79B84F-4DA4-F241-BD77-4D77A37450D7}"/>
               </a:ext>
             </a:extLst>
           </p:cNvPr>
@@ -17997,7 +21764,7 @@
             <p:cNvPr id="18" name="Subtitle 8">
               <a:extLst>
                 <a:ext uri="{FF2B5EF4-FFF2-40B4-BE49-F238E27FC236}">
-                  <a16:creationId xmlns:a16="http://schemas.microsoft.com/office/drawing/2014/main" id="{F101C0E1-8EF6-A443-8FC3-E485230215F0}"/>
+                  <a16:creationId xmlns:a16="http://schemas.microsoft.com/office/drawing/2014/main" id="{4DB2F5F8-92BE-504A-B2C2-00828C8D9C2A}"/>
                 </a:ext>
               </a:extLst>
             </p:cNvPr>
@@ -18191,7 +21958,7 @@
             <p:cNvPr id="19" name="Right Arrow 18">
               <a:extLst>
                 <a:ext uri="{FF2B5EF4-FFF2-40B4-BE49-F238E27FC236}">
-                  <a16:creationId xmlns:a16="http://schemas.microsoft.com/office/drawing/2014/main" id="{D5E9CE23-4F3C-CA4A-AB76-9DA0A86D6FF7}"/>
+                  <a16:creationId xmlns:a16="http://schemas.microsoft.com/office/drawing/2014/main" id="{02D01272-3092-AB4B-B817-12C429CD8748}"/>
                 </a:ext>
               </a:extLst>
             </p:cNvPr>
@@ -18242,7 +22009,7 @@
           <p:cNvPr id="20" name="Group 19">
             <a:extLst>
               <a:ext uri="{FF2B5EF4-FFF2-40B4-BE49-F238E27FC236}">
-                <a16:creationId xmlns:a16="http://schemas.microsoft.com/office/drawing/2014/main" id="{E89A4351-064B-A84C-BDBC-22284ECE7B4E}"/>
+                <a16:creationId xmlns:a16="http://schemas.microsoft.com/office/drawing/2014/main" id="{718D855E-67CB-8848-A6CF-530A1836720F}"/>
               </a:ext>
             </a:extLst>
           </p:cNvPr>
@@ -18262,7 +22029,7 @@
             <p:cNvPr id="21" name="Subtitle 8">
               <a:extLst>
                 <a:ext uri="{FF2B5EF4-FFF2-40B4-BE49-F238E27FC236}">
-                  <a16:creationId xmlns:a16="http://schemas.microsoft.com/office/drawing/2014/main" id="{D20FAF22-31AB-7241-8192-F6A441733642}"/>
+                  <a16:creationId xmlns:a16="http://schemas.microsoft.com/office/drawing/2014/main" id="{66A86D98-1DC8-F244-B5DE-0A7D64EC781C}"/>
                 </a:ext>
               </a:extLst>
             </p:cNvPr>
@@ -18456,7 +22223,7 @@
             <p:cNvPr id="22" name="Right Arrow 21">
               <a:extLst>
                 <a:ext uri="{FF2B5EF4-FFF2-40B4-BE49-F238E27FC236}">
-                  <a16:creationId xmlns:a16="http://schemas.microsoft.com/office/drawing/2014/main" id="{C3C06C22-1D32-FD4E-8F19-FEC1A796D352}"/>
+                  <a16:creationId xmlns:a16="http://schemas.microsoft.com/office/drawing/2014/main" id="{67541150-FC29-C243-80DF-59FCD517DB6A}"/>
                 </a:ext>
               </a:extLst>
             </p:cNvPr>
@@ -18502,10 +22269,158 @@
           </p:txBody>
         </p:sp>
       </p:grpSp>
+      <p:sp>
+        <p:nvSpPr>
+          <p:cNvPr id="28" name="Rectangle 27">
+            <a:extLst>
+              <a:ext uri="{FF2B5EF4-FFF2-40B4-BE49-F238E27FC236}">
+                <a16:creationId xmlns:a16="http://schemas.microsoft.com/office/drawing/2014/main" id="{FF48113F-7AE3-D44C-8F48-3B8C34BBE297}"/>
+              </a:ext>
+            </a:extLst>
+          </p:cNvPr>
+          <p:cNvSpPr/>
+          <p:nvPr/>
+        </p:nvSpPr>
+        <p:spPr>
+          <a:xfrm>
+            <a:off x="7672815" y="3522659"/>
+            <a:ext cx="351046" cy="276498"/>
+          </a:xfrm>
+          <a:prstGeom prst="rect">
+            <a:avLst/>
+          </a:prstGeom>
+          <a:solidFill>
+            <a:schemeClr val="bg1"/>
+          </a:solidFill>
+          <a:ln>
+            <a:noFill/>
+          </a:ln>
+        </p:spPr>
+        <p:style>
+          <a:lnRef idx="2">
+            <a:schemeClr val="accent1">
+              <a:shade val="50000"/>
+            </a:schemeClr>
+          </a:lnRef>
+          <a:fillRef idx="1">
+            <a:schemeClr val="accent1"/>
+          </a:fillRef>
+          <a:effectRef idx="0">
+            <a:schemeClr val="accent1"/>
+          </a:effectRef>
+          <a:fontRef idx="minor">
+            <a:schemeClr val="lt1"/>
+          </a:fontRef>
+        </p:style>
+        <p:txBody>
+          <a:bodyPr rtlCol="0" anchor="ctr"/>
+          <a:lstStyle/>
+          <a:p>
+            <a:pPr algn="ctr"/>
+            <a:endParaRPr lang="en-US"/>
+          </a:p>
+        </p:txBody>
+      </p:sp>
+      <p:pic>
+        <p:nvPicPr>
+          <p:cNvPr id="29" name="Picture 28" descr="Graphical user interface&#10;&#10;Description automatically generated">
+            <a:extLst>
+              <a:ext uri="{FF2B5EF4-FFF2-40B4-BE49-F238E27FC236}">
+                <a16:creationId xmlns:a16="http://schemas.microsoft.com/office/drawing/2014/main" id="{74E8DE2F-935C-9648-95F4-6B5B6A67E802}"/>
+              </a:ext>
+            </a:extLst>
+          </p:cNvPr>
+          <p:cNvPicPr>
+            <a:picLocks noChangeAspect="1"/>
+          </p:cNvPicPr>
+          <p:nvPr/>
+        </p:nvPicPr>
+        <p:blipFill rotWithShape="1">
+          <a:blip r:embed="rId3"/>
+          <a:srcRect l="8889" t="26039" r="8889" b="54353"/>
+          <a:stretch/>
+        </p:blipFill>
+        <p:spPr>
+          <a:xfrm>
+            <a:off x="1617216" y="2528495"/>
+            <a:ext cx="8957567" cy="1592355"/>
+          </a:xfrm>
+          <a:prstGeom prst="rect">
+            <a:avLst/>
+          </a:prstGeom>
+        </p:spPr>
+      </p:pic>
+      <p:sp>
+        <p:nvSpPr>
+          <p:cNvPr id="30" name="TextBox 29">
+            <a:extLst>
+              <a:ext uri="{FF2B5EF4-FFF2-40B4-BE49-F238E27FC236}">
+                <a16:creationId xmlns:a16="http://schemas.microsoft.com/office/drawing/2014/main" id="{4E046CE1-E7E6-7B48-BC06-BD46094628BA}"/>
+              </a:ext>
+            </a:extLst>
+          </p:cNvPr>
+          <p:cNvSpPr txBox="1"/>
+          <p:nvPr/>
+        </p:nvSpPr>
+        <p:spPr>
+          <a:xfrm>
+            <a:off x="3463325" y="4033858"/>
+            <a:ext cx="5265347" cy="923330"/>
+          </a:xfrm>
+          <a:prstGeom prst="rect">
+            <a:avLst/>
+          </a:prstGeom>
+          <a:solidFill>
+            <a:schemeClr val="bg1"/>
+          </a:solidFill>
+        </p:spPr>
+        <p:txBody>
+          <a:bodyPr wrap="square" rtlCol="0">
+            <a:spAutoFit/>
+          </a:bodyPr>
+          <a:lstStyle/>
+          <a:p>
+            <a:pPr algn="ctr"/>
+            <a:r>
+              <a:rPr lang="en-US" sz="5400" dirty="0"/>
+              <a:t>30% Match</a:t>
+            </a:r>
+          </a:p>
+        </p:txBody>
+      </p:sp>
+      <p:pic>
+        <p:nvPicPr>
+          <p:cNvPr id="31" name="Picture 30" descr="Graphical user interface, application&#10;&#10;Description automatically generated">
+            <a:extLst>
+              <a:ext uri="{FF2B5EF4-FFF2-40B4-BE49-F238E27FC236}">
+                <a16:creationId xmlns:a16="http://schemas.microsoft.com/office/drawing/2014/main" id="{1350565D-769D-814A-B83A-9B36928D897A}"/>
+              </a:ext>
+            </a:extLst>
+          </p:cNvPr>
+          <p:cNvPicPr>
+            <a:picLocks noChangeAspect="1"/>
+          </p:cNvPicPr>
+          <p:nvPr/>
+        </p:nvPicPr>
+        <p:blipFill rotWithShape="1">
+          <a:blip r:embed="rId4"/>
+          <a:srcRect l="13023" t="23939" r="12488" b="72186"/>
+          <a:stretch/>
+        </p:blipFill>
+        <p:spPr>
+          <a:xfrm>
+            <a:off x="2080079" y="2349125"/>
+            <a:ext cx="8104930" cy="314244"/>
+          </a:xfrm>
+          <a:prstGeom prst="rect">
+            <a:avLst/>
+          </a:prstGeom>
+        </p:spPr>
+      </p:pic>
     </p:spTree>
     <p:extLst>
       <p:ext uri="{BB962C8B-B14F-4D97-AF65-F5344CB8AC3E}">
-        <p14:creationId xmlns:p14="http://schemas.microsoft.com/office/powerpoint/2010/main" val="2831678723"/>
+        <p14:creationId xmlns:p14="http://schemas.microsoft.com/office/powerpoint/2010/main" val="2309859415"/>
       </p:ext>
     </p:extLst>
   </p:cSld>

--- a/public/js/tasks/blind_dating/media/Blind_dating_game_instructions.pptx
+++ b/public/js/tasks/blind_dating/media/Blind_dating_game_instructions.pptx
@@ -229,7 +229,7 @@
           <a:p>
             <a:fld id="{5ACDFB13-8C7E-2148-B293-047F9641DD71}" type="datetimeFigureOut">
               <a:rPr lang="en-US" smtClean="0"/>
-              <a:t>7/11/22</a:t>
+              <a:t>7/27/22</a:t>
             </a:fld>
             <a:endParaRPr lang="en-US" dirty="0"/>
           </a:p>
@@ -3077,7 +3077,7 @@
           <a:p>
             <a:fld id="{E69A4D3A-6EF8-7448-AC6F-AD52FEDAA6A8}" type="datetimeFigureOut">
               <a:rPr lang="en-US" smtClean="0"/>
-              <a:t>7/11/22</a:t>
+              <a:t>7/27/22</a:t>
             </a:fld>
             <a:endParaRPr lang="en-US" dirty="0"/>
           </a:p>
@@ -3245,7 +3245,7 @@
           <a:p>
             <a:fld id="{E69A4D3A-6EF8-7448-AC6F-AD52FEDAA6A8}" type="datetimeFigureOut">
               <a:rPr lang="en-US" smtClean="0"/>
-              <a:t>7/11/22</a:t>
+              <a:t>7/27/22</a:t>
             </a:fld>
             <a:endParaRPr lang="en-US" dirty="0"/>
           </a:p>
@@ -3423,7 +3423,7 @@
           <a:p>
             <a:fld id="{E69A4D3A-6EF8-7448-AC6F-AD52FEDAA6A8}" type="datetimeFigureOut">
               <a:rPr lang="en-US" smtClean="0"/>
-              <a:t>7/11/22</a:t>
+              <a:t>7/27/22</a:t>
             </a:fld>
             <a:endParaRPr lang="en-US" dirty="0"/>
           </a:p>
@@ -3591,7 +3591,7 @@
           <a:p>
             <a:fld id="{E69A4D3A-6EF8-7448-AC6F-AD52FEDAA6A8}" type="datetimeFigureOut">
               <a:rPr lang="en-US" smtClean="0"/>
-              <a:t>7/11/22</a:t>
+              <a:t>7/27/22</a:t>
             </a:fld>
             <a:endParaRPr lang="en-US" dirty="0"/>
           </a:p>
@@ -3836,7 +3836,7 @@
           <a:p>
             <a:fld id="{E69A4D3A-6EF8-7448-AC6F-AD52FEDAA6A8}" type="datetimeFigureOut">
               <a:rPr lang="en-US" smtClean="0"/>
-              <a:t>7/11/22</a:t>
+              <a:t>7/27/22</a:t>
             </a:fld>
             <a:endParaRPr lang="en-US" dirty="0"/>
           </a:p>
@@ -4121,7 +4121,7 @@
           <a:p>
             <a:fld id="{E69A4D3A-6EF8-7448-AC6F-AD52FEDAA6A8}" type="datetimeFigureOut">
               <a:rPr lang="en-US" smtClean="0"/>
-              <a:t>7/11/22</a:t>
+              <a:t>7/27/22</a:t>
             </a:fld>
             <a:endParaRPr lang="en-US" dirty="0"/>
           </a:p>
@@ -4540,7 +4540,7 @@
           <a:p>
             <a:fld id="{E69A4D3A-6EF8-7448-AC6F-AD52FEDAA6A8}" type="datetimeFigureOut">
               <a:rPr lang="en-US" smtClean="0"/>
-              <a:t>7/11/22</a:t>
+              <a:t>7/27/22</a:t>
             </a:fld>
             <a:endParaRPr lang="en-US" dirty="0"/>
           </a:p>
@@ -4657,7 +4657,7 @@
           <a:p>
             <a:fld id="{E69A4D3A-6EF8-7448-AC6F-AD52FEDAA6A8}" type="datetimeFigureOut">
               <a:rPr lang="en-US" smtClean="0"/>
-              <a:t>7/11/22</a:t>
+              <a:t>7/27/22</a:t>
             </a:fld>
             <a:endParaRPr lang="en-US" dirty="0"/>
           </a:p>
@@ -4752,7 +4752,7 @@
           <a:p>
             <a:fld id="{E69A4D3A-6EF8-7448-AC6F-AD52FEDAA6A8}" type="datetimeFigureOut">
               <a:rPr lang="en-US" smtClean="0"/>
-              <a:t>7/11/22</a:t>
+              <a:t>7/27/22</a:t>
             </a:fld>
             <a:endParaRPr lang="en-US" dirty="0"/>
           </a:p>
@@ -5027,7 +5027,7 @@
           <a:p>
             <a:fld id="{E69A4D3A-6EF8-7448-AC6F-AD52FEDAA6A8}" type="datetimeFigureOut">
               <a:rPr lang="en-US" smtClean="0"/>
-              <a:t>7/11/22</a:t>
+              <a:t>7/27/22</a:t>
             </a:fld>
             <a:endParaRPr lang="en-US" dirty="0"/>
           </a:p>
@@ -5282,7 +5282,7 @@
           <a:p>
             <a:fld id="{E69A4D3A-6EF8-7448-AC6F-AD52FEDAA6A8}" type="datetimeFigureOut">
               <a:rPr lang="en-US" smtClean="0"/>
-              <a:t>7/11/22</a:t>
+              <a:t>7/27/22</a:t>
             </a:fld>
             <a:endParaRPr lang="en-US" dirty="0"/>
           </a:p>
@@ -5496,7 +5496,7 @@
           <a:p>
             <a:fld id="{E69A4D3A-6EF8-7448-AC6F-AD52FEDAA6A8}" type="datetimeFigureOut">
               <a:rPr lang="en-US" smtClean="0"/>
-              <a:t>7/11/22</a:t>
+              <a:t>7/27/22</a:t>
             </a:fld>
             <a:endParaRPr lang="en-US" dirty="0"/>
           </a:p>
@@ -6378,87 +6378,6 @@
       </p:sp>
       <p:sp>
         <p:nvSpPr>
-          <p:cNvPr id="16" name="Rectangle 15">
-            <a:extLst>
-              <a:ext uri="{FF2B5EF4-FFF2-40B4-BE49-F238E27FC236}">
-                <a16:creationId xmlns:a16="http://schemas.microsoft.com/office/drawing/2014/main" id="{3BA95B9C-908A-3942-9905-DA59738A2007}"/>
-              </a:ext>
-            </a:extLst>
-          </p:cNvPr>
-          <p:cNvSpPr/>
-          <p:nvPr/>
-        </p:nvSpPr>
-        <p:spPr>
-          <a:xfrm>
-            <a:off x="7672815" y="3649269"/>
-            <a:ext cx="351046" cy="276498"/>
-          </a:xfrm>
-          <a:prstGeom prst="rect">
-            <a:avLst/>
-          </a:prstGeom>
-          <a:solidFill>
-            <a:schemeClr val="bg1"/>
-          </a:solidFill>
-          <a:ln>
-            <a:noFill/>
-          </a:ln>
-        </p:spPr>
-        <p:style>
-          <a:lnRef idx="2">
-            <a:schemeClr val="accent1">
-              <a:shade val="50000"/>
-            </a:schemeClr>
-          </a:lnRef>
-          <a:fillRef idx="1">
-            <a:schemeClr val="accent1"/>
-          </a:fillRef>
-          <a:effectRef idx="0">
-            <a:schemeClr val="accent1"/>
-          </a:effectRef>
-          <a:fontRef idx="minor">
-            <a:schemeClr val="lt1"/>
-          </a:fontRef>
-        </p:style>
-        <p:txBody>
-          <a:bodyPr rtlCol="0" anchor="ctr"/>
-          <a:lstStyle/>
-          <a:p>
-            <a:pPr marL="0" marR="0" lvl="0" indent="0" algn="ctr" defTabSz="457200" rtl="0" eaLnBrk="1" fontAlgn="auto" latinLnBrk="0" hangingPunct="1">
-              <a:lnSpc>
-                <a:spcPct val="100000"/>
-              </a:lnSpc>
-              <a:spcBef>
-                <a:spcPts val="0"/>
-              </a:spcBef>
-              <a:spcAft>
-                <a:spcPts val="0"/>
-              </a:spcAft>
-              <a:buClrTx/>
-              <a:buSzTx/>
-              <a:buFontTx/>
-              <a:buNone/>
-              <a:tabLst/>
-              <a:defRPr/>
-            </a:pPr>
-            <a:endParaRPr kumimoji="0" lang="en-US" sz="1800" b="0" i="0" u="none" strike="noStrike" kern="1200" cap="none" spc="0" normalizeH="0" baseline="0" noProof="0">
-              <a:ln>
-                <a:noFill/>
-              </a:ln>
-              <a:solidFill>
-                <a:prstClr val="white"/>
-              </a:solidFill>
-              <a:effectLst/>
-              <a:uLnTx/>
-              <a:uFillTx/>
-              <a:latin typeface="Calibri"/>
-              <a:ea typeface="+mn-ea"/>
-              <a:cs typeface="+mn-cs"/>
-            </a:endParaRPr>
-          </a:p>
-        </p:txBody>
-      </p:sp>
-      <p:sp>
-        <p:nvSpPr>
           <p:cNvPr id="14" name="Title 3">
             <a:extLst>
               <a:ext uri="{FF2B5EF4-FFF2-40B4-BE49-F238E27FC236}">
@@ -7042,64 +6961,6 @@
           </p:txBody>
         </p:sp>
       </p:grpSp>
-      <p:pic>
-        <p:nvPicPr>
-          <p:cNvPr id="23" name="Picture 22" descr="Graphical user interface, application&#10;&#10;Description automatically generated">
-            <a:extLst>
-              <a:ext uri="{FF2B5EF4-FFF2-40B4-BE49-F238E27FC236}">
-                <a16:creationId xmlns:a16="http://schemas.microsoft.com/office/drawing/2014/main" id="{E989441B-4597-AD47-A0CB-AAAF1D1BC639}"/>
-              </a:ext>
-            </a:extLst>
-          </p:cNvPr>
-          <p:cNvPicPr>
-            <a:picLocks noChangeAspect="1"/>
-          </p:cNvPicPr>
-          <p:nvPr/>
-        </p:nvPicPr>
-        <p:blipFill rotWithShape="1">
-          <a:blip r:embed="rId3"/>
-          <a:srcRect l="15336" t="5490" r="20662" b="55830"/>
-          <a:stretch/>
-        </p:blipFill>
-        <p:spPr>
-          <a:xfrm>
-            <a:off x="3546437" y="2346659"/>
-            <a:ext cx="5099126" cy="1836678"/>
-          </a:xfrm>
-          <a:prstGeom prst="rect">
-            <a:avLst/>
-          </a:prstGeom>
-        </p:spPr>
-      </p:pic>
-      <p:pic>
-        <p:nvPicPr>
-          <p:cNvPr id="25" name="Picture 24" descr="Graphical user interface, application&#10;&#10;Description automatically generated">
-            <a:extLst>
-              <a:ext uri="{FF2B5EF4-FFF2-40B4-BE49-F238E27FC236}">
-                <a16:creationId xmlns:a16="http://schemas.microsoft.com/office/drawing/2014/main" id="{FB99C43F-7B7B-C143-BF28-74F44730085C}"/>
-              </a:ext>
-            </a:extLst>
-          </p:cNvPr>
-          <p:cNvPicPr>
-            <a:picLocks noChangeAspect="1"/>
-          </p:cNvPicPr>
-          <p:nvPr/>
-        </p:nvPicPr>
-        <p:blipFill rotWithShape="1">
-          <a:blip r:embed="rId4"/>
-          <a:srcRect l="13023" t="23939" r="50351" b="71747"/>
-          <a:stretch/>
-        </p:blipFill>
-        <p:spPr>
-          <a:xfrm>
-            <a:off x="4153677" y="2411110"/>
-            <a:ext cx="4272870" cy="375035"/>
-          </a:xfrm>
-          <a:prstGeom prst="rect">
-            <a:avLst/>
-          </a:prstGeom>
-        </p:spPr>
-      </p:pic>
       <p:sp>
         <p:nvSpPr>
           <p:cNvPr id="26" name="TextBox 25">
@@ -7138,6 +6999,241 @@
           </a:p>
         </p:txBody>
       </p:sp>
+      <p:sp>
+        <p:nvSpPr>
+          <p:cNvPr id="16" name="Rectangle 15">
+            <a:extLst>
+              <a:ext uri="{FF2B5EF4-FFF2-40B4-BE49-F238E27FC236}">
+                <a16:creationId xmlns:a16="http://schemas.microsoft.com/office/drawing/2014/main" id="{3BA95B9C-908A-3942-9905-DA59738A2007}"/>
+              </a:ext>
+            </a:extLst>
+          </p:cNvPr>
+          <p:cNvSpPr/>
+          <p:nvPr/>
+        </p:nvSpPr>
+        <p:spPr>
+          <a:xfrm>
+            <a:off x="7090439" y="3621820"/>
+            <a:ext cx="351046" cy="276498"/>
+          </a:xfrm>
+          <a:prstGeom prst="rect">
+            <a:avLst/>
+          </a:prstGeom>
+          <a:solidFill>
+            <a:schemeClr val="bg1"/>
+          </a:solidFill>
+          <a:ln>
+            <a:noFill/>
+          </a:ln>
+        </p:spPr>
+        <p:style>
+          <a:lnRef idx="2">
+            <a:schemeClr val="accent1">
+              <a:shade val="50000"/>
+            </a:schemeClr>
+          </a:lnRef>
+          <a:fillRef idx="1">
+            <a:schemeClr val="accent1"/>
+          </a:fillRef>
+          <a:effectRef idx="0">
+            <a:schemeClr val="accent1"/>
+          </a:effectRef>
+          <a:fontRef idx="minor">
+            <a:schemeClr val="lt1"/>
+          </a:fontRef>
+        </p:style>
+        <p:txBody>
+          <a:bodyPr rtlCol="0" anchor="ctr"/>
+          <a:lstStyle/>
+          <a:p>
+            <a:pPr marL="0" marR="0" lvl="0" indent="0" algn="ctr" defTabSz="457200" rtl="0" eaLnBrk="1" fontAlgn="auto" latinLnBrk="0" hangingPunct="1">
+              <a:lnSpc>
+                <a:spcPct val="100000"/>
+              </a:lnSpc>
+              <a:spcBef>
+                <a:spcPts val="0"/>
+              </a:spcBef>
+              <a:spcAft>
+                <a:spcPts val="0"/>
+              </a:spcAft>
+              <a:buClrTx/>
+              <a:buSzTx/>
+              <a:buFontTx/>
+              <a:buNone/>
+              <a:tabLst/>
+              <a:defRPr/>
+            </a:pPr>
+            <a:endParaRPr kumimoji="0" lang="en-US" sz="1800" b="0" i="0" u="none" strike="noStrike" kern="1200" cap="none" spc="0" normalizeH="0" baseline="0" noProof="0">
+              <a:ln>
+                <a:noFill/>
+              </a:ln>
+              <a:solidFill>
+                <a:prstClr val="white"/>
+              </a:solidFill>
+              <a:effectLst/>
+              <a:uLnTx/>
+              <a:uFillTx/>
+              <a:latin typeface="Calibri"/>
+              <a:ea typeface="+mn-ea"/>
+              <a:cs typeface="+mn-cs"/>
+            </a:endParaRPr>
+          </a:p>
+        </p:txBody>
+      </p:sp>
+      <p:pic>
+        <p:nvPicPr>
+          <p:cNvPr id="3" name="Picture 2" descr="A person wearing a mask&#10;&#10;Description automatically generated with low confidence">
+            <a:extLst>
+              <a:ext uri="{FF2B5EF4-FFF2-40B4-BE49-F238E27FC236}">
+                <a16:creationId xmlns:a16="http://schemas.microsoft.com/office/drawing/2014/main" id="{B36B5902-0ECA-1C4A-A9E2-9C1855E42EBA}"/>
+              </a:ext>
+            </a:extLst>
+          </p:cNvPr>
+          <p:cNvPicPr>
+            <a:picLocks noChangeAspect="1"/>
+          </p:cNvPicPr>
+          <p:nvPr/>
+        </p:nvPicPr>
+        <p:blipFill>
+          <a:blip r:embed="rId3"/>
+          <a:stretch>
+            <a:fillRect/>
+          </a:stretch>
+        </p:blipFill>
+        <p:spPr>
+          <a:xfrm>
+            <a:off x="2638467" y="2731248"/>
+            <a:ext cx="1581473" cy="1302610"/>
+          </a:xfrm>
+          <a:prstGeom prst="rect">
+            <a:avLst/>
+          </a:prstGeom>
+          <a:ln w="28575">
+            <a:solidFill>
+              <a:srgbClr val="FFFF00"/>
+            </a:solidFill>
+          </a:ln>
+        </p:spPr>
+      </p:pic>
+      <p:pic>
+        <p:nvPicPr>
+          <p:cNvPr id="24" name="Picture 23" descr="A person wearing a mask&#10;&#10;Description automatically generated with low confidence">
+            <a:extLst>
+              <a:ext uri="{FF2B5EF4-FFF2-40B4-BE49-F238E27FC236}">
+                <a16:creationId xmlns:a16="http://schemas.microsoft.com/office/drawing/2014/main" id="{DD2A531C-26E5-1542-9D2C-E2CCCD8F9FFA}"/>
+              </a:ext>
+            </a:extLst>
+          </p:cNvPr>
+          <p:cNvPicPr>
+            <a:picLocks noChangeAspect="1"/>
+          </p:cNvPicPr>
+          <p:nvPr/>
+        </p:nvPicPr>
+        <p:blipFill>
+          <a:blip r:embed="rId3"/>
+          <a:stretch>
+            <a:fillRect/>
+          </a:stretch>
+        </p:blipFill>
+        <p:spPr>
+          <a:xfrm>
+            <a:off x="4327386" y="2718808"/>
+            <a:ext cx="1581473" cy="1302610"/>
+          </a:xfrm>
+          <a:prstGeom prst="rect">
+            <a:avLst/>
+          </a:prstGeom>
+        </p:spPr>
+      </p:pic>
+      <p:pic>
+        <p:nvPicPr>
+          <p:cNvPr id="27" name="Picture 26" descr="A person wearing a mask&#10;&#10;Description automatically generated with low confidence">
+            <a:extLst>
+              <a:ext uri="{FF2B5EF4-FFF2-40B4-BE49-F238E27FC236}">
+                <a16:creationId xmlns:a16="http://schemas.microsoft.com/office/drawing/2014/main" id="{4DC2C7EF-4A75-474A-9775-AD5665402359}"/>
+              </a:ext>
+            </a:extLst>
+          </p:cNvPr>
+          <p:cNvPicPr>
+            <a:picLocks noChangeAspect="1"/>
+          </p:cNvPicPr>
+          <p:nvPr/>
+        </p:nvPicPr>
+        <p:blipFill>
+          <a:blip r:embed="rId3"/>
+          <a:stretch>
+            <a:fillRect/>
+          </a:stretch>
+        </p:blipFill>
+        <p:spPr>
+          <a:xfrm>
+            <a:off x="5991971" y="2711162"/>
+            <a:ext cx="1581473" cy="1302610"/>
+          </a:xfrm>
+          <a:prstGeom prst="rect">
+            <a:avLst/>
+          </a:prstGeom>
+        </p:spPr>
+      </p:pic>
+      <p:pic>
+        <p:nvPicPr>
+          <p:cNvPr id="28" name="Picture 27" descr="A person wearing a mask&#10;&#10;Description automatically generated with low confidence">
+            <a:extLst>
+              <a:ext uri="{FF2B5EF4-FFF2-40B4-BE49-F238E27FC236}">
+                <a16:creationId xmlns:a16="http://schemas.microsoft.com/office/drawing/2014/main" id="{8849EA0B-B471-3D4E-8C78-76837050FF31}"/>
+              </a:ext>
+            </a:extLst>
+          </p:cNvPr>
+          <p:cNvPicPr>
+            <a:picLocks noChangeAspect="1"/>
+          </p:cNvPicPr>
+          <p:nvPr/>
+        </p:nvPicPr>
+        <p:blipFill>
+          <a:blip r:embed="rId3"/>
+          <a:stretch>
+            <a:fillRect/>
+          </a:stretch>
+        </p:blipFill>
+        <p:spPr>
+          <a:xfrm>
+            <a:off x="7656556" y="2713901"/>
+            <a:ext cx="1581473" cy="1302610"/>
+          </a:xfrm>
+          <a:prstGeom prst="rect">
+            <a:avLst/>
+          </a:prstGeom>
+        </p:spPr>
+      </p:pic>
+      <p:pic>
+        <p:nvPicPr>
+          <p:cNvPr id="29" name="Picture 28" descr="Graphical user interface, application&#10;&#10;Description automatically generated">
+            <a:extLst>
+              <a:ext uri="{FF2B5EF4-FFF2-40B4-BE49-F238E27FC236}">
+                <a16:creationId xmlns:a16="http://schemas.microsoft.com/office/drawing/2014/main" id="{6A566880-3247-2647-967D-5C70D56C2A75}"/>
+              </a:ext>
+            </a:extLst>
+          </p:cNvPr>
+          <p:cNvPicPr>
+            <a:picLocks noChangeAspect="1"/>
+          </p:cNvPicPr>
+          <p:nvPr/>
+        </p:nvPicPr>
+        <p:blipFill rotWithShape="1">
+          <a:blip r:embed="rId4"/>
+          <a:srcRect l="13023" t="23939" r="50351" b="71747"/>
+          <a:stretch/>
+        </p:blipFill>
+        <p:spPr>
+          <a:xfrm>
+            <a:off x="3040034" y="2107637"/>
+            <a:ext cx="6156915" cy="540400"/>
+          </a:xfrm>
+          <a:prstGeom prst="rect">
+            <a:avLst/>
+          </a:prstGeom>
+        </p:spPr>
+      </p:pic>
     </p:spTree>
     <p:extLst>
       <p:ext uri="{BB962C8B-B14F-4D97-AF65-F5344CB8AC3E}">

--- a/public/js/tasks/blind_dating/media/Blind_dating_game_instructions.pptx
+++ b/public/js/tasks/blind_dating/media/Blind_dating_game_instructions.pptx
@@ -229,7 +229,7 @@
           <a:p>
             <a:fld id="{5ACDFB13-8C7E-2148-B293-047F9641DD71}" type="datetimeFigureOut">
               <a:rPr lang="en-US" smtClean="0"/>
-              <a:t>7/27/22</a:t>
+              <a:t>7/29/22</a:t>
             </a:fld>
             <a:endParaRPr lang="en-US" dirty="0"/>
           </a:p>
@@ -3077,7 +3077,7 @@
           <a:p>
             <a:fld id="{E69A4D3A-6EF8-7448-AC6F-AD52FEDAA6A8}" type="datetimeFigureOut">
               <a:rPr lang="en-US" smtClean="0"/>
-              <a:t>7/27/22</a:t>
+              <a:t>7/29/22</a:t>
             </a:fld>
             <a:endParaRPr lang="en-US" dirty="0"/>
           </a:p>
@@ -3245,7 +3245,7 @@
           <a:p>
             <a:fld id="{E69A4D3A-6EF8-7448-AC6F-AD52FEDAA6A8}" type="datetimeFigureOut">
               <a:rPr lang="en-US" smtClean="0"/>
-              <a:t>7/27/22</a:t>
+              <a:t>7/29/22</a:t>
             </a:fld>
             <a:endParaRPr lang="en-US" dirty="0"/>
           </a:p>
@@ -3423,7 +3423,7 @@
           <a:p>
             <a:fld id="{E69A4D3A-6EF8-7448-AC6F-AD52FEDAA6A8}" type="datetimeFigureOut">
               <a:rPr lang="en-US" smtClean="0"/>
-              <a:t>7/27/22</a:t>
+              <a:t>7/29/22</a:t>
             </a:fld>
             <a:endParaRPr lang="en-US" dirty="0"/>
           </a:p>
@@ -3591,7 +3591,7 @@
           <a:p>
             <a:fld id="{E69A4D3A-6EF8-7448-AC6F-AD52FEDAA6A8}" type="datetimeFigureOut">
               <a:rPr lang="en-US" smtClean="0"/>
-              <a:t>7/27/22</a:t>
+              <a:t>7/29/22</a:t>
             </a:fld>
             <a:endParaRPr lang="en-US" dirty="0"/>
           </a:p>
@@ -3836,7 +3836,7 @@
           <a:p>
             <a:fld id="{E69A4D3A-6EF8-7448-AC6F-AD52FEDAA6A8}" type="datetimeFigureOut">
               <a:rPr lang="en-US" smtClean="0"/>
-              <a:t>7/27/22</a:t>
+              <a:t>7/29/22</a:t>
             </a:fld>
             <a:endParaRPr lang="en-US" dirty="0"/>
           </a:p>
@@ -4121,7 +4121,7 @@
           <a:p>
             <a:fld id="{E69A4D3A-6EF8-7448-AC6F-AD52FEDAA6A8}" type="datetimeFigureOut">
               <a:rPr lang="en-US" smtClean="0"/>
-              <a:t>7/27/22</a:t>
+              <a:t>7/29/22</a:t>
             </a:fld>
             <a:endParaRPr lang="en-US" dirty="0"/>
           </a:p>
@@ -4540,7 +4540,7 @@
           <a:p>
             <a:fld id="{E69A4D3A-6EF8-7448-AC6F-AD52FEDAA6A8}" type="datetimeFigureOut">
               <a:rPr lang="en-US" smtClean="0"/>
-              <a:t>7/27/22</a:t>
+              <a:t>7/29/22</a:t>
             </a:fld>
             <a:endParaRPr lang="en-US" dirty="0"/>
           </a:p>
@@ -4657,7 +4657,7 @@
           <a:p>
             <a:fld id="{E69A4D3A-6EF8-7448-AC6F-AD52FEDAA6A8}" type="datetimeFigureOut">
               <a:rPr lang="en-US" smtClean="0"/>
-              <a:t>7/27/22</a:t>
+              <a:t>7/29/22</a:t>
             </a:fld>
             <a:endParaRPr lang="en-US" dirty="0"/>
           </a:p>
@@ -4752,7 +4752,7 @@
           <a:p>
             <a:fld id="{E69A4D3A-6EF8-7448-AC6F-AD52FEDAA6A8}" type="datetimeFigureOut">
               <a:rPr lang="en-US" smtClean="0"/>
-              <a:t>7/27/22</a:t>
+              <a:t>7/29/22</a:t>
             </a:fld>
             <a:endParaRPr lang="en-US" dirty="0"/>
           </a:p>
@@ -5027,7 +5027,7 @@
           <a:p>
             <a:fld id="{E69A4D3A-6EF8-7448-AC6F-AD52FEDAA6A8}" type="datetimeFigureOut">
               <a:rPr lang="en-US" smtClean="0"/>
-              <a:t>7/27/22</a:t>
+              <a:t>7/29/22</a:t>
             </a:fld>
             <a:endParaRPr lang="en-US" dirty="0"/>
           </a:p>
@@ -5282,7 +5282,7 @@
           <a:p>
             <a:fld id="{E69A4D3A-6EF8-7448-AC6F-AD52FEDAA6A8}" type="datetimeFigureOut">
               <a:rPr lang="en-US" smtClean="0"/>
-              <a:t>7/27/22</a:t>
+              <a:t>7/29/22</a:t>
             </a:fld>
             <a:endParaRPr lang="en-US" dirty="0"/>
           </a:p>
@@ -5496,7 +5496,7 @@
           <a:p>
             <a:fld id="{E69A4D3A-6EF8-7448-AC6F-AD52FEDAA6A8}" type="datetimeFigureOut">
               <a:rPr lang="en-US" smtClean="0"/>
-              <a:t>7/27/22</a:t>
+              <a:t>7/29/22</a:t>
             </a:fld>
             <a:endParaRPr lang="en-US" dirty="0"/>
           </a:p>
@@ -19776,94 +19776,147 @@
           </p:txBody>
         </p:sp>
       </p:grpSp>
-      <p:pic>
-        <p:nvPicPr>
-          <p:cNvPr id="3" name="Picture 2" descr="Graphical user interface, application&#10;&#10;Description automatically generated">
+      <p:grpSp>
+        <p:nvGrpSpPr>
+          <p:cNvPr id="12" name="Group 11">
             <a:extLst>
               <a:ext uri="{FF2B5EF4-FFF2-40B4-BE49-F238E27FC236}">
-                <a16:creationId xmlns:a16="http://schemas.microsoft.com/office/drawing/2014/main" id="{8E621E4F-6AC9-CC4E-9CD5-AA30289F005B}"/>
+                <a16:creationId xmlns:a16="http://schemas.microsoft.com/office/drawing/2014/main" id="{F2E696C1-0EC1-9846-9B74-9B472C64AF77}"/>
               </a:ext>
             </a:extLst>
           </p:cNvPr>
-          <p:cNvPicPr>
-            <a:picLocks noChangeAspect="1"/>
-          </p:cNvPicPr>
+          <p:cNvGrpSpPr/>
           <p:nvPr/>
-        </p:nvPicPr>
-        <p:blipFill rotWithShape="1">
-          <a:blip r:embed="rId3"/>
-          <a:srcRect l="15336" t="5490" r="20662" b="55830"/>
-          <a:stretch/>
-        </p:blipFill>
-        <p:spPr>
+        </p:nvGrpSpPr>
+        <p:grpSpPr>
           <a:xfrm>
-            <a:off x="3546437" y="2981462"/>
-            <a:ext cx="5099126" cy="1836678"/>
+            <a:off x="3665354" y="3429000"/>
+            <a:ext cx="4861292" cy="970599"/>
+            <a:chOff x="1174269" y="3043959"/>
+            <a:chExt cx="4861292" cy="970599"/>
           </a:xfrm>
-          <a:prstGeom prst="rect">
-            <a:avLst/>
-          </a:prstGeom>
-        </p:spPr>
-      </p:pic>
-      <p:pic>
-        <p:nvPicPr>
-          <p:cNvPr id="5" name="Picture 4" descr="Icon&#10;&#10;Description automatically generated">
-            <a:extLst>
-              <a:ext uri="{FF2B5EF4-FFF2-40B4-BE49-F238E27FC236}">
-                <a16:creationId xmlns:a16="http://schemas.microsoft.com/office/drawing/2014/main" id="{01C08781-C553-F74B-8B16-21F9BD0DC057}"/>
-              </a:ext>
-            </a:extLst>
-          </p:cNvPr>
-          <p:cNvPicPr>
-            <a:picLocks noChangeAspect="1"/>
-          </p:cNvPicPr>
-          <p:nvPr/>
-        </p:nvPicPr>
-        <p:blipFill>
-          <a:blip r:embed="rId4"/>
-          <a:stretch>
-            <a:fillRect/>
-          </a:stretch>
-        </p:blipFill>
-        <p:spPr>
-          <a:xfrm>
-            <a:off x="4975157" y="3298341"/>
-            <a:ext cx="1172359" cy="1284013"/>
-          </a:xfrm>
-          <a:prstGeom prst="rect">
-            <a:avLst/>
-          </a:prstGeom>
-        </p:spPr>
-      </p:pic>
-      <p:pic>
-        <p:nvPicPr>
-          <p:cNvPr id="16" name="Picture 15" descr="Graphical user interface, application&#10;&#10;Description automatically generated">
-            <a:extLst>
-              <a:ext uri="{FF2B5EF4-FFF2-40B4-BE49-F238E27FC236}">
-                <a16:creationId xmlns:a16="http://schemas.microsoft.com/office/drawing/2014/main" id="{61611005-750D-6E4C-8D3F-FAB4FB9DFE9F}"/>
-              </a:ext>
-            </a:extLst>
-          </p:cNvPr>
-          <p:cNvPicPr>
-            <a:picLocks noChangeAspect="1"/>
-          </p:cNvPicPr>
-          <p:nvPr/>
-        </p:nvPicPr>
-        <p:blipFill rotWithShape="1">
-          <a:blip r:embed="rId5"/>
-          <a:srcRect l="13023" t="23939" r="50351" b="71747"/>
-          <a:stretch/>
-        </p:blipFill>
-        <p:spPr>
-          <a:xfrm>
-            <a:off x="4125542" y="3053965"/>
-            <a:ext cx="4272870" cy="375035"/>
-          </a:xfrm>
-          <a:prstGeom prst="rect">
-            <a:avLst/>
-          </a:prstGeom>
-        </p:spPr>
-      </p:pic>
+        </p:grpSpPr>
+        <p:pic>
+          <p:nvPicPr>
+            <p:cNvPr id="21" name="Picture 20" descr="A person wearing a mask&#10;&#10;Description automatically generated with low confidence">
+              <a:extLst>
+                <a:ext uri="{FF2B5EF4-FFF2-40B4-BE49-F238E27FC236}">
+                  <a16:creationId xmlns:a16="http://schemas.microsoft.com/office/drawing/2014/main" id="{8C36E34F-B11D-3040-AB09-E0644F43C2C7}"/>
+                </a:ext>
+              </a:extLst>
+            </p:cNvPr>
+            <p:cNvPicPr>
+              <a:picLocks noChangeAspect="1"/>
+            </p:cNvPicPr>
+            <p:nvPr/>
+          </p:nvPicPr>
+          <p:blipFill>
+            <a:blip r:embed="rId3"/>
+            <a:stretch>
+              <a:fillRect/>
+            </a:stretch>
+          </p:blipFill>
+          <p:spPr>
+            <a:xfrm>
+              <a:off x="1174269" y="3043959"/>
+              <a:ext cx="1178386" cy="970599"/>
+            </a:xfrm>
+            <a:prstGeom prst="rect">
+              <a:avLst/>
+            </a:prstGeom>
+          </p:spPr>
+        </p:pic>
+        <p:pic>
+          <p:nvPicPr>
+            <p:cNvPr id="22" name="Picture 21" descr="A person wearing a mask&#10;&#10;Description automatically generated with low confidence">
+              <a:extLst>
+                <a:ext uri="{FF2B5EF4-FFF2-40B4-BE49-F238E27FC236}">
+                  <a16:creationId xmlns:a16="http://schemas.microsoft.com/office/drawing/2014/main" id="{A17F9E53-AF25-EE4F-8E23-DC4AFB696D9B}"/>
+                </a:ext>
+              </a:extLst>
+            </p:cNvPr>
+            <p:cNvPicPr>
+              <a:picLocks noChangeAspect="1"/>
+            </p:cNvPicPr>
+            <p:nvPr/>
+          </p:nvPicPr>
+          <p:blipFill>
+            <a:blip r:embed="rId3"/>
+            <a:stretch>
+              <a:fillRect/>
+            </a:stretch>
+          </p:blipFill>
+          <p:spPr>
+            <a:xfrm>
+              <a:off x="2405846" y="3043959"/>
+              <a:ext cx="1178386" cy="970599"/>
+            </a:xfrm>
+            <a:prstGeom prst="rect">
+              <a:avLst/>
+            </a:prstGeom>
+          </p:spPr>
+        </p:pic>
+        <p:pic>
+          <p:nvPicPr>
+            <p:cNvPr id="23" name="Picture 22" descr="A person wearing a mask&#10;&#10;Description automatically generated with low confidence">
+              <a:extLst>
+                <a:ext uri="{FF2B5EF4-FFF2-40B4-BE49-F238E27FC236}">
+                  <a16:creationId xmlns:a16="http://schemas.microsoft.com/office/drawing/2014/main" id="{19E80556-6994-9643-8E77-766100E3617E}"/>
+                </a:ext>
+              </a:extLst>
+            </p:cNvPr>
+            <p:cNvPicPr>
+              <a:picLocks noChangeAspect="1"/>
+            </p:cNvPicPr>
+            <p:nvPr/>
+          </p:nvPicPr>
+          <p:blipFill>
+            <a:blip r:embed="rId3"/>
+            <a:stretch>
+              <a:fillRect/>
+            </a:stretch>
+          </p:blipFill>
+          <p:spPr>
+            <a:xfrm>
+              <a:off x="3637423" y="3043959"/>
+              <a:ext cx="1178386" cy="970599"/>
+            </a:xfrm>
+            <a:prstGeom prst="rect">
+              <a:avLst/>
+            </a:prstGeom>
+          </p:spPr>
+        </p:pic>
+        <p:pic>
+          <p:nvPicPr>
+            <p:cNvPr id="24" name="Picture 23" descr="A person wearing a mask&#10;&#10;Description automatically generated with low confidence">
+              <a:extLst>
+                <a:ext uri="{FF2B5EF4-FFF2-40B4-BE49-F238E27FC236}">
+                  <a16:creationId xmlns:a16="http://schemas.microsoft.com/office/drawing/2014/main" id="{C3C19FE4-F40E-AF49-8A62-0F83B661FB9C}"/>
+                </a:ext>
+              </a:extLst>
+            </p:cNvPr>
+            <p:cNvPicPr>
+              <a:picLocks noChangeAspect="1"/>
+            </p:cNvPicPr>
+            <p:nvPr/>
+          </p:nvPicPr>
+          <p:blipFill>
+            <a:blip r:embed="rId3"/>
+            <a:stretch>
+              <a:fillRect/>
+            </a:stretch>
+          </p:blipFill>
+          <p:spPr>
+            <a:xfrm>
+              <a:off x="4857175" y="3043959"/>
+              <a:ext cx="1178386" cy="970599"/>
+            </a:xfrm>
+            <a:prstGeom prst="rect">
+              <a:avLst/>
+            </a:prstGeom>
+          </p:spPr>
+        </p:pic>
+      </p:grpSp>
     </p:spTree>
     <p:extLst>
       <p:ext uri="{BB962C8B-B14F-4D97-AF65-F5344CB8AC3E}">
@@ -20525,116 +20578,267 @@
           </p:txBody>
         </p:sp>
       </p:grpSp>
-      <p:sp>
-        <p:nvSpPr>
-          <p:cNvPr id="22" name="Rectangle 21">
+      <p:grpSp>
+        <p:nvGrpSpPr>
+          <p:cNvPr id="2" name="Group 1">
             <a:extLst>
               <a:ext uri="{FF2B5EF4-FFF2-40B4-BE49-F238E27FC236}">
-                <a16:creationId xmlns:a16="http://schemas.microsoft.com/office/drawing/2014/main" id="{A16C7A9F-9658-BC44-AD6C-EA189B9D7E52}"/>
+                <a16:creationId xmlns:a16="http://schemas.microsoft.com/office/drawing/2014/main" id="{0641F8A9-1068-BC4D-9A11-D8C3DE6BEB53}"/>
               </a:ext>
             </a:extLst>
           </p:cNvPr>
-          <p:cNvSpPr/>
+          <p:cNvGrpSpPr/>
           <p:nvPr/>
-        </p:nvSpPr>
-        <p:spPr>
+        </p:nvGrpSpPr>
+        <p:grpSpPr>
           <a:xfrm>
-            <a:off x="7672815" y="3522659"/>
-            <a:ext cx="351046" cy="276498"/>
+            <a:off x="1174269" y="3043959"/>
+            <a:ext cx="9843461" cy="970599"/>
+            <a:chOff x="315379" y="2955191"/>
+            <a:chExt cx="12482053" cy="1230773"/>
           </a:xfrm>
-          <a:prstGeom prst="rect">
-            <a:avLst/>
-          </a:prstGeom>
-          <a:solidFill>
-            <a:schemeClr val="bg1"/>
-          </a:solidFill>
-          <a:ln>
-            <a:noFill/>
-          </a:ln>
-        </p:spPr>
-        <p:style>
-          <a:lnRef idx="2">
-            <a:schemeClr val="accent1">
-              <a:shade val="50000"/>
-            </a:schemeClr>
-          </a:lnRef>
-          <a:fillRef idx="1">
-            <a:schemeClr val="accent1"/>
-          </a:fillRef>
-          <a:effectRef idx="0">
-            <a:schemeClr val="accent1"/>
-          </a:effectRef>
-          <a:fontRef idx="minor">
-            <a:schemeClr val="lt1"/>
-          </a:fontRef>
-        </p:style>
-        <p:txBody>
-          <a:bodyPr rtlCol="0" anchor="ctr"/>
-          <a:lstStyle/>
-          <a:p>
-            <a:pPr algn="ctr"/>
-            <a:endParaRPr lang="en-US"/>
-          </a:p>
-        </p:txBody>
-      </p:sp>
-      <p:pic>
-        <p:nvPicPr>
-          <p:cNvPr id="23" name="Picture 22" descr="Graphical user interface&#10;&#10;Description automatically generated">
-            <a:extLst>
-              <a:ext uri="{FF2B5EF4-FFF2-40B4-BE49-F238E27FC236}">
-                <a16:creationId xmlns:a16="http://schemas.microsoft.com/office/drawing/2014/main" id="{BAA688E1-BD8F-CD4D-A3C5-12B3D88BB1D1}"/>
-              </a:ext>
-            </a:extLst>
-          </p:cNvPr>
-          <p:cNvPicPr>
-            <a:picLocks noChangeAspect="1"/>
-          </p:cNvPicPr>
-          <p:nvPr/>
-        </p:nvPicPr>
-        <p:blipFill rotWithShape="1">
-          <a:blip r:embed="rId3"/>
-          <a:srcRect l="8889" t="26039" r="8889" b="54353"/>
-          <a:stretch/>
-        </p:blipFill>
-        <p:spPr>
-          <a:xfrm>
-            <a:off x="1617216" y="2528495"/>
-            <a:ext cx="8957567" cy="1592355"/>
-          </a:xfrm>
-          <a:prstGeom prst="rect">
-            <a:avLst/>
-          </a:prstGeom>
-        </p:spPr>
-      </p:pic>
-      <p:pic>
-        <p:nvPicPr>
-          <p:cNvPr id="25" name="Picture 24" descr="Graphical user interface, application&#10;&#10;Description automatically generated">
-            <a:extLst>
-              <a:ext uri="{FF2B5EF4-FFF2-40B4-BE49-F238E27FC236}">
-                <a16:creationId xmlns:a16="http://schemas.microsoft.com/office/drawing/2014/main" id="{3A291A69-2B76-D448-A449-1B991D606420}"/>
-              </a:ext>
-            </a:extLst>
-          </p:cNvPr>
-          <p:cNvPicPr>
-            <a:picLocks noChangeAspect="1"/>
-          </p:cNvPicPr>
-          <p:nvPr/>
-        </p:nvPicPr>
-        <p:blipFill rotWithShape="1">
-          <a:blip r:embed="rId4"/>
-          <a:srcRect l="13023" t="23939" r="12488" b="72186"/>
-          <a:stretch/>
-        </p:blipFill>
-        <p:spPr>
-          <a:xfrm>
-            <a:off x="2080079" y="2349125"/>
-            <a:ext cx="8104930" cy="314244"/>
-          </a:xfrm>
-          <a:prstGeom prst="rect">
-            <a:avLst/>
-          </a:prstGeom>
-        </p:spPr>
-      </p:pic>
+        </p:grpSpPr>
+        <p:pic>
+          <p:nvPicPr>
+            <p:cNvPr id="13" name="Picture 12" descr="A person wearing a mask&#10;&#10;Description automatically generated with low confidence">
+              <a:extLst>
+                <a:ext uri="{FF2B5EF4-FFF2-40B4-BE49-F238E27FC236}">
+                  <a16:creationId xmlns:a16="http://schemas.microsoft.com/office/drawing/2014/main" id="{B8156BD0-FF24-B346-A14E-18077689C91C}"/>
+                </a:ext>
+              </a:extLst>
+            </p:cNvPr>
+            <p:cNvPicPr>
+              <a:picLocks noChangeAspect="1"/>
+            </p:cNvPicPr>
+            <p:nvPr/>
+          </p:nvPicPr>
+          <p:blipFill>
+            <a:blip r:embed="rId3"/>
+            <a:stretch>
+              <a:fillRect/>
+            </a:stretch>
+          </p:blipFill>
+          <p:spPr>
+            <a:xfrm>
+              <a:off x="315379" y="2955191"/>
+              <a:ext cx="1494258" cy="1230773"/>
+            </a:xfrm>
+            <a:prstGeom prst="rect">
+              <a:avLst/>
+            </a:prstGeom>
+          </p:spPr>
+        </p:pic>
+        <p:pic>
+          <p:nvPicPr>
+            <p:cNvPr id="16" name="Picture 15" descr="A person wearing a mask&#10;&#10;Description automatically generated with low confidence">
+              <a:extLst>
+                <a:ext uri="{FF2B5EF4-FFF2-40B4-BE49-F238E27FC236}">
+                  <a16:creationId xmlns:a16="http://schemas.microsoft.com/office/drawing/2014/main" id="{CF19374D-609F-E243-8776-852F67083855}"/>
+                </a:ext>
+              </a:extLst>
+            </p:cNvPr>
+            <p:cNvPicPr>
+              <a:picLocks noChangeAspect="1"/>
+            </p:cNvPicPr>
+            <p:nvPr/>
+          </p:nvPicPr>
+          <p:blipFill>
+            <a:blip r:embed="rId3"/>
+            <a:stretch>
+              <a:fillRect/>
+            </a:stretch>
+          </p:blipFill>
+          <p:spPr>
+            <a:xfrm>
+              <a:off x="1877087" y="2955191"/>
+              <a:ext cx="1494258" cy="1230773"/>
+            </a:xfrm>
+            <a:prstGeom prst="rect">
+              <a:avLst/>
+            </a:prstGeom>
+          </p:spPr>
+        </p:pic>
+        <p:pic>
+          <p:nvPicPr>
+            <p:cNvPr id="20" name="Picture 19" descr="A person wearing a mask&#10;&#10;Description automatically generated with low confidence">
+              <a:extLst>
+                <a:ext uri="{FF2B5EF4-FFF2-40B4-BE49-F238E27FC236}">
+                  <a16:creationId xmlns:a16="http://schemas.microsoft.com/office/drawing/2014/main" id="{149DC621-EEDB-4D4E-B963-D1886E498022}"/>
+                </a:ext>
+              </a:extLst>
+            </p:cNvPr>
+            <p:cNvPicPr>
+              <a:picLocks noChangeAspect="1"/>
+            </p:cNvPicPr>
+            <p:nvPr/>
+          </p:nvPicPr>
+          <p:blipFill>
+            <a:blip r:embed="rId3"/>
+            <a:stretch>
+              <a:fillRect/>
+            </a:stretch>
+          </p:blipFill>
+          <p:spPr>
+            <a:xfrm>
+              <a:off x="3438795" y="2955191"/>
+              <a:ext cx="1494258" cy="1230773"/>
+            </a:xfrm>
+            <a:prstGeom prst="rect">
+              <a:avLst/>
+            </a:prstGeom>
+          </p:spPr>
+        </p:pic>
+        <p:pic>
+          <p:nvPicPr>
+            <p:cNvPr id="21" name="Picture 20" descr="A person wearing a mask&#10;&#10;Description automatically generated with low confidence">
+              <a:extLst>
+                <a:ext uri="{FF2B5EF4-FFF2-40B4-BE49-F238E27FC236}">
+                  <a16:creationId xmlns:a16="http://schemas.microsoft.com/office/drawing/2014/main" id="{66BC36A4-00D2-224F-96A4-DA09169D4F86}"/>
+                </a:ext>
+              </a:extLst>
+            </p:cNvPr>
+            <p:cNvPicPr>
+              <a:picLocks noChangeAspect="1"/>
+            </p:cNvPicPr>
+            <p:nvPr/>
+          </p:nvPicPr>
+          <p:blipFill>
+            <a:blip r:embed="rId3"/>
+            <a:stretch>
+              <a:fillRect/>
+            </a:stretch>
+          </p:blipFill>
+          <p:spPr>
+            <a:xfrm>
+              <a:off x="5019116" y="2955191"/>
+              <a:ext cx="1494258" cy="1230773"/>
+            </a:xfrm>
+            <a:prstGeom prst="rect">
+              <a:avLst/>
+            </a:prstGeom>
+          </p:spPr>
+        </p:pic>
+        <p:pic>
+          <p:nvPicPr>
+            <p:cNvPr id="24" name="Picture 23" descr="A person wearing a mask&#10;&#10;Description automatically generated with low confidence">
+              <a:extLst>
+                <a:ext uri="{FF2B5EF4-FFF2-40B4-BE49-F238E27FC236}">
+                  <a16:creationId xmlns:a16="http://schemas.microsoft.com/office/drawing/2014/main" id="{CACA5DD5-1BEB-B941-ACEE-D229C6CC1FC8}"/>
+                </a:ext>
+              </a:extLst>
+            </p:cNvPr>
+            <p:cNvPicPr>
+              <a:picLocks noChangeAspect="1"/>
+            </p:cNvPicPr>
+            <p:nvPr/>
+          </p:nvPicPr>
+          <p:blipFill>
+            <a:blip r:embed="rId3"/>
+            <a:stretch>
+              <a:fillRect/>
+            </a:stretch>
+          </p:blipFill>
+          <p:spPr>
+            <a:xfrm>
+              <a:off x="6599437" y="2955191"/>
+              <a:ext cx="1494258" cy="1230773"/>
+            </a:xfrm>
+            <a:prstGeom prst="rect">
+              <a:avLst/>
+            </a:prstGeom>
+          </p:spPr>
+        </p:pic>
+        <p:pic>
+          <p:nvPicPr>
+            <p:cNvPr id="26" name="Picture 25" descr="A person wearing a mask&#10;&#10;Description automatically generated with low confidence">
+              <a:extLst>
+                <a:ext uri="{FF2B5EF4-FFF2-40B4-BE49-F238E27FC236}">
+                  <a16:creationId xmlns:a16="http://schemas.microsoft.com/office/drawing/2014/main" id="{9CD35228-D182-4148-9C39-127C95030C46}"/>
+                </a:ext>
+              </a:extLst>
+            </p:cNvPr>
+            <p:cNvPicPr>
+              <a:picLocks noChangeAspect="1"/>
+            </p:cNvPicPr>
+            <p:nvPr/>
+          </p:nvPicPr>
+          <p:blipFill>
+            <a:blip r:embed="rId3"/>
+            <a:stretch>
+              <a:fillRect/>
+            </a:stretch>
+          </p:blipFill>
+          <p:spPr>
+            <a:xfrm>
+              <a:off x="8161145" y="2955191"/>
+              <a:ext cx="1494258" cy="1230773"/>
+            </a:xfrm>
+            <a:prstGeom prst="rect">
+              <a:avLst/>
+            </a:prstGeom>
+          </p:spPr>
+        </p:pic>
+        <p:pic>
+          <p:nvPicPr>
+            <p:cNvPr id="27" name="Picture 26" descr="A person wearing a mask&#10;&#10;Description automatically generated with low confidence">
+              <a:extLst>
+                <a:ext uri="{FF2B5EF4-FFF2-40B4-BE49-F238E27FC236}">
+                  <a16:creationId xmlns:a16="http://schemas.microsoft.com/office/drawing/2014/main" id="{AC0A0E79-988C-EB4D-957D-A251E4B84326}"/>
+                </a:ext>
+              </a:extLst>
+            </p:cNvPr>
+            <p:cNvPicPr>
+              <a:picLocks noChangeAspect="1"/>
+            </p:cNvPicPr>
+            <p:nvPr/>
+          </p:nvPicPr>
+          <p:blipFill>
+            <a:blip r:embed="rId3"/>
+            <a:stretch>
+              <a:fillRect/>
+            </a:stretch>
+          </p:blipFill>
+          <p:spPr>
+            <a:xfrm>
+              <a:off x="9722853" y="2955191"/>
+              <a:ext cx="1494258" cy="1230773"/>
+            </a:xfrm>
+            <a:prstGeom prst="rect">
+              <a:avLst/>
+            </a:prstGeom>
+          </p:spPr>
+        </p:pic>
+        <p:pic>
+          <p:nvPicPr>
+            <p:cNvPr id="28" name="Picture 27" descr="A person wearing a mask&#10;&#10;Description automatically generated with low confidence">
+              <a:extLst>
+                <a:ext uri="{FF2B5EF4-FFF2-40B4-BE49-F238E27FC236}">
+                  <a16:creationId xmlns:a16="http://schemas.microsoft.com/office/drawing/2014/main" id="{5937BF69-7433-FD40-991F-A12C0465DD3F}"/>
+                </a:ext>
+              </a:extLst>
+            </p:cNvPr>
+            <p:cNvPicPr>
+              <a:picLocks noChangeAspect="1"/>
+            </p:cNvPicPr>
+            <p:nvPr/>
+          </p:nvPicPr>
+          <p:blipFill>
+            <a:blip r:embed="rId3"/>
+            <a:stretch>
+              <a:fillRect/>
+            </a:stretch>
+          </p:blipFill>
+          <p:spPr>
+            <a:xfrm>
+              <a:off x="11303174" y="2955191"/>
+              <a:ext cx="1494258" cy="1230773"/>
+            </a:xfrm>
+            <a:prstGeom prst="rect">
+              <a:avLst/>
+            </a:prstGeom>
+          </p:spPr>
+        </p:pic>
+      </p:grpSp>
     </p:spTree>
     <p:extLst>
       <p:ext uri="{BB962C8B-B14F-4D97-AF65-F5344CB8AC3E}">

--- a/public/js/tasks/blind_dating/media/Blind_dating_game_instructions.pptx
+++ b/public/js/tasks/blind_dating/media/Blind_dating_game_instructions.pptx
@@ -229,7 +229,7 @@
           <a:p>
             <a:fld id="{5ACDFB13-8C7E-2148-B293-047F9641DD71}" type="datetimeFigureOut">
               <a:rPr lang="en-US" smtClean="0"/>
-              <a:t>7/29/22</a:t>
+              <a:t>8/4/22</a:t>
             </a:fld>
             <a:endParaRPr lang="en-US" dirty="0"/>
           </a:p>
@@ -3077,7 +3077,7 @@
           <a:p>
             <a:fld id="{E69A4D3A-6EF8-7448-AC6F-AD52FEDAA6A8}" type="datetimeFigureOut">
               <a:rPr lang="en-US" smtClean="0"/>
-              <a:t>7/29/22</a:t>
+              <a:t>8/4/22</a:t>
             </a:fld>
             <a:endParaRPr lang="en-US" dirty="0"/>
           </a:p>
@@ -3245,7 +3245,7 @@
           <a:p>
             <a:fld id="{E69A4D3A-6EF8-7448-AC6F-AD52FEDAA6A8}" type="datetimeFigureOut">
               <a:rPr lang="en-US" smtClean="0"/>
-              <a:t>7/29/22</a:t>
+              <a:t>8/4/22</a:t>
             </a:fld>
             <a:endParaRPr lang="en-US" dirty="0"/>
           </a:p>
@@ -3423,7 +3423,7 @@
           <a:p>
             <a:fld id="{E69A4D3A-6EF8-7448-AC6F-AD52FEDAA6A8}" type="datetimeFigureOut">
               <a:rPr lang="en-US" smtClean="0"/>
-              <a:t>7/29/22</a:t>
+              <a:t>8/4/22</a:t>
             </a:fld>
             <a:endParaRPr lang="en-US" dirty="0"/>
           </a:p>
@@ -3591,7 +3591,7 @@
           <a:p>
             <a:fld id="{E69A4D3A-6EF8-7448-AC6F-AD52FEDAA6A8}" type="datetimeFigureOut">
               <a:rPr lang="en-US" smtClean="0"/>
-              <a:t>7/29/22</a:t>
+              <a:t>8/4/22</a:t>
             </a:fld>
             <a:endParaRPr lang="en-US" dirty="0"/>
           </a:p>
@@ -3836,7 +3836,7 @@
           <a:p>
             <a:fld id="{E69A4D3A-6EF8-7448-AC6F-AD52FEDAA6A8}" type="datetimeFigureOut">
               <a:rPr lang="en-US" smtClean="0"/>
-              <a:t>7/29/22</a:t>
+              <a:t>8/4/22</a:t>
             </a:fld>
             <a:endParaRPr lang="en-US" dirty="0"/>
           </a:p>
@@ -4121,7 +4121,7 @@
           <a:p>
             <a:fld id="{E69A4D3A-6EF8-7448-AC6F-AD52FEDAA6A8}" type="datetimeFigureOut">
               <a:rPr lang="en-US" smtClean="0"/>
-              <a:t>7/29/22</a:t>
+              <a:t>8/4/22</a:t>
             </a:fld>
             <a:endParaRPr lang="en-US" dirty="0"/>
           </a:p>
@@ -4540,7 +4540,7 @@
           <a:p>
             <a:fld id="{E69A4D3A-6EF8-7448-AC6F-AD52FEDAA6A8}" type="datetimeFigureOut">
               <a:rPr lang="en-US" smtClean="0"/>
-              <a:t>7/29/22</a:t>
+              <a:t>8/4/22</a:t>
             </a:fld>
             <a:endParaRPr lang="en-US" dirty="0"/>
           </a:p>
@@ -4657,7 +4657,7 @@
           <a:p>
             <a:fld id="{E69A4D3A-6EF8-7448-AC6F-AD52FEDAA6A8}" type="datetimeFigureOut">
               <a:rPr lang="en-US" smtClean="0"/>
-              <a:t>7/29/22</a:t>
+              <a:t>8/4/22</a:t>
             </a:fld>
             <a:endParaRPr lang="en-US" dirty="0"/>
           </a:p>
@@ -4752,7 +4752,7 @@
           <a:p>
             <a:fld id="{E69A4D3A-6EF8-7448-AC6F-AD52FEDAA6A8}" type="datetimeFigureOut">
               <a:rPr lang="en-US" smtClean="0"/>
-              <a:t>7/29/22</a:t>
+              <a:t>8/4/22</a:t>
             </a:fld>
             <a:endParaRPr lang="en-US" dirty="0"/>
           </a:p>
@@ -5027,7 +5027,7 @@
           <a:p>
             <a:fld id="{E69A4D3A-6EF8-7448-AC6F-AD52FEDAA6A8}" type="datetimeFigureOut">
               <a:rPr lang="en-US" smtClean="0"/>
-              <a:t>7/29/22</a:t>
+              <a:t>8/4/22</a:t>
             </a:fld>
             <a:endParaRPr lang="en-US" dirty="0"/>
           </a:p>
@@ -5282,7 +5282,7 @@
           <a:p>
             <a:fld id="{E69A4D3A-6EF8-7448-AC6F-AD52FEDAA6A8}" type="datetimeFigureOut">
               <a:rPr lang="en-US" smtClean="0"/>
-              <a:t>7/29/22</a:t>
+              <a:t>8/4/22</a:t>
             </a:fld>
             <a:endParaRPr lang="en-US" dirty="0"/>
           </a:p>
@@ -5496,7 +5496,7 @@
           <a:p>
             <a:fld id="{E69A4D3A-6EF8-7448-AC6F-AD52FEDAA6A8}" type="datetimeFigureOut">
               <a:rPr lang="en-US" smtClean="0"/>
-              <a:t>7/29/22</a:t>
+              <a:t>8/4/22</a:t>
             </a:fld>
             <a:endParaRPr lang="en-US" dirty="0"/>
           </a:p>
@@ -7109,100 +7109,8 @@
             <a:avLst/>
           </a:prstGeom>
           <a:ln w="28575">
-            <a:solidFill>
-              <a:srgbClr val="FFFF00"/>
-            </a:solidFill>
+            <a:noFill/>
           </a:ln>
-        </p:spPr>
-      </p:pic>
-      <p:pic>
-        <p:nvPicPr>
-          <p:cNvPr id="24" name="Picture 23" descr="A person wearing a mask&#10;&#10;Description automatically generated with low confidence">
-            <a:extLst>
-              <a:ext uri="{FF2B5EF4-FFF2-40B4-BE49-F238E27FC236}">
-                <a16:creationId xmlns:a16="http://schemas.microsoft.com/office/drawing/2014/main" id="{DD2A531C-26E5-1542-9D2C-E2CCCD8F9FFA}"/>
-              </a:ext>
-            </a:extLst>
-          </p:cNvPr>
-          <p:cNvPicPr>
-            <a:picLocks noChangeAspect="1"/>
-          </p:cNvPicPr>
-          <p:nvPr/>
-        </p:nvPicPr>
-        <p:blipFill>
-          <a:blip r:embed="rId3"/>
-          <a:stretch>
-            <a:fillRect/>
-          </a:stretch>
-        </p:blipFill>
-        <p:spPr>
-          <a:xfrm>
-            <a:off x="4327386" y="2718808"/>
-            <a:ext cx="1581473" cy="1302610"/>
-          </a:xfrm>
-          <a:prstGeom prst="rect">
-            <a:avLst/>
-          </a:prstGeom>
-        </p:spPr>
-      </p:pic>
-      <p:pic>
-        <p:nvPicPr>
-          <p:cNvPr id="27" name="Picture 26" descr="A person wearing a mask&#10;&#10;Description automatically generated with low confidence">
-            <a:extLst>
-              <a:ext uri="{FF2B5EF4-FFF2-40B4-BE49-F238E27FC236}">
-                <a16:creationId xmlns:a16="http://schemas.microsoft.com/office/drawing/2014/main" id="{4DC2C7EF-4A75-474A-9775-AD5665402359}"/>
-              </a:ext>
-            </a:extLst>
-          </p:cNvPr>
-          <p:cNvPicPr>
-            <a:picLocks noChangeAspect="1"/>
-          </p:cNvPicPr>
-          <p:nvPr/>
-        </p:nvPicPr>
-        <p:blipFill>
-          <a:blip r:embed="rId3"/>
-          <a:stretch>
-            <a:fillRect/>
-          </a:stretch>
-        </p:blipFill>
-        <p:spPr>
-          <a:xfrm>
-            <a:off x="5991971" y="2711162"/>
-            <a:ext cx="1581473" cy="1302610"/>
-          </a:xfrm>
-          <a:prstGeom prst="rect">
-            <a:avLst/>
-          </a:prstGeom>
-        </p:spPr>
-      </p:pic>
-      <p:pic>
-        <p:nvPicPr>
-          <p:cNvPr id="28" name="Picture 27" descr="A person wearing a mask&#10;&#10;Description automatically generated with low confidence">
-            <a:extLst>
-              <a:ext uri="{FF2B5EF4-FFF2-40B4-BE49-F238E27FC236}">
-                <a16:creationId xmlns:a16="http://schemas.microsoft.com/office/drawing/2014/main" id="{8849EA0B-B471-3D4E-8C78-76837050FF31}"/>
-              </a:ext>
-            </a:extLst>
-          </p:cNvPr>
-          <p:cNvPicPr>
-            <a:picLocks noChangeAspect="1"/>
-          </p:cNvPicPr>
-          <p:nvPr/>
-        </p:nvPicPr>
-        <p:blipFill>
-          <a:blip r:embed="rId3"/>
-          <a:stretch>
-            <a:fillRect/>
-          </a:stretch>
-        </p:blipFill>
-        <p:spPr>
-          <a:xfrm>
-            <a:off x="7656556" y="2713901"/>
-            <a:ext cx="1581473" cy="1302610"/>
-          </a:xfrm>
-          <a:prstGeom prst="rect">
-            <a:avLst/>
-          </a:prstGeom>
         </p:spPr>
       </p:pic>
       <p:pic>
@@ -7232,6 +7140,107 @@
           <a:prstGeom prst="rect">
             <a:avLst/>
           </a:prstGeom>
+        </p:spPr>
+      </p:pic>
+      <p:pic>
+        <p:nvPicPr>
+          <p:cNvPr id="23" name="Picture 22" descr="A person wearing a mask&#10;&#10;Description automatically generated with low confidence">
+            <a:extLst>
+              <a:ext uri="{FF2B5EF4-FFF2-40B4-BE49-F238E27FC236}">
+                <a16:creationId xmlns:a16="http://schemas.microsoft.com/office/drawing/2014/main" id="{9AE88937-05AD-0344-95B5-17CA6C99F91F}"/>
+              </a:ext>
+            </a:extLst>
+          </p:cNvPr>
+          <p:cNvPicPr>
+            <a:picLocks noChangeAspect="1"/>
+          </p:cNvPicPr>
+          <p:nvPr/>
+        </p:nvPicPr>
+        <p:blipFill>
+          <a:blip r:embed="rId3"/>
+          <a:stretch>
+            <a:fillRect/>
+          </a:stretch>
+        </p:blipFill>
+        <p:spPr>
+          <a:xfrm>
+            <a:off x="4310825" y="2724965"/>
+            <a:ext cx="1581473" cy="1302610"/>
+          </a:xfrm>
+          <a:prstGeom prst="rect">
+            <a:avLst/>
+          </a:prstGeom>
+          <a:ln w="38100">
+            <a:solidFill>
+              <a:srgbClr val="FFFF00"/>
+            </a:solidFill>
+          </a:ln>
+        </p:spPr>
+      </p:pic>
+      <p:pic>
+        <p:nvPicPr>
+          <p:cNvPr id="25" name="Picture 24" descr="A person wearing a mask&#10;&#10;Description automatically generated with low confidence">
+            <a:extLst>
+              <a:ext uri="{FF2B5EF4-FFF2-40B4-BE49-F238E27FC236}">
+                <a16:creationId xmlns:a16="http://schemas.microsoft.com/office/drawing/2014/main" id="{B81C0B28-56BC-144C-BF6C-BC86C0F8204E}"/>
+              </a:ext>
+            </a:extLst>
+          </p:cNvPr>
+          <p:cNvPicPr>
+            <a:picLocks noChangeAspect="1"/>
+          </p:cNvPicPr>
+          <p:nvPr/>
+        </p:nvPicPr>
+        <p:blipFill>
+          <a:blip r:embed="rId3"/>
+          <a:stretch>
+            <a:fillRect/>
+          </a:stretch>
+        </p:blipFill>
+        <p:spPr>
+          <a:xfrm>
+            <a:off x="5983183" y="2724965"/>
+            <a:ext cx="1581473" cy="1302610"/>
+          </a:xfrm>
+          <a:prstGeom prst="rect">
+            <a:avLst/>
+          </a:prstGeom>
+          <a:ln w="28575">
+            <a:noFill/>
+          </a:ln>
+        </p:spPr>
+      </p:pic>
+      <p:pic>
+        <p:nvPicPr>
+          <p:cNvPr id="30" name="Picture 29" descr="A person wearing a mask&#10;&#10;Description automatically generated with low confidence">
+            <a:extLst>
+              <a:ext uri="{FF2B5EF4-FFF2-40B4-BE49-F238E27FC236}">
+                <a16:creationId xmlns:a16="http://schemas.microsoft.com/office/drawing/2014/main" id="{9216CD5A-C79C-4B40-B639-92A4F021ACE3}"/>
+              </a:ext>
+            </a:extLst>
+          </p:cNvPr>
+          <p:cNvPicPr>
+            <a:picLocks noChangeAspect="1"/>
+          </p:cNvPicPr>
+          <p:nvPr/>
+        </p:nvPicPr>
+        <p:blipFill>
+          <a:blip r:embed="rId3"/>
+          <a:stretch>
+            <a:fillRect/>
+          </a:stretch>
+        </p:blipFill>
+        <p:spPr>
+          <a:xfrm>
+            <a:off x="7656556" y="2724965"/>
+            <a:ext cx="1581473" cy="1302610"/>
+          </a:xfrm>
+          <a:prstGeom prst="rect">
+            <a:avLst/>
+          </a:prstGeom>
+          <a:ln w="28575">
+            <a:noFill/>
+          </a:ln>
         </p:spPr>
       </p:pic>
     </p:spTree>
@@ -7290,7 +7299,7 @@
         </p:nvSpPr>
         <p:spPr>
           <a:xfrm>
-            <a:off x="840890" y="450398"/>
+            <a:off x="840888" y="313327"/>
             <a:ext cx="10510220" cy="1856486"/>
           </a:xfrm>
         </p:spPr>
@@ -7305,17 +7314,13 @@
             </a:pPr>
             <a:r>
               <a:rPr lang="en-US" dirty="0"/>
-              <a:t>Once you see the “select” or “wait” options, you will have </a:t>
+              <a:t>Once you see the “accept” or “reject” options, you will have </a:t>
             </a:r>
           </a:p>
           <a:p>
             <a:pPr marL="0" indent="0">
               <a:buNone/>
             </a:pPr>
-            <a:r>
-              <a:rPr lang="en-US" b="1" u="sng" dirty="0"/>
-              <a:t>5 seconds </a:t>
-            </a:r>
             <a:r>
               <a:rPr lang="en-US" dirty="0"/>
               <a:t>to decide to select this person for a date or to wait and see if a better match comes along. </a:t>
@@ -7989,64 +7994,6 @@
           </a:p>
         </p:txBody>
       </p:sp>
-      <p:pic>
-        <p:nvPicPr>
-          <p:cNvPr id="18" name="Picture 17" descr="Graphical user interface, application&#10;&#10;Description automatically generated">
-            <a:extLst>
-              <a:ext uri="{FF2B5EF4-FFF2-40B4-BE49-F238E27FC236}">
-                <a16:creationId xmlns:a16="http://schemas.microsoft.com/office/drawing/2014/main" id="{AD300D3A-7D09-A646-8981-0B63BD2540E7}"/>
-              </a:ext>
-            </a:extLst>
-          </p:cNvPr>
-          <p:cNvPicPr>
-            <a:picLocks noChangeAspect="1"/>
-          </p:cNvPicPr>
-          <p:nvPr/>
-        </p:nvPicPr>
-        <p:blipFill rotWithShape="1">
-          <a:blip r:embed="rId3"/>
-          <a:srcRect l="15336" t="5490" r="20662" b="55830"/>
-          <a:stretch/>
-        </p:blipFill>
-        <p:spPr>
-          <a:xfrm>
-            <a:off x="3546437" y="2346659"/>
-            <a:ext cx="5099126" cy="1836678"/>
-          </a:xfrm>
-          <a:prstGeom prst="rect">
-            <a:avLst/>
-          </a:prstGeom>
-        </p:spPr>
-      </p:pic>
-      <p:pic>
-        <p:nvPicPr>
-          <p:cNvPr id="19" name="Picture 18" descr="Graphical user interface, application&#10;&#10;Description automatically generated">
-            <a:extLst>
-              <a:ext uri="{FF2B5EF4-FFF2-40B4-BE49-F238E27FC236}">
-                <a16:creationId xmlns:a16="http://schemas.microsoft.com/office/drawing/2014/main" id="{59248360-8B4C-844D-8A4F-32F066EA041A}"/>
-              </a:ext>
-            </a:extLst>
-          </p:cNvPr>
-          <p:cNvPicPr>
-            <a:picLocks noChangeAspect="1"/>
-          </p:cNvPicPr>
-          <p:nvPr/>
-        </p:nvPicPr>
-        <p:blipFill rotWithShape="1">
-          <a:blip r:embed="rId4"/>
-          <a:srcRect l="13023" t="23939" r="50351" b="71747"/>
-          <a:stretch/>
-        </p:blipFill>
-        <p:spPr>
-          <a:xfrm>
-            <a:off x="4153677" y="2411110"/>
-            <a:ext cx="4272870" cy="375035"/>
-          </a:xfrm>
-          <a:prstGeom prst="rect">
-            <a:avLst/>
-          </a:prstGeom>
-        </p:spPr>
-      </p:pic>
       <p:sp>
         <p:nvSpPr>
           <p:cNvPr id="20" name="TextBox 19">
@@ -8087,10 +8034,43 @@
       </p:sp>
       <p:pic>
         <p:nvPicPr>
-          <p:cNvPr id="3" name="Picture 2" descr="Graphical user interface, application&#10;&#10;Description automatically generated">
+          <p:cNvPr id="16" name="Picture 15" descr="A person wearing a mask&#10;&#10;Description automatically generated with low confidence">
             <a:extLst>
               <a:ext uri="{FF2B5EF4-FFF2-40B4-BE49-F238E27FC236}">
-                <a16:creationId xmlns:a16="http://schemas.microsoft.com/office/drawing/2014/main" id="{0237FEF2-0505-6641-B00D-4F49E9F13AB2}"/>
+                <a16:creationId xmlns:a16="http://schemas.microsoft.com/office/drawing/2014/main" id="{91F390F5-615C-CC43-BEAE-4205791E5142}"/>
+              </a:ext>
+            </a:extLst>
+          </p:cNvPr>
+          <p:cNvPicPr>
+            <a:picLocks noChangeAspect="1"/>
+          </p:cNvPicPr>
+          <p:nvPr/>
+        </p:nvPicPr>
+        <p:blipFill>
+          <a:blip r:embed="rId3"/>
+          <a:stretch>
+            <a:fillRect/>
+          </a:stretch>
+        </p:blipFill>
+        <p:spPr>
+          <a:xfrm>
+            <a:off x="2638467" y="2731248"/>
+            <a:ext cx="1581473" cy="1302610"/>
+          </a:xfrm>
+          <a:prstGeom prst="rect">
+            <a:avLst/>
+          </a:prstGeom>
+          <a:ln w="28575">
+            <a:noFill/>
+          </a:ln>
+        </p:spPr>
+      </p:pic>
+      <p:pic>
+        <p:nvPicPr>
+          <p:cNvPr id="21" name="Picture 20" descr="Graphical user interface, application&#10;&#10;Description automatically generated">
+            <a:extLst>
+              <a:ext uri="{FF2B5EF4-FFF2-40B4-BE49-F238E27FC236}">
+                <a16:creationId xmlns:a16="http://schemas.microsoft.com/office/drawing/2014/main" id="{15DABE97-677A-ED4D-8C1F-86681CA17337}"/>
               </a:ext>
             </a:extLst>
           </p:cNvPr>
@@ -8100,14 +8080,145 @@
           <p:nvPr/>
         </p:nvPicPr>
         <p:blipFill rotWithShape="1">
-          <a:blip r:embed="rId5"/>
-          <a:srcRect l="31447" t="62714" r="31720" b="28941"/>
+          <a:blip r:embed="rId4"/>
+          <a:srcRect l="13023" t="23939" r="50351" b="71747"/>
           <a:stretch/>
         </p:blipFill>
         <p:spPr>
           <a:xfrm>
-            <a:off x="3672166" y="4929568"/>
-            <a:ext cx="4847666" cy="818695"/>
+            <a:off x="3040034" y="2107637"/>
+            <a:ext cx="6156915" cy="540400"/>
+          </a:xfrm>
+          <a:prstGeom prst="rect">
+            <a:avLst/>
+          </a:prstGeom>
+        </p:spPr>
+      </p:pic>
+      <p:pic>
+        <p:nvPicPr>
+          <p:cNvPr id="22" name="Picture 21" descr="A person wearing a mask&#10;&#10;Description automatically generated with low confidence">
+            <a:extLst>
+              <a:ext uri="{FF2B5EF4-FFF2-40B4-BE49-F238E27FC236}">
+                <a16:creationId xmlns:a16="http://schemas.microsoft.com/office/drawing/2014/main" id="{F79F722D-8FA2-4542-83CA-9BB142D2C4C1}"/>
+              </a:ext>
+            </a:extLst>
+          </p:cNvPr>
+          <p:cNvPicPr>
+            <a:picLocks noChangeAspect="1"/>
+          </p:cNvPicPr>
+          <p:nvPr/>
+        </p:nvPicPr>
+        <p:blipFill>
+          <a:blip r:embed="rId3"/>
+          <a:stretch>
+            <a:fillRect/>
+          </a:stretch>
+        </p:blipFill>
+        <p:spPr>
+          <a:xfrm>
+            <a:off x="4310825" y="2724965"/>
+            <a:ext cx="1581473" cy="1302610"/>
+          </a:xfrm>
+          <a:prstGeom prst="rect">
+            <a:avLst/>
+          </a:prstGeom>
+          <a:ln w="38100">
+            <a:solidFill>
+              <a:srgbClr val="FFFF00"/>
+            </a:solidFill>
+          </a:ln>
+        </p:spPr>
+      </p:pic>
+      <p:pic>
+        <p:nvPicPr>
+          <p:cNvPr id="23" name="Picture 22" descr="A person wearing a mask&#10;&#10;Description automatically generated with low confidence">
+            <a:extLst>
+              <a:ext uri="{FF2B5EF4-FFF2-40B4-BE49-F238E27FC236}">
+                <a16:creationId xmlns:a16="http://schemas.microsoft.com/office/drawing/2014/main" id="{F4798ED8-22AF-9743-87FD-AB71EC67D65A}"/>
+              </a:ext>
+            </a:extLst>
+          </p:cNvPr>
+          <p:cNvPicPr>
+            <a:picLocks noChangeAspect="1"/>
+          </p:cNvPicPr>
+          <p:nvPr/>
+        </p:nvPicPr>
+        <p:blipFill>
+          <a:blip r:embed="rId3"/>
+          <a:stretch>
+            <a:fillRect/>
+          </a:stretch>
+        </p:blipFill>
+        <p:spPr>
+          <a:xfrm>
+            <a:off x="5983183" y="2724965"/>
+            <a:ext cx="1581473" cy="1302610"/>
+          </a:xfrm>
+          <a:prstGeom prst="rect">
+            <a:avLst/>
+          </a:prstGeom>
+          <a:ln w="28575">
+            <a:noFill/>
+          </a:ln>
+        </p:spPr>
+      </p:pic>
+      <p:pic>
+        <p:nvPicPr>
+          <p:cNvPr id="24" name="Picture 23" descr="A person wearing a mask&#10;&#10;Description automatically generated with low confidence">
+            <a:extLst>
+              <a:ext uri="{FF2B5EF4-FFF2-40B4-BE49-F238E27FC236}">
+                <a16:creationId xmlns:a16="http://schemas.microsoft.com/office/drawing/2014/main" id="{487A609B-FC7D-D447-B383-C0B7BF72AEC7}"/>
+              </a:ext>
+            </a:extLst>
+          </p:cNvPr>
+          <p:cNvPicPr>
+            <a:picLocks noChangeAspect="1"/>
+          </p:cNvPicPr>
+          <p:nvPr/>
+        </p:nvPicPr>
+        <p:blipFill>
+          <a:blip r:embed="rId3"/>
+          <a:stretch>
+            <a:fillRect/>
+          </a:stretch>
+        </p:blipFill>
+        <p:spPr>
+          <a:xfrm>
+            <a:off x="7656556" y="2724965"/>
+            <a:ext cx="1581473" cy="1302610"/>
+          </a:xfrm>
+          <a:prstGeom prst="rect">
+            <a:avLst/>
+          </a:prstGeom>
+          <a:ln w="28575">
+            <a:noFill/>
+          </a:ln>
+        </p:spPr>
+      </p:pic>
+      <p:pic>
+        <p:nvPicPr>
+          <p:cNvPr id="4" name="Picture 3" descr="Shape&#10;&#10;Description automatically generated with medium confidence">
+            <a:extLst>
+              <a:ext uri="{FF2B5EF4-FFF2-40B4-BE49-F238E27FC236}">
+                <a16:creationId xmlns:a16="http://schemas.microsoft.com/office/drawing/2014/main" id="{9130E253-D811-6D46-9EBE-7FE86D6518B3}"/>
+              </a:ext>
+            </a:extLst>
+          </p:cNvPr>
+          <p:cNvPicPr>
+            <a:picLocks noChangeAspect="1"/>
+          </p:cNvPicPr>
+          <p:nvPr/>
+        </p:nvPicPr>
+        <p:blipFill>
+          <a:blip r:embed="rId5"/>
+          <a:stretch>
+            <a:fillRect/>
+          </a:stretch>
+        </p:blipFill>
+        <p:spPr>
+          <a:xfrm>
+            <a:off x="3691564" y="4854388"/>
+            <a:ext cx="4583237" cy="792387"/>
           </a:xfrm>
           <a:prstGeom prst="rect">
             <a:avLst/>
@@ -8855,6 +8966,36 @@
           <a:chExt cx="0" cy="0"/>
         </a:xfrm>
       </p:grpSpPr>
+      <p:pic>
+        <p:nvPicPr>
+          <p:cNvPr id="18" name="Picture 17" descr="Shape&#10;&#10;Description automatically generated with medium confidence">
+            <a:extLst>
+              <a:ext uri="{FF2B5EF4-FFF2-40B4-BE49-F238E27FC236}">
+                <a16:creationId xmlns:a16="http://schemas.microsoft.com/office/drawing/2014/main" id="{2A397BCC-4F29-0840-BDB5-09445A99C6C9}"/>
+              </a:ext>
+            </a:extLst>
+          </p:cNvPr>
+          <p:cNvPicPr>
+            <a:picLocks noChangeAspect="1"/>
+          </p:cNvPicPr>
+          <p:nvPr/>
+        </p:nvPicPr>
+        <p:blipFill>
+          <a:blip r:embed="rId3"/>
+          <a:stretch>
+            <a:fillRect/>
+          </a:stretch>
+        </p:blipFill>
+        <p:spPr>
+          <a:xfrm>
+            <a:off x="3268634" y="3111938"/>
+            <a:ext cx="5550051" cy="959537"/>
+          </a:xfrm>
+          <a:prstGeom prst="rect">
+            <a:avLst/>
+          </a:prstGeom>
+        </p:spPr>
+      </p:pic>
       <p:sp>
         <p:nvSpPr>
           <p:cNvPr id="15" name="Content Placeholder 2">
@@ -8888,7 +9029,7 @@
             </a:pPr>
             <a:r>
               <a:rPr lang="en-US" dirty="0"/>
-              <a:t>Use the LEFT Button to SELECT the person.</a:t>
+              <a:t>Use the LEFT Button to Accept the person.</a:t>
             </a:r>
           </a:p>
         </p:txBody>
@@ -9530,35 +9671,6 @@
           </p:txBody>
         </p:sp>
       </p:grpSp>
-      <p:pic>
-        <p:nvPicPr>
-          <p:cNvPr id="3" name="Picture 2" descr="Graphical user interface&#10;&#10;Description automatically generated">
-            <a:extLst>
-              <a:ext uri="{FF2B5EF4-FFF2-40B4-BE49-F238E27FC236}">
-                <a16:creationId xmlns:a16="http://schemas.microsoft.com/office/drawing/2014/main" id="{E7A38183-D78F-7044-B21A-BD06595C8291}"/>
-              </a:ext>
-            </a:extLst>
-          </p:cNvPr>
-          <p:cNvPicPr>
-            <a:picLocks noChangeAspect="1"/>
-          </p:cNvPicPr>
-          <p:nvPr/>
-        </p:nvPicPr>
-        <p:blipFill rotWithShape="1">
-          <a:blip r:embed="rId3"/>
-          <a:srcRect l="32463" t="60333" r="32861" b="30091"/>
-          <a:stretch/>
-        </p:blipFill>
-        <p:spPr>
-          <a:xfrm>
-            <a:off x="3588217" y="3105223"/>
-            <a:ext cx="5015565" cy="1032438"/>
-          </a:xfrm>
-          <a:prstGeom prst="rect">
-            <a:avLst/>
-          </a:prstGeom>
-        </p:spPr>
-      </p:pic>
       <p:cxnSp>
         <p:nvCxnSpPr>
           <p:cNvPr id="5" name="Straight Arrow Connector 4">
@@ -9618,8 +9730,8 @@
         </p:nvSpPr>
         <p:spPr>
           <a:xfrm>
-            <a:off x="5761102" y="4740531"/>
-            <a:ext cx="5317995" cy="584775"/>
+            <a:off x="4775162" y="4740531"/>
+            <a:ext cx="7289881" cy="584775"/>
           </a:xfrm>
           <a:prstGeom prst="rect">
             <a:avLst/>
@@ -9634,7 +9746,7 @@
             <a:pPr algn="ctr"/>
             <a:r>
               <a:rPr lang="en-US" sz="3200" dirty="0"/>
-              <a:t>Use the RIGHT Button to WAIT.</a:t>
+              <a:t>Use the RIGHT Button to Reject the person</a:t>
             </a:r>
           </a:p>
         </p:txBody>
@@ -9655,8 +9767,8 @@
         </p:nvCxnSpPr>
         <p:spPr>
           <a:xfrm flipH="1" flipV="1">
-            <a:off x="8166100" y="3953777"/>
-            <a:ext cx="254000" cy="786754"/>
+            <a:off x="8166105" y="3953777"/>
+            <a:ext cx="253998" cy="786754"/>
           </a:xfrm>
           <a:prstGeom prst="straightConnector1">
             <a:avLst/>
@@ -10398,10 +10510,10 @@
       </p:grpSp>
       <p:pic>
         <p:nvPicPr>
-          <p:cNvPr id="12" name="Picture 11" descr="Graphical user interface&#10;&#10;Description automatically generated">
+          <p:cNvPr id="18" name="Picture 17" descr="Graphical user interface, application&#10;&#10;Description automatically generated">
             <a:extLst>
               <a:ext uri="{FF2B5EF4-FFF2-40B4-BE49-F238E27FC236}">
-                <a16:creationId xmlns:a16="http://schemas.microsoft.com/office/drawing/2014/main" id="{4903AFA4-0FEF-4946-A7D5-28063984AE92}"/>
+                <a16:creationId xmlns:a16="http://schemas.microsoft.com/office/drawing/2014/main" id="{105A9570-5263-A547-8455-21A61F58D0DB}"/>
               </a:ext>
             </a:extLst>
           </p:cNvPr>
@@ -10412,13 +10524,13 @@
         </p:nvPicPr>
         <p:blipFill rotWithShape="1">
           <a:blip r:embed="rId3"/>
-          <a:srcRect l="8889" t="26039" r="8889" b="54353"/>
+          <a:srcRect l="13023" t="23939" r="12488" b="72186"/>
           <a:stretch/>
         </p:blipFill>
         <p:spPr>
           <a:xfrm>
-            <a:off x="1617214" y="3148410"/>
-            <a:ext cx="8957567" cy="1592355"/>
+            <a:off x="1584442" y="2415742"/>
+            <a:ext cx="9164073" cy="355309"/>
           </a:xfrm>
           <a:prstGeom prst="rect">
             <a:avLst/>
@@ -10427,10 +10539,10 @@
       </p:pic>
       <p:pic>
         <p:nvPicPr>
-          <p:cNvPr id="13" name="Picture 12" descr="Graphical user interface, application&#10;&#10;Description automatically generated">
+          <p:cNvPr id="20" name="Picture 19" descr="A person wearing a mask&#10;&#10;Description automatically generated with low confidence">
             <a:extLst>
               <a:ext uri="{FF2B5EF4-FFF2-40B4-BE49-F238E27FC236}">
-                <a16:creationId xmlns:a16="http://schemas.microsoft.com/office/drawing/2014/main" id="{51A21A05-12F2-694C-8F93-B94357CCA8F0}"/>
+                <a16:creationId xmlns:a16="http://schemas.microsoft.com/office/drawing/2014/main" id="{1ADEF108-01B0-9A4D-90C4-A7FF171CFB2C}"/>
               </a:ext>
             </a:extLst>
           </p:cNvPr>
@@ -10439,15 +10551,231 @@
           </p:cNvPicPr>
           <p:nvPr/>
         </p:nvPicPr>
-        <p:blipFill rotWithShape="1">
+        <p:blipFill>
           <a:blip r:embed="rId4"/>
-          <a:srcRect l="13023" t="23939" r="12488" b="72186"/>
-          <a:stretch/>
+          <a:stretch>
+            <a:fillRect/>
+          </a:stretch>
         </p:blipFill>
         <p:spPr>
           <a:xfrm>
-            <a:off x="2080079" y="2954041"/>
-            <a:ext cx="8104930" cy="314244"/>
+            <a:off x="1210813" y="2869928"/>
+            <a:ext cx="1178386" cy="970599"/>
+          </a:xfrm>
+          <a:prstGeom prst="rect">
+            <a:avLst/>
+          </a:prstGeom>
+          <a:ln w="38100">
+            <a:solidFill>
+              <a:srgbClr val="FFFF00"/>
+            </a:solidFill>
+          </a:ln>
+        </p:spPr>
+      </p:pic>
+      <p:pic>
+        <p:nvPicPr>
+          <p:cNvPr id="21" name="Picture 20" descr="A person wearing a mask&#10;&#10;Description automatically generated with low confidence">
+            <a:extLst>
+              <a:ext uri="{FF2B5EF4-FFF2-40B4-BE49-F238E27FC236}">
+                <a16:creationId xmlns:a16="http://schemas.microsoft.com/office/drawing/2014/main" id="{F30AF256-3B9A-F648-A204-7CA5E606EB4D}"/>
+              </a:ext>
+            </a:extLst>
+          </p:cNvPr>
+          <p:cNvPicPr>
+            <a:picLocks noChangeAspect="1"/>
+          </p:cNvPicPr>
+          <p:nvPr/>
+        </p:nvPicPr>
+        <p:blipFill>
+          <a:blip r:embed="rId4"/>
+          <a:stretch>
+            <a:fillRect/>
+          </a:stretch>
+        </p:blipFill>
+        <p:spPr>
+          <a:xfrm>
+            <a:off x="2442390" y="2869928"/>
+            <a:ext cx="1178386" cy="970599"/>
+          </a:xfrm>
+          <a:prstGeom prst="rect">
+            <a:avLst/>
+          </a:prstGeom>
+        </p:spPr>
+      </p:pic>
+      <p:pic>
+        <p:nvPicPr>
+          <p:cNvPr id="22" name="Picture 21" descr="A person wearing a mask&#10;&#10;Description automatically generated with low confidence">
+            <a:extLst>
+              <a:ext uri="{FF2B5EF4-FFF2-40B4-BE49-F238E27FC236}">
+                <a16:creationId xmlns:a16="http://schemas.microsoft.com/office/drawing/2014/main" id="{ECB238A3-71D7-594A-A08E-002E0FEA82BB}"/>
+              </a:ext>
+            </a:extLst>
+          </p:cNvPr>
+          <p:cNvPicPr>
+            <a:picLocks noChangeAspect="1"/>
+          </p:cNvPicPr>
+          <p:nvPr/>
+        </p:nvPicPr>
+        <p:blipFill>
+          <a:blip r:embed="rId4"/>
+          <a:stretch>
+            <a:fillRect/>
+          </a:stretch>
+        </p:blipFill>
+        <p:spPr>
+          <a:xfrm>
+            <a:off x="3673967" y="2869928"/>
+            <a:ext cx="1178386" cy="970599"/>
+          </a:xfrm>
+          <a:prstGeom prst="rect">
+            <a:avLst/>
+          </a:prstGeom>
+        </p:spPr>
+      </p:pic>
+      <p:pic>
+        <p:nvPicPr>
+          <p:cNvPr id="23" name="Picture 22" descr="A person wearing a mask&#10;&#10;Description automatically generated with low confidence">
+            <a:extLst>
+              <a:ext uri="{FF2B5EF4-FFF2-40B4-BE49-F238E27FC236}">
+                <a16:creationId xmlns:a16="http://schemas.microsoft.com/office/drawing/2014/main" id="{7637694B-AF36-9E4F-880F-D384E0790DA4}"/>
+              </a:ext>
+            </a:extLst>
+          </p:cNvPr>
+          <p:cNvPicPr>
+            <a:picLocks noChangeAspect="1"/>
+          </p:cNvPicPr>
+          <p:nvPr/>
+        </p:nvPicPr>
+        <p:blipFill>
+          <a:blip r:embed="rId4"/>
+          <a:stretch>
+            <a:fillRect/>
+          </a:stretch>
+        </p:blipFill>
+        <p:spPr>
+          <a:xfrm>
+            <a:off x="4920223" y="2869928"/>
+            <a:ext cx="1178386" cy="970599"/>
+          </a:xfrm>
+          <a:prstGeom prst="rect">
+            <a:avLst/>
+          </a:prstGeom>
+        </p:spPr>
+      </p:pic>
+      <p:pic>
+        <p:nvPicPr>
+          <p:cNvPr id="24" name="Picture 23" descr="A person wearing a mask&#10;&#10;Description automatically generated with low confidence">
+            <a:extLst>
+              <a:ext uri="{FF2B5EF4-FFF2-40B4-BE49-F238E27FC236}">
+                <a16:creationId xmlns:a16="http://schemas.microsoft.com/office/drawing/2014/main" id="{723E14BA-C8F8-B449-B364-8346662380B3}"/>
+              </a:ext>
+            </a:extLst>
+          </p:cNvPr>
+          <p:cNvPicPr>
+            <a:picLocks noChangeAspect="1"/>
+          </p:cNvPicPr>
+          <p:nvPr/>
+        </p:nvPicPr>
+        <p:blipFill>
+          <a:blip r:embed="rId4"/>
+          <a:stretch>
+            <a:fillRect/>
+          </a:stretch>
+        </p:blipFill>
+        <p:spPr>
+          <a:xfrm>
+            <a:off x="6166479" y="2869928"/>
+            <a:ext cx="1178386" cy="970599"/>
+          </a:xfrm>
+          <a:prstGeom prst="rect">
+            <a:avLst/>
+          </a:prstGeom>
+        </p:spPr>
+      </p:pic>
+      <p:pic>
+        <p:nvPicPr>
+          <p:cNvPr id="25" name="Picture 24" descr="A person wearing a mask&#10;&#10;Description automatically generated with low confidence">
+            <a:extLst>
+              <a:ext uri="{FF2B5EF4-FFF2-40B4-BE49-F238E27FC236}">
+                <a16:creationId xmlns:a16="http://schemas.microsoft.com/office/drawing/2014/main" id="{0B579B0B-06C0-1848-B884-082C1FBBA8BF}"/>
+              </a:ext>
+            </a:extLst>
+          </p:cNvPr>
+          <p:cNvPicPr>
+            <a:picLocks noChangeAspect="1"/>
+          </p:cNvPicPr>
+          <p:nvPr/>
+        </p:nvPicPr>
+        <p:blipFill>
+          <a:blip r:embed="rId4"/>
+          <a:stretch>
+            <a:fillRect/>
+          </a:stretch>
+        </p:blipFill>
+        <p:spPr>
+          <a:xfrm>
+            <a:off x="7398056" y="2869928"/>
+            <a:ext cx="1178386" cy="970599"/>
+          </a:xfrm>
+          <a:prstGeom prst="rect">
+            <a:avLst/>
+          </a:prstGeom>
+        </p:spPr>
+      </p:pic>
+      <p:pic>
+        <p:nvPicPr>
+          <p:cNvPr id="26" name="Picture 25" descr="A person wearing a mask&#10;&#10;Description automatically generated with low confidence">
+            <a:extLst>
+              <a:ext uri="{FF2B5EF4-FFF2-40B4-BE49-F238E27FC236}">
+                <a16:creationId xmlns:a16="http://schemas.microsoft.com/office/drawing/2014/main" id="{0F017283-A824-5B40-AC26-1E11E1BDC233}"/>
+              </a:ext>
+            </a:extLst>
+          </p:cNvPr>
+          <p:cNvPicPr>
+            <a:picLocks noChangeAspect="1"/>
+          </p:cNvPicPr>
+          <p:nvPr/>
+        </p:nvPicPr>
+        <p:blipFill>
+          <a:blip r:embed="rId4"/>
+          <a:stretch>
+            <a:fillRect/>
+          </a:stretch>
+        </p:blipFill>
+        <p:spPr>
+          <a:xfrm>
+            <a:off x="8629633" y="2869928"/>
+            <a:ext cx="1178386" cy="970599"/>
+          </a:xfrm>
+          <a:prstGeom prst="rect">
+            <a:avLst/>
+          </a:prstGeom>
+        </p:spPr>
+      </p:pic>
+      <p:pic>
+        <p:nvPicPr>
+          <p:cNvPr id="27" name="Picture 26" descr="A person wearing a mask&#10;&#10;Description automatically generated with low confidence">
+            <a:extLst>
+              <a:ext uri="{FF2B5EF4-FFF2-40B4-BE49-F238E27FC236}">
+                <a16:creationId xmlns:a16="http://schemas.microsoft.com/office/drawing/2014/main" id="{C70335BD-2C37-E348-A8AD-8E0EBBDDAFF9}"/>
+              </a:ext>
+            </a:extLst>
+          </p:cNvPr>
+          <p:cNvPicPr>
+            <a:picLocks noChangeAspect="1"/>
+          </p:cNvPicPr>
+          <p:nvPr/>
+        </p:nvPicPr>
+        <p:blipFill>
+          <a:blip r:embed="rId4"/>
+          <a:stretch>
+            <a:fillRect/>
+          </a:stretch>
+        </p:blipFill>
+        <p:spPr>
+          <a:xfrm>
+            <a:off x="9875888" y="2869928"/>
+            <a:ext cx="1178386" cy="970599"/>
           </a:xfrm>
           <a:prstGeom prst="rect">
             <a:avLst/>
@@ -11167,12 +11495,64 @@
           </p:txBody>
         </p:sp>
       </p:grpSp>
+      <p:sp>
+        <p:nvSpPr>
+          <p:cNvPr id="20" name="Rectangle 19">
+            <a:extLst>
+              <a:ext uri="{FF2B5EF4-FFF2-40B4-BE49-F238E27FC236}">
+                <a16:creationId xmlns:a16="http://schemas.microsoft.com/office/drawing/2014/main" id="{63A87501-986E-3B48-8AF0-A4F434FBEF90}"/>
+              </a:ext>
+            </a:extLst>
+          </p:cNvPr>
+          <p:cNvSpPr/>
+          <p:nvPr/>
+        </p:nvSpPr>
+        <p:spPr>
+          <a:xfrm>
+            <a:off x="7672815" y="3346812"/>
+            <a:ext cx="351046" cy="276498"/>
+          </a:xfrm>
+          <a:prstGeom prst="rect">
+            <a:avLst/>
+          </a:prstGeom>
+          <a:solidFill>
+            <a:schemeClr val="bg1"/>
+          </a:solidFill>
+          <a:ln>
+            <a:noFill/>
+          </a:ln>
+        </p:spPr>
+        <p:style>
+          <a:lnRef idx="2">
+            <a:schemeClr val="accent1">
+              <a:shade val="50000"/>
+            </a:schemeClr>
+          </a:lnRef>
+          <a:fillRef idx="1">
+            <a:schemeClr val="accent1"/>
+          </a:fillRef>
+          <a:effectRef idx="0">
+            <a:schemeClr val="accent1"/>
+          </a:effectRef>
+          <a:fontRef idx="minor">
+            <a:schemeClr val="lt1"/>
+          </a:fontRef>
+        </p:style>
+        <p:txBody>
+          <a:bodyPr rtlCol="0" anchor="ctr"/>
+          <a:lstStyle/>
+          <a:p>
+            <a:pPr algn="ctr"/>
+            <a:endParaRPr lang="en-US"/>
+          </a:p>
+        </p:txBody>
+      </p:sp>
       <p:pic>
         <p:nvPicPr>
-          <p:cNvPr id="18" name="Picture 17" descr="Graphical user interface&#10;&#10;Description automatically generated">
+          <p:cNvPr id="21" name="Picture 20" descr="Graphical user interface, application&#10;&#10;Description automatically generated">
             <a:extLst>
               <a:ext uri="{FF2B5EF4-FFF2-40B4-BE49-F238E27FC236}">
-                <a16:creationId xmlns:a16="http://schemas.microsoft.com/office/drawing/2014/main" id="{34598B07-6DB7-3C41-94AA-02A3FA513767}"/>
+                <a16:creationId xmlns:a16="http://schemas.microsoft.com/office/drawing/2014/main" id="{9FD4F716-80DF-A84B-9395-C5040BAF99E4}"/>
               </a:ext>
             </a:extLst>
           </p:cNvPr>
@@ -11183,13 +11563,13 @@
         </p:nvPicPr>
         <p:blipFill rotWithShape="1">
           <a:blip r:embed="rId3"/>
-          <a:srcRect l="8889" t="26039" r="8889" b="54353"/>
+          <a:srcRect l="13023" t="23939" r="12488" b="72186"/>
           <a:stretch/>
         </p:blipFill>
         <p:spPr>
           <a:xfrm>
-            <a:off x="1617214" y="3148410"/>
-            <a:ext cx="8957567" cy="1592355"/>
+            <a:off x="1584442" y="2415742"/>
+            <a:ext cx="9164073" cy="355309"/>
           </a:xfrm>
           <a:prstGeom prst="rect">
             <a:avLst/>
@@ -11198,10 +11578,10 @@
       </p:pic>
       <p:pic>
         <p:nvPicPr>
-          <p:cNvPr id="3" name="Picture 2" descr="Graphical user interface, website&#10;&#10;Description automatically generated">
+          <p:cNvPr id="22" name="Picture 21" descr="A person wearing a mask&#10;&#10;Description automatically generated with low confidence">
             <a:extLst>
               <a:ext uri="{FF2B5EF4-FFF2-40B4-BE49-F238E27FC236}">
-                <a16:creationId xmlns:a16="http://schemas.microsoft.com/office/drawing/2014/main" id="{AEE2A1CA-E268-7247-B1A0-73A256FD4CC4}"/>
+                <a16:creationId xmlns:a16="http://schemas.microsoft.com/office/drawing/2014/main" id="{96FFDCB1-C52F-B64F-9F6B-F19246345FFC}"/>
               </a:ext>
             </a:extLst>
           </p:cNvPr>
@@ -11210,15 +11590,84 @@
           </p:cNvPicPr>
           <p:nvPr/>
         </p:nvPicPr>
-        <p:blipFill rotWithShape="1">
+        <p:blipFill>
           <a:blip r:embed="rId4"/>
-          <a:srcRect l="8889" t="27222" r="8889" b="57256"/>
-          <a:stretch/>
+          <a:stretch>
+            <a:fillRect/>
+          </a:stretch>
         </p:blipFill>
         <p:spPr>
           <a:xfrm>
-            <a:off x="1617214" y="3256860"/>
-            <a:ext cx="8976935" cy="1263274"/>
+            <a:off x="1210813" y="2869928"/>
+            <a:ext cx="1178386" cy="970599"/>
+          </a:xfrm>
+          <a:prstGeom prst="rect">
+            <a:avLst/>
+          </a:prstGeom>
+          <a:ln w="38100">
+            <a:noFill/>
+          </a:ln>
+        </p:spPr>
+      </p:pic>
+      <p:pic>
+        <p:nvPicPr>
+          <p:cNvPr id="23" name="Picture 22" descr="A person wearing a mask&#10;&#10;Description automatically generated with low confidence">
+            <a:extLst>
+              <a:ext uri="{FF2B5EF4-FFF2-40B4-BE49-F238E27FC236}">
+                <a16:creationId xmlns:a16="http://schemas.microsoft.com/office/drawing/2014/main" id="{CFAD1B64-5828-2B4E-98EB-1206031A9645}"/>
+              </a:ext>
+            </a:extLst>
+          </p:cNvPr>
+          <p:cNvPicPr>
+            <a:picLocks noChangeAspect="1"/>
+          </p:cNvPicPr>
+          <p:nvPr/>
+        </p:nvPicPr>
+        <p:blipFill>
+          <a:blip r:embed="rId4"/>
+          <a:stretch>
+            <a:fillRect/>
+          </a:stretch>
+        </p:blipFill>
+        <p:spPr>
+          <a:xfrm>
+            <a:off x="2442390" y="2869928"/>
+            <a:ext cx="1178386" cy="970599"/>
+          </a:xfrm>
+          <a:prstGeom prst="rect">
+            <a:avLst/>
+          </a:prstGeom>
+          <a:ln w="38100">
+            <a:solidFill>
+              <a:srgbClr val="FFFF00"/>
+            </a:solidFill>
+          </a:ln>
+        </p:spPr>
+      </p:pic>
+      <p:pic>
+        <p:nvPicPr>
+          <p:cNvPr id="24" name="Picture 23" descr="A person wearing a mask&#10;&#10;Description automatically generated with low confidence">
+            <a:extLst>
+              <a:ext uri="{FF2B5EF4-FFF2-40B4-BE49-F238E27FC236}">
+                <a16:creationId xmlns:a16="http://schemas.microsoft.com/office/drawing/2014/main" id="{BE98A6CD-4145-8F4A-B3AC-DE6AE70BCFD6}"/>
+              </a:ext>
+            </a:extLst>
+          </p:cNvPr>
+          <p:cNvPicPr>
+            <a:picLocks noChangeAspect="1"/>
+          </p:cNvPicPr>
+          <p:nvPr/>
+        </p:nvPicPr>
+        <p:blipFill>
+          <a:blip r:embed="rId4"/>
+          <a:stretch>
+            <a:fillRect/>
+          </a:stretch>
+        </p:blipFill>
+        <p:spPr>
+          <a:xfrm>
+            <a:off x="3673967" y="2869928"/>
+            <a:ext cx="1178386" cy="970599"/>
           </a:xfrm>
           <a:prstGeom prst="rect">
             <a:avLst/>
@@ -11227,10 +11676,10 @@
       </p:pic>
       <p:pic>
         <p:nvPicPr>
-          <p:cNvPr id="19" name="Picture 18" descr="Graphical user interface, application&#10;&#10;Description automatically generated">
+          <p:cNvPr id="25" name="Picture 24" descr="A person wearing a mask&#10;&#10;Description automatically generated with low confidence">
             <a:extLst>
               <a:ext uri="{FF2B5EF4-FFF2-40B4-BE49-F238E27FC236}">
-                <a16:creationId xmlns:a16="http://schemas.microsoft.com/office/drawing/2014/main" id="{BFD06DE0-8DE4-4F44-AB49-D2688FF9CF39}"/>
+                <a16:creationId xmlns:a16="http://schemas.microsoft.com/office/drawing/2014/main" id="{870D4F24-4E6C-6B44-9FAC-01E97A334F5F}"/>
               </a:ext>
             </a:extLst>
           </p:cNvPr>
@@ -11239,15 +11688,136 @@
           </p:cNvPicPr>
           <p:nvPr/>
         </p:nvPicPr>
-        <p:blipFill rotWithShape="1">
-          <a:blip r:embed="rId5"/>
-          <a:srcRect l="13023" t="23939" r="12488" b="72186"/>
-          <a:stretch/>
+        <p:blipFill>
+          <a:blip r:embed="rId4"/>
+          <a:stretch>
+            <a:fillRect/>
+          </a:stretch>
         </p:blipFill>
         <p:spPr>
           <a:xfrm>
-            <a:off x="2080079" y="2954041"/>
-            <a:ext cx="8104930" cy="314244"/>
+            <a:off x="4920223" y="2869928"/>
+            <a:ext cx="1178386" cy="970599"/>
+          </a:xfrm>
+          <a:prstGeom prst="rect">
+            <a:avLst/>
+          </a:prstGeom>
+        </p:spPr>
+      </p:pic>
+      <p:pic>
+        <p:nvPicPr>
+          <p:cNvPr id="26" name="Picture 25" descr="A person wearing a mask&#10;&#10;Description automatically generated with low confidence">
+            <a:extLst>
+              <a:ext uri="{FF2B5EF4-FFF2-40B4-BE49-F238E27FC236}">
+                <a16:creationId xmlns:a16="http://schemas.microsoft.com/office/drawing/2014/main" id="{2B118AFE-7714-3D40-A925-0478C4A74A1D}"/>
+              </a:ext>
+            </a:extLst>
+          </p:cNvPr>
+          <p:cNvPicPr>
+            <a:picLocks noChangeAspect="1"/>
+          </p:cNvPicPr>
+          <p:nvPr/>
+        </p:nvPicPr>
+        <p:blipFill>
+          <a:blip r:embed="rId4"/>
+          <a:stretch>
+            <a:fillRect/>
+          </a:stretch>
+        </p:blipFill>
+        <p:spPr>
+          <a:xfrm>
+            <a:off x="6166479" y="2869928"/>
+            <a:ext cx="1178386" cy="970599"/>
+          </a:xfrm>
+          <a:prstGeom prst="rect">
+            <a:avLst/>
+          </a:prstGeom>
+        </p:spPr>
+      </p:pic>
+      <p:pic>
+        <p:nvPicPr>
+          <p:cNvPr id="27" name="Picture 26" descr="A person wearing a mask&#10;&#10;Description automatically generated with low confidence">
+            <a:extLst>
+              <a:ext uri="{FF2B5EF4-FFF2-40B4-BE49-F238E27FC236}">
+                <a16:creationId xmlns:a16="http://schemas.microsoft.com/office/drawing/2014/main" id="{6E15BDC7-6BDB-F444-9312-1BD80845C1C3}"/>
+              </a:ext>
+            </a:extLst>
+          </p:cNvPr>
+          <p:cNvPicPr>
+            <a:picLocks noChangeAspect="1"/>
+          </p:cNvPicPr>
+          <p:nvPr/>
+        </p:nvPicPr>
+        <p:blipFill>
+          <a:blip r:embed="rId4"/>
+          <a:stretch>
+            <a:fillRect/>
+          </a:stretch>
+        </p:blipFill>
+        <p:spPr>
+          <a:xfrm>
+            <a:off x="7398056" y="2869928"/>
+            <a:ext cx="1178386" cy="970599"/>
+          </a:xfrm>
+          <a:prstGeom prst="rect">
+            <a:avLst/>
+          </a:prstGeom>
+        </p:spPr>
+      </p:pic>
+      <p:pic>
+        <p:nvPicPr>
+          <p:cNvPr id="28" name="Picture 27" descr="A person wearing a mask&#10;&#10;Description automatically generated with low confidence">
+            <a:extLst>
+              <a:ext uri="{FF2B5EF4-FFF2-40B4-BE49-F238E27FC236}">
+                <a16:creationId xmlns:a16="http://schemas.microsoft.com/office/drawing/2014/main" id="{7645CA23-4FEC-9B41-A76A-263DD0B98693}"/>
+              </a:ext>
+            </a:extLst>
+          </p:cNvPr>
+          <p:cNvPicPr>
+            <a:picLocks noChangeAspect="1"/>
+          </p:cNvPicPr>
+          <p:nvPr/>
+        </p:nvPicPr>
+        <p:blipFill>
+          <a:blip r:embed="rId4"/>
+          <a:stretch>
+            <a:fillRect/>
+          </a:stretch>
+        </p:blipFill>
+        <p:spPr>
+          <a:xfrm>
+            <a:off x="8629633" y="2869928"/>
+            <a:ext cx="1178386" cy="970599"/>
+          </a:xfrm>
+          <a:prstGeom prst="rect">
+            <a:avLst/>
+          </a:prstGeom>
+        </p:spPr>
+      </p:pic>
+      <p:pic>
+        <p:nvPicPr>
+          <p:cNvPr id="29" name="Picture 28" descr="A person wearing a mask&#10;&#10;Description automatically generated with low confidence">
+            <a:extLst>
+              <a:ext uri="{FF2B5EF4-FFF2-40B4-BE49-F238E27FC236}">
+                <a16:creationId xmlns:a16="http://schemas.microsoft.com/office/drawing/2014/main" id="{CED18112-6A5E-4144-9213-DDC4969FBAE6}"/>
+              </a:ext>
+            </a:extLst>
+          </p:cNvPr>
+          <p:cNvPicPr>
+            <a:picLocks noChangeAspect="1"/>
+          </p:cNvPicPr>
+          <p:nvPr/>
+        </p:nvPicPr>
+        <p:blipFill>
+          <a:blip r:embed="rId4"/>
+          <a:stretch>
+            <a:fillRect/>
+          </a:stretch>
+        </p:blipFill>
+        <p:spPr>
+          <a:xfrm>
+            <a:off x="9875888" y="2869928"/>
+            <a:ext cx="1178386" cy="970599"/>
           </a:xfrm>
           <a:prstGeom prst="rect">
             <a:avLst/>
@@ -11967,12 +12537,64 @@
           </p:txBody>
         </p:sp>
       </p:grpSp>
+      <p:sp>
+        <p:nvSpPr>
+          <p:cNvPr id="19" name="Rectangle 18">
+            <a:extLst>
+              <a:ext uri="{FF2B5EF4-FFF2-40B4-BE49-F238E27FC236}">
+                <a16:creationId xmlns:a16="http://schemas.microsoft.com/office/drawing/2014/main" id="{A7B18681-E69F-4E46-B5C2-E6E500F52C76}"/>
+              </a:ext>
+            </a:extLst>
+          </p:cNvPr>
+          <p:cNvSpPr/>
+          <p:nvPr/>
+        </p:nvSpPr>
+        <p:spPr>
+          <a:xfrm>
+            <a:off x="7672815" y="3346812"/>
+            <a:ext cx="351046" cy="276498"/>
+          </a:xfrm>
+          <a:prstGeom prst="rect">
+            <a:avLst/>
+          </a:prstGeom>
+          <a:solidFill>
+            <a:schemeClr val="bg1"/>
+          </a:solidFill>
+          <a:ln>
+            <a:noFill/>
+          </a:ln>
+        </p:spPr>
+        <p:style>
+          <a:lnRef idx="2">
+            <a:schemeClr val="accent1">
+              <a:shade val="50000"/>
+            </a:schemeClr>
+          </a:lnRef>
+          <a:fillRef idx="1">
+            <a:schemeClr val="accent1"/>
+          </a:fillRef>
+          <a:effectRef idx="0">
+            <a:schemeClr val="accent1"/>
+          </a:effectRef>
+          <a:fontRef idx="minor">
+            <a:schemeClr val="lt1"/>
+          </a:fontRef>
+        </p:style>
+        <p:txBody>
+          <a:bodyPr rtlCol="0" anchor="ctr"/>
+          <a:lstStyle/>
+          <a:p>
+            <a:pPr algn="ctr"/>
+            <a:endParaRPr lang="en-US"/>
+          </a:p>
+        </p:txBody>
+      </p:sp>
       <p:pic>
         <p:nvPicPr>
-          <p:cNvPr id="13" name="Picture 12" descr="Graphical user interface, website&#10;&#10;Description automatically generated">
+          <p:cNvPr id="20" name="Picture 19" descr="Graphical user interface, application&#10;&#10;Description automatically generated">
             <a:extLst>
               <a:ext uri="{FF2B5EF4-FFF2-40B4-BE49-F238E27FC236}">
-                <a16:creationId xmlns:a16="http://schemas.microsoft.com/office/drawing/2014/main" id="{3B870575-5C98-DA4B-8010-989119A51F3C}"/>
+                <a16:creationId xmlns:a16="http://schemas.microsoft.com/office/drawing/2014/main" id="{9A10456E-1240-7846-B58E-6E3EBDD25013}"/>
               </a:ext>
             </a:extLst>
           </p:cNvPr>
@@ -11983,13 +12605,13 @@
         </p:nvPicPr>
         <p:blipFill rotWithShape="1">
           <a:blip r:embed="rId3"/>
-          <a:srcRect l="8889" t="27222" r="8889" b="57256"/>
+          <a:srcRect l="13023" t="23939" r="12488" b="72186"/>
           <a:stretch/>
         </p:blipFill>
         <p:spPr>
           <a:xfrm>
-            <a:off x="1617214" y="3256860"/>
-            <a:ext cx="8976935" cy="1263274"/>
+            <a:off x="1584442" y="2415742"/>
+            <a:ext cx="9164073" cy="355309"/>
           </a:xfrm>
           <a:prstGeom prst="rect">
             <a:avLst/>
@@ -11998,10 +12620,10 @@
       </p:pic>
       <p:pic>
         <p:nvPicPr>
-          <p:cNvPr id="3" name="Picture 2" descr="Graphical user interface&#10;&#10;Description automatically generated">
+          <p:cNvPr id="21" name="Picture 20" descr="A person wearing a mask&#10;&#10;Description automatically generated with low confidence">
             <a:extLst>
               <a:ext uri="{FF2B5EF4-FFF2-40B4-BE49-F238E27FC236}">
-                <a16:creationId xmlns:a16="http://schemas.microsoft.com/office/drawing/2014/main" id="{6FC5B391-AA68-6A43-8B26-BB752ACC0C31}"/>
+                <a16:creationId xmlns:a16="http://schemas.microsoft.com/office/drawing/2014/main" id="{364D8075-FCF4-3048-9D4A-EFA2717BE14A}"/>
               </a:ext>
             </a:extLst>
           </p:cNvPr>
@@ -12010,15 +12632,49 @@
           </p:cNvPicPr>
           <p:nvPr/>
         </p:nvPicPr>
-        <p:blipFill rotWithShape="1">
+        <p:blipFill>
           <a:blip r:embed="rId4"/>
-          <a:srcRect l="8889" t="27408" r="8889" b="57384"/>
-          <a:stretch/>
+          <a:stretch>
+            <a:fillRect/>
+          </a:stretch>
         </p:blipFill>
         <p:spPr>
           <a:xfrm>
-            <a:off x="1597851" y="3213736"/>
-            <a:ext cx="8976935" cy="1237742"/>
+            <a:off x="1210813" y="2869928"/>
+            <a:ext cx="1178386" cy="970599"/>
+          </a:xfrm>
+          <a:prstGeom prst="rect">
+            <a:avLst/>
+          </a:prstGeom>
+          <a:ln w="38100">
+            <a:noFill/>
+          </a:ln>
+        </p:spPr>
+      </p:pic>
+      <p:pic>
+        <p:nvPicPr>
+          <p:cNvPr id="22" name="Picture 21" descr="A person wearing a mask&#10;&#10;Description automatically generated with low confidence">
+            <a:extLst>
+              <a:ext uri="{FF2B5EF4-FFF2-40B4-BE49-F238E27FC236}">
+                <a16:creationId xmlns:a16="http://schemas.microsoft.com/office/drawing/2014/main" id="{E1392EE1-0FC3-944B-824A-A3A7228FFEE4}"/>
+              </a:ext>
+            </a:extLst>
+          </p:cNvPr>
+          <p:cNvPicPr>
+            <a:picLocks noChangeAspect="1"/>
+          </p:cNvPicPr>
+          <p:nvPr/>
+        </p:nvPicPr>
+        <p:blipFill>
+          <a:blip r:embed="rId4"/>
+          <a:stretch>
+            <a:fillRect/>
+          </a:stretch>
+        </p:blipFill>
+        <p:spPr>
+          <a:xfrm>
+            <a:off x="2442390" y="2869928"/>
+            <a:ext cx="1178386" cy="970599"/>
           </a:xfrm>
           <a:prstGeom prst="rect">
             <a:avLst/>
@@ -12027,10 +12683,10 @@
       </p:pic>
       <p:pic>
         <p:nvPicPr>
-          <p:cNvPr id="18" name="Picture 17" descr="Graphical user interface, application&#10;&#10;Description automatically generated">
+          <p:cNvPr id="23" name="Picture 22" descr="A person wearing a mask&#10;&#10;Description automatically generated with low confidence">
             <a:extLst>
               <a:ext uri="{FF2B5EF4-FFF2-40B4-BE49-F238E27FC236}">
-                <a16:creationId xmlns:a16="http://schemas.microsoft.com/office/drawing/2014/main" id="{41C8F57B-D093-814D-A0E2-4DFDABEE1A7E}"/>
+                <a16:creationId xmlns:a16="http://schemas.microsoft.com/office/drawing/2014/main" id="{20BDDABC-F8A7-0843-A712-DF49E8C60318}"/>
               </a:ext>
             </a:extLst>
           </p:cNvPr>
@@ -12039,15 +12695,171 @@
           </p:cNvPicPr>
           <p:nvPr/>
         </p:nvPicPr>
-        <p:blipFill rotWithShape="1">
-          <a:blip r:embed="rId5"/>
-          <a:srcRect l="13023" t="23939" r="12488" b="72186"/>
-          <a:stretch/>
+        <p:blipFill>
+          <a:blip r:embed="rId4"/>
+          <a:stretch>
+            <a:fillRect/>
+          </a:stretch>
         </p:blipFill>
         <p:spPr>
           <a:xfrm>
-            <a:off x="2080079" y="2954041"/>
-            <a:ext cx="8104930" cy="314244"/>
+            <a:off x="3673967" y="2869928"/>
+            <a:ext cx="1178386" cy="970599"/>
+          </a:xfrm>
+          <a:prstGeom prst="rect">
+            <a:avLst/>
+          </a:prstGeom>
+          <a:ln w="38100">
+            <a:solidFill>
+              <a:srgbClr val="FFFF00"/>
+            </a:solidFill>
+          </a:ln>
+        </p:spPr>
+      </p:pic>
+      <p:pic>
+        <p:nvPicPr>
+          <p:cNvPr id="24" name="Picture 23" descr="A person wearing a mask&#10;&#10;Description automatically generated with low confidence">
+            <a:extLst>
+              <a:ext uri="{FF2B5EF4-FFF2-40B4-BE49-F238E27FC236}">
+                <a16:creationId xmlns:a16="http://schemas.microsoft.com/office/drawing/2014/main" id="{5155A17C-C385-334D-99E6-9454E9878157}"/>
+              </a:ext>
+            </a:extLst>
+          </p:cNvPr>
+          <p:cNvPicPr>
+            <a:picLocks noChangeAspect="1"/>
+          </p:cNvPicPr>
+          <p:nvPr/>
+        </p:nvPicPr>
+        <p:blipFill>
+          <a:blip r:embed="rId4"/>
+          <a:stretch>
+            <a:fillRect/>
+          </a:stretch>
+        </p:blipFill>
+        <p:spPr>
+          <a:xfrm>
+            <a:off x="4920223" y="2869928"/>
+            <a:ext cx="1178386" cy="970599"/>
+          </a:xfrm>
+          <a:prstGeom prst="rect">
+            <a:avLst/>
+          </a:prstGeom>
+        </p:spPr>
+      </p:pic>
+      <p:pic>
+        <p:nvPicPr>
+          <p:cNvPr id="25" name="Picture 24" descr="A person wearing a mask&#10;&#10;Description automatically generated with low confidence">
+            <a:extLst>
+              <a:ext uri="{FF2B5EF4-FFF2-40B4-BE49-F238E27FC236}">
+                <a16:creationId xmlns:a16="http://schemas.microsoft.com/office/drawing/2014/main" id="{8E31D291-A8F4-5D4D-91F1-B5D2B71DD934}"/>
+              </a:ext>
+            </a:extLst>
+          </p:cNvPr>
+          <p:cNvPicPr>
+            <a:picLocks noChangeAspect="1"/>
+          </p:cNvPicPr>
+          <p:nvPr/>
+        </p:nvPicPr>
+        <p:blipFill>
+          <a:blip r:embed="rId4"/>
+          <a:stretch>
+            <a:fillRect/>
+          </a:stretch>
+        </p:blipFill>
+        <p:spPr>
+          <a:xfrm>
+            <a:off x="6166479" y="2869928"/>
+            <a:ext cx="1178386" cy="970599"/>
+          </a:xfrm>
+          <a:prstGeom prst="rect">
+            <a:avLst/>
+          </a:prstGeom>
+        </p:spPr>
+      </p:pic>
+      <p:pic>
+        <p:nvPicPr>
+          <p:cNvPr id="26" name="Picture 25" descr="A person wearing a mask&#10;&#10;Description automatically generated with low confidence">
+            <a:extLst>
+              <a:ext uri="{FF2B5EF4-FFF2-40B4-BE49-F238E27FC236}">
+                <a16:creationId xmlns:a16="http://schemas.microsoft.com/office/drawing/2014/main" id="{E806EDDA-2D2C-4B4D-BDE8-2535EA3FBA2F}"/>
+              </a:ext>
+            </a:extLst>
+          </p:cNvPr>
+          <p:cNvPicPr>
+            <a:picLocks noChangeAspect="1"/>
+          </p:cNvPicPr>
+          <p:nvPr/>
+        </p:nvPicPr>
+        <p:blipFill>
+          <a:blip r:embed="rId4"/>
+          <a:stretch>
+            <a:fillRect/>
+          </a:stretch>
+        </p:blipFill>
+        <p:spPr>
+          <a:xfrm>
+            <a:off x="7398056" y="2869928"/>
+            <a:ext cx="1178386" cy="970599"/>
+          </a:xfrm>
+          <a:prstGeom prst="rect">
+            <a:avLst/>
+          </a:prstGeom>
+        </p:spPr>
+      </p:pic>
+      <p:pic>
+        <p:nvPicPr>
+          <p:cNvPr id="27" name="Picture 26" descr="A person wearing a mask&#10;&#10;Description automatically generated with low confidence">
+            <a:extLst>
+              <a:ext uri="{FF2B5EF4-FFF2-40B4-BE49-F238E27FC236}">
+                <a16:creationId xmlns:a16="http://schemas.microsoft.com/office/drawing/2014/main" id="{A7E3C954-9726-BE40-B8DD-C8434C26B208}"/>
+              </a:ext>
+            </a:extLst>
+          </p:cNvPr>
+          <p:cNvPicPr>
+            <a:picLocks noChangeAspect="1"/>
+          </p:cNvPicPr>
+          <p:nvPr/>
+        </p:nvPicPr>
+        <p:blipFill>
+          <a:blip r:embed="rId4"/>
+          <a:stretch>
+            <a:fillRect/>
+          </a:stretch>
+        </p:blipFill>
+        <p:spPr>
+          <a:xfrm>
+            <a:off x="8629633" y="2869928"/>
+            <a:ext cx="1178386" cy="970599"/>
+          </a:xfrm>
+          <a:prstGeom prst="rect">
+            <a:avLst/>
+          </a:prstGeom>
+        </p:spPr>
+      </p:pic>
+      <p:pic>
+        <p:nvPicPr>
+          <p:cNvPr id="28" name="Picture 27" descr="A person wearing a mask&#10;&#10;Description automatically generated with low confidence">
+            <a:extLst>
+              <a:ext uri="{FF2B5EF4-FFF2-40B4-BE49-F238E27FC236}">
+                <a16:creationId xmlns:a16="http://schemas.microsoft.com/office/drawing/2014/main" id="{E8B0EE03-D7E6-BB46-B395-49290EE838B6}"/>
+              </a:ext>
+            </a:extLst>
+          </p:cNvPr>
+          <p:cNvPicPr>
+            <a:picLocks noChangeAspect="1"/>
+          </p:cNvPicPr>
+          <p:nvPr/>
+        </p:nvPicPr>
+        <p:blipFill>
+          <a:blip r:embed="rId4"/>
+          <a:stretch>
+            <a:fillRect/>
+          </a:stretch>
+        </p:blipFill>
+        <p:spPr>
+          <a:xfrm>
+            <a:off x="9875888" y="2869928"/>
+            <a:ext cx="1178386" cy="970599"/>
           </a:xfrm>
           <a:prstGeom prst="rect">
             <a:avLst/>
@@ -19917,6 +20729,35 @@
           </p:spPr>
         </p:pic>
       </p:grpSp>
+      <p:pic>
+        <p:nvPicPr>
+          <p:cNvPr id="17" name="Picture 16" descr="Graphical user interface, application&#10;&#10;Description automatically generated">
+            <a:extLst>
+              <a:ext uri="{FF2B5EF4-FFF2-40B4-BE49-F238E27FC236}">
+                <a16:creationId xmlns:a16="http://schemas.microsoft.com/office/drawing/2014/main" id="{678DF59D-B65C-5549-806F-F623031D7FB0}"/>
+              </a:ext>
+            </a:extLst>
+          </p:cNvPr>
+          <p:cNvPicPr>
+            <a:picLocks noChangeAspect="1"/>
+          </p:cNvPicPr>
+          <p:nvPr/>
+        </p:nvPicPr>
+        <p:blipFill rotWithShape="1">
+          <a:blip r:embed="rId4"/>
+          <a:srcRect l="13023" t="23939" r="47940" b="72593"/>
+          <a:stretch/>
+        </p:blipFill>
+        <p:spPr>
+          <a:xfrm>
+            <a:off x="4059381" y="3014171"/>
+            <a:ext cx="4682838" cy="310059"/>
+          </a:xfrm>
+          <a:prstGeom prst="rect">
+            <a:avLst/>
+          </a:prstGeom>
+        </p:spPr>
+      </p:pic>
     </p:spTree>
     <p:extLst>
       <p:ext uri="{BB962C8B-B14F-4D97-AF65-F5344CB8AC3E}">
@@ -20578,12 +21419,41 @@
           </p:txBody>
         </p:sp>
       </p:grpSp>
+      <p:pic>
+        <p:nvPicPr>
+          <p:cNvPr id="22" name="Picture 21" descr="Graphical user interface, application&#10;&#10;Description automatically generated">
+            <a:extLst>
+              <a:ext uri="{FF2B5EF4-FFF2-40B4-BE49-F238E27FC236}">
+                <a16:creationId xmlns:a16="http://schemas.microsoft.com/office/drawing/2014/main" id="{9A45A9EB-B954-6043-9E3E-64A9759F303E}"/>
+              </a:ext>
+            </a:extLst>
+          </p:cNvPr>
+          <p:cNvPicPr>
+            <a:picLocks noChangeAspect="1"/>
+          </p:cNvPicPr>
+          <p:nvPr/>
+        </p:nvPicPr>
+        <p:blipFill rotWithShape="1">
+          <a:blip r:embed="rId3"/>
+          <a:srcRect l="13023" t="23939" r="12488" b="72186"/>
+          <a:stretch/>
+        </p:blipFill>
+        <p:spPr>
+          <a:xfrm>
+            <a:off x="1584442" y="2415742"/>
+            <a:ext cx="9164073" cy="355309"/>
+          </a:xfrm>
+          <a:prstGeom prst="rect">
+            <a:avLst/>
+          </a:prstGeom>
+        </p:spPr>
+      </p:pic>
       <p:grpSp>
         <p:nvGrpSpPr>
-          <p:cNvPr id="2" name="Group 1">
+          <p:cNvPr id="23" name="Group 22">
             <a:extLst>
               <a:ext uri="{FF2B5EF4-FFF2-40B4-BE49-F238E27FC236}">
-                <a16:creationId xmlns:a16="http://schemas.microsoft.com/office/drawing/2014/main" id="{0641F8A9-1068-BC4D-9A11-D8C3DE6BEB53}"/>
+                <a16:creationId xmlns:a16="http://schemas.microsoft.com/office/drawing/2014/main" id="{7D44C72E-4819-DF4E-ABE7-09E4840150F9}"/>
               </a:ext>
             </a:extLst>
           </p:cNvPr>
@@ -20592,7 +21462,7 @@
         </p:nvGrpSpPr>
         <p:grpSpPr>
           <a:xfrm>
-            <a:off x="1174269" y="3043959"/>
+            <a:off x="1210813" y="2869928"/>
             <a:ext cx="9843461" cy="970599"/>
             <a:chOff x="315379" y="2955191"/>
             <a:chExt cx="12482053" cy="1230773"/>
@@ -20600,10 +21470,10 @@
         </p:grpSpPr>
         <p:pic>
           <p:nvPicPr>
-            <p:cNvPr id="13" name="Picture 12" descr="A person wearing a mask&#10;&#10;Description automatically generated with low confidence">
+            <p:cNvPr id="25" name="Picture 24" descr="A person wearing a mask&#10;&#10;Description automatically generated with low confidence">
               <a:extLst>
                 <a:ext uri="{FF2B5EF4-FFF2-40B4-BE49-F238E27FC236}">
-                  <a16:creationId xmlns:a16="http://schemas.microsoft.com/office/drawing/2014/main" id="{B8156BD0-FF24-B346-A14E-18077689C91C}"/>
+                  <a16:creationId xmlns:a16="http://schemas.microsoft.com/office/drawing/2014/main" id="{3BCA1886-C8DD-3347-B06F-92BA182D6E2B}"/>
                 </a:ext>
               </a:extLst>
             </p:cNvPr>
@@ -20613,7 +21483,7 @@
             <p:nvPr/>
           </p:nvPicPr>
           <p:blipFill>
-            <a:blip r:embed="rId3"/>
+            <a:blip r:embed="rId4"/>
             <a:stretch>
               <a:fillRect/>
             </a:stretch>
@@ -20630,10 +21500,10 @@
         </p:pic>
         <p:pic>
           <p:nvPicPr>
-            <p:cNvPr id="16" name="Picture 15" descr="A person wearing a mask&#10;&#10;Description automatically generated with low confidence">
+            <p:cNvPr id="29" name="Picture 28" descr="A person wearing a mask&#10;&#10;Description automatically generated with low confidence">
               <a:extLst>
                 <a:ext uri="{FF2B5EF4-FFF2-40B4-BE49-F238E27FC236}">
-                  <a16:creationId xmlns:a16="http://schemas.microsoft.com/office/drawing/2014/main" id="{CF19374D-609F-E243-8776-852F67083855}"/>
+                  <a16:creationId xmlns:a16="http://schemas.microsoft.com/office/drawing/2014/main" id="{E7A2E906-28AD-864E-861C-AB8EBCA06C68}"/>
                 </a:ext>
               </a:extLst>
             </p:cNvPr>
@@ -20643,7 +21513,7 @@
             <p:nvPr/>
           </p:nvPicPr>
           <p:blipFill>
-            <a:blip r:embed="rId3"/>
+            <a:blip r:embed="rId4"/>
             <a:stretch>
               <a:fillRect/>
             </a:stretch>
@@ -20660,10 +21530,10 @@
         </p:pic>
         <p:pic>
           <p:nvPicPr>
-            <p:cNvPr id="20" name="Picture 19" descr="A person wearing a mask&#10;&#10;Description automatically generated with low confidence">
+            <p:cNvPr id="30" name="Picture 29" descr="A person wearing a mask&#10;&#10;Description automatically generated with low confidence">
               <a:extLst>
                 <a:ext uri="{FF2B5EF4-FFF2-40B4-BE49-F238E27FC236}">
-                  <a16:creationId xmlns:a16="http://schemas.microsoft.com/office/drawing/2014/main" id="{149DC621-EEDB-4D4E-B963-D1886E498022}"/>
+                  <a16:creationId xmlns:a16="http://schemas.microsoft.com/office/drawing/2014/main" id="{A0B3AB70-6557-CA41-9722-202906C15970}"/>
                 </a:ext>
               </a:extLst>
             </p:cNvPr>
@@ -20673,7 +21543,7 @@
             <p:nvPr/>
           </p:nvPicPr>
           <p:blipFill>
-            <a:blip r:embed="rId3"/>
+            <a:blip r:embed="rId4"/>
             <a:stretch>
               <a:fillRect/>
             </a:stretch>
@@ -20690,10 +21560,10 @@
         </p:pic>
         <p:pic>
           <p:nvPicPr>
-            <p:cNvPr id="21" name="Picture 20" descr="A person wearing a mask&#10;&#10;Description automatically generated with low confidence">
+            <p:cNvPr id="31" name="Picture 30" descr="A person wearing a mask&#10;&#10;Description automatically generated with low confidence">
               <a:extLst>
                 <a:ext uri="{FF2B5EF4-FFF2-40B4-BE49-F238E27FC236}">
-                  <a16:creationId xmlns:a16="http://schemas.microsoft.com/office/drawing/2014/main" id="{66BC36A4-00D2-224F-96A4-DA09169D4F86}"/>
+                  <a16:creationId xmlns:a16="http://schemas.microsoft.com/office/drawing/2014/main" id="{9D733D0A-F378-4D4B-B0D4-3AC68192998F}"/>
                 </a:ext>
               </a:extLst>
             </p:cNvPr>
@@ -20703,7 +21573,7 @@
             <p:nvPr/>
           </p:nvPicPr>
           <p:blipFill>
-            <a:blip r:embed="rId3"/>
+            <a:blip r:embed="rId4"/>
             <a:stretch>
               <a:fillRect/>
             </a:stretch>
@@ -20720,10 +21590,10 @@
         </p:pic>
         <p:pic>
           <p:nvPicPr>
-            <p:cNvPr id="24" name="Picture 23" descr="A person wearing a mask&#10;&#10;Description automatically generated with low confidence">
+            <p:cNvPr id="32" name="Picture 31" descr="A person wearing a mask&#10;&#10;Description automatically generated with low confidence">
               <a:extLst>
                 <a:ext uri="{FF2B5EF4-FFF2-40B4-BE49-F238E27FC236}">
-                  <a16:creationId xmlns:a16="http://schemas.microsoft.com/office/drawing/2014/main" id="{CACA5DD5-1BEB-B941-ACEE-D229C6CC1FC8}"/>
+                  <a16:creationId xmlns:a16="http://schemas.microsoft.com/office/drawing/2014/main" id="{6D525B0A-967D-5447-BEAF-3B0D3F3989BA}"/>
                 </a:ext>
               </a:extLst>
             </p:cNvPr>
@@ -20733,7 +21603,7 @@
             <p:nvPr/>
           </p:nvPicPr>
           <p:blipFill>
-            <a:blip r:embed="rId3"/>
+            <a:blip r:embed="rId4"/>
             <a:stretch>
               <a:fillRect/>
             </a:stretch>
@@ -20750,10 +21620,10 @@
         </p:pic>
         <p:pic>
           <p:nvPicPr>
-            <p:cNvPr id="26" name="Picture 25" descr="A person wearing a mask&#10;&#10;Description automatically generated with low confidence">
+            <p:cNvPr id="33" name="Picture 32" descr="A person wearing a mask&#10;&#10;Description automatically generated with low confidence">
               <a:extLst>
                 <a:ext uri="{FF2B5EF4-FFF2-40B4-BE49-F238E27FC236}">
-                  <a16:creationId xmlns:a16="http://schemas.microsoft.com/office/drawing/2014/main" id="{9CD35228-D182-4148-9C39-127C95030C46}"/>
+                  <a16:creationId xmlns:a16="http://schemas.microsoft.com/office/drawing/2014/main" id="{EF115985-283C-D549-879F-CD5DB2458BDF}"/>
                 </a:ext>
               </a:extLst>
             </p:cNvPr>
@@ -20763,7 +21633,7 @@
             <p:nvPr/>
           </p:nvPicPr>
           <p:blipFill>
-            <a:blip r:embed="rId3"/>
+            <a:blip r:embed="rId4"/>
             <a:stretch>
               <a:fillRect/>
             </a:stretch>
@@ -20780,10 +21650,10 @@
         </p:pic>
         <p:pic>
           <p:nvPicPr>
-            <p:cNvPr id="27" name="Picture 26" descr="A person wearing a mask&#10;&#10;Description automatically generated with low confidence">
+            <p:cNvPr id="34" name="Picture 33" descr="A person wearing a mask&#10;&#10;Description automatically generated with low confidence">
               <a:extLst>
                 <a:ext uri="{FF2B5EF4-FFF2-40B4-BE49-F238E27FC236}">
-                  <a16:creationId xmlns:a16="http://schemas.microsoft.com/office/drawing/2014/main" id="{AC0A0E79-988C-EB4D-957D-A251E4B84326}"/>
+                  <a16:creationId xmlns:a16="http://schemas.microsoft.com/office/drawing/2014/main" id="{5DBDBC09-4F45-2E48-B36F-08FCFA0F844D}"/>
                 </a:ext>
               </a:extLst>
             </p:cNvPr>
@@ -20793,7 +21663,7 @@
             <p:nvPr/>
           </p:nvPicPr>
           <p:blipFill>
-            <a:blip r:embed="rId3"/>
+            <a:blip r:embed="rId4"/>
             <a:stretch>
               <a:fillRect/>
             </a:stretch>
@@ -20810,10 +21680,10 @@
         </p:pic>
         <p:pic>
           <p:nvPicPr>
-            <p:cNvPr id="28" name="Picture 27" descr="A person wearing a mask&#10;&#10;Description automatically generated with low confidence">
+            <p:cNvPr id="35" name="Picture 34" descr="A person wearing a mask&#10;&#10;Description automatically generated with low confidence">
               <a:extLst>
                 <a:ext uri="{FF2B5EF4-FFF2-40B4-BE49-F238E27FC236}">
-                  <a16:creationId xmlns:a16="http://schemas.microsoft.com/office/drawing/2014/main" id="{5937BF69-7433-FD40-991F-A12C0465DD3F}"/>
+                  <a16:creationId xmlns:a16="http://schemas.microsoft.com/office/drawing/2014/main" id="{34B81F3D-0302-4C48-B86A-208D76763BE7}"/>
                 </a:ext>
               </a:extLst>
             </p:cNvPr>
@@ -20823,7 +21693,7 @@
             <p:nvPr/>
           </p:nvPicPr>
           <p:blipFill>
-            <a:blip r:embed="rId3"/>
+            <a:blip r:embed="rId4"/>
             <a:stretch>
               <a:fillRect/>
             </a:stretch>
@@ -20929,7 +21799,7 @@
         </p:nvSpPr>
         <p:spPr>
           <a:xfrm>
-            <a:off x="3992880" y="5256766"/>
+            <a:off x="3992880" y="5201237"/>
             <a:ext cx="4206240" cy="973959"/>
           </a:xfrm>
           <a:prstGeom prst="rect">
@@ -20983,58 +21853,6 @@
           <a:xfrm>
             <a:off x="7672815" y="3522659"/>
             <a:ext cx="351046" cy="276498"/>
-          </a:xfrm>
-          <a:prstGeom prst="rect">
-            <a:avLst/>
-          </a:prstGeom>
-          <a:solidFill>
-            <a:schemeClr val="bg1"/>
-          </a:solidFill>
-          <a:ln>
-            <a:noFill/>
-          </a:ln>
-        </p:spPr>
-        <p:style>
-          <a:lnRef idx="2">
-            <a:schemeClr val="accent1">
-              <a:shade val="50000"/>
-            </a:schemeClr>
-          </a:lnRef>
-          <a:fillRef idx="1">
-            <a:schemeClr val="accent1"/>
-          </a:fillRef>
-          <a:effectRef idx="0">
-            <a:schemeClr val="accent1"/>
-          </a:effectRef>
-          <a:fontRef idx="minor">
-            <a:schemeClr val="lt1"/>
-          </a:fontRef>
-        </p:style>
-        <p:txBody>
-          <a:bodyPr rtlCol="0" anchor="ctr"/>
-          <a:lstStyle/>
-          <a:p>
-            <a:pPr algn="ctr"/>
-            <a:endParaRPr lang="en-US"/>
-          </a:p>
-        </p:txBody>
-      </p:sp>
-      <p:sp>
-        <p:nvSpPr>
-          <p:cNvPr id="9" name="Rectangle 8">
-            <a:extLst>
-              <a:ext uri="{FF2B5EF4-FFF2-40B4-BE49-F238E27FC236}">
-                <a16:creationId xmlns:a16="http://schemas.microsoft.com/office/drawing/2014/main" id="{327EB9F4-3524-9D41-8A59-5EB3FA91976E}"/>
-              </a:ext>
-            </a:extLst>
-          </p:cNvPr>
-          <p:cNvSpPr/>
-          <p:nvPr/>
-        </p:nvSpPr>
-        <p:spPr>
-          <a:xfrm>
-            <a:off x="840890" y="3063925"/>
-            <a:ext cx="4206240" cy="973959"/>
           </a:xfrm>
           <a:prstGeom prst="rect">
             <a:avLst/>
@@ -21656,35 +22474,6 @@
           </p:txBody>
         </p:sp>
       </p:grpSp>
-      <p:pic>
-        <p:nvPicPr>
-          <p:cNvPr id="24" name="Picture 23" descr="Graphical user interface&#10;&#10;Description automatically generated">
-            <a:extLst>
-              <a:ext uri="{FF2B5EF4-FFF2-40B4-BE49-F238E27FC236}">
-                <a16:creationId xmlns:a16="http://schemas.microsoft.com/office/drawing/2014/main" id="{01DE0E0F-8E4D-C949-B115-D4F5A4B49972}"/>
-              </a:ext>
-            </a:extLst>
-          </p:cNvPr>
-          <p:cNvPicPr>
-            <a:picLocks noChangeAspect="1"/>
-          </p:cNvPicPr>
-          <p:nvPr/>
-        </p:nvPicPr>
-        <p:blipFill rotWithShape="1">
-          <a:blip r:embed="rId3"/>
-          <a:srcRect l="8889" t="26039" r="8889" b="54353"/>
-          <a:stretch/>
-        </p:blipFill>
-        <p:spPr>
-          <a:xfrm>
-            <a:off x="1617216" y="2528495"/>
-            <a:ext cx="8957567" cy="1592355"/>
-          </a:xfrm>
-          <a:prstGeom prst="rect">
-            <a:avLst/>
-          </a:prstGeom>
-        </p:spPr>
-      </p:pic>
       <p:sp>
         <p:nvSpPr>
           <p:cNvPr id="26" name="TextBox 25">
@@ -21738,14 +22527,259 @@
           <p:nvPr/>
         </p:nvPicPr>
         <p:blipFill rotWithShape="1">
-          <a:blip r:embed="rId4"/>
+          <a:blip r:embed="rId3"/>
           <a:srcRect l="13023" t="23939" r="12488" b="72186"/>
           <a:stretch/>
         </p:blipFill>
         <p:spPr>
           <a:xfrm>
-            <a:off x="2080079" y="2349125"/>
-            <a:ext cx="8104930" cy="314244"/>
+            <a:off x="1584442" y="2415742"/>
+            <a:ext cx="9164073" cy="355309"/>
+          </a:xfrm>
+          <a:prstGeom prst="rect">
+            <a:avLst/>
+          </a:prstGeom>
+        </p:spPr>
+      </p:pic>
+      <p:pic>
+        <p:nvPicPr>
+          <p:cNvPr id="25" name="Picture 24" descr="A person wearing a mask&#10;&#10;Description automatically generated with low confidence">
+            <a:extLst>
+              <a:ext uri="{FF2B5EF4-FFF2-40B4-BE49-F238E27FC236}">
+                <a16:creationId xmlns:a16="http://schemas.microsoft.com/office/drawing/2014/main" id="{AD1A7681-6E0B-1F46-98CD-D014FE29C2B5}"/>
+              </a:ext>
+            </a:extLst>
+          </p:cNvPr>
+          <p:cNvPicPr>
+            <a:picLocks noChangeAspect="1"/>
+          </p:cNvPicPr>
+          <p:nvPr/>
+        </p:nvPicPr>
+        <p:blipFill>
+          <a:blip r:embed="rId4"/>
+          <a:stretch>
+            <a:fillRect/>
+          </a:stretch>
+        </p:blipFill>
+        <p:spPr>
+          <a:xfrm>
+            <a:off x="1210813" y="2869928"/>
+            <a:ext cx="1178386" cy="970599"/>
+          </a:xfrm>
+          <a:prstGeom prst="rect">
+            <a:avLst/>
+          </a:prstGeom>
+          <a:ln w="38100">
+            <a:solidFill>
+              <a:srgbClr val="FFFF66"/>
+            </a:solidFill>
+          </a:ln>
+        </p:spPr>
+      </p:pic>
+      <p:pic>
+        <p:nvPicPr>
+          <p:cNvPr id="28" name="Picture 27" descr="A person wearing a mask&#10;&#10;Description automatically generated with low confidence">
+            <a:extLst>
+              <a:ext uri="{FF2B5EF4-FFF2-40B4-BE49-F238E27FC236}">
+                <a16:creationId xmlns:a16="http://schemas.microsoft.com/office/drawing/2014/main" id="{A7AE0E6E-72C7-3B46-B80E-FDB9A3084736}"/>
+              </a:ext>
+            </a:extLst>
+          </p:cNvPr>
+          <p:cNvPicPr>
+            <a:picLocks noChangeAspect="1"/>
+          </p:cNvPicPr>
+          <p:nvPr/>
+        </p:nvPicPr>
+        <p:blipFill>
+          <a:blip r:embed="rId4"/>
+          <a:stretch>
+            <a:fillRect/>
+          </a:stretch>
+        </p:blipFill>
+        <p:spPr>
+          <a:xfrm>
+            <a:off x="2442390" y="2869928"/>
+            <a:ext cx="1178386" cy="970599"/>
+          </a:xfrm>
+          <a:prstGeom prst="rect">
+            <a:avLst/>
+          </a:prstGeom>
+        </p:spPr>
+      </p:pic>
+      <p:pic>
+        <p:nvPicPr>
+          <p:cNvPr id="29" name="Picture 28" descr="A person wearing a mask&#10;&#10;Description automatically generated with low confidence">
+            <a:extLst>
+              <a:ext uri="{FF2B5EF4-FFF2-40B4-BE49-F238E27FC236}">
+                <a16:creationId xmlns:a16="http://schemas.microsoft.com/office/drawing/2014/main" id="{F7AA9326-4CF8-FD47-8800-5EDBD52C5A2C}"/>
+              </a:ext>
+            </a:extLst>
+          </p:cNvPr>
+          <p:cNvPicPr>
+            <a:picLocks noChangeAspect="1"/>
+          </p:cNvPicPr>
+          <p:nvPr/>
+        </p:nvPicPr>
+        <p:blipFill>
+          <a:blip r:embed="rId4"/>
+          <a:stretch>
+            <a:fillRect/>
+          </a:stretch>
+        </p:blipFill>
+        <p:spPr>
+          <a:xfrm>
+            <a:off x="3673967" y="2869928"/>
+            <a:ext cx="1178386" cy="970599"/>
+          </a:xfrm>
+          <a:prstGeom prst="rect">
+            <a:avLst/>
+          </a:prstGeom>
+        </p:spPr>
+      </p:pic>
+      <p:pic>
+        <p:nvPicPr>
+          <p:cNvPr id="30" name="Picture 29" descr="A person wearing a mask&#10;&#10;Description automatically generated with low confidence">
+            <a:extLst>
+              <a:ext uri="{FF2B5EF4-FFF2-40B4-BE49-F238E27FC236}">
+                <a16:creationId xmlns:a16="http://schemas.microsoft.com/office/drawing/2014/main" id="{4044AF2A-BFA6-E844-9886-B8FC146FC999}"/>
+              </a:ext>
+            </a:extLst>
+          </p:cNvPr>
+          <p:cNvPicPr>
+            <a:picLocks noChangeAspect="1"/>
+          </p:cNvPicPr>
+          <p:nvPr/>
+        </p:nvPicPr>
+        <p:blipFill>
+          <a:blip r:embed="rId4"/>
+          <a:stretch>
+            <a:fillRect/>
+          </a:stretch>
+        </p:blipFill>
+        <p:spPr>
+          <a:xfrm>
+            <a:off x="4920223" y="2869928"/>
+            <a:ext cx="1178386" cy="970599"/>
+          </a:xfrm>
+          <a:prstGeom prst="rect">
+            <a:avLst/>
+          </a:prstGeom>
+        </p:spPr>
+      </p:pic>
+      <p:pic>
+        <p:nvPicPr>
+          <p:cNvPr id="31" name="Picture 30" descr="A person wearing a mask&#10;&#10;Description automatically generated with low confidence">
+            <a:extLst>
+              <a:ext uri="{FF2B5EF4-FFF2-40B4-BE49-F238E27FC236}">
+                <a16:creationId xmlns:a16="http://schemas.microsoft.com/office/drawing/2014/main" id="{656D0330-6CF2-6A4D-9552-AADC0FA9975A}"/>
+              </a:ext>
+            </a:extLst>
+          </p:cNvPr>
+          <p:cNvPicPr>
+            <a:picLocks noChangeAspect="1"/>
+          </p:cNvPicPr>
+          <p:nvPr/>
+        </p:nvPicPr>
+        <p:blipFill>
+          <a:blip r:embed="rId4"/>
+          <a:stretch>
+            <a:fillRect/>
+          </a:stretch>
+        </p:blipFill>
+        <p:spPr>
+          <a:xfrm>
+            <a:off x="6166479" y="2869928"/>
+            <a:ext cx="1178386" cy="970599"/>
+          </a:xfrm>
+          <a:prstGeom prst="rect">
+            <a:avLst/>
+          </a:prstGeom>
+        </p:spPr>
+      </p:pic>
+      <p:pic>
+        <p:nvPicPr>
+          <p:cNvPr id="32" name="Picture 31" descr="A person wearing a mask&#10;&#10;Description automatically generated with low confidence">
+            <a:extLst>
+              <a:ext uri="{FF2B5EF4-FFF2-40B4-BE49-F238E27FC236}">
+                <a16:creationId xmlns:a16="http://schemas.microsoft.com/office/drawing/2014/main" id="{C53222DE-8355-4A40-AF3F-F147D1B32745}"/>
+              </a:ext>
+            </a:extLst>
+          </p:cNvPr>
+          <p:cNvPicPr>
+            <a:picLocks noChangeAspect="1"/>
+          </p:cNvPicPr>
+          <p:nvPr/>
+        </p:nvPicPr>
+        <p:blipFill>
+          <a:blip r:embed="rId4"/>
+          <a:stretch>
+            <a:fillRect/>
+          </a:stretch>
+        </p:blipFill>
+        <p:spPr>
+          <a:xfrm>
+            <a:off x="7398056" y="2869928"/>
+            <a:ext cx="1178386" cy="970599"/>
+          </a:xfrm>
+          <a:prstGeom prst="rect">
+            <a:avLst/>
+          </a:prstGeom>
+        </p:spPr>
+      </p:pic>
+      <p:pic>
+        <p:nvPicPr>
+          <p:cNvPr id="33" name="Picture 32" descr="A person wearing a mask&#10;&#10;Description automatically generated with low confidence">
+            <a:extLst>
+              <a:ext uri="{FF2B5EF4-FFF2-40B4-BE49-F238E27FC236}">
+                <a16:creationId xmlns:a16="http://schemas.microsoft.com/office/drawing/2014/main" id="{541B2B48-82EF-4C4C-9C19-91E8FA604F95}"/>
+              </a:ext>
+            </a:extLst>
+          </p:cNvPr>
+          <p:cNvPicPr>
+            <a:picLocks noChangeAspect="1"/>
+          </p:cNvPicPr>
+          <p:nvPr/>
+        </p:nvPicPr>
+        <p:blipFill>
+          <a:blip r:embed="rId4"/>
+          <a:stretch>
+            <a:fillRect/>
+          </a:stretch>
+        </p:blipFill>
+        <p:spPr>
+          <a:xfrm>
+            <a:off x="8629633" y="2869928"/>
+            <a:ext cx="1178386" cy="970599"/>
+          </a:xfrm>
+          <a:prstGeom prst="rect">
+            <a:avLst/>
+          </a:prstGeom>
+        </p:spPr>
+      </p:pic>
+      <p:pic>
+        <p:nvPicPr>
+          <p:cNvPr id="34" name="Picture 33" descr="A person wearing a mask&#10;&#10;Description automatically generated with low confidence">
+            <a:extLst>
+              <a:ext uri="{FF2B5EF4-FFF2-40B4-BE49-F238E27FC236}">
+                <a16:creationId xmlns:a16="http://schemas.microsoft.com/office/drawing/2014/main" id="{A6AFE625-7A0B-5945-A183-0B695670203B}"/>
+              </a:ext>
+            </a:extLst>
+          </p:cNvPr>
+          <p:cNvPicPr>
+            <a:picLocks noChangeAspect="1"/>
+          </p:cNvPicPr>
+          <p:nvPr/>
+        </p:nvPicPr>
+        <p:blipFill>
+          <a:blip r:embed="rId4"/>
+          <a:stretch>
+            <a:fillRect/>
+          </a:stretch>
+        </p:blipFill>
+        <p:spPr>
+          <a:xfrm>
+            <a:off x="9875888" y="2869928"/>
+            <a:ext cx="1178386" cy="970599"/>
           </a:xfrm>
           <a:prstGeom prst="rect">
             <a:avLst/>
@@ -22621,35 +23655,6 @@
           </a:p>
         </p:txBody>
       </p:sp>
-      <p:pic>
-        <p:nvPicPr>
-          <p:cNvPr id="29" name="Picture 28" descr="Graphical user interface&#10;&#10;Description automatically generated">
-            <a:extLst>
-              <a:ext uri="{FF2B5EF4-FFF2-40B4-BE49-F238E27FC236}">
-                <a16:creationId xmlns:a16="http://schemas.microsoft.com/office/drawing/2014/main" id="{74E8DE2F-935C-9648-95F4-6B5B6A67E802}"/>
-              </a:ext>
-            </a:extLst>
-          </p:cNvPr>
-          <p:cNvPicPr>
-            <a:picLocks noChangeAspect="1"/>
-          </p:cNvPicPr>
-          <p:nvPr/>
-        </p:nvPicPr>
-        <p:blipFill rotWithShape="1">
-          <a:blip r:embed="rId3"/>
-          <a:srcRect l="8889" t="26039" r="8889" b="54353"/>
-          <a:stretch/>
-        </p:blipFill>
-        <p:spPr>
-          <a:xfrm>
-            <a:off x="1617216" y="2528495"/>
-            <a:ext cx="8957567" cy="1592355"/>
-          </a:xfrm>
-          <a:prstGeom prst="rect">
-            <a:avLst/>
-          </a:prstGeom>
-        </p:spPr>
-      </p:pic>
       <p:sp>
         <p:nvSpPr>
           <p:cNvPr id="30" name="TextBox 29">
@@ -22690,10 +23695,10 @@
       </p:sp>
       <p:pic>
         <p:nvPicPr>
-          <p:cNvPr id="31" name="Picture 30" descr="Graphical user interface, application&#10;&#10;Description automatically generated">
+          <p:cNvPr id="23" name="Picture 22" descr="Graphical user interface, application&#10;&#10;Description automatically generated">
             <a:extLst>
               <a:ext uri="{FF2B5EF4-FFF2-40B4-BE49-F238E27FC236}">
-                <a16:creationId xmlns:a16="http://schemas.microsoft.com/office/drawing/2014/main" id="{1350565D-769D-814A-B83A-9B36928D897A}"/>
+                <a16:creationId xmlns:a16="http://schemas.microsoft.com/office/drawing/2014/main" id="{27B3BBCA-AB75-3546-B2DA-B10FFCCF33CB}"/>
               </a:ext>
             </a:extLst>
           </p:cNvPr>
@@ -22703,14 +23708,259 @@
           <p:nvPr/>
         </p:nvPicPr>
         <p:blipFill rotWithShape="1">
-          <a:blip r:embed="rId4"/>
+          <a:blip r:embed="rId3"/>
           <a:srcRect l="13023" t="23939" r="12488" b="72186"/>
           <a:stretch/>
         </p:blipFill>
         <p:spPr>
           <a:xfrm>
-            <a:off x="2080079" y="2349125"/>
-            <a:ext cx="8104930" cy="314244"/>
+            <a:off x="1584442" y="2415742"/>
+            <a:ext cx="9164073" cy="355309"/>
+          </a:xfrm>
+          <a:prstGeom prst="rect">
+            <a:avLst/>
+          </a:prstGeom>
+        </p:spPr>
+      </p:pic>
+      <p:pic>
+        <p:nvPicPr>
+          <p:cNvPr id="25" name="Picture 24" descr="A person wearing a mask&#10;&#10;Description automatically generated with low confidence">
+            <a:extLst>
+              <a:ext uri="{FF2B5EF4-FFF2-40B4-BE49-F238E27FC236}">
+                <a16:creationId xmlns:a16="http://schemas.microsoft.com/office/drawing/2014/main" id="{914628C9-29A3-824D-98B2-F992030920D4}"/>
+              </a:ext>
+            </a:extLst>
+          </p:cNvPr>
+          <p:cNvPicPr>
+            <a:picLocks noChangeAspect="1"/>
+          </p:cNvPicPr>
+          <p:nvPr/>
+        </p:nvPicPr>
+        <p:blipFill>
+          <a:blip r:embed="rId4"/>
+          <a:stretch>
+            <a:fillRect/>
+          </a:stretch>
+        </p:blipFill>
+        <p:spPr>
+          <a:xfrm>
+            <a:off x="1210813" y="2869928"/>
+            <a:ext cx="1178386" cy="970599"/>
+          </a:xfrm>
+          <a:prstGeom prst="rect">
+            <a:avLst/>
+          </a:prstGeom>
+          <a:ln w="38100">
+            <a:solidFill>
+              <a:srgbClr val="FFFF66"/>
+            </a:solidFill>
+          </a:ln>
+        </p:spPr>
+      </p:pic>
+      <p:pic>
+        <p:nvPicPr>
+          <p:cNvPr id="26" name="Picture 25" descr="A person wearing a mask&#10;&#10;Description automatically generated with low confidence">
+            <a:extLst>
+              <a:ext uri="{FF2B5EF4-FFF2-40B4-BE49-F238E27FC236}">
+                <a16:creationId xmlns:a16="http://schemas.microsoft.com/office/drawing/2014/main" id="{7C6235FF-4354-934D-A4F0-3B14EEEDE7FA}"/>
+              </a:ext>
+            </a:extLst>
+          </p:cNvPr>
+          <p:cNvPicPr>
+            <a:picLocks noChangeAspect="1"/>
+          </p:cNvPicPr>
+          <p:nvPr/>
+        </p:nvPicPr>
+        <p:blipFill>
+          <a:blip r:embed="rId4"/>
+          <a:stretch>
+            <a:fillRect/>
+          </a:stretch>
+        </p:blipFill>
+        <p:spPr>
+          <a:xfrm>
+            <a:off x="2442390" y="2869928"/>
+            <a:ext cx="1178386" cy="970599"/>
+          </a:xfrm>
+          <a:prstGeom prst="rect">
+            <a:avLst/>
+          </a:prstGeom>
+        </p:spPr>
+      </p:pic>
+      <p:pic>
+        <p:nvPicPr>
+          <p:cNvPr id="27" name="Picture 26" descr="A person wearing a mask&#10;&#10;Description automatically generated with low confidence">
+            <a:extLst>
+              <a:ext uri="{FF2B5EF4-FFF2-40B4-BE49-F238E27FC236}">
+                <a16:creationId xmlns:a16="http://schemas.microsoft.com/office/drawing/2014/main" id="{EEAEE498-43BD-B64B-94AC-1650177823D9}"/>
+              </a:ext>
+            </a:extLst>
+          </p:cNvPr>
+          <p:cNvPicPr>
+            <a:picLocks noChangeAspect="1"/>
+          </p:cNvPicPr>
+          <p:nvPr/>
+        </p:nvPicPr>
+        <p:blipFill>
+          <a:blip r:embed="rId4"/>
+          <a:stretch>
+            <a:fillRect/>
+          </a:stretch>
+        </p:blipFill>
+        <p:spPr>
+          <a:xfrm>
+            <a:off x="3673967" y="2869928"/>
+            <a:ext cx="1178386" cy="970599"/>
+          </a:xfrm>
+          <a:prstGeom prst="rect">
+            <a:avLst/>
+          </a:prstGeom>
+        </p:spPr>
+      </p:pic>
+      <p:pic>
+        <p:nvPicPr>
+          <p:cNvPr id="32" name="Picture 31" descr="A person wearing a mask&#10;&#10;Description automatically generated with low confidence">
+            <a:extLst>
+              <a:ext uri="{FF2B5EF4-FFF2-40B4-BE49-F238E27FC236}">
+                <a16:creationId xmlns:a16="http://schemas.microsoft.com/office/drawing/2014/main" id="{73006CCC-A8D5-0B46-9273-2B217D1AD185}"/>
+              </a:ext>
+            </a:extLst>
+          </p:cNvPr>
+          <p:cNvPicPr>
+            <a:picLocks noChangeAspect="1"/>
+          </p:cNvPicPr>
+          <p:nvPr/>
+        </p:nvPicPr>
+        <p:blipFill>
+          <a:blip r:embed="rId4"/>
+          <a:stretch>
+            <a:fillRect/>
+          </a:stretch>
+        </p:blipFill>
+        <p:spPr>
+          <a:xfrm>
+            <a:off x="4920223" y="2869928"/>
+            <a:ext cx="1178386" cy="970599"/>
+          </a:xfrm>
+          <a:prstGeom prst="rect">
+            <a:avLst/>
+          </a:prstGeom>
+        </p:spPr>
+      </p:pic>
+      <p:pic>
+        <p:nvPicPr>
+          <p:cNvPr id="33" name="Picture 32" descr="A person wearing a mask&#10;&#10;Description automatically generated with low confidence">
+            <a:extLst>
+              <a:ext uri="{FF2B5EF4-FFF2-40B4-BE49-F238E27FC236}">
+                <a16:creationId xmlns:a16="http://schemas.microsoft.com/office/drawing/2014/main" id="{07152E19-1D5B-BE42-BC98-439740B46635}"/>
+              </a:ext>
+            </a:extLst>
+          </p:cNvPr>
+          <p:cNvPicPr>
+            <a:picLocks noChangeAspect="1"/>
+          </p:cNvPicPr>
+          <p:nvPr/>
+        </p:nvPicPr>
+        <p:blipFill>
+          <a:blip r:embed="rId4"/>
+          <a:stretch>
+            <a:fillRect/>
+          </a:stretch>
+        </p:blipFill>
+        <p:spPr>
+          <a:xfrm>
+            <a:off x="6166479" y="2869928"/>
+            <a:ext cx="1178386" cy="970599"/>
+          </a:xfrm>
+          <a:prstGeom prst="rect">
+            <a:avLst/>
+          </a:prstGeom>
+        </p:spPr>
+      </p:pic>
+      <p:pic>
+        <p:nvPicPr>
+          <p:cNvPr id="34" name="Picture 33" descr="A person wearing a mask&#10;&#10;Description automatically generated with low confidence">
+            <a:extLst>
+              <a:ext uri="{FF2B5EF4-FFF2-40B4-BE49-F238E27FC236}">
+                <a16:creationId xmlns:a16="http://schemas.microsoft.com/office/drawing/2014/main" id="{B67E5662-A704-5A49-8569-1F8A66431352}"/>
+              </a:ext>
+            </a:extLst>
+          </p:cNvPr>
+          <p:cNvPicPr>
+            <a:picLocks noChangeAspect="1"/>
+          </p:cNvPicPr>
+          <p:nvPr/>
+        </p:nvPicPr>
+        <p:blipFill>
+          <a:blip r:embed="rId4"/>
+          <a:stretch>
+            <a:fillRect/>
+          </a:stretch>
+        </p:blipFill>
+        <p:spPr>
+          <a:xfrm>
+            <a:off x="7398056" y="2869928"/>
+            <a:ext cx="1178386" cy="970599"/>
+          </a:xfrm>
+          <a:prstGeom prst="rect">
+            <a:avLst/>
+          </a:prstGeom>
+        </p:spPr>
+      </p:pic>
+      <p:pic>
+        <p:nvPicPr>
+          <p:cNvPr id="35" name="Picture 34" descr="A person wearing a mask&#10;&#10;Description automatically generated with low confidence">
+            <a:extLst>
+              <a:ext uri="{FF2B5EF4-FFF2-40B4-BE49-F238E27FC236}">
+                <a16:creationId xmlns:a16="http://schemas.microsoft.com/office/drawing/2014/main" id="{D475CAA5-702D-D147-BDB1-8C8D2DA6BDD6}"/>
+              </a:ext>
+            </a:extLst>
+          </p:cNvPr>
+          <p:cNvPicPr>
+            <a:picLocks noChangeAspect="1"/>
+          </p:cNvPicPr>
+          <p:nvPr/>
+        </p:nvPicPr>
+        <p:blipFill>
+          <a:blip r:embed="rId4"/>
+          <a:stretch>
+            <a:fillRect/>
+          </a:stretch>
+        </p:blipFill>
+        <p:spPr>
+          <a:xfrm>
+            <a:off x="8629633" y="2869928"/>
+            <a:ext cx="1178386" cy="970599"/>
+          </a:xfrm>
+          <a:prstGeom prst="rect">
+            <a:avLst/>
+          </a:prstGeom>
+        </p:spPr>
+      </p:pic>
+      <p:pic>
+        <p:nvPicPr>
+          <p:cNvPr id="36" name="Picture 35" descr="A person wearing a mask&#10;&#10;Description automatically generated with low confidence">
+            <a:extLst>
+              <a:ext uri="{FF2B5EF4-FFF2-40B4-BE49-F238E27FC236}">
+                <a16:creationId xmlns:a16="http://schemas.microsoft.com/office/drawing/2014/main" id="{21B91B89-B18D-814B-90AF-7D2FEA8B0F92}"/>
+              </a:ext>
+            </a:extLst>
+          </p:cNvPr>
+          <p:cNvPicPr>
+            <a:picLocks noChangeAspect="1"/>
+          </p:cNvPicPr>
+          <p:nvPr/>
+        </p:nvPicPr>
+        <p:blipFill>
+          <a:blip r:embed="rId4"/>
+          <a:stretch>
+            <a:fillRect/>
+          </a:stretch>
+        </p:blipFill>
+        <p:spPr>
+          <a:xfrm>
+            <a:off x="9875888" y="2869928"/>
+            <a:ext cx="1178386" cy="970599"/>
           </a:xfrm>
           <a:prstGeom prst="rect">
             <a:avLst/>
